--- a/Datasheet/Datasheet_capteur_2025.pptx
+++ b/Datasheet/Datasheet_capteur_2025.pptx
@@ -4402,6 +4402,98 @@
           </a:p>
         </p:txBody>
       </p:sp>
+      <p:sp>
+        <p:nvSpPr>
+          <p:cNvPr id="14" name="ZoneTexte 13">
+            <a:extLst>
+              <a:ext uri="{FF2B5EF4-FFF2-40B4-BE49-F238E27FC236}">
+                <a16:creationId xmlns:a16="http://schemas.microsoft.com/office/drawing/2014/main" id="{797E5605-BAD3-3266-C4AD-15F8796B4CC9}"/>
+              </a:ext>
+            </a:extLst>
+          </p:cNvPr>
+          <p:cNvSpPr txBox="1"/>
+          <p:nvPr/>
+        </p:nvSpPr>
+        <p:spPr>
+          <a:xfrm>
+            <a:off x="159233" y="4170284"/>
+            <a:ext cx="2857500" cy="369332"/>
+          </a:xfrm>
+          <a:prstGeom prst="rect">
+            <a:avLst/>
+          </a:prstGeom>
+          <a:noFill/>
+        </p:spPr>
+        <p:txBody>
+          <a:bodyPr wrap="square" rtlCol="0">
+            <a:spAutoFit/>
+          </a:bodyPr>
+          <a:lstStyle/>
+          <a:p>
+            <a:r>
+              <a:rPr lang="fr-FR" b="1" u="sng" dirty="0">
+                <a:latin typeface="Abadi" panose="020B0604020104020204" pitchFamily="34" charset="0"/>
+              </a:rPr>
+              <a:t>Dimensions</a:t>
+            </a:r>
+            <a:r>
+              <a:rPr lang="fr-FR" dirty="0">
+                <a:latin typeface="Abadi" panose="020B0604020104020204" pitchFamily="34" charset="0"/>
+              </a:rPr>
+              <a:t>: </a:t>
+            </a:r>
+          </a:p>
+        </p:txBody>
+      </p:sp>
+      <p:sp>
+        <p:nvSpPr>
+          <p:cNvPr id="15" name="ZoneTexte 14">
+            <a:extLst>
+              <a:ext uri="{FF2B5EF4-FFF2-40B4-BE49-F238E27FC236}">
+                <a16:creationId xmlns:a16="http://schemas.microsoft.com/office/drawing/2014/main" id="{937B9815-65DE-3CEF-5303-ED5DA52BEEFD}"/>
+              </a:ext>
+            </a:extLst>
+          </p:cNvPr>
+          <p:cNvSpPr txBox="1"/>
+          <p:nvPr/>
+        </p:nvSpPr>
+        <p:spPr>
+          <a:xfrm>
+            <a:off x="125896" y="6103859"/>
+            <a:ext cx="2857500" cy="369332"/>
+          </a:xfrm>
+          <a:prstGeom prst="rect">
+            <a:avLst/>
+          </a:prstGeom>
+          <a:noFill/>
+        </p:spPr>
+        <p:txBody>
+          <a:bodyPr wrap="square" rtlCol="0">
+            <a:spAutoFit/>
+          </a:bodyPr>
+          <a:lstStyle/>
+          <a:p>
+            <a:r>
+              <a:rPr lang="fr-FR" b="1" u="sng" dirty="0" err="1">
+                <a:latin typeface="Abadi" panose="020B0604020104020204" pitchFamily="34" charset="0"/>
+              </a:rPr>
+              <a:t>Typical</a:t>
+            </a:r>
+            <a:r>
+              <a:rPr lang="fr-FR" b="1" u="sng" dirty="0">
+                <a:latin typeface="Abadi" panose="020B0604020104020204" pitchFamily="34" charset="0"/>
+              </a:rPr>
+              <a:t> application </a:t>
+            </a:r>
+            <a:r>
+              <a:rPr lang="fr-FR" dirty="0">
+                <a:latin typeface="Abadi" panose="020B0604020104020204" pitchFamily="34" charset="0"/>
+              </a:rPr>
+              <a:t>: </a:t>
+            </a:r>
+          </a:p>
+        </p:txBody>
+      </p:sp>
     </p:spTree>
     <p:extLst>
       <p:ext uri="{BB962C8B-B14F-4D97-AF65-F5344CB8AC3E}">

--- a/Datasheet/Datasheet_capteur_2025.pptx
+++ b/Datasheet/Datasheet_capteur_2025.pptx
@@ -8,6 +8,8 @@
     <p:sldId id="256" r:id="rId2"/>
     <p:sldId id="257" r:id="rId3"/>
     <p:sldId id="258" r:id="rId4"/>
+    <p:sldId id="259" r:id="rId5"/>
+    <p:sldId id="260" r:id="rId6"/>
   </p:sldIdLst>
   <p:sldSz cx="6858000" cy="9906000" type="A4"/>
   <p:notesSz cx="6858000" cy="9144000"/>
@@ -3286,8 +3288,8 @@
         </p:nvSpPr>
         <p:spPr>
           <a:xfrm>
-            <a:off x="176213" y="2189873"/>
-            <a:ext cx="2857500" cy="1877437"/>
+            <a:off x="176212" y="2189873"/>
+            <a:ext cx="3603143" cy="1877437"/>
           </a:xfrm>
           <a:prstGeom prst="rect">
             <a:avLst/>
@@ -3322,37 +3324,37 @@
           <a:p>
             <a:r>
               <a:rPr lang="en-US" sz="1400" dirty="0"/>
-              <a:t>-Low power consumption</a:t>
+              <a:t>-Low power consumption (3V-5V)</a:t>
             </a:r>
           </a:p>
           <a:p>
             <a:r>
               <a:rPr lang="en-US" sz="1400" dirty="0"/>
-              <a:t>-Low cost</a:t>
+              <a:t>-Low cost </a:t>
             </a:r>
           </a:p>
           <a:p>
             <a:r>
               <a:rPr lang="en-US" sz="1400" dirty="0"/>
-              <a:t>-Light and small</a:t>
+              <a:t>-Light and small (10cm2)</a:t>
             </a:r>
           </a:p>
           <a:p>
             <a:r>
               <a:rPr lang="en-US" sz="1400" dirty="0"/>
-              <a:t>-Flexible </a:t>
+              <a:t>-Flexible and biodegradable</a:t>
             </a:r>
           </a:p>
           <a:p>
             <a:r>
               <a:rPr lang="en-US" sz="1400" dirty="0"/>
-              <a:t>-Easy-to-use </a:t>
+              <a:t>-Easy-to-use : plug and use</a:t>
             </a:r>
           </a:p>
           <a:p>
             <a:r>
               <a:rPr lang="en-US" sz="1400" dirty="0"/>
-              <a:t>-Environment friendly </a:t>
+              <a:t>-Easily replaceable and reproductible)</a:t>
             </a:r>
           </a:p>
           <a:p>
@@ -3381,8 +3383,8 @@
         </p:nvSpPr>
         <p:spPr>
           <a:xfrm>
-            <a:off x="221146" y="4159956"/>
-            <a:ext cx="2857500" cy="584775"/>
+            <a:off x="190207" y="4152848"/>
+            <a:ext cx="6681788" cy="4462760"/>
           </a:xfrm>
           <a:prstGeom prst="rect">
             <a:avLst/>
@@ -3410,16 +3412,76 @@
           </a:p>
           <a:p>
             <a:r>
-              <a:rPr lang="fr-FR" sz="1400" dirty="0" err="1">
-                <a:latin typeface="Arial" panose="020B0604020202020204" pitchFamily="34" charset="0"/>
-                <a:cs typeface="Arial" panose="020B0604020202020204" pitchFamily="34" charset="0"/>
-              </a:rPr>
-              <a:t>djf</a:t>
-            </a:r>
-            <a:endParaRPr lang="fr-FR" sz="1400" dirty="0">
-              <a:latin typeface="Arial" panose="020B0604020202020204" pitchFamily="34" charset="0"/>
-              <a:cs typeface="Arial" panose="020B0604020202020204" pitchFamily="34" charset="0"/>
-            </a:endParaRPr>
+              <a:rPr lang="en-US" sz="1400" dirty="0"/>
+              <a:t>The strain sensor was developed and made in the Applied Physics Department at the National Institute of Applied Sciences (INSA) of Toulouse, France. </a:t>
+            </a:r>
+          </a:p>
+          <a:p>
+            <a:endParaRPr lang="en-US" sz="1400" dirty="0"/>
+          </a:p>
+          <a:p>
+            <a:r>
+              <a:rPr lang="en-US" sz="1400" dirty="0"/>
+              <a:t>The sensor technology is based on </a:t>
+            </a:r>
+            <a:r>
+              <a:rPr lang="en-US" sz="1400" dirty="0" err="1"/>
+              <a:t>chemiresistor</a:t>
+            </a:r>
+            <a:r>
+              <a:rPr lang="en-US" sz="1400" dirty="0"/>
+              <a:t> properties of graphite found in the article  "</a:t>
+            </a:r>
+            <a:r>
+              <a:rPr lang="en-US" sz="1400" i="1" dirty="0"/>
+              <a:t>Pencil Drawn Strain Gauges and </a:t>
+            </a:r>
+            <a:r>
+              <a:rPr lang="en-US" sz="1400" i="1" dirty="0" err="1"/>
+              <a:t>Chemiresistors</a:t>
+            </a:r>
+            <a:r>
+              <a:rPr lang="en-US" sz="1400" i="1" dirty="0"/>
+              <a:t> on Paper</a:t>
+            </a:r>
+            <a:r>
+              <a:rPr lang="en-US" sz="1400" dirty="0"/>
+              <a:t>" published in 2014  by Cheng-Wei Lin, </a:t>
+            </a:r>
+            <a:r>
+              <a:rPr lang="en-US" sz="1400" dirty="0" err="1"/>
+              <a:t>Zhibo</a:t>
+            </a:r>
+            <a:r>
+              <a:rPr lang="en-US" sz="1400" dirty="0"/>
+              <a:t> Zhao, </a:t>
+            </a:r>
+            <a:r>
+              <a:rPr lang="en-US" sz="1400" dirty="0" err="1"/>
+              <a:t>Jaemyung</a:t>
+            </a:r>
+            <a:r>
+              <a:rPr lang="en-US" sz="1400" dirty="0"/>
+              <a:t> Kim, and Jiaxing Huang. The sensor can measure a resistance variation </a:t>
+            </a:r>
+          </a:p>
+          <a:p>
+            <a:endParaRPr lang="en-US" sz="1400" dirty="0"/>
+          </a:p>
+          <a:p>
+            <a:r>
+              <a:rPr lang="en-US" sz="1400" dirty="0"/>
+              <a:t>This sensor consists of a small piece of paper coated with a graphite layer from a pencil. It can measure a resistance variation when applying a strain. The deformation leads to a change of the number of connected graphite particles in the thin layer of graphite and so it changes the resistance of the sensor. This allows us to measure deformation, like a traditional strain gauge. </a:t>
+            </a:r>
+          </a:p>
+          <a:p>
+            <a:endParaRPr lang="en-US" sz="1400" dirty="0"/>
+          </a:p>
+          <a:p>
+            <a:r>
+              <a:rPr lang="en-US" sz="1400" dirty="0"/>
+              <a:t>The structure of the graphite layer varies depending on the type of pencil used. In order to fully understand the impact of the graphite structure on the variation of the resistance, we conducted tests with two types of pencils: HB (medium hardness) and 2B (softer). To achieve this, our sensors were coupled with a transimpedance amplifier and an Arduino Uno, all integrated on a PCB designed for tests. </a:t>
+            </a:r>
           </a:p>
         </p:txBody>
       </p:sp>
@@ -3437,8 +3499,8 @@
         </p:nvSpPr>
         <p:spPr>
           <a:xfrm>
-            <a:off x="125896" y="6775014"/>
-            <a:ext cx="2857500" cy="369332"/>
+            <a:off x="221145" y="8716447"/>
+            <a:ext cx="3558209" cy="369332"/>
           </a:xfrm>
           <a:prstGeom prst="rect">
             <a:avLst/>
@@ -3455,7 +3517,7 @@
               <a:rPr lang="fr-FR" b="1" u="sng" dirty="0">
                 <a:latin typeface="Abadi" panose="020B0604020104020204" pitchFamily="34" charset="0"/>
               </a:rPr>
-              <a:t>Pin configuration</a:t>
+              <a:t>Pin configuration and dimensions</a:t>
             </a:r>
             <a:r>
               <a:rPr lang="fr-FR" dirty="0">
@@ -3582,7 +3644,7 @@
         </p:nvSpPr>
         <p:spPr>
           <a:xfrm>
-            <a:off x="49696" y="3526989"/>
+            <a:off x="142564" y="5238322"/>
             <a:ext cx="2857500" cy="369332"/>
           </a:xfrm>
           <a:prstGeom prst="rect">
@@ -3637,7 +3699,7 @@
         </p:nvSpPr>
         <p:spPr>
           <a:xfrm>
-            <a:off x="221146" y="2288381"/>
+            <a:off x="125896" y="2905422"/>
             <a:ext cx="2857500" cy="369332"/>
           </a:xfrm>
           <a:prstGeom prst="rect">
@@ -3801,7 +3863,7 @@
         </p:nvSpPr>
         <p:spPr>
           <a:xfrm>
-            <a:off x="159233" y="4170284"/>
+            <a:off x="178216" y="8933789"/>
             <a:ext cx="2857500" cy="369332"/>
           </a:xfrm>
           <a:prstGeom prst="rect">
@@ -4019,6 +4081,2335 @@
           </a:p>
         </p:txBody>
       </p:sp>
+      <p:graphicFrame>
+        <p:nvGraphicFramePr>
+          <p:cNvPr id="18" name="Tableau 17">
+            <a:extLst>
+              <a:ext uri="{FF2B5EF4-FFF2-40B4-BE49-F238E27FC236}">
+                <a16:creationId xmlns:a16="http://schemas.microsoft.com/office/drawing/2014/main" id="{0B976A25-FBAD-5E1A-A7AB-963F823272E8}"/>
+              </a:ext>
+            </a:extLst>
+          </p:cNvPr>
+          <p:cNvGraphicFramePr>
+            <a:graphicFrameLocks noGrp="1"/>
+          </p:cNvGraphicFramePr>
+          <p:nvPr>
+            <p:extLst>
+              <p:ext uri="{D42A27DB-BD31-4B8C-83A1-F6EECF244321}">
+                <p14:modId xmlns:p14="http://schemas.microsoft.com/office/powerpoint/2010/main" val="446406124"/>
+              </p:ext>
+            </p:extLst>
+          </p:nvPr>
+        </p:nvGraphicFramePr>
+        <p:xfrm>
+          <a:off x="221146" y="5709415"/>
+          <a:ext cx="6274904" cy="3098800"/>
+        </p:xfrm>
+        <a:graphic>
+          <a:graphicData uri="http://schemas.openxmlformats.org/drawingml/2006/table">
+            <a:tbl>
+              <a:tblPr>
+                <a:tableStyleId>{073A0DAA-6AF3-43AB-8588-CEC1D06C72B9}</a:tableStyleId>
+              </a:tblPr>
+              <a:tblGrid>
+                <a:gridCol w="3137452">
+                  <a:extLst>
+                    <a:ext uri="{9D8B030D-6E8A-4147-A177-3AD203B41FA5}">
+                      <a16:colId xmlns:a16="http://schemas.microsoft.com/office/drawing/2014/main" val="1577052314"/>
+                    </a:ext>
+                  </a:extLst>
+                </a:gridCol>
+                <a:gridCol w="3137452">
+                  <a:extLst>
+                    <a:ext uri="{9D8B030D-6E8A-4147-A177-3AD203B41FA5}">
+                      <a16:colId xmlns:a16="http://schemas.microsoft.com/office/drawing/2014/main" val="2627660328"/>
+                    </a:ext>
+                  </a:extLst>
+                </a:gridCol>
+              </a:tblGrid>
+              <a:tr h="370840">
+                <a:tc>
+                  <a:txBody>
+                    <a:bodyPr/>
+                    <a:lstStyle/>
+                    <a:p>
+                      <a:pPr algn="ctr"/>
+                      <a:r>
+                        <a:rPr lang="fr-FR" dirty="0"/>
+                        <a:t>Type</a:t>
+                      </a:r>
+                    </a:p>
+                  </a:txBody>
+                  <a:tcPr>
+                    <a:lnL w="12700" cap="flat" cmpd="sng" algn="ctr">
+                      <a:solidFill>
+                        <a:schemeClr val="tx1"/>
+                      </a:solidFill>
+                      <a:prstDash val="solid"/>
+                      <a:round/>
+                      <a:headEnd type="none" w="med" len="med"/>
+                      <a:tailEnd type="none" w="med" len="med"/>
+                    </a:lnL>
+                    <a:lnR w="12700" cap="flat" cmpd="sng" algn="ctr">
+                      <a:solidFill>
+                        <a:schemeClr val="tx1"/>
+                      </a:solidFill>
+                      <a:prstDash val="solid"/>
+                      <a:round/>
+                      <a:headEnd type="none" w="med" len="med"/>
+                      <a:tailEnd type="none" w="med" len="med"/>
+                    </a:lnR>
+                    <a:lnT w="12700" cap="flat" cmpd="sng" algn="ctr">
+                      <a:solidFill>
+                        <a:schemeClr val="tx1"/>
+                      </a:solidFill>
+                      <a:prstDash val="solid"/>
+                      <a:round/>
+                      <a:headEnd type="none" w="med" len="med"/>
+                      <a:tailEnd type="none" w="med" len="med"/>
+                    </a:lnT>
+                    <a:lnB w="12700" cap="flat" cmpd="sng" algn="ctr">
+                      <a:solidFill>
+                        <a:schemeClr val="tx1"/>
+                      </a:solidFill>
+                      <a:prstDash val="solid"/>
+                      <a:round/>
+                      <a:headEnd type="none" w="med" len="med"/>
+                      <a:tailEnd type="none" w="med" len="med"/>
+                    </a:lnB>
+                    <a:solidFill>
+                      <a:schemeClr val="bg1">
+                        <a:lumMod val="75000"/>
+                      </a:schemeClr>
+                    </a:solidFill>
+                  </a:tcPr>
+                </a:tc>
+                <a:tc>
+                  <a:txBody>
+                    <a:bodyPr/>
+                    <a:lstStyle/>
+                    <a:p>
+                      <a:pPr algn="ctr"/>
+                      <a:r>
+                        <a:rPr lang="fr-FR" dirty="0" err="1"/>
+                        <a:t>Strain</a:t>
+                      </a:r>
+                      <a:r>
+                        <a:rPr lang="fr-FR" dirty="0"/>
+                        <a:t> </a:t>
+                      </a:r>
+                      <a:r>
+                        <a:rPr lang="fr-FR" dirty="0" err="1"/>
+                        <a:t>sensor</a:t>
+                      </a:r>
+                      <a:endParaRPr lang="fr-FR" dirty="0"/>
+                    </a:p>
+                  </a:txBody>
+                  <a:tcPr>
+                    <a:lnL w="12700" cap="flat" cmpd="sng" algn="ctr">
+                      <a:solidFill>
+                        <a:schemeClr val="tx1"/>
+                      </a:solidFill>
+                      <a:prstDash val="solid"/>
+                      <a:round/>
+                      <a:headEnd type="none" w="med" len="med"/>
+                      <a:tailEnd type="none" w="med" len="med"/>
+                    </a:lnL>
+                    <a:lnR w="12700" cap="flat" cmpd="sng" algn="ctr">
+                      <a:solidFill>
+                        <a:schemeClr val="tx1"/>
+                      </a:solidFill>
+                      <a:prstDash val="solid"/>
+                      <a:round/>
+                      <a:headEnd type="none" w="med" len="med"/>
+                      <a:tailEnd type="none" w="med" len="med"/>
+                    </a:lnR>
+                    <a:lnT w="12700" cap="flat" cmpd="sng" algn="ctr">
+                      <a:solidFill>
+                        <a:schemeClr val="tx1"/>
+                      </a:solidFill>
+                      <a:prstDash val="solid"/>
+                      <a:round/>
+                      <a:headEnd type="none" w="med" len="med"/>
+                      <a:tailEnd type="none" w="med" len="med"/>
+                    </a:lnT>
+                    <a:lnB w="12700" cap="flat" cmpd="sng" algn="ctr">
+                      <a:solidFill>
+                        <a:schemeClr val="tx1"/>
+                      </a:solidFill>
+                      <a:prstDash val="solid"/>
+                      <a:round/>
+                      <a:headEnd type="none" w="med" len="med"/>
+                      <a:tailEnd type="none" w="med" len="med"/>
+                    </a:lnB>
+                  </a:tcPr>
+                </a:tc>
+                <a:extLst>
+                  <a:ext uri="{0D108BD9-81ED-4DB2-BD59-A6C34878D82A}">
+                    <a16:rowId xmlns:a16="http://schemas.microsoft.com/office/drawing/2014/main" val="2366489648"/>
+                  </a:ext>
+                </a:extLst>
+              </a:tr>
+              <a:tr h="370840">
+                <a:tc>
+                  <a:txBody>
+                    <a:bodyPr/>
+                    <a:lstStyle/>
+                    <a:p>
+                      <a:pPr algn="ctr"/>
+                      <a:r>
+                        <a:rPr lang="fr-FR" dirty="0"/>
+                        <a:t>Materials</a:t>
+                      </a:r>
+                    </a:p>
+                  </a:txBody>
+                  <a:tcPr>
+                    <a:lnL w="12700" cap="flat" cmpd="sng" algn="ctr">
+                      <a:solidFill>
+                        <a:schemeClr val="tx1"/>
+                      </a:solidFill>
+                      <a:prstDash val="solid"/>
+                      <a:round/>
+                      <a:headEnd type="none" w="med" len="med"/>
+                      <a:tailEnd type="none" w="med" len="med"/>
+                    </a:lnL>
+                    <a:lnR w="12700" cap="flat" cmpd="sng" algn="ctr">
+                      <a:solidFill>
+                        <a:schemeClr val="tx1"/>
+                      </a:solidFill>
+                      <a:prstDash val="solid"/>
+                      <a:round/>
+                      <a:headEnd type="none" w="med" len="med"/>
+                      <a:tailEnd type="none" w="med" len="med"/>
+                    </a:lnR>
+                    <a:lnT w="12700" cap="flat" cmpd="sng" algn="ctr">
+                      <a:solidFill>
+                        <a:schemeClr val="tx1"/>
+                      </a:solidFill>
+                      <a:prstDash val="solid"/>
+                      <a:round/>
+                      <a:headEnd type="none" w="med" len="med"/>
+                      <a:tailEnd type="none" w="med" len="med"/>
+                    </a:lnT>
+                    <a:lnB w="12700" cap="flat" cmpd="sng" algn="ctr">
+                      <a:solidFill>
+                        <a:schemeClr val="tx1"/>
+                      </a:solidFill>
+                      <a:prstDash val="solid"/>
+                      <a:round/>
+                      <a:headEnd type="none" w="med" len="med"/>
+                      <a:tailEnd type="none" w="med" len="med"/>
+                    </a:lnB>
+                    <a:solidFill>
+                      <a:schemeClr val="bg1">
+                        <a:lumMod val="75000"/>
+                      </a:schemeClr>
+                    </a:solidFill>
+                  </a:tcPr>
+                </a:tc>
+                <a:tc>
+                  <a:txBody>
+                    <a:bodyPr/>
+                    <a:lstStyle/>
+                    <a:p>
+                      <a:pPr algn="ctr"/>
+                      <a:r>
+                        <a:rPr lang="fr-FR" dirty="0"/>
+                        <a:t>Graphite (4B to 2H graphite </a:t>
+                      </a:r>
+                      <a:r>
+                        <a:rPr lang="fr-FR" dirty="0" err="1"/>
+                        <a:t>pencil</a:t>
+                      </a:r>
+                      <a:r>
+                        <a:rPr lang="fr-FR" dirty="0"/>
+                        <a:t>)</a:t>
+                      </a:r>
+                    </a:p>
+                  </a:txBody>
+                  <a:tcPr>
+                    <a:lnL w="12700" cap="flat" cmpd="sng" algn="ctr">
+                      <a:solidFill>
+                        <a:schemeClr val="tx1"/>
+                      </a:solidFill>
+                      <a:prstDash val="solid"/>
+                      <a:round/>
+                      <a:headEnd type="none" w="med" len="med"/>
+                      <a:tailEnd type="none" w="med" len="med"/>
+                    </a:lnL>
+                    <a:lnR w="12700" cap="flat" cmpd="sng" algn="ctr">
+                      <a:solidFill>
+                        <a:schemeClr val="tx1"/>
+                      </a:solidFill>
+                      <a:prstDash val="solid"/>
+                      <a:round/>
+                      <a:headEnd type="none" w="med" len="med"/>
+                      <a:tailEnd type="none" w="med" len="med"/>
+                    </a:lnR>
+                    <a:lnT w="12700" cap="flat" cmpd="sng" algn="ctr">
+                      <a:solidFill>
+                        <a:schemeClr val="tx1"/>
+                      </a:solidFill>
+                      <a:prstDash val="solid"/>
+                      <a:round/>
+                      <a:headEnd type="none" w="med" len="med"/>
+                      <a:tailEnd type="none" w="med" len="med"/>
+                    </a:lnT>
+                    <a:lnB w="12700" cap="flat" cmpd="sng" algn="ctr">
+                      <a:solidFill>
+                        <a:schemeClr val="tx1"/>
+                      </a:solidFill>
+                      <a:prstDash val="solid"/>
+                      <a:round/>
+                      <a:headEnd type="none" w="med" len="med"/>
+                      <a:tailEnd type="none" w="med" len="med"/>
+                    </a:lnB>
+                  </a:tcPr>
+                </a:tc>
+                <a:extLst>
+                  <a:ext uri="{0D108BD9-81ED-4DB2-BD59-A6C34878D82A}">
+                    <a16:rowId xmlns:a16="http://schemas.microsoft.com/office/drawing/2014/main" val="398796235"/>
+                  </a:ext>
+                </a:extLst>
+              </a:tr>
+              <a:tr h="370840">
+                <a:tc>
+                  <a:txBody>
+                    <a:bodyPr/>
+                    <a:lstStyle/>
+                    <a:p>
+                      <a:pPr algn="ctr"/>
+                      <a:r>
+                        <a:rPr lang="fr-FR" dirty="0" err="1"/>
+                        <a:t>Sensor</a:t>
+                      </a:r>
+                      <a:r>
+                        <a:rPr lang="fr-FR" dirty="0"/>
+                        <a:t> type</a:t>
+                      </a:r>
+                    </a:p>
+                  </a:txBody>
+                  <a:tcPr>
+                    <a:lnL w="12700" cap="flat" cmpd="sng" algn="ctr">
+                      <a:solidFill>
+                        <a:schemeClr val="tx1"/>
+                      </a:solidFill>
+                      <a:prstDash val="solid"/>
+                      <a:round/>
+                      <a:headEnd type="none" w="med" len="med"/>
+                      <a:tailEnd type="none" w="med" len="med"/>
+                    </a:lnL>
+                    <a:lnR w="12700" cap="flat" cmpd="sng" algn="ctr">
+                      <a:solidFill>
+                        <a:schemeClr val="tx1"/>
+                      </a:solidFill>
+                      <a:prstDash val="solid"/>
+                      <a:round/>
+                      <a:headEnd type="none" w="med" len="med"/>
+                      <a:tailEnd type="none" w="med" len="med"/>
+                    </a:lnR>
+                    <a:lnT w="12700" cap="flat" cmpd="sng" algn="ctr">
+                      <a:solidFill>
+                        <a:schemeClr val="tx1"/>
+                      </a:solidFill>
+                      <a:prstDash val="solid"/>
+                      <a:round/>
+                      <a:headEnd type="none" w="med" len="med"/>
+                      <a:tailEnd type="none" w="med" len="med"/>
+                    </a:lnT>
+                    <a:lnB w="12700" cap="flat" cmpd="sng" algn="ctr">
+                      <a:solidFill>
+                        <a:schemeClr val="tx1"/>
+                      </a:solidFill>
+                      <a:prstDash val="solid"/>
+                      <a:round/>
+                      <a:headEnd type="none" w="med" len="med"/>
+                      <a:tailEnd type="none" w="med" len="med"/>
+                    </a:lnB>
+                    <a:solidFill>
+                      <a:schemeClr val="bg1">
+                        <a:lumMod val="75000"/>
+                      </a:schemeClr>
+                    </a:solidFill>
+                  </a:tcPr>
+                </a:tc>
+                <a:tc>
+                  <a:txBody>
+                    <a:bodyPr/>
+                    <a:lstStyle/>
+                    <a:p>
+                      <a:pPr algn="ctr"/>
+                      <a:r>
+                        <a:rPr lang="fr-FR" dirty="0"/>
+                        <a:t>Passive: Power </a:t>
+                      </a:r>
+                      <a:r>
+                        <a:rPr lang="fr-FR" dirty="0" err="1"/>
+                        <a:t>suply</a:t>
+                      </a:r>
+                      <a:r>
+                        <a:rPr lang="fr-FR" dirty="0"/>
+                        <a:t> </a:t>
+                      </a:r>
+                      <a:r>
+                        <a:rPr lang="fr-FR" dirty="0" err="1"/>
+                        <a:t>required</a:t>
+                      </a:r>
+                      <a:r>
+                        <a:rPr lang="fr-FR" dirty="0"/>
+                        <a:t> </a:t>
+                      </a:r>
+                    </a:p>
+                  </a:txBody>
+                  <a:tcPr>
+                    <a:lnL w="12700" cap="flat" cmpd="sng" algn="ctr">
+                      <a:solidFill>
+                        <a:schemeClr val="tx1"/>
+                      </a:solidFill>
+                      <a:prstDash val="solid"/>
+                      <a:round/>
+                      <a:headEnd type="none" w="med" len="med"/>
+                      <a:tailEnd type="none" w="med" len="med"/>
+                    </a:lnL>
+                    <a:lnR w="12700" cap="flat" cmpd="sng" algn="ctr">
+                      <a:solidFill>
+                        <a:schemeClr val="tx1"/>
+                      </a:solidFill>
+                      <a:prstDash val="solid"/>
+                      <a:round/>
+                      <a:headEnd type="none" w="med" len="med"/>
+                      <a:tailEnd type="none" w="med" len="med"/>
+                    </a:lnR>
+                    <a:lnT w="12700" cap="flat" cmpd="sng" algn="ctr">
+                      <a:solidFill>
+                        <a:schemeClr val="tx1"/>
+                      </a:solidFill>
+                      <a:prstDash val="solid"/>
+                      <a:round/>
+                      <a:headEnd type="none" w="med" len="med"/>
+                      <a:tailEnd type="none" w="med" len="med"/>
+                    </a:lnT>
+                    <a:lnB w="12700" cap="flat" cmpd="sng" algn="ctr">
+                      <a:solidFill>
+                        <a:schemeClr val="tx1"/>
+                      </a:solidFill>
+                      <a:prstDash val="solid"/>
+                      <a:round/>
+                      <a:headEnd type="none" w="med" len="med"/>
+                      <a:tailEnd type="none" w="med" len="med"/>
+                    </a:lnB>
+                  </a:tcPr>
+                </a:tc>
+                <a:extLst>
+                  <a:ext uri="{0D108BD9-81ED-4DB2-BD59-A6C34878D82A}">
+                    <a16:rowId xmlns:a16="http://schemas.microsoft.com/office/drawing/2014/main" val="3125264454"/>
+                  </a:ext>
+                </a:extLst>
+              </a:tr>
+              <a:tr h="370840">
+                <a:tc>
+                  <a:txBody>
+                    <a:bodyPr/>
+                    <a:lstStyle/>
+                    <a:p>
+                      <a:pPr algn="ctr"/>
+                      <a:r>
+                        <a:rPr lang="fr-FR" dirty="0"/>
+                        <a:t>Power </a:t>
+                      </a:r>
+                      <a:r>
+                        <a:rPr lang="fr-FR" dirty="0" err="1"/>
+                        <a:t>supply</a:t>
+                      </a:r>
+                      <a:endParaRPr lang="fr-FR" dirty="0"/>
+                    </a:p>
+                  </a:txBody>
+                  <a:tcPr>
+                    <a:lnL w="12700" cap="flat" cmpd="sng" algn="ctr">
+                      <a:solidFill>
+                        <a:schemeClr val="tx1"/>
+                      </a:solidFill>
+                      <a:prstDash val="solid"/>
+                      <a:round/>
+                      <a:headEnd type="none" w="med" len="med"/>
+                      <a:tailEnd type="none" w="med" len="med"/>
+                    </a:lnL>
+                    <a:lnR w="12700" cap="flat" cmpd="sng" algn="ctr">
+                      <a:solidFill>
+                        <a:schemeClr val="tx1"/>
+                      </a:solidFill>
+                      <a:prstDash val="solid"/>
+                      <a:round/>
+                      <a:headEnd type="none" w="med" len="med"/>
+                      <a:tailEnd type="none" w="med" len="med"/>
+                    </a:lnR>
+                    <a:lnT w="12700" cap="flat" cmpd="sng" algn="ctr">
+                      <a:solidFill>
+                        <a:schemeClr val="tx1"/>
+                      </a:solidFill>
+                      <a:prstDash val="solid"/>
+                      <a:round/>
+                      <a:headEnd type="none" w="med" len="med"/>
+                      <a:tailEnd type="none" w="med" len="med"/>
+                    </a:lnT>
+                    <a:lnB w="12700" cap="flat" cmpd="sng" algn="ctr">
+                      <a:solidFill>
+                        <a:schemeClr val="tx1"/>
+                      </a:solidFill>
+                      <a:prstDash val="solid"/>
+                      <a:round/>
+                      <a:headEnd type="none" w="med" len="med"/>
+                      <a:tailEnd type="none" w="med" len="med"/>
+                    </a:lnB>
+                    <a:solidFill>
+                      <a:schemeClr val="bg1">
+                        <a:lumMod val="75000"/>
+                      </a:schemeClr>
+                    </a:solidFill>
+                  </a:tcPr>
+                </a:tc>
+                <a:tc>
+                  <a:txBody>
+                    <a:bodyPr/>
+                    <a:lstStyle/>
+                    <a:p>
+                      <a:pPr algn="ctr"/>
+                      <a:r>
+                        <a:rPr lang="fr-FR" dirty="0"/>
+                        <a:t>Vcc=+5V</a:t>
+                      </a:r>
+                    </a:p>
+                  </a:txBody>
+                  <a:tcPr>
+                    <a:lnL w="12700" cap="flat" cmpd="sng" algn="ctr">
+                      <a:solidFill>
+                        <a:schemeClr val="tx1"/>
+                      </a:solidFill>
+                      <a:prstDash val="solid"/>
+                      <a:round/>
+                      <a:headEnd type="none" w="med" len="med"/>
+                      <a:tailEnd type="none" w="med" len="med"/>
+                    </a:lnL>
+                    <a:lnR w="12700" cap="flat" cmpd="sng" algn="ctr">
+                      <a:solidFill>
+                        <a:schemeClr val="tx1"/>
+                      </a:solidFill>
+                      <a:prstDash val="solid"/>
+                      <a:round/>
+                      <a:headEnd type="none" w="med" len="med"/>
+                      <a:tailEnd type="none" w="med" len="med"/>
+                    </a:lnR>
+                    <a:lnT w="12700" cap="flat" cmpd="sng" algn="ctr">
+                      <a:solidFill>
+                        <a:schemeClr val="tx1"/>
+                      </a:solidFill>
+                      <a:prstDash val="solid"/>
+                      <a:round/>
+                      <a:headEnd type="none" w="med" len="med"/>
+                      <a:tailEnd type="none" w="med" len="med"/>
+                    </a:lnT>
+                    <a:lnB w="12700" cap="flat" cmpd="sng" algn="ctr">
+                      <a:solidFill>
+                        <a:schemeClr val="tx1"/>
+                      </a:solidFill>
+                      <a:prstDash val="solid"/>
+                      <a:round/>
+                      <a:headEnd type="none" w="med" len="med"/>
+                      <a:tailEnd type="none" w="med" len="med"/>
+                    </a:lnB>
+                  </a:tcPr>
+                </a:tc>
+                <a:extLst>
+                  <a:ext uri="{0D108BD9-81ED-4DB2-BD59-A6C34878D82A}">
+                    <a16:rowId xmlns:a16="http://schemas.microsoft.com/office/drawing/2014/main" val="1546417385"/>
+                  </a:ext>
+                </a:extLst>
+              </a:tr>
+              <a:tr h="370840">
+                <a:tc>
+                  <a:txBody>
+                    <a:bodyPr/>
+                    <a:lstStyle/>
+                    <a:p>
+                      <a:pPr algn="ctr"/>
+                      <a:r>
+                        <a:rPr lang="fr-FR" dirty="0"/>
+                        <a:t>Nature of output signal</a:t>
+                      </a:r>
+                    </a:p>
+                  </a:txBody>
+                  <a:tcPr>
+                    <a:lnL w="12700" cap="flat" cmpd="sng" algn="ctr">
+                      <a:solidFill>
+                        <a:schemeClr val="tx1"/>
+                      </a:solidFill>
+                      <a:prstDash val="solid"/>
+                      <a:round/>
+                      <a:headEnd type="none" w="med" len="med"/>
+                      <a:tailEnd type="none" w="med" len="med"/>
+                    </a:lnL>
+                    <a:lnR w="12700" cap="flat" cmpd="sng" algn="ctr">
+                      <a:solidFill>
+                        <a:schemeClr val="tx1"/>
+                      </a:solidFill>
+                      <a:prstDash val="solid"/>
+                      <a:round/>
+                      <a:headEnd type="none" w="med" len="med"/>
+                      <a:tailEnd type="none" w="med" len="med"/>
+                    </a:lnR>
+                    <a:lnT w="12700" cap="flat" cmpd="sng" algn="ctr">
+                      <a:solidFill>
+                        <a:schemeClr val="tx1"/>
+                      </a:solidFill>
+                      <a:prstDash val="solid"/>
+                      <a:round/>
+                      <a:headEnd type="none" w="med" len="med"/>
+                      <a:tailEnd type="none" w="med" len="med"/>
+                    </a:lnT>
+                    <a:lnB w="12700" cap="flat" cmpd="sng" algn="ctr">
+                      <a:solidFill>
+                        <a:schemeClr val="tx1"/>
+                      </a:solidFill>
+                      <a:prstDash val="solid"/>
+                      <a:round/>
+                      <a:headEnd type="none" w="med" len="med"/>
+                      <a:tailEnd type="none" w="med" len="med"/>
+                    </a:lnB>
+                    <a:solidFill>
+                      <a:schemeClr val="bg1">
+                        <a:lumMod val="75000"/>
+                      </a:schemeClr>
+                    </a:solidFill>
+                  </a:tcPr>
+                </a:tc>
+                <a:tc>
+                  <a:txBody>
+                    <a:bodyPr/>
+                    <a:lstStyle/>
+                    <a:p>
+                      <a:pPr algn="ctr"/>
+                      <a:r>
+                        <a:rPr lang="fr-FR" dirty="0" err="1"/>
+                        <a:t>Analog</a:t>
+                      </a:r>
+                      <a:endParaRPr lang="fr-FR" dirty="0"/>
+                    </a:p>
+                  </a:txBody>
+                  <a:tcPr>
+                    <a:lnL w="12700" cap="flat" cmpd="sng" algn="ctr">
+                      <a:solidFill>
+                        <a:schemeClr val="tx1"/>
+                      </a:solidFill>
+                      <a:prstDash val="solid"/>
+                      <a:round/>
+                      <a:headEnd type="none" w="med" len="med"/>
+                      <a:tailEnd type="none" w="med" len="med"/>
+                    </a:lnL>
+                    <a:lnR w="12700" cap="flat" cmpd="sng" algn="ctr">
+                      <a:solidFill>
+                        <a:schemeClr val="tx1"/>
+                      </a:solidFill>
+                      <a:prstDash val="solid"/>
+                      <a:round/>
+                      <a:headEnd type="none" w="med" len="med"/>
+                      <a:tailEnd type="none" w="med" len="med"/>
+                    </a:lnR>
+                    <a:lnT w="12700" cap="flat" cmpd="sng" algn="ctr">
+                      <a:solidFill>
+                        <a:schemeClr val="tx1"/>
+                      </a:solidFill>
+                      <a:prstDash val="solid"/>
+                      <a:round/>
+                      <a:headEnd type="none" w="med" len="med"/>
+                      <a:tailEnd type="none" w="med" len="med"/>
+                    </a:lnT>
+                    <a:lnB w="12700" cap="flat" cmpd="sng" algn="ctr">
+                      <a:solidFill>
+                        <a:schemeClr val="tx1"/>
+                      </a:solidFill>
+                      <a:prstDash val="solid"/>
+                      <a:round/>
+                      <a:headEnd type="none" w="med" len="med"/>
+                      <a:tailEnd type="none" w="med" len="med"/>
+                    </a:lnB>
+                  </a:tcPr>
+                </a:tc>
+                <a:extLst>
+                  <a:ext uri="{0D108BD9-81ED-4DB2-BD59-A6C34878D82A}">
+                    <a16:rowId xmlns:a16="http://schemas.microsoft.com/office/drawing/2014/main" val="3728315334"/>
+                  </a:ext>
+                </a:extLst>
+              </a:tr>
+              <a:tr h="370840">
+                <a:tc>
+                  <a:txBody>
+                    <a:bodyPr/>
+                    <a:lstStyle/>
+                    <a:p>
+                      <a:pPr algn="ctr"/>
+                      <a:r>
+                        <a:rPr lang="fr-FR" dirty="0"/>
+                        <a:t>Nature of </a:t>
+                      </a:r>
+                      <a:r>
+                        <a:rPr lang="fr-FR" dirty="0" err="1"/>
+                        <a:t>measurand</a:t>
+                      </a:r>
+                      <a:endParaRPr lang="fr-FR" dirty="0"/>
+                    </a:p>
+                  </a:txBody>
+                  <a:tcPr>
+                    <a:lnL w="12700" cap="flat" cmpd="sng" algn="ctr">
+                      <a:solidFill>
+                        <a:schemeClr val="tx1"/>
+                      </a:solidFill>
+                      <a:prstDash val="solid"/>
+                      <a:round/>
+                      <a:headEnd type="none" w="med" len="med"/>
+                      <a:tailEnd type="none" w="med" len="med"/>
+                    </a:lnL>
+                    <a:lnR w="12700" cap="flat" cmpd="sng" algn="ctr">
+                      <a:solidFill>
+                        <a:schemeClr val="tx1"/>
+                      </a:solidFill>
+                      <a:prstDash val="solid"/>
+                      <a:round/>
+                      <a:headEnd type="none" w="med" len="med"/>
+                      <a:tailEnd type="none" w="med" len="med"/>
+                    </a:lnR>
+                    <a:lnT w="12700" cap="flat" cmpd="sng" algn="ctr">
+                      <a:solidFill>
+                        <a:schemeClr val="tx1"/>
+                      </a:solidFill>
+                      <a:prstDash val="solid"/>
+                      <a:round/>
+                      <a:headEnd type="none" w="med" len="med"/>
+                      <a:tailEnd type="none" w="med" len="med"/>
+                    </a:lnT>
+                    <a:lnB w="12700" cap="flat" cmpd="sng" algn="ctr">
+                      <a:solidFill>
+                        <a:schemeClr val="tx1"/>
+                      </a:solidFill>
+                      <a:prstDash val="solid"/>
+                      <a:round/>
+                      <a:headEnd type="none" w="med" len="med"/>
+                      <a:tailEnd type="none" w="med" len="med"/>
+                    </a:lnB>
+                    <a:solidFill>
+                      <a:schemeClr val="bg1">
+                        <a:lumMod val="75000"/>
+                      </a:schemeClr>
+                    </a:solidFill>
+                  </a:tcPr>
+                </a:tc>
+                <a:tc>
+                  <a:txBody>
+                    <a:bodyPr/>
+                    <a:lstStyle/>
+                    <a:p>
+                      <a:pPr algn="ctr"/>
+                      <a:r>
+                        <a:rPr lang="fr-FR" dirty="0"/>
+                        <a:t>Voltage</a:t>
+                      </a:r>
+                    </a:p>
+                  </a:txBody>
+                  <a:tcPr>
+                    <a:lnL w="12700" cap="flat" cmpd="sng" algn="ctr">
+                      <a:solidFill>
+                        <a:schemeClr val="tx1"/>
+                      </a:solidFill>
+                      <a:prstDash val="solid"/>
+                      <a:round/>
+                      <a:headEnd type="none" w="med" len="med"/>
+                      <a:tailEnd type="none" w="med" len="med"/>
+                    </a:lnL>
+                    <a:lnR w="12700" cap="flat" cmpd="sng" algn="ctr">
+                      <a:solidFill>
+                        <a:schemeClr val="tx1"/>
+                      </a:solidFill>
+                      <a:prstDash val="solid"/>
+                      <a:round/>
+                      <a:headEnd type="none" w="med" len="med"/>
+                      <a:tailEnd type="none" w="med" len="med"/>
+                    </a:lnR>
+                    <a:lnT w="12700" cap="flat" cmpd="sng" algn="ctr">
+                      <a:solidFill>
+                        <a:schemeClr val="tx1"/>
+                      </a:solidFill>
+                      <a:prstDash val="solid"/>
+                      <a:round/>
+                      <a:headEnd type="none" w="med" len="med"/>
+                      <a:tailEnd type="none" w="med" len="med"/>
+                    </a:lnT>
+                    <a:lnB w="12700" cap="flat" cmpd="sng" algn="ctr">
+                      <a:solidFill>
+                        <a:schemeClr val="tx1"/>
+                      </a:solidFill>
+                      <a:prstDash val="solid"/>
+                      <a:round/>
+                      <a:headEnd type="none" w="med" len="med"/>
+                      <a:tailEnd type="none" w="med" len="med"/>
+                    </a:lnB>
+                  </a:tcPr>
+                </a:tc>
+                <a:extLst>
+                  <a:ext uri="{0D108BD9-81ED-4DB2-BD59-A6C34878D82A}">
+                    <a16:rowId xmlns:a16="http://schemas.microsoft.com/office/drawing/2014/main" val="3844440029"/>
+                  </a:ext>
+                </a:extLst>
+              </a:tr>
+              <a:tr h="370840">
+                <a:tc>
+                  <a:txBody>
+                    <a:bodyPr/>
+                    <a:lstStyle/>
+                    <a:p>
+                      <a:pPr algn="ctr"/>
+                      <a:r>
+                        <a:rPr lang="fr-FR" dirty="0" err="1"/>
+                        <a:t>Typical</a:t>
+                      </a:r>
+                      <a:r>
+                        <a:rPr lang="fr-FR" dirty="0"/>
+                        <a:t> </a:t>
+                      </a:r>
+                      <a:r>
+                        <a:rPr lang="fr-FR" dirty="0" err="1"/>
+                        <a:t>response</a:t>
+                      </a:r>
+                      <a:r>
+                        <a:rPr lang="fr-FR" dirty="0"/>
+                        <a:t> time</a:t>
+                      </a:r>
+                    </a:p>
+                  </a:txBody>
+                  <a:tcPr>
+                    <a:lnL w="12700" cap="flat" cmpd="sng" algn="ctr">
+                      <a:solidFill>
+                        <a:schemeClr val="tx1"/>
+                      </a:solidFill>
+                      <a:prstDash val="solid"/>
+                      <a:round/>
+                      <a:headEnd type="none" w="med" len="med"/>
+                      <a:tailEnd type="none" w="med" len="med"/>
+                    </a:lnL>
+                    <a:lnR w="12700" cap="flat" cmpd="sng" algn="ctr">
+                      <a:solidFill>
+                        <a:schemeClr val="tx1"/>
+                      </a:solidFill>
+                      <a:prstDash val="solid"/>
+                      <a:round/>
+                      <a:headEnd type="none" w="med" len="med"/>
+                      <a:tailEnd type="none" w="med" len="med"/>
+                    </a:lnR>
+                    <a:lnT w="12700" cap="flat" cmpd="sng" algn="ctr">
+                      <a:solidFill>
+                        <a:schemeClr val="tx1"/>
+                      </a:solidFill>
+                      <a:prstDash val="solid"/>
+                      <a:round/>
+                      <a:headEnd type="none" w="med" len="med"/>
+                      <a:tailEnd type="none" w="med" len="med"/>
+                    </a:lnT>
+                    <a:lnB w="12700" cap="flat" cmpd="sng" algn="ctr">
+                      <a:solidFill>
+                        <a:schemeClr val="tx1"/>
+                      </a:solidFill>
+                      <a:prstDash val="solid"/>
+                      <a:round/>
+                      <a:headEnd type="none" w="med" len="med"/>
+                      <a:tailEnd type="none" w="med" len="med"/>
+                    </a:lnB>
+                    <a:solidFill>
+                      <a:schemeClr val="bg1">
+                        <a:lumMod val="75000"/>
+                      </a:schemeClr>
+                    </a:solidFill>
+                  </a:tcPr>
+                </a:tc>
+                <a:tc>
+                  <a:txBody>
+                    <a:bodyPr/>
+                    <a:lstStyle/>
+                    <a:p>
+                      <a:pPr algn="ctr"/>
+                      <a:r>
+                        <a:rPr lang="fr-FR" dirty="0" err="1"/>
+                        <a:t>Less</a:t>
+                      </a:r>
+                      <a:r>
+                        <a:rPr lang="fr-FR" dirty="0"/>
+                        <a:t> </a:t>
+                      </a:r>
+                      <a:r>
+                        <a:rPr lang="fr-FR" dirty="0" err="1"/>
+                        <a:t>than</a:t>
+                      </a:r>
+                      <a:r>
+                        <a:rPr lang="fr-FR" dirty="0"/>
+                        <a:t> 50 ms</a:t>
+                      </a:r>
+                    </a:p>
+                  </a:txBody>
+                  <a:tcPr>
+                    <a:lnL w="12700" cap="flat" cmpd="sng" algn="ctr">
+                      <a:solidFill>
+                        <a:schemeClr val="tx1"/>
+                      </a:solidFill>
+                      <a:prstDash val="solid"/>
+                      <a:round/>
+                      <a:headEnd type="none" w="med" len="med"/>
+                      <a:tailEnd type="none" w="med" len="med"/>
+                    </a:lnL>
+                    <a:lnR w="12700" cap="flat" cmpd="sng" algn="ctr">
+                      <a:solidFill>
+                        <a:schemeClr val="tx1"/>
+                      </a:solidFill>
+                      <a:prstDash val="solid"/>
+                      <a:round/>
+                      <a:headEnd type="none" w="med" len="med"/>
+                      <a:tailEnd type="none" w="med" len="med"/>
+                    </a:lnR>
+                    <a:lnT w="12700" cap="flat" cmpd="sng" algn="ctr">
+                      <a:solidFill>
+                        <a:schemeClr val="tx1"/>
+                      </a:solidFill>
+                      <a:prstDash val="solid"/>
+                      <a:round/>
+                      <a:headEnd type="none" w="med" len="med"/>
+                      <a:tailEnd type="none" w="med" len="med"/>
+                    </a:lnT>
+                    <a:lnB w="12700" cap="flat" cmpd="sng" algn="ctr">
+                      <a:solidFill>
+                        <a:schemeClr val="tx1"/>
+                      </a:solidFill>
+                      <a:prstDash val="solid"/>
+                      <a:round/>
+                      <a:headEnd type="none" w="med" len="med"/>
+                      <a:tailEnd type="none" w="med" len="med"/>
+                    </a:lnB>
+                  </a:tcPr>
+                </a:tc>
+                <a:extLst>
+                  <a:ext uri="{0D108BD9-81ED-4DB2-BD59-A6C34878D82A}">
+                    <a16:rowId xmlns:a16="http://schemas.microsoft.com/office/drawing/2014/main" val="532409427"/>
+                  </a:ext>
+                </a:extLst>
+              </a:tr>
+              <a:tr h="370840">
+                <a:tc>
+                  <a:txBody>
+                    <a:bodyPr/>
+                    <a:lstStyle/>
+                    <a:p>
+                      <a:pPr algn="ctr"/>
+                      <a:r>
+                        <a:rPr lang="fr-FR" dirty="0" err="1"/>
+                        <a:t>Typical</a:t>
+                      </a:r>
+                      <a:r>
+                        <a:rPr lang="fr-FR" dirty="0"/>
+                        <a:t> use</a:t>
+                      </a:r>
+                    </a:p>
+                  </a:txBody>
+                  <a:tcPr>
+                    <a:lnL w="12700" cap="flat" cmpd="sng" algn="ctr">
+                      <a:solidFill>
+                        <a:schemeClr val="tx1"/>
+                      </a:solidFill>
+                      <a:prstDash val="solid"/>
+                      <a:round/>
+                      <a:headEnd type="none" w="med" len="med"/>
+                      <a:tailEnd type="none" w="med" len="med"/>
+                    </a:lnL>
+                    <a:lnR w="12700" cap="flat" cmpd="sng" algn="ctr">
+                      <a:solidFill>
+                        <a:schemeClr val="tx1"/>
+                      </a:solidFill>
+                      <a:prstDash val="solid"/>
+                      <a:round/>
+                      <a:headEnd type="none" w="med" len="med"/>
+                      <a:tailEnd type="none" w="med" len="med"/>
+                    </a:lnR>
+                    <a:lnT w="12700" cap="flat" cmpd="sng" algn="ctr">
+                      <a:solidFill>
+                        <a:schemeClr val="tx1"/>
+                      </a:solidFill>
+                      <a:prstDash val="solid"/>
+                      <a:round/>
+                      <a:headEnd type="none" w="med" len="med"/>
+                      <a:tailEnd type="none" w="med" len="med"/>
+                    </a:lnT>
+                    <a:lnB w="12700" cap="flat" cmpd="sng" algn="ctr">
+                      <a:solidFill>
+                        <a:schemeClr val="tx1"/>
+                      </a:solidFill>
+                      <a:prstDash val="solid"/>
+                      <a:round/>
+                      <a:headEnd type="none" w="med" len="med"/>
+                      <a:tailEnd type="none" w="med" len="med"/>
+                    </a:lnB>
+                    <a:solidFill>
+                      <a:schemeClr val="bg1">
+                        <a:lumMod val="75000"/>
+                      </a:schemeClr>
+                    </a:solidFill>
+                  </a:tcPr>
+                </a:tc>
+                <a:tc>
+                  <a:txBody>
+                    <a:bodyPr/>
+                    <a:lstStyle/>
+                    <a:p>
+                      <a:pPr algn="ctr"/>
+                      <a:r>
+                        <a:rPr lang="fr-FR" dirty="0" err="1"/>
+                        <a:t>Measurement</a:t>
+                      </a:r>
+                      <a:r>
+                        <a:rPr lang="fr-FR" dirty="0"/>
+                        <a:t> of compression </a:t>
+                      </a:r>
+                      <a:r>
+                        <a:rPr lang="fr-FR" dirty="0" err="1"/>
+                        <a:t>deformation</a:t>
+                      </a:r>
+                      <a:endParaRPr lang="fr-FR" dirty="0"/>
+                    </a:p>
+                  </a:txBody>
+                  <a:tcPr>
+                    <a:lnL w="12700" cap="flat" cmpd="sng" algn="ctr">
+                      <a:solidFill>
+                        <a:schemeClr val="tx1"/>
+                      </a:solidFill>
+                      <a:prstDash val="solid"/>
+                      <a:round/>
+                      <a:headEnd type="none" w="med" len="med"/>
+                      <a:tailEnd type="none" w="med" len="med"/>
+                    </a:lnL>
+                    <a:lnR w="12700" cap="flat" cmpd="sng" algn="ctr">
+                      <a:solidFill>
+                        <a:schemeClr val="tx1"/>
+                      </a:solidFill>
+                      <a:prstDash val="solid"/>
+                      <a:round/>
+                      <a:headEnd type="none" w="med" len="med"/>
+                      <a:tailEnd type="none" w="med" len="med"/>
+                    </a:lnR>
+                    <a:lnT w="12700" cap="flat" cmpd="sng" algn="ctr">
+                      <a:solidFill>
+                        <a:schemeClr val="tx1"/>
+                      </a:solidFill>
+                      <a:prstDash val="solid"/>
+                      <a:round/>
+                      <a:headEnd type="none" w="med" len="med"/>
+                      <a:tailEnd type="none" w="med" len="med"/>
+                    </a:lnT>
+                    <a:lnB w="12700" cap="flat" cmpd="sng" algn="ctr">
+                      <a:solidFill>
+                        <a:schemeClr val="tx1"/>
+                      </a:solidFill>
+                      <a:prstDash val="solid"/>
+                      <a:round/>
+                      <a:headEnd type="none" w="med" len="med"/>
+                      <a:tailEnd type="none" w="med" len="med"/>
+                    </a:lnB>
+                  </a:tcPr>
+                </a:tc>
+                <a:extLst>
+                  <a:ext uri="{0D108BD9-81ED-4DB2-BD59-A6C34878D82A}">
+                    <a16:rowId xmlns:a16="http://schemas.microsoft.com/office/drawing/2014/main" val="1873305476"/>
+                  </a:ext>
+                </a:extLst>
+              </a:tr>
+            </a:tbl>
+          </a:graphicData>
+        </a:graphic>
+      </p:graphicFrame>
+      <p:pic>
+        <p:nvPicPr>
+          <p:cNvPr id="19" name="Image 18">
+            <a:extLst>
+              <a:ext uri="{FF2B5EF4-FFF2-40B4-BE49-F238E27FC236}">
+                <a16:creationId xmlns:a16="http://schemas.microsoft.com/office/drawing/2014/main" id="{9F46C129-32D0-3977-449B-B16D3B35224A}"/>
+              </a:ext>
+            </a:extLst>
+          </p:cNvPr>
+          <p:cNvPicPr>
+            <a:picLocks noChangeAspect="1"/>
+          </p:cNvPicPr>
+          <p:nvPr/>
+        </p:nvPicPr>
+        <p:blipFill>
+          <a:blip r:embed="rId3"/>
+          <a:stretch>
+            <a:fillRect/>
+          </a:stretch>
+        </p:blipFill>
+        <p:spPr>
+          <a:xfrm>
+            <a:off x="178216" y="1277505"/>
+            <a:ext cx="4122929" cy="1322316"/>
+          </a:xfrm>
+          <a:prstGeom prst="rect">
+            <a:avLst/>
+          </a:prstGeom>
+        </p:spPr>
+      </p:pic>
+      <p:graphicFrame>
+        <p:nvGraphicFramePr>
+          <p:cNvPr id="21" name="Tableau 20">
+            <a:extLst>
+              <a:ext uri="{FF2B5EF4-FFF2-40B4-BE49-F238E27FC236}">
+                <a16:creationId xmlns:a16="http://schemas.microsoft.com/office/drawing/2014/main" id="{954E3276-A641-41A0-7614-F79AE2421E93}"/>
+              </a:ext>
+            </a:extLst>
+          </p:cNvPr>
+          <p:cNvGraphicFramePr>
+            <a:graphicFrameLocks noGrp="1"/>
+          </p:cNvGraphicFramePr>
+          <p:nvPr>
+            <p:extLst>
+              <p:ext uri="{D42A27DB-BD31-4B8C-83A1-F6EECF244321}">
+                <p14:modId xmlns:p14="http://schemas.microsoft.com/office/powerpoint/2010/main" val="109542920"/>
+              </p:ext>
+            </p:extLst>
+          </p:nvPr>
+        </p:nvGraphicFramePr>
+        <p:xfrm>
+          <a:off x="4301145" y="1323641"/>
+          <a:ext cx="2150974" cy="1450340"/>
+        </p:xfrm>
+        <a:graphic>
+          <a:graphicData uri="http://schemas.openxmlformats.org/drawingml/2006/table">
+            <a:tbl>
+              <a:tblPr firstRow="1">
+                <a:tableStyleId>{073A0DAA-6AF3-43AB-8588-CEC1D06C72B9}</a:tableStyleId>
+              </a:tblPr>
+              <a:tblGrid>
+                <a:gridCol w="1075487">
+                  <a:extLst>
+                    <a:ext uri="{9D8B030D-6E8A-4147-A177-3AD203B41FA5}">
+                      <a16:colId xmlns:a16="http://schemas.microsoft.com/office/drawing/2014/main" val="1354687187"/>
+                    </a:ext>
+                  </a:extLst>
+                </a:gridCol>
+                <a:gridCol w="1075487">
+                  <a:extLst>
+                    <a:ext uri="{9D8B030D-6E8A-4147-A177-3AD203B41FA5}">
+                      <a16:colId xmlns:a16="http://schemas.microsoft.com/office/drawing/2014/main" val="3042079582"/>
+                    </a:ext>
+                  </a:extLst>
+                </a:gridCol>
+              </a:tblGrid>
+              <a:tr h="244877">
+                <a:tc>
+                  <a:txBody>
+                    <a:bodyPr/>
+                    <a:lstStyle/>
+                    <a:p>
+                      <a:pPr marL="0" marR="0" lvl="0" indent="0" algn="l" defTabSz="685800" rtl="0" eaLnBrk="1" fontAlgn="auto" latinLnBrk="0" hangingPunct="1">
+                        <a:lnSpc>
+                          <a:spcPct val="100000"/>
+                        </a:lnSpc>
+                        <a:spcBef>
+                          <a:spcPts val="0"/>
+                        </a:spcBef>
+                        <a:spcAft>
+                          <a:spcPts val="0"/>
+                        </a:spcAft>
+                        <a:buClrTx/>
+                        <a:buSzTx/>
+                        <a:buFontTx/>
+                        <a:buNone/>
+                        <a:tabLst/>
+                        <a:defRPr/>
+                      </a:pPr>
+                      <a:r>
+                        <a:rPr lang="fr-FR" dirty="0"/>
+                        <a:t>Pin </a:t>
+                      </a:r>
+                      <a:r>
+                        <a:rPr lang="fr-FR" dirty="0" err="1"/>
+                        <a:t>Number</a:t>
+                      </a:r>
+                      <a:endParaRPr lang="fr-FR" dirty="0"/>
+                    </a:p>
+                    <a:p>
+                      <a:endParaRPr lang="fr-FR" dirty="0"/>
+                    </a:p>
+                  </a:txBody>
+                  <a:tcPr>
+                    <a:lnL w="12700" cap="flat" cmpd="sng" algn="ctr">
+                      <a:solidFill>
+                        <a:schemeClr val="tx1"/>
+                      </a:solidFill>
+                      <a:prstDash val="solid"/>
+                      <a:round/>
+                      <a:headEnd type="none" w="med" len="med"/>
+                      <a:tailEnd type="none" w="med" len="med"/>
+                    </a:lnL>
+                    <a:lnR w="12700" cap="flat" cmpd="sng" algn="ctr">
+                      <a:solidFill>
+                        <a:schemeClr val="tx1"/>
+                      </a:solidFill>
+                      <a:prstDash val="solid"/>
+                      <a:round/>
+                      <a:headEnd type="none" w="med" len="med"/>
+                      <a:tailEnd type="none" w="med" len="med"/>
+                    </a:lnR>
+                    <a:lnT w="12700" cap="flat" cmpd="sng" algn="ctr">
+                      <a:solidFill>
+                        <a:schemeClr val="tx1"/>
+                      </a:solidFill>
+                      <a:prstDash val="solid"/>
+                      <a:round/>
+                      <a:headEnd type="none" w="med" len="med"/>
+                      <a:tailEnd type="none" w="med" len="med"/>
+                    </a:lnT>
+                    <a:lnB w="12700" cap="flat" cmpd="sng" algn="ctr">
+                      <a:solidFill>
+                        <a:schemeClr val="tx1"/>
+                      </a:solidFill>
+                      <a:prstDash val="solid"/>
+                      <a:round/>
+                      <a:headEnd type="none" w="med" len="med"/>
+                      <a:tailEnd type="none" w="med" len="med"/>
+                    </a:lnB>
+                    <a:solidFill>
+                      <a:schemeClr val="tx1">
+                        <a:lumMod val="50000"/>
+                        <a:lumOff val="50000"/>
+                      </a:schemeClr>
+                    </a:solidFill>
+                  </a:tcPr>
+                </a:tc>
+                <a:tc>
+                  <a:txBody>
+                    <a:bodyPr/>
+                    <a:lstStyle/>
+                    <a:p>
+                      <a:pPr marL="0" marR="0" lvl="0" indent="0" algn="l" defTabSz="685800" rtl="0" eaLnBrk="1" fontAlgn="auto" latinLnBrk="0" hangingPunct="1">
+                        <a:lnSpc>
+                          <a:spcPct val="100000"/>
+                        </a:lnSpc>
+                        <a:spcBef>
+                          <a:spcPts val="0"/>
+                        </a:spcBef>
+                        <a:spcAft>
+                          <a:spcPts val="0"/>
+                        </a:spcAft>
+                        <a:buClrTx/>
+                        <a:buSzTx/>
+                        <a:buFontTx/>
+                        <a:buNone/>
+                        <a:tabLst/>
+                        <a:defRPr/>
+                      </a:pPr>
+                      <a:r>
+                        <a:rPr lang="fr-FR" dirty="0"/>
+                        <a:t>Usage</a:t>
+                      </a:r>
+                    </a:p>
+                  </a:txBody>
+                  <a:tcPr>
+                    <a:lnL w="12700" cap="flat" cmpd="sng" algn="ctr">
+                      <a:solidFill>
+                        <a:schemeClr val="tx1"/>
+                      </a:solidFill>
+                      <a:prstDash val="solid"/>
+                      <a:round/>
+                      <a:headEnd type="none" w="med" len="med"/>
+                      <a:tailEnd type="none" w="med" len="med"/>
+                    </a:lnL>
+                    <a:lnR w="12700" cap="flat" cmpd="sng" algn="ctr">
+                      <a:solidFill>
+                        <a:schemeClr val="tx1"/>
+                      </a:solidFill>
+                      <a:prstDash val="solid"/>
+                      <a:round/>
+                      <a:headEnd type="none" w="med" len="med"/>
+                      <a:tailEnd type="none" w="med" len="med"/>
+                    </a:lnR>
+                    <a:lnT w="12700" cap="flat" cmpd="sng" algn="ctr">
+                      <a:solidFill>
+                        <a:schemeClr val="tx1"/>
+                      </a:solidFill>
+                      <a:prstDash val="solid"/>
+                      <a:round/>
+                      <a:headEnd type="none" w="med" len="med"/>
+                      <a:tailEnd type="none" w="med" len="med"/>
+                    </a:lnT>
+                    <a:lnB w="12700" cap="flat" cmpd="sng" algn="ctr">
+                      <a:solidFill>
+                        <a:schemeClr val="tx1"/>
+                      </a:solidFill>
+                      <a:prstDash val="solid"/>
+                      <a:round/>
+                      <a:headEnd type="none" w="med" len="med"/>
+                      <a:tailEnd type="none" w="med" len="med"/>
+                    </a:lnB>
+                    <a:solidFill>
+                      <a:schemeClr val="tx1">
+                        <a:lumMod val="50000"/>
+                        <a:lumOff val="50000"/>
+                      </a:schemeClr>
+                    </a:solidFill>
+                  </a:tcPr>
+                </a:tc>
+                <a:extLst>
+                  <a:ext uri="{0D108BD9-81ED-4DB2-BD59-A6C34878D82A}">
+                    <a16:rowId xmlns:a16="http://schemas.microsoft.com/office/drawing/2014/main" val="1267937961"/>
+                  </a:ext>
+                </a:extLst>
+              </a:tr>
+              <a:tr h="370840">
+                <a:tc>
+                  <a:txBody>
+                    <a:bodyPr/>
+                    <a:lstStyle/>
+                    <a:p>
+                      <a:pPr algn="ctr"/>
+                      <a:r>
+                        <a:rPr lang="fr-FR" sz="1600" b="1" dirty="0">
+                          <a:solidFill>
+                            <a:schemeClr val="tx1"/>
+                          </a:solidFill>
+                        </a:rPr>
+                        <a:t>1</a:t>
+                      </a:r>
+                    </a:p>
+                  </a:txBody>
+                  <a:tcPr>
+                    <a:lnL w="12700" cap="flat" cmpd="sng" algn="ctr">
+                      <a:solidFill>
+                        <a:schemeClr val="tx1"/>
+                      </a:solidFill>
+                      <a:prstDash val="solid"/>
+                      <a:round/>
+                      <a:headEnd type="none" w="med" len="med"/>
+                      <a:tailEnd type="none" w="med" len="med"/>
+                    </a:lnL>
+                    <a:lnR w="12700" cap="flat" cmpd="sng" algn="ctr">
+                      <a:solidFill>
+                        <a:schemeClr val="tx1"/>
+                      </a:solidFill>
+                      <a:prstDash val="solid"/>
+                      <a:round/>
+                      <a:headEnd type="none" w="med" len="med"/>
+                      <a:tailEnd type="none" w="med" len="med"/>
+                    </a:lnR>
+                    <a:lnT w="12700" cap="flat" cmpd="sng" algn="ctr">
+                      <a:solidFill>
+                        <a:schemeClr val="tx1"/>
+                      </a:solidFill>
+                      <a:prstDash val="solid"/>
+                      <a:round/>
+                      <a:headEnd type="none" w="med" len="med"/>
+                      <a:tailEnd type="none" w="med" len="med"/>
+                    </a:lnT>
+                    <a:lnB w="12700" cap="flat" cmpd="sng" algn="ctr">
+                      <a:solidFill>
+                        <a:schemeClr val="tx1"/>
+                      </a:solidFill>
+                      <a:prstDash val="solid"/>
+                      <a:round/>
+                      <a:headEnd type="none" w="med" len="med"/>
+                      <a:tailEnd type="none" w="med" len="med"/>
+                    </a:lnB>
+                  </a:tcPr>
+                </a:tc>
+                <a:tc>
+                  <a:txBody>
+                    <a:bodyPr/>
+                    <a:lstStyle/>
+                    <a:p>
+                      <a:pPr algn="ctr"/>
+                      <a:r>
+                        <a:rPr lang="fr-FR" dirty="0"/>
+                        <a:t>Vin</a:t>
+                      </a:r>
+                    </a:p>
+                  </a:txBody>
+                  <a:tcPr>
+                    <a:lnL w="12700" cap="flat" cmpd="sng" algn="ctr">
+                      <a:solidFill>
+                        <a:schemeClr val="tx1"/>
+                      </a:solidFill>
+                      <a:prstDash val="solid"/>
+                      <a:round/>
+                      <a:headEnd type="none" w="med" len="med"/>
+                      <a:tailEnd type="none" w="med" len="med"/>
+                    </a:lnL>
+                    <a:lnR w="12700" cap="flat" cmpd="sng" algn="ctr">
+                      <a:solidFill>
+                        <a:schemeClr val="tx1"/>
+                      </a:solidFill>
+                      <a:prstDash val="solid"/>
+                      <a:round/>
+                      <a:headEnd type="none" w="med" len="med"/>
+                      <a:tailEnd type="none" w="med" len="med"/>
+                    </a:lnR>
+                    <a:lnT w="12700" cap="flat" cmpd="sng" algn="ctr">
+                      <a:solidFill>
+                        <a:schemeClr val="tx1"/>
+                      </a:solidFill>
+                      <a:prstDash val="solid"/>
+                      <a:round/>
+                      <a:headEnd type="none" w="med" len="med"/>
+                      <a:tailEnd type="none" w="med" len="med"/>
+                    </a:lnT>
+                    <a:lnB w="12700" cap="flat" cmpd="sng" algn="ctr">
+                      <a:solidFill>
+                        <a:schemeClr val="tx1"/>
+                      </a:solidFill>
+                      <a:prstDash val="solid"/>
+                      <a:round/>
+                      <a:headEnd type="none" w="med" len="med"/>
+                      <a:tailEnd type="none" w="med" len="med"/>
+                    </a:lnB>
+                  </a:tcPr>
+                </a:tc>
+                <a:extLst>
+                  <a:ext uri="{0D108BD9-81ED-4DB2-BD59-A6C34878D82A}">
+                    <a16:rowId xmlns:a16="http://schemas.microsoft.com/office/drawing/2014/main" val="3854206675"/>
+                  </a:ext>
+                </a:extLst>
+              </a:tr>
+              <a:tr h="370840">
+                <a:tc>
+                  <a:txBody>
+                    <a:bodyPr/>
+                    <a:lstStyle/>
+                    <a:p>
+                      <a:pPr algn="ctr"/>
+                      <a:r>
+                        <a:rPr lang="fr-FR" sz="1600" b="1" dirty="0">
+                          <a:solidFill>
+                            <a:schemeClr val="tx1"/>
+                          </a:solidFill>
+                        </a:rPr>
+                        <a:t>2</a:t>
+                      </a:r>
+                    </a:p>
+                  </a:txBody>
+                  <a:tcPr>
+                    <a:lnL w="12700" cap="flat" cmpd="sng" algn="ctr">
+                      <a:solidFill>
+                        <a:schemeClr val="tx1"/>
+                      </a:solidFill>
+                      <a:prstDash val="solid"/>
+                      <a:round/>
+                      <a:headEnd type="none" w="med" len="med"/>
+                      <a:tailEnd type="none" w="med" len="med"/>
+                    </a:lnL>
+                    <a:lnR w="12700" cap="flat" cmpd="sng" algn="ctr">
+                      <a:solidFill>
+                        <a:schemeClr val="tx1"/>
+                      </a:solidFill>
+                      <a:prstDash val="solid"/>
+                      <a:round/>
+                      <a:headEnd type="none" w="med" len="med"/>
+                      <a:tailEnd type="none" w="med" len="med"/>
+                    </a:lnR>
+                    <a:lnT w="12700" cap="flat" cmpd="sng" algn="ctr">
+                      <a:solidFill>
+                        <a:schemeClr val="tx1"/>
+                      </a:solidFill>
+                      <a:prstDash val="solid"/>
+                      <a:round/>
+                      <a:headEnd type="none" w="med" len="med"/>
+                      <a:tailEnd type="none" w="med" len="med"/>
+                    </a:lnT>
+                    <a:lnB w="12700" cap="flat" cmpd="sng" algn="ctr">
+                      <a:solidFill>
+                        <a:schemeClr val="tx1"/>
+                      </a:solidFill>
+                      <a:prstDash val="solid"/>
+                      <a:round/>
+                      <a:headEnd type="none" w="med" len="med"/>
+                      <a:tailEnd type="none" w="med" len="med"/>
+                    </a:lnB>
+                  </a:tcPr>
+                </a:tc>
+                <a:tc>
+                  <a:txBody>
+                    <a:bodyPr/>
+                    <a:lstStyle/>
+                    <a:p>
+                      <a:pPr algn="ctr"/>
+                      <a:r>
+                        <a:rPr lang="fr-FR" dirty="0"/>
+                        <a:t>+Vcc (5V)</a:t>
+                      </a:r>
+                    </a:p>
+                  </a:txBody>
+                  <a:tcPr>
+                    <a:lnL w="12700" cap="flat" cmpd="sng" algn="ctr">
+                      <a:solidFill>
+                        <a:schemeClr val="tx1"/>
+                      </a:solidFill>
+                      <a:prstDash val="solid"/>
+                      <a:round/>
+                      <a:headEnd type="none" w="med" len="med"/>
+                      <a:tailEnd type="none" w="med" len="med"/>
+                    </a:lnL>
+                    <a:lnR w="12700" cap="flat" cmpd="sng" algn="ctr">
+                      <a:solidFill>
+                        <a:schemeClr val="tx1"/>
+                      </a:solidFill>
+                      <a:prstDash val="solid"/>
+                      <a:round/>
+                      <a:headEnd type="none" w="med" len="med"/>
+                      <a:tailEnd type="none" w="med" len="med"/>
+                    </a:lnR>
+                    <a:lnT w="12700" cap="flat" cmpd="sng" algn="ctr">
+                      <a:solidFill>
+                        <a:schemeClr val="tx1"/>
+                      </a:solidFill>
+                      <a:prstDash val="solid"/>
+                      <a:round/>
+                      <a:headEnd type="none" w="med" len="med"/>
+                      <a:tailEnd type="none" w="med" len="med"/>
+                    </a:lnT>
+                    <a:lnB w="12700" cap="flat" cmpd="sng" algn="ctr">
+                      <a:solidFill>
+                        <a:schemeClr val="tx1"/>
+                      </a:solidFill>
+                      <a:prstDash val="solid"/>
+                      <a:round/>
+                      <a:headEnd type="none" w="med" len="med"/>
+                      <a:tailEnd type="none" w="med" len="med"/>
+                    </a:lnB>
+                  </a:tcPr>
+                </a:tc>
+                <a:extLst>
+                  <a:ext uri="{0D108BD9-81ED-4DB2-BD59-A6C34878D82A}">
+                    <a16:rowId xmlns:a16="http://schemas.microsoft.com/office/drawing/2014/main" val="2525468591"/>
+                  </a:ext>
+                </a:extLst>
+              </a:tr>
+            </a:tbl>
+          </a:graphicData>
+        </a:graphic>
+      </p:graphicFrame>
+      <p:sp>
+        <p:nvSpPr>
+          <p:cNvPr id="22" name="ZoneTexte 21">
+            <a:extLst>
+              <a:ext uri="{FF2B5EF4-FFF2-40B4-BE49-F238E27FC236}">
+                <a16:creationId xmlns:a16="http://schemas.microsoft.com/office/drawing/2014/main" id="{51BCFC8A-7E85-9D97-12B0-32308C569DA4}"/>
+              </a:ext>
+            </a:extLst>
+          </p:cNvPr>
+          <p:cNvSpPr txBox="1"/>
+          <p:nvPr/>
+        </p:nvSpPr>
+        <p:spPr>
+          <a:xfrm>
+            <a:off x="2261275" y="1576609"/>
+            <a:ext cx="405881" cy="369332"/>
+          </a:xfrm>
+          <a:prstGeom prst="rect">
+            <a:avLst/>
+          </a:prstGeom>
+          <a:noFill/>
+        </p:spPr>
+        <p:txBody>
+          <a:bodyPr wrap="square" rtlCol="0">
+            <a:spAutoFit/>
+          </a:bodyPr>
+          <a:lstStyle/>
+          <a:p>
+            <a:r>
+              <a:rPr lang="fr-FR" b="1" dirty="0">
+                <a:solidFill>
+                  <a:schemeClr val="bg1"/>
+                </a:solidFill>
+              </a:rPr>
+              <a:t>1</a:t>
+            </a:r>
+          </a:p>
+        </p:txBody>
+      </p:sp>
+      <p:sp>
+        <p:nvSpPr>
+          <p:cNvPr id="23" name="ZoneTexte 22">
+            <a:extLst>
+              <a:ext uri="{FF2B5EF4-FFF2-40B4-BE49-F238E27FC236}">
+                <a16:creationId xmlns:a16="http://schemas.microsoft.com/office/drawing/2014/main" id="{01CD3A20-A9EC-5FD3-8828-844E94645054}"/>
+              </a:ext>
+            </a:extLst>
+          </p:cNvPr>
+          <p:cNvSpPr txBox="1"/>
+          <p:nvPr/>
+        </p:nvSpPr>
+        <p:spPr>
+          <a:xfrm>
+            <a:off x="2261275" y="1966549"/>
+            <a:ext cx="405881" cy="369332"/>
+          </a:xfrm>
+          <a:prstGeom prst="rect">
+            <a:avLst/>
+          </a:prstGeom>
+          <a:noFill/>
+        </p:spPr>
+        <p:txBody>
+          <a:bodyPr wrap="square" rtlCol="0">
+            <a:spAutoFit/>
+          </a:bodyPr>
+          <a:lstStyle/>
+          <a:p>
+            <a:r>
+              <a:rPr lang="fr-FR" b="1" dirty="0">
+                <a:solidFill>
+                  <a:schemeClr val="bg1"/>
+                </a:solidFill>
+              </a:rPr>
+              <a:t>2</a:t>
+            </a:r>
+          </a:p>
+        </p:txBody>
+      </p:sp>
+      <p:graphicFrame>
+        <p:nvGraphicFramePr>
+          <p:cNvPr id="24" name="Tableau 23">
+            <a:extLst>
+              <a:ext uri="{FF2B5EF4-FFF2-40B4-BE49-F238E27FC236}">
+                <a16:creationId xmlns:a16="http://schemas.microsoft.com/office/drawing/2014/main" id="{BCF91B16-3752-D725-5C83-E5C0762B364C}"/>
+              </a:ext>
+            </a:extLst>
+          </p:cNvPr>
+          <p:cNvGraphicFramePr>
+            <a:graphicFrameLocks noGrp="1"/>
+          </p:cNvGraphicFramePr>
+          <p:nvPr>
+            <p:extLst>
+              <p:ext uri="{D42A27DB-BD31-4B8C-83A1-F6EECF244321}">
+                <p14:modId xmlns:p14="http://schemas.microsoft.com/office/powerpoint/2010/main" val="2905982416"/>
+              </p:ext>
+            </p:extLst>
+          </p:nvPr>
+        </p:nvGraphicFramePr>
+        <p:xfrm>
+          <a:off x="221146" y="3357658"/>
+          <a:ext cx="6274905" cy="1626591"/>
+        </p:xfrm>
+        <a:graphic>
+          <a:graphicData uri="http://schemas.openxmlformats.org/drawingml/2006/table">
+            <a:tbl>
+              <a:tblPr firstRow="1">
+                <a:tableStyleId>{073A0DAA-6AF3-43AB-8588-CEC1D06C72B9}</a:tableStyleId>
+              </a:tblPr>
+              <a:tblGrid>
+                <a:gridCol w="2091635">
+                  <a:extLst>
+                    <a:ext uri="{9D8B030D-6E8A-4147-A177-3AD203B41FA5}">
+                      <a16:colId xmlns:a16="http://schemas.microsoft.com/office/drawing/2014/main" val="3610702983"/>
+                    </a:ext>
+                  </a:extLst>
+                </a:gridCol>
+                <a:gridCol w="2091635">
+                  <a:extLst>
+                    <a:ext uri="{9D8B030D-6E8A-4147-A177-3AD203B41FA5}">
+                      <a16:colId xmlns:a16="http://schemas.microsoft.com/office/drawing/2014/main" val="1918606946"/>
+                    </a:ext>
+                  </a:extLst>
+                </a:gridCol>
+                <a:gridCol w="2091635">
+                  <a:extLst>
+                    <a:ext uri="{9D8B030D-6E8A-4147-A177-3AD203B41FA5}">
+                      <a16:colId xmlns:a16="http://schemas.microsoft.com/office/drawing/2014/main" val="3139002967"/>
+                    </a:ext>
+                  </a:extLst>
+                </a:gridCol>
+              </a:tblGrid>
+              <a:tr h="374557">
+                <a:tc>
+                  <a:txBody>
+                    <a:bodyPr/>
+                    <a:lstStyle/>
+                    <a:p>
+                      <a:endParaRPr lang="fr-FR" dirty="0"/>
+                    </a:p>
+                  </a:txBody>
+                  <a:tcPr>
+                    <a:lnL w="12700" cap="flat" cmpd="sng" algn="ctr">
+                      <a:solidFill>
+                        <a:schemeClr val="tx1"/>
+                      </a:solidFill>
+                      <a:prstDash val="solid"/>
+                      <a:round/>
+                      <a:headEnd type="none" w="med" len="med"/>
+                      <a:tailEnd type="none" w="med" len="med"/>
+                    </a:lnL>
+                    <a:lnR w="12700" cap="flat" cmpd="sng" algn="ctr">
+                      <a:solidFill>
+                        <a:schemeClr val="tx1"/>
+                      </a:solidFill>
+                      <a:prstDash val="solid"/>
+                      <a:round/>
+                      <a:headEnd type="none" w="med" len="med"/>
+                      <a:tailEnd type="none" w="med" len="med"/>
+                    </a:lnR>
+                    <a:lnT w="12700" cap="flat" cmpd="sng" algn="ctr">
+                      <a:solidFill>
+                        <a:schemeClr val="tx1"/>
+                      </a:solidFill>
+                      <a:prstDash val="solid"/>
+                      <a:round/>
+                      <a:headEnd type="none" w="med" len="med"/>
+                      <a:tailEnd type="none" w="med" len="med"/>
+                    </a:lnT>
+                    <a:lnB w="12700" cap="flat" cmpd="sng" algn="ctr">
+                      <a:solidFill>
+                        <a:schemeClr val="tx1"/>
+                      </a:solidFill>
+                      <a:prstDash val="solid"/>
+                      <a:round/>
+                      <a:headEnd type="none" w="med" len="med"/>
+                      <a:tailEnd type="none" w="med" len="med"/>
+                    </a:lnB>
+                    <a:solidFill>
+                      <a:schemeClr val="bg1"/>
+                    </a:solidFill>
+                  </a:tcPr>
+                </a:tc>
+                <a:tc>
+                  <a:txBody>
+                    <a:bodyPr/>
+                    <a:lstStyle/>
+                    <a:p>
+                      <a:pPr algn="ctr"/>
+                      <a:r>
+                        <a:rPr lang="fr-FR" dirty="0" err="1"/>
+                        <a:t>Typical</a:t>
+                      </a:r>
+                      <a:r>
+                        <a:rPr lang="fr-FR" dirty="0"/>
+                        <a:t> Value</a:t>
+                      </a:r>
+                    </a:p>
+                  </a:txBody>
+                  <a:tcPr>
+                    <a:lnL w="12700" cap="flat" cmpd="sng" algn="ctr">
+                      <a:solidFill>
+                        <a:schemeClr val="tx1"/>
+                      </a:solidFill>
+                      <a:prstDash val="solid"/>
+                      <a:round/>
+                      <a:headEnd type="none" w="med" len="med"/>
+                      <a:tailEnd type="none" w="med" len="med"/>
+                    </a:lnL>
+                    <a:lnR w="12700" cap="flat" cmpd="sng" algn="ctr">
+                      <a:solidFill>
+                        <a:schemeClr val="tx1"/>
+                      </a:solidFill>
+                      <a:prstDash val="solid"/>
+                      <a:round/>
+                      <a:headEnd type="none" w="med" len="med"/>
+                      <a:tailEnd type="none" w="med" len="med"/>
+                    </a:lnR>
+                    <a:lnT w="12700" cap="flat" cmpd="sng" algn="ctr">
+                      <a:solidFill>
+                        <a:schemeClr val="tx1"/>
+                      </a:solidFill>
+                      <a:prstDash val="solid"/>
+                      <a:round/>
+                      <a:headEnd type="none" w="med" len="med"/>
+                      <a:tailEnd type="none" w="med" len="med"/>
+                    </a:lnT>
+                    <a:lnB w="12700" cap="flat" cmpd="sng" algn="ctr">
+                      <a:solidFill>
+                        <a:schemeClr val="tx1"/>
+                      </a:solidFill>
+                      <a:prstDash val="solid"/>
+                      <a:round/>
+                      <a:headEnd type="none" w="med" len="med"/>
+                      <a:tailEnd type="none" w="med" len="med"/>
+                    </a:lnB>
+                    <a:solidFill>
+                      <a:schemeClr val="tx1">
+                        <a:lumMod val="50000"/>
+                        <a:lumOff val="50000"/>
+                      </a:schemeClr>
+                    </a:solidFill>
+                  </a:tcPr>
+                </a:tc>
+                <a:tc>
+                  <a:txBody>
+                    <a:bodyPr/>
+                    <a:lstStyle/>
+                    <a:p>
+                      <a:pPr algn="ctr"/>
+                      <a:r>
+                        <a:rPr lang="fr-FR" dirty="0"/>
+                        <a:t>Unit</a:t>
+                      </a:r>
+                    </a:p>
+                  </a:txBody>
+                  <a:tcPr>
+                    <a:lnL w="12700" cap="flat" cmpd="sng" algn="ctr">
+                      <a:solidFill>
+                        <a:schemeClr val="tx1"/>
+                      </a:solidFill>
+                      <a:prstDash val="solid"/>
+                      <a:round/>
+                      <a:headEnd type="none" w="med" len="med"/>
+                      <a:tailEnd type="none" w="med" len="med"/>
+                    </a:lnL>
+                    <a:lnR w="12700" cap="flat" cmpd="sng" algn="ctr">
+                      <a:solidFill>
+                        <a:schemeClr val="tx1"/>
+                      </a:solidFill>
+                      <a:prstDash val="solid"/>
+                      <a:round/>
+                      <a:headEnd type="none" w="med" len="med"/>
+                      <a:tailEnd type="none" w="med" len="med"/>
+                    </a:lnR>
+                    <a:lnT w="12700" cap="flat" cmpd="sng" algn="ctr">
+                      <a:solidFill>
+                        <a:schemeClr val="tx1"/>
+                      </a:solidFill>
+                      <a:prstDash val="solid"/>
+                      <a:round/>
+                      <a:headEnd type="none" w="med" len="med"/>
+                      <a:tailEnd type="none" w="med" len="med"/>
+                    </a:lnT>
+                    <a:lnB w="12700" cap="flat" cmpd="sng" algn="ctr">
+                      <a:solidFill>
+                        <a:schemeClr val="tx1"/>
+                      </a:solidFill>
+                      <a:prstDash val="solid"/>
+                      <a:round/>
+                      <a:headEnd type="none" w="med" len="med"/>
+                      <a:tailEnd type="none" w="med" len="med"/>
+                    </a:lnB>
+                    <a:solidFill>
+                      <a:schemeClr val="tx1">
+                        <a:lumMod val="50000"/>
+                        <a:lumOff val="50000"/>
+                      </a:schemeClr>
+                    </a:solidFill>
+                  </a:tcPr>
+                </a:tc>
+                <a:extLst>
+                  <a:ext uri="{0D108BD9-81ED-4DB2-BD59-A6C34878D82A}">
+                    <a16:rowId xmlns:a16="http://schemas.microsoft.com/office/drawing/2014/main" val="3173636204"/>
+                  </a:ext>
+                </a:extLst>
+              </a:tr>
+              <a:tr h="374557">
+                <a:tc>
+                  <a:txBody>
+                    <a:bodyPr/>
+                    <a:lstStyle/>
+                    <a:p>
+                      <a:pPr algn="ctr"/>
+                      <a:r>
+                        <a:rPr lang="fr-FR" dirty="0" err="1"/>
+                        <a:t>Temperature</a:t>
+                      </a:r>
+                      <a:endParaRPr lang="fr-FR" dirty="0"/>
+                    </a:p>
+                  </a:txBody>
+                  <a:tcPr>
+                    <a:lnL w="12700" cap="flat" cmpd="sng" algn="ctr">
+                      <a:solidFill>
+                        <a:schemeClr val="tx1"/>
+                      </a:solidFill>
+                      <a:prstDash val="solid"/>
+                      <a:round/>
+                      <a:headEnd type="none" w="med" len="med"/>
+                      <a:tailEnd type="none" w="med" len="med"/>
+                    </a:lnL>
+                    <a:lnR w="12700" cap="flat" cmpd="sng" algn="ctr">
+                      <a:solidFill>
+                        <a:schemeClr val="tx1"/>
+                      </a:solidFill>
+                      <a:prstDash val="solid"/>
+                      <a:round/>
+                      <a:headEnd type="none" w="med" len="med"/>
+                      <a:tailEnd type="none" w="med" len="med"/>
+                    </a:lnR>
+                    <a:lnT w="12700" cap="flat" cmpd="sng" algn="ctr">
+                      <a:solidFill>
+                        <a:schemeClr val="tx1"/>
+                      </a:solidFill>
+                      <a:prstDash val="solid"/>
+                      <a:round/>
+                      <a:headEnd type="none" w="med" len="med"/>
+                      <a:tailEnd type="none" w="med" len="med"/>
+                    </a:lnT>
+                    <a:lnB w="12700" cap="flat" cmpd="sng" algn="ctr">
+                      <a:solidFill>
+                        <a:schemeClr val="tx1"/>
+                      </a:solidFill>
+                      <a:prstDash val="solid"/>
+                      <a:round/>
+                      <a:headEnd type="none" w="med" len="med"/>
+                      <a:tailEnd type="none" w="med" len="med"/>
+                    </a:lnB>
+                    <a:solidFill>
+                      <a:schemeClr val="bg1">
+                        <a:lumMod val="75000"/>
+                      </a:schemeClr>
+                    </a:solidFill>
+                  </a:tcPr>
+                </a:tc>
+                <a:tc>
+                  <a:txBody>
+                    <a:bodyPr/>
+                    <a:lstStyle/>
+                    <a:p>
+                      <a:pPr algn="ctr"/>
+                      <a:r>
+                        <a:rPr lang="fr-FR" dirty="0"/>
+                        <a:t>20±5</a:t>
+                      </a:r>
+                    </a:p>
+                  </a:txBody>
+                  <a:tcPr>
+                    <a:lnL w="12700" cap="flat" cmpd="sng" algn="ctr">
+                      <a:solidFill>
+                        <a:schemeClr val="tx1"/>
+                      </a:solidFill>
+                      <a:prstDash val="solid"/>
+                      <a:round/>
+                      <a:headEnd type="none" w="med" len="med"/>
+                      <a:tailEnd type="none" w="med" len="med"/>
+                    </a:lnL>
+                    <a:lnR w="12700" cap="flat" cmpd="sng" algn="ctr">
+                      <a:solidFill>
+                        <a:schemeClr val="tx1"/>
+                      </a:solidFill>
+                      <a:prstDash val="solid"/>
+                      <a:round/>
+                      <a:headEnd type="none" w="med" len="med"/>
+                      <a:tailEnd type="none" w="med" len="med"/>
+                    </a:lnR>
+                    <a:lnT w="12700" cap="flat" cmpd="sng" algn="ctr">
+                      <a:solidFill>
+                        <a:schemeClr val="tx1"/>
+                      </a:solidFill>
+                      <a:prstDash val="solid"/>
+                      <a:round/>
+                      <a:headEnd type="none" w="med" len="med"/>
+                      <a:tailEnd type="none" w="med" len="med"/>
+                    </a:lnT>
+                    <a:lnB w="12700" cap="flat" cmpd="sng" algn="ctr">
+                      <a:solidFill>
+                        <a:schemeClr val="tx1"/>
+                      </a:solidFill>
+                      <a:prstDash val="solid"/>
+                      <a:round/>
+                      <a:headEnd type="none" w="med" len="med"/>
+                      <a:tailEnd type="none" w="med" len="med"/>
+                    </a:lnB>
+                  </a:tcPr>
+                </a:tc>
+                <a:tc>
+                  <a:txBody>
+                    <a:bodyPr/>
+                    <a:lstStyle/>
+                    <a:p>
+                      <a:pPr algn="ctr"/>
+                      <a:r>
+                        <a:rPr lang="fr-FR" dirty="0"/>
+                        <a:t>°C</a:t>
+                      </a:r>
+                    </a:p>
+                  </a:txBody>
+                  <a:tcPr>
+                    <a:lnL w="12700" cap="flat" cmpd="sng" algn="ctr">
+                      <a:solidFill>
+                        <a:schemeClr val="tx1"/>
+                      </a:solidFill>
+                      <a:prstDash val="solid"/>
+                      <a:round/>
+                      <a:headEnd type="none" w="med" len="med"/>
+                      <a:tailEnd type="none" w="med" len="med"/>
+                    </a:lnL>
+                    <a:lnR w="12700" cap="flat" cmpd="sng" algn="ctr">
+                      <a:solidFill>
+                        <a:schemeClr val="tx1"/>
+                      </a:solidFill>
+                      <a:prstDash val="solid"/>
+                      <a:round/>
+                      <a:headEnd type="none" w="med" len="med"/>
+                      <a:tailEnd type="none" w="med" len="med"/>
+                    </a:lnR>
+                    <a:lnT w="12700" cap="flat" cmpd="sng" algn="ctr">
+                      <a:solidFill>
+                        <a:schemeClr val="tx1"/>
+                      </a:solidFill>
+                      <a:prstDash val="solid"/>
+                      <a:round/>
+                      <a:headEnd type="none" w="med" len="med"/>
+                      <a:tailEnd type="none" w="med" len="med"/>
+                    </a:lnT>
+                    <a:lnB w="12700" cap="flat" cmpd="sng" algn="ctr">
+                      <a:solidFill>
+                        <a:schemeClr val="tx1"/>
+                      </a:solidFill>
+                      <a:prstDash val="solid"/>
+                      <a:round/>
+                      <a:headEnd type="none" w="med" len="med"/>
+                      <a:tailEnd type="none" w="med" len="med"/>
+                    </a:lnB>
+                  </a:tcPr>
+                </a:tc>
+                <a:extLst>
+                  <a:ext uri="{0D108BD9-81ED-4DB2-BD59-A6C34878D82A}">
+                    <a16:rowId xmlns:a16="http://schemas.microsoft.com/office/drawing/2014/main" val="2051792826"/>
+                  </a:ext>
+                </a:extLst>
+              </a:tr>
+              <a:tr h="374557">
+                <a:tc>
+                  <a:txBody>
+                    <a:bodyPr/>
+                    <a:lstStyle/>
+                    <a:p>
+                      <a:pPr algn="ctr"/>
+                      <a:r>
+                        <a:rPr lang="fr-FR" dirty="0" err="1"/>
+                        <a:t>Humidity</a:t>
+                      </a:r>
+                      <a:endParaRPr lang="fr-FR" dirty="0"/>
+                    </a:p>
+                  </a:txBody>
+                  <a:tcPr>
+                    <a:lnL w="12700" cap="flat" cmpd="sng" algn="ctr">
+                      <a:solidFill>
+                        <a:schemeClr val="tx1"/>
+                      </a:solidFill>
+                      <a:prstDash val="solid"/>
+                      <a:round/>
+                      <a:headEnd type="none" w="med" len="med"/>
+                      <a:tailEnd type="none" w="med" len="med"/>
+                    </a:lnL>
+                    <a:lnR w="12700" cap="flat" cmpd="sng" algn="ctr">
+                      <a:solidFill>
+                        <a:schemeClr val="tx1"/>
+                      </a:solidFill>
+                      <a:prstDash val="solid"/>
+                      <a:round/>
+                      <a:headEnd type="none" w="med" len="med"/>
+                      <a:tailEnd type="none" w="med" len="med"/>
+                    </a:lnR>
+                    <a:lnT w="12700" cap="flat" cmpd="sng" algn="ctr">
+                      <a:solidFill>
+                        <a:schemeClr val="tx1"/>
+                      </a:solidFill>
+                      <a:prstDash val="solid"/>
+                      <a:round/>
+                      <a:headEnd type="none" w="med" len="med"/>
+                      <a:tailEnd type="none" w="med" len="med"/>
+                    </a:lnT>
+                    <a:lnB w="12700" cap="flat" cmpd="sng" algn="ctr">
+                      <a:solidFill>
+                        <a:schemeClr val="tx1"/>
+                      </a:solidFill>
+                      <a:prstDash val="solid"/>
+                      <a:round/>
+                      <a:headEnd type="none" w="med" len="med"/>
+                      <a:tailEnd type="none" w="med" len="med"/>
+                    </a:lnB>
+                    <a:solidFill>
+                      <a:schemeClr val="bg1">
+                        <a:lumMod val="75000"/>
+                      </a:schemeClr>
+                    </a:solidFill>
+                  </a:tcPr>
+                </a:tc>
+                <a:tc>
+                  <a:txBody>
+                    <a:bodyPr/>
+                    <a:lstStyle/>
+                    <a:p>
+                      <a:pPr algn="ctr"/>
+                      <a:r>
+                        <a:rPr lang="fr-FR" dirty="0"/>
+                        <a:t>50±5</a:t>
+                      </a:r>
+                    </a:p>
+                  </a:txBody>
+                  <a:tcPr>
+                    <a:lnL w="12700" cap="flat" cmpd="sng" algn="ctr">
+                      <a:solidFill>
+                        <a:schemeClr val="tx1"/>
+                      </a:solidFill>
+                      <a:prstDash val="solid"/>
+                      <a:round/>
+                      <a:headEnd type="none" w="med" len="med"/>
+                      <a:tailEnd type="none" w="med" len="med"/>
+                    </a:lnL>
+                    <a:lnR w="12700" cap="flat" cmpd="sng" algn="ctr">
+                      <a:solidFill>
+                        <a:schemeClr val="tx1"/>
+                      </a:solidFill>
+                      <a:prstDash val="solid"/>
+                      <a:round/>
+                      <a:headEnd type="none" w="med" len="med"/>
+                      <a:tailEnd type="none" w="med" len="med"/>
+                    </a:lnR>
+                    <a:lnT w="12700" cap="flat" cmpd="sng" algn="ctr">
+                      <a:solidFill>
+                        <a:schemeClr val="tx1"/>
+                      </a:solidFill>
+                      <a:prstDash val="solid"/>
+                      <a:round/>
+                      <a:headEnd type="none" w="med" len="med"/>
+                      <a:tailEnd type="none" w="med" len="med"/>
+                    </a:lnT>
+                    <a:lnB w="12700" cap="flat" cmpd="sng" algn="ctr">
+                      <a:solidFill>
+                        <a:schemeClr val="tx1"/>
+                      </a:solidFill>
+                      <a:prstDash val="solid"/>
+                      <a:round/>
+                      <a:headEnd type="none" w="med" len="med"/>
+                      <a:tailEnd type="none" w="med" len="med"/>
+                    </a:lnB>
+                  </a:tcPr>
+                </a:tc>
+                <a:tc>
+                  <a:txBody>
+                    <a:bodyPr/>
+                    <a:lstStyle/>
+                    <a:p>
+                      <a:pPr algn="ctr"/>
+                      <a:r>
+                        <a:rPr lang="fr-FR" dirty="0"/>
+                        <a:t>%</a:t>
+                      </a:r>
+                    </a:p>
+                  </a:txBody>
+                  <a:tcPr>
+                    <a:lnL w="12700" cap="flat" cmpd="sng" algn="ctr">
+                      <a:solidFill>
+                        <a:schemeClr val="tx1"/>
+                      </a:solidFill>
+                      <a:prstDash val="solid"/>
+                      <a:round/>
+                      <a:headEnd type="none" w="med" len="med"/>
+                      <a:tailEnd type="none" w="med" len="med"/>
+                    </a:lnL>
+                    <a:lnR w="12700" cap="flat" cmpd="sng" algn="ctr">
+                      <a:solidFill>
+                        <a:schemeClr val="tx1"/>
+                      </a:solidFill>
+                      <a:prstDash val="solid"/>
+                      <a:round/>
+                      <a:headEnd type="none" w="med" len="med"/>
+                      <a:tailEnd type="none" w="med" len="med"/>
+                    </a:lnR>
+                    <a:lnT w="12700" cap="flat" cmpd="sng" algn="ctr">
+                      <a:solidFill>
+                        <a:schemeClr val="tx1"/>
+                      </a:solidFill>
+                      <a:prstDash val="solid"/>
+                      <a:round/>
+                      <a:headEnd type="none" w="med" len="med"/>
+                      <a:tailEnd type="none" w="med" len="med"/>
+                    </a:lnT>
+                    <a:lnB w="12700" cap="flat" cmpd="sng" algn="ctr">
+                      <a:solidFill>
+                        <a:schemeClr val="tx1"/>
+                      </a:solidFill>
+                      <a:prstDash val="solid"/>
+                      <a:round/>
+                      <a:headEnd type="none" w="med" len="med"/>
+                      <a:tailEnd type="none" w="med" len="med"/>
+                    </a:lnB>
+                  </a:tcPr>
+                </a:tc>
+                <a:extLst>
+                  <a:ext uri="{0D108BD9-81ED-4DB2-BD59-A6C34878D82A}">
+                    <a16:rowId xmlns:a16="http://schemas.microsoft.com/office/drawing/2014/main" val="865389852"/>
+                  </a:ext>
+                </a:extLst>
+              </a:tr>
+              <a:tr h="374557">
+                <a:tc>
+                  <a:txBody>
+                    <a:bodyPr/>
+                    <a:lstStyle/>
+                    <a:p>
+                      <a:pPr algn="ctr"/>
+                      <a:r>
+                        <a:rPr lang="fr-FR" dirty="0"/>
+                        <a:t>Bluetooth </a:t>
+                      </a:r>
+                      <a:r>
+                        <a:rPr lang="fr-FR" dirty="0" err="1"/>
+                        <a:t>operation</a:t>
+                      </a:r>
+                      <a:r>
+                        <a:rPr lang="fr-FR" dirty="0"/>
+                        <a:t> distance</a:t>
+                      </a:r>
+                    </a:p>
+                  </a:txBody>
+                  <a:tcPr>
+                    <a:lnL w="12700" cap="flat" cmpd="sng" algn="ctr">
+                      <a:solidFill>
+                        <a:schemeClr val="tx1"/>
+                      </a:solidFill>
+                      <a:prstDash val="solid"/>
+                      <a:round/>
+                      <a:headEnd type="none" w="med" len="med"/>
+                      <a:tailEnd type="none" w="med" len="med"/>
+                    </a:lnL>
+                    <a:lnR w="12700" cap="flat" cmpd="sng" algn="ctr">
+                      <a:solidFill>
+                        <a:schemeClr val="tx1"/>
+                      </a:solidFill>
+                      <a:prstDash val="solid"/>
+                      <a:round/>
+                      <a:headEnd type="none" w="med" len="med"/>
+                      <a:tailEnd type="none" w="med" len="med"/>
+                    </a:lnR>
+                    <a:lnT w="12700" cap="flat" cmpd="sng" algn="ctr">
+                      <a:solidFill>
+                        <a:schemeClr val="tx1"/>
+                      </a:solidFill>
+                      <a:prstDash val="solid"/>
+                      <a:round/>
+                      <a:headEnd type="none" w="med" len="med"/>
+                      <a:tailEnd type="none" w="med" len="med"/>
+                    </a:lnT>
+                    <a:lnB w="12700" cap="flat" cmpd="sng" algn="ctr">
+                      <a:solidFill>
+                        <a:schemeClr val="tx1"/>
+                      </a:solidFill>
+                      <a:prstDash val="solid"/>
+                      <a:round/>
+                      <a:headEnd type="none" w="med" len="med"/>
+                      <a:tailEnd type="none" w="med" len="med"/>
+                    </a:lnB>
+                    <a:solidFill>
+                      <a:schemeClr val="bg1">
+                        <a:lumMod val="75000"/>
+                      </a:schemeClr>
+                    </a:solidFill>
+                  </a:tcPr>
+                </a:tc>
+                <a:tc>
+                  <a:txBody>
+                    <a:bodyPr/>
+                    <a:lstStyle/>
+                    <a:p>
+                      <a:pPr algn="ctr"/>
+                      <a:r>
+                        <a:rPr lang="fr-FR" dirty="0"/>
+                        <a:t>1±4</a:t>
+                      </a:r>
+                    </a:p>
+                  </a:txBody>
+                  <a:tcPr>
+                    <a:lnL w="12700" cap="flat" cmpd="sng" algn="ctr">
+                      <a:solidFill>
+                        <a:schemeClr val="tx1"/>
+                      </a:solidFill>
+                      <a:prstDash val="solid"/>
+                      <a:round/>
+                      <a:headEnd type="none" w="med" len="med"/>
+                      <a:tailEnd type="none" w="med" len="med"/>
+                    </a:lnL>
+                    <a:lnR w="12700" cap="flat" cmpd="sng" algn="ctr">
+                      <a:solidFill>
+                        <a:schemeClr val="tx1"/>
+                      </a:solidFill>
+                      <a:prstDash val="solid"/>
+                      <a:round/>
+                      <a:headEnd type="none" w="med" len="med"/>
+                      <a:tailEnd type="none" w="med" len="med"/>
+                    </a:lnR>
+                    <a:lnT w="12700" cap="flat" cmpd="sng" algn="ctr">
+                      <a:solidFill>
+                        <a:schemeClr val="tx1"/>
+                      </a:solidFill>
+                      <a:prstDash val="solid"/>
+                      <a:round/>
+                      <a:headEnd type="none" w="med" len="med"/>
+                      <a:tailEnd type="none" w="med" len="med"/>
+                    </a:lnT>
+                    <a:lnB w="12700" cap="flat" cmpd="sng" algn="ctr">
+                      <a:solidFill>
+                        <a:schemeClr val="tx1"/>
+                      </a:solidFill>
+                      <a:prstDash val="solid"/>
+                      <a:round/>
+                      <a:headEnd type="none" w="med" len="med"/>
+                      <a:tailEnd type="none" w="med" len="med"/>
+                    </a:lnB>
+                  </a:tcPr>
+                </a:tc>
+                <a:tc>
+                  <a:txBody>
+                    <a:bodyPr/>
+                    <a:lstStyle/>
+                    <a:p>
+                      <a:pPr algn="ctr"/>
+                      <a:r>
+                        <a:rPr lang="fr-FR" dirty="0"/>
+                        <a:t>m</a:t>
+                      </a:r>
+                    </a:p>
+                  </a:txBody>
+                  <a:tcPr>
+                    <a:lnL w="12700" cap="flat" cmpd="sng" algn="ctr">
+                      <a:solidFill>
+                        <a:schemeClr val="tx1"/>
+                      </a:solidFill>
+                      <a:prstDash val="solid"/>
+                      <a:round/>
+                      <a:headEnd type="none" w="med" len="med"/>
+                      <a:tailEnd type="none" w="med" len="med"/>
+                    </a:lnL>
+                    <a:lnR w="12700" cap="flat" cmpd="sng" algn="ctr">
+                      <a:solidFill>
+                        <a:schemeClr val="tx1"/>
+                      </a:solidFill>
+                      <a:prstDash val="solid"/>
+                      <a:round/>
+                      <a:headEnd type="none" w="med" len="med"/>
+                      <a:tailEnd type="none" w="med" len="med"/>
+                    </a:lnR>
+                    <a:lnT w="12700" cap="flat" cmpd="sng" algn="ctr">
+                      <a:solidFill>
+                        <a:schemeClr val="tx1"/>
+                      </a:solidFill>
+                      <a:prstDash val="solid"/>
+                      <a:round/>
+                      <a:headEnd type="none" w="med" len="med"/>
+                      <a:tailEnd type="none" w="med" len="med"/>
+                    </a:lnT>
+                    <a:lnB w="12700" cap="flat" cmpd="sng" algn="ctr">
+                      <a:solidFill>
+                        <a:schemeClr val="tx1"/>
+                      </a:solidFill>
+                      <a:prstDash val="solid"/>
+                      <a:round/>
+                      <a:headEnd type="none" w="med" len="med"/>
+                      <a:tailEnd type="none" w="med" len="med"/>
+                    </a:lnB>
+                  </a:tcPr>
+                </a:tc>
+                <a:extLst>
+                  <a:ext uri="{0D108BD9-81ED-4DB2-BD59-A6C34878D82A}">
+                    <a16:rowId xmlns:a16="http://schemas.microsoft.com/office/drawing/2014/main" val="3904461452"/>
+                  </a:ext>
+                </a:extLst>
+              </a:tr>
+            </a:tbl>
+          </a:graphicData>
+        </a:graphic>
+      </p:graphicFrame>
     </p:spTree>
     <p:extLst>
       <p:ext uri="{BB962C8B-B14F-4D97-AF65-F5344CB8AC3E}">
@@ -4184,7 +6575,7 @@
         </p:nvSpPr>
         <p:spPr>
           <a:xfrm>
-            <a:off x="125896" y="1377971"/>
+            <a:off x="125896" y="2926304"/>
             <a:ext cx="3693629" cy="369332"/>
           </a:xfrm>
           <a:prstGeom prst="rect">
@@ -4404,10 +6795,10 @@
       </p:sp>
       <p:sp>
         <p:nvSpPr>
-          <p:cNvPr id="14" name="ZoneTexte 13">
+          <p:cNvPr id="20" name="ZoneTexte 19">
             <a:extLst>
               <a:ext uri="{FF2B5EF4-FFF2-40B4-BE49-F238E27FC236}">
-                <a16:creationId xmlns:a16="http://schemas.microsoft.com/office/drawing/2014/main" id="{797E5605-BAD3-3266-C4AD-15F8796B4CC9}"/>
+                <a16:creationId xmlns:a16="http://schemas.microsoft.com/office/drawing/2014/main" id="{396F83C7-EA33-2FB7-E38B-6D91075CC22D}"/>
               </a:ext>
             </a:extLst>
           </p:cNvPr>
@@ -4416,8 +6807,8 @@
         </p:nvSpPr>
         <p:spPr>
           <a:xfrm>
-            <a:off x="159233" y="4170284"/>
-            <a:ext cx="2857500" cy="369332"/>
+            <a:off x="159233" y="1698263"/>
+            <a:ext cx="5761040" cy="646331"/>
           </a:xfrm>
           <a:prstGeom prst="rect">
             <a:avLst/>
@@ -4431,17 +6822,425 @@
           <a:lstStyle/>
           <a:p>
             <a:r>
-              <a:rPr lang="fr-FR" b="1" u="sng" dirty="0">
+              <a:rPr lang="fr-FR" dirty="0"/>
+              <a:t>Pencil type-unit of the </a:t>
+            </a:r>
+            <a:r>
+              <a:rPr lang="fr-FR" dirty="0" err="1"/>
+              <a:t>resistance</a:t>
+            </a:r>
+            <a:r>
+              <a:rPr lang="fr-FR" dirty="0"/>
+              <a:t> and the </a:t>
+            </a:r>
+            <a:r>
+              <a:rPr lang="fr-FR" dirty="0" err="1"/>
+              <a:t>resistance</a:t>
+            </a:r>
+            <a:r>
+              <a:rPr lang="fr-FR" dirty="0"/>
+              <a:t> </a:t>
+            </a:r>
+            <a:r>
+              <a:rPr lang="fr-FR" dirty="0" err="1"/>
+              <a:t>when</a:t>
+            </a:r>
+            <a:r>
+              <a:rPr lang="fr-FR" dirty="0"/>
+              <a:t> no </a:t>
+            </a:r>
+            <a:r>
+              <a:rPr lang="fr-FR" dirty="0" err="1"/>
+              <a:t>strain</a:t>
+            </a:r>
+            <a:r>
+              <a:rPr lang="fr-FR" dirty="0"/>
+              <a:t> </a:t>
+            </a:r>
+            <a:r>
+              <a:rPr lang="fr-FR" dirty="0" err="1"/>
+              <a:t>applied</a:t>
+            </a:r>
+            <a:endParaRPr lang="fr-FR" dirty="0"/>
+          </a:p>
+        </p:txBody>
+      </p:sp>
+      <p:sp>
+        <p:nvSpPr>
+          <p:cNvPr id="21" name="ZoneTexte 20">
+            <a:extLst>
+              <a:ext uri="{FF2B5EF4-FFF2-40B4-BE49-F238E27FC236}">
+                <a16:creationId xmlns:a16="http://schemas.microsoft.com/office/drawing/2014/main" id="{1F091296-1DF4-AB2A-06F2-975A135F539E}"/>
+              </a:ext>
+            </a:extLst>
+          </p:cNvPr>
+          <p:cNvSpPr txBox="1"/>
+          <p:nvPr/>
+        </p:nvSpPr>
+        <p:spPr>
+          <a:xfrm>
+            <a:off x="265353" y="4429373"/>
+            <a:ext cx="5761040" cy="646331"/>
+          </a:xfrm>
+          <a:prstGeom prst="rect">
+            <a:avLst/>
+          </a:prstGeom>
+          <a:noFill/>
+        </p:spPr>
+        <p:txBody>
+          <a:bodyPr wrap="square" rtlCol="0">
+            <a:spAutoFit/>
+          </a:bodyPr>
+          <a:lstStyle/>
+          <a:p>
+            <a:r>
+              <a:rPr lang="fr-FR" dirty="0"/>
+              <a:t>Courbes de </a:t>
+            </a:r>
+            <a:r>
+              <a:rPr lang="fr-FR" dirty="0" err="1"/>
+              <a:t>deltaR</a:t>
+            </a:r>
+            <a:r>
+              <a:rPr lang="fr-FR" dirty="0"/>
+              <a:t>/R0 en fonction de la </a:t>
+            </a:r>
+            <a:r>
+              <a:rPr lang="fr-FR" dirty="0" err="1"/>
+              <a:t>deformation</a:t>
+            </a:r>
+            <a:r>
+              <a:rPr lang="fr-FR" dirty="0"/>
+              <a:t> soit en % soit en cm</a:t>
+            </a:r>
+          </a:p>
+        </p:txBody>
+      </p:sp>
+    </p:spTree>
+    <p:extLst>
+      <p:ext uri="{BB962C8B-B14F-4D97-AF65-F5344CB8AC3E}">
+        <p14:creationId xmlns:p14="http://schemas.microsoft.com/office/powerpoint/2010/main" val="3233950406"/>
+      </p:ext>
+    </p:extLst>
+  </p:cSld>
+  <p:clrMapOvr>
+    <a:masterClrMapping/>
+  </p:clrMapOvr>
+</p:sld>
+</file>
+
+<file path=ppt/slides/slide4.xml><?xml version="1.0" encoding="utf-8"?>
+<p:sld xmlns:a="http://schemas.openxmlformats.org/drawingml/2006/main" xmlns:r="http://schemas.openxmlformats.org/officeDocument/2006/relationships" xmlns:p="http://schemas.openxmlformats.org/presentationml/2006/main">
+  <p:cSld>
+    <p:spTree>
+      <p:nvGrpSpPr>
+        <p:cNvPr id="1" name=""/>
+        <p:cNvGrpSpPr/>
+        <p:nvPr/>
+      </p:nvGrpSpPr>
+      <p:grpSpPr>
+        <a:xfrm>
+          <a:off x="0" y="0"/>
+          <a:ext cx="0" cy="0"/>
+          <a:chOff x="0" y="0"/>
+          <a:chExt cx="0" cy="0"/>
+        </a:xfrm>
+      </p:grpSpPr>
+      <p:sp>
+        <p:nvSpPr>
+          <p:cNvPr id="4" name="ZoneTexte 3">
+            <a:extLst>
+              <a:ext uri="{FF2B5EF4-FFF2-40B4-BE49-F238E27FC236}">
+                <a16:creationId xmlns:a16="http://schemas.microsoft.com/office/drawing/2014/main" id="{1A4C90C0-A119-2634-433A-F2F4F3791D52}"/>
+              </a:ext>
+            </a:extLst>
+          </p:cNvPr>
+          <p:cNvSpPr txBox="1"/>
+          <p:nvPr/>
+        </p:nvSpPr>
+        <p:spPr>
+          <a:xfrm>
+            <a:off x="125896" y="9484518"/>
+            <a:ext cx="2890837" cy="276999"/>
+          </a:xfrm>
+          <a:prstGeom prst="rect">
+            <a:avLst/>
+          </a:prstGeom>
+          <a:noFill/>
+        </p:spPr>
+        <p:txBody>
+          <a:bodyPr wrap="square" rtlCol="0">
+            <a:spAutoFit/>
+          </a:bodyPr>
+          <a:lstStyle/>
+          <a:p>
+            <a:r>
+              <a:rPr lang="fr-FR" sz="1200" dirty="0">
                 <a:latin typeface="Abadi" panose="020B0604020104020204" pitchFamily="34" charset="0"/>
               </a:rPr>
-              <a:t>Dimensions</a:t>
-            </a:r>
-            <a:r>
-              <a:rPr lang="fr-FR" dirty="0">
+              <a:t>HAMADI </a:t>
+            </a:r>
+            <a:r>
+              <a:rPr lang="fr-FR" sz="1200" dirty="0" err="1">
                 <a:latin typeface="Abadi" panose="020B0604020104020204" pitchFamily="34" charset="0"/>
               </a:rPr>
-              <a:t>: </a:t>
-            </a:r>
+              <a:t>Maoulida</a:t>
+            </a:r>
+            <a:r>
+              <a:rPr lang="fr-FR" sz="1200" dirty="0">
+                <a:latin typeface="Abadi" panose="020B0604020104020204" pitchFamily="34" charset="0"/>
+              </a:rPr>
+              <a:t> - TARTERA Maëlys</a:t>
+            </a:r>
+          </a:p>
+        </p:txBody>
+      </p:sp>
+      <p:cxnSp>
+        <p:nvCxnSpPr>
+          <p:cNvPr id="5" name="Connecteur droit 4">
+            <a:extLst>
+              <a:ext uri="{FF2B5EF4-FFF2-40B4-BE49-F238E27FC236}">
+                <a16:creationId xmlns:a16="http://schemas.microsoft.com/office/drawing/2014/main" id="{1EB347D6-BB79-E9C0-76AE-401AA7D3B582}"/>
+              </a:ext>
+            </a:extLst>
+          </p:cNvPr>
+          <p:cNvCxnSpPr/>
+          <p:nvPr/>
+        </p:nvCxnSpPr>
+        <p:spPr>
+          <a:xfrm>
+            <a:off x="221146" y="9446805"/>
+            <a:ext cx="6274904" cy="0"/>
+          </a:xfrm>
+          <a:prstGeom prst="line">
+            <a:avLst/>
+          </a:prstGeom>
+          <a:ln w="6350"/>
+        </p:spPr>
+        <p:style>
+          <a:lnRef idx="2">
+            <a:schemeClr val="dk1"/>
+          </a:lnRef>
+          <a:fillRef idx="0">
+            <a:schemeClr val="dk1"/>
+          </a:fillRef>
+          <a:effectRef idx="1">
+            <a:schemeClr val="dk1"/>
+          </a:effectRef>
+          <a:fontRef idx="minor">
+            <a:schemeClr val="tx1"/>
+          </a:fontRef>
+        </p:style>
+      </p:cxnSp>
+      <p:sp>
+        <p:nvSpPr>
+          <p:cNvPr id="6" name="ZoneTexte 5">
+            <a:extLst>
+              <a:ext uri="{FF2B5EF4-FFF2-40B4-BE49-F238E27FC236}">
+                <a16:creationId xmlns:a16="http://schemas.microsoft.com/office/drawing/2014/main" id="{A042F4A8-CD79-9840-1791-5ACD0BD1E4E7}"/>
+              </a:ext>
+            </a:extLst>
+          </p:cNvPr>
+          <p:cNvSpPr txBox="1"/>
+          <p:nvPr/>
+        </p:nvSpPr>
+        <p:spPr>
+          <a:xfrm>
+            <a:off x="6286500" y="9484518"/>
+            <a:ext cx="308098" cy="369332"/>
+          </a:xfrm>
+          <a:prstGeom prst="rect">
+            <a:avLst/>
+          </a:prstGeom>
+          <a:noFill/>
+        </p:spPr>
+        <p:txBody>
+          <a:bodyPr wrap="none" rtlCol="0">
+            <a:spAutoFit/>
+          </a:bodyPr>
+          <a:lstStyle/>
+          <a:p>
+            <a:r>
+              <a:rPr lang="fr-FR" dirty="0"/>
+              <a:t>4</a:t>
+            </a:r>
+          </a:p>
+        </p:txBody>
+      </p:sp>
+      <p:cxnSp>
+        <p:nvCxnSpPr>
+          <p:cNvPr id="7" name="Connecteur droit 6">
+            <a:extLst>
+              <a:ext uri="{FF2B5EF4-FFF2-40B4-BE49-F238E27FC236}">
+                <a16:creationId xmlns:a16="http://schemas.microsoft.com/office/drawing/2014/main" id="{327A0165-2137-A16A-614E-B91AAFC86BAB}"/>
+              </a:ext>
+            </a:extLst>
+          </p:cNvPr>
+          <p:cNvCxnSpPr/>
+          <p:nvPr/>
+        </p:nvCxnSpPr>
+        <p:spPr>
+          <a:xfrm>
+            <a:off x="221146" y="966787"/>
+            <a:ext cx="6274904" cy="0"/>
+          </a:xfrm>
+          <a:prstGeom prst="line">
+            <a:avLst/>
+          </a:prstGeom>
+          <a:ln w="76200"/>
+        </p:spPr>
+        <p:style>
+          <a:lnRef idx="2">
+            <a:schemeClr val="dk1"/>
+          </a:lnRef>
+          <a:fillRef idx="0">
+            <a:schemeClr val="dk1"/>
+          </a:fillRef>
+          <a:effectRef idx="1">
+            <a:schemeClr val="dk1"/>
+          </a:effectRef>
+          <a:fontRef idx="minor">
+            <a:schemeClr val="tx1"/>
+          </a:fontRef>
+        </p:style>
+      </p:cxnSp>
+      <p:cxnSp>
+        <p:nvCxnSpPr>
+          <p:cNvPr id="8" name="Connecteur droit 7">
+            <a:extLst>
+              <a:ext uri="{FF2B5EF4-FFF2-40B4-BE49-F238E27FC236}">
+                <a16:creationId xmlns:a16="http://schemas.microsoft.com/office/drawing/2014/main" id="{BC65B826-22D5-8144-6CF9-4129F94EADBD}"/>
+              </a:ext>
+            </a:extLst>
+          </p:cNvPr>
+          <p:cNvCxnSpPr/>
+          <p:nvPr/>
+        </p:nvCxnSpPr>
+        <p:spPr>
+          <a:xfrm>
+            <a:off x="221146" y="1109662"/>
+            <a:ext cx="6274904" cy="0"/>
+          </a:xfrm>
+          <a:prstGeom prst="line">
+            <a:avLst/>
+          </a:prstGeom>
+          <a:ln w="28575"/>
+        </p:spPr>
+        <p:style>
+          <a:lnRef idx="2">
+            <a:schemeClr val="dk1"/>
+          </a:lnRef>
+          <a:fillRef idx="0">
+            <a:schemeClr val="dk1"/>
+          </a:fillRef>
+          <a:effectRef idx="1">
+            <a:schemeClr val="dk1"/>
+          </a:effectRef>
+          <a:fontRef idx="minor">
+            <a:schemeClr val="tx1"/>
+          </a:fontRef>
+        </p:style>
+      </p:cxnSp>
+      <p:pic>
+        <p:nvPicPr>
+          <p:cNvPr id="9" name="Picture 2" descr="INSA Toulouse">
+            <a:extLst>
+              <a:ext uri="{FF2B5EF4-FFF2-40B4-BE49-F238E27FC236}">
+                <a16:creationId xmlns:a16="http://schemas.microsoft.com/office/drawing/2014/main" id="{6574BE70-21C9-2EA1-0CBA-3D63594CBD33}"/>
+              </a:ext>
+            </a:extLst>
+          </p:cNvPr>
+          <p:cNvPicPr>
+            <a:picLocks noChangeAspect="1" noChangeArrowheads="1"/>
+          </p:cNvPicPr>
+          <p:nvPr/>
+        </p:nvPicPr>
+        <p:blipFill rotWithShape="1">
+          <a:blip r:embed="rId2">
+            <a:extLst>
+              <a:ext uri="{28A0092B-C50C-407E-A947-70E740481C1C}">
+                <a14:useLocalDpi xmlns:a14="http://schemas.microsoft.com/office/drawing/2010/main" val="0"/>
+              </a:ext>
+            </a:extLst>
+          </a:blip>
+          <a:srcRect b="16429"/>
+          <a:stretch/>
+        </p:blipFill>
+        <p:spPr bwMode="auto">
+          <a:xfrm>
+            <a:off x="221146" y="15590"/>
+            <a:ext cx="1066800" cy="891544"/>
+          </a:xfrm>
+          <a:prstGeom prst="rect">
+            <a:avLst/>
+          </a:prstGeom>
+          <a:noFill/>
+          <a:extLst>
+            <a:ext uri="{909E8E84-426E-40DD-AFC4-6F175D3DCCD1}">
+              <a14:hiddenFill xmlns:a14="http://schemas.microsoft.com/office/drawing/2010/main">
+                <a:solidFill>
+                  <a:srgbClr val="FFFFFF"/>
+                </a:solidFill>
+              </a14:hiddenFill>
+            </a:ext>
+          </a:extLst>
+        </p:spPr>
+      </p:pic>
+      <p:sp>
+        <p:nvSpPr>
+          <p:cNvPr id="10" name="ZoneTexte 9">
+            <a:extLst>
+              <a:ext uri="{FF2B5EF4-FFF2-40B4-BE49-F238E27FC236}">
+                <a16:creationId xmlns:a16="http://schemas.microsoft.com/office/drawing/2014/main" id="{A8898891-C1B9-19EE-F3A8-3B5117BA3295}"/>
+              </a:ext>
+            </a:extLst>
+          </p:cNvPr>
+          <p:cNvSpPr txBox="1"/>
+          <p:nvPr/>
+        </p:nvSpPr>
+        <p:spPr>
+          <a:xfrm>
+            <a:off x="1892782" y="454283"/>
+            <a:ext cx="5441468" cy="369332"/>
+          </a:xfrm>
+          <a:prstGeom prst="rect">
+            <a:avLst/>
+          </a:prstGeom>
+          <a:noFill/>
+        </p:spPr>
+        <p:txBody>
+          <a:bodyPr wrap="square" rtlCol="0">
+            <a:spAutoFit/>
+          </a:bodyPr>
+          <a:lstStyle/>
+          <a:p>
+            <a:r>
+              <a:rPr lang="fr-FR" b="1" dirty="0">
+                <a:latin typeface="Abadi" panose="020B0604020104020204" pitchFamily="34" charset="0"/>
+              </a:rPr>
+              <a:t>GT-LGT2803-Low Tech Graphite </a:t>
+            </a:r>
+            <a:r>
+              <a:rPr lang="fr-FR" b="1" dirty="0" err="1">
+                <a:latin typeface="Abadi" panose="020B0604020104020204" pitchFamily="34" charset="0"/>
+              </a:rPr>
+              <a:t>Strain</a:t>
+            </a:r>
+            <a:r>
+              <a:rPr lang="fr-FR" b="1" dirty="0">
+                <a:latin typeface="Abadi" panose="020B0604020104020204" pitchFamily="34" charset="0"/>
+              </a:rPr>
+              <a:t> </a:t>
+            </a:r>
+            <a:r>
+              <a:rPr lang="fr-FR" b="1" dirty="0" err="1">
+                <a:latin typeface="Abadi" panose="020B0604020104020204" pitchFamily="34" charset="0"/>
+              </a:rPr>
+              <a:t>Sensor</a:t>
+            </a:r>
+            <a:endParaRPr lang="fr-FR" b="1" dirty="0">
+              <a:latin typeface="Abadi" panose="020B0604020104020204" pitchFamily="34" charset="0"/>
+            </a:endParaRPr>
           </a:p>
         </p:txBody>
       </p:sp>
@@ -4459,7 +7258,7 @@
         </p:nvSpPr>
         <p:spPr>
           <a:xfrm>
-            <a:off x="125896" y="6103859"/>
+            <a:off x="142564" y="1289903"/>
             <a:ext cx="2857500" cy="369332"/>
           </a:xfrm>
           <a:prstGeom prst="rect">
@@ -4494,10 +7293,667 @@
           </a:p>
         </p:txBody>
       </p:sp>
+      <p:pic>
+        <p:nvPicPr>
+          <p:cNvPr id="19" name="Image 18">
+            <a:extLst>
+              <a:ext uri="{FF2B5EF4-FFF2-40B4-BE49-F238E27FC236}">
+                <a16:creationId xmlns:a16="http://schemas.microsoft.com/office/drawing/2014/main" id="{CD543208-3651-6C55-568A-ABC5969E6775}"/>
+              </a:ext>
+            </a:extLst>
+          </p:cNvPr>
+          <p:cNvPicPr>
+            <a:picLocks noChangeAspect="1"/>
+          </p:cNvPicPr>
+          <p:nvPr/>
+        </p:nvPicPr>
+        <p:blipFill>
+          <a:blip r:embed="rId3"/>
+          <a:stretch>
+            <a:fillRect/>
+          </a:stretch>
+        </p:blipFill>
+        <p:spPr>
+          <a:xfrm>
+            <a:off x="221146" y="1778830"/>
+            <a:ext cx="5900739" cy="2048468"/>
+          </a:xfrm>
+          <a:prstGeom prst="rect">
+            <a:avLst/>
+          </a:prstGeom>
+        </p:spPr>
+      </p:pic>
+      <p:sp>
+        <p:nvSpPr>
+          <p:cNvPr id="13" name="ZoneTexte 12">
+            <a:extLst>
+              <a:ext uri="{FF2B5EF4-FFF2-40B4-BE49-F238E27FC236}">
+                <a16:creationId xmlns:a16="http://schemas.microsoft.com/office/drawing/2014/main" id="{67C71F0A-70DE-B87C-7E2D-EF1061F36C38}"/>
+              </a:ext>
+            </a:extLst>
+          </p:cNvPr>
+          <p:cNvSpPr txBox="1"/>
+          <p:nvPr/>
+        </p:nvSpPr>
+        <p:spPr>
+          <a:xfrm>
+            <a:off x="201251" y="4163402"/>
+            <a:ext cx="6218210" cy="1169551"/>
+          </a:xfrm>
+          <a:prstGeom prst="rect">
+            <a:avLst/>
+          </a:prstGeom>
+          <a:noFill/>
+        </p:spPr>
+        <p:txBody>
+          <a:bodyPr wrap="square" rtlCol="0">
+            <a:spAutoFit/>
+          </a:bodyPr>
+          <a:lstStyle/>
+          <a:p>
+            <a:r>
+              <a:rPr lang="fr-FR" sz="1400" dirty="0">
+                <a:latin typeface="Arial" panose="020B0604020202020204" pitchFamily="34" charset="0"/>
+                <a:cs typeface="Arial" panose="020B0604020202020204" pitchFamily="34" charset="0"/>
+              </a:rPr>
+              <a:t>The graphite </a:t>
+            </a:r>
+            <a:r>
+              <a:rPr lang="fr-FR" sz="1400" dirty="0" err="1">
+                <a:latin typeface="Arial" panose="020B0604020202020204" pitchFamily="34" charset="0"/>
+                <a:cs typeface="Arial" panose="020B0604020202020204" pitchFamily="34" charset="0"/>
+              </a:rPr>
+              <a:t>strain</a:t>
+            </a:r>
+            <a:r>
+              <a:rPr lang="fr-FR" sz="1400" dirty="0">
+                <a:latin typeface="Arial" panose="020B0604020202020204" pitchFamily="34" charset="0"/>
+                <a:cs typeface="Arial" panose="020B0604020202020204" pitchFamily="34" charset="0"/>
+              </a:rPr>
+              <a:t> </a:t>
+            </a:r>
+            <a:r>
+              <a:rPr lang="fr-FR" sz="1400" dirty="0" err="1">
+                <a:latin typeface="Arial" panose="020B0604020202020204" pitchFamily="34" charset="0"/>
+                <a:cs typeface="Arial" panose="020B0604020202020204" pitchFamily="34" charset="0"/>
+              </a:rPr>
+              <a:t>sensor</a:t>
+            </a:r>
+            <a:r>
+              <a:rPr lang="fr-FR" sz="1400" dirty="0">
+                <a:latin typeface="Arial" panose="020B0604020202020204" pitchFamily="34" charset="0"/>
+                <a:cs typeface="Arial" panose="020B0604020202020204" pitchFamily="34" charset="0"/>
+              </a:rPr>
+              <a:t> GT-LGT2803 </a:t>
+            </a:r>
+            <a:r>
+              <a:rPr lang="fr-FR" sz="1400" dirty="0" err="1">
+                <a:latin typeface="Arial" panose="020B0604020202020204" pitchFamily="34" charset="0"/>
+                <a:cs typeface="Arial" panose="020B0604020202020204" pitchFamily="34" charset="0"/>
+              </a:rPr>
+              <a:t>is</a:t>
+            </a:r>
+            <a:r>
+              <a:rPr lang="fr-FR" sz="1400" dirty="0">
+                <a:latin typeface="Arial" panose="020B0604020202020204" pitchFamily="34" charset="0"/>
+                <a:cs typeface="Arial" panose="020B0604020202020204" pitchFamily="34" charset="0"/>
+              </a:rPr>
+              <a:t> </a:t>
+            </a:r>
+            <a:r>
+              <a:rPr lang="fr-FR" sz="1400" dirty="0" err="1">
+                <a:latin typeface="Arial" panose="020B0604020202020204" pitchFamily="34" charset="0"/>
+                <a:cs typeface="Arial" panose="020B0604020202020204" pitchFamily="34" charset="0"/>
+              </a:rPr>
+              <a:t>connected</a:t>
+            </a:r>
+            <a:r>
+              <a:rPr lang="fr-FR" sz="1400" dirty="0">
+                <a:latin typeface="Arial" panose="020B0604020202020204" pitchFamily="34" charset="0"/>
+                <a:cs typeface="Arial" panose="020B0604020202020204" pitchFamily="34" charset="0"/>
+              </a:rPr>
+              <a:t> to a Vcc=5V power </a:t>
+            </a:r>
+            <a:r>
+              <a:rPr lang="fr-FR" sz="1400" dirty="0" err="1">
+                <a:latin typeface="Arial" panose="020B0604020202020204" pitchFamily="34" charset="0"/>
+                <a:cs typeface="Arial" panose="020B0604020202020204" pitchFamily="34" charset="0"/>
+              </a:rPr>
+              <a:t>supply</a:t>
+            </a:r>
+            <a:r>
+              <a:rPr lang="fr-FR" sz="1400" dirty="0">
+                <a:latin typeface="Arial" panose="020B0604020202020204" pitchFamily="34" charset="0"/>
+                <a:cs typeface="Arial" panose="020B0604020202020204" pitchFamily="34" charset="0"/>
+              </a:rPr>
+              <a:t> on </a:t>
+            </a:r>
+            <a:r>
+              <a:rPr lang="fr-FR" sz="1400" dirty="0" err="1">
+                <a:latin typeface="Arial" panose="020B0604020202020204" pitchFamily="34" charset="0"/>
+                <a:cs typeface="Arial" panose="020B0604020202020204" pitchFamily="34" charset="0"/>
+              </a:rPr>
+              <a:t>its</a:t>
+            </a:r>
+            <a:r>
+              <a:rPr lang="fr-FR" sz="1400" dirty="0">
+                <a:latin typeface="Arial" panose="020B0604020202020204" pitchFamily="34" charset="0"/>
+                <a:cs typeface="Arial" panose="020B0604020202020204" pitchFamily="34" charset="0"/>
+              </a:rPr>
+              <a:t> pin 2, </a:t>
+            </a:r>
+            <a:r>
+              <a:rPr lang="fr-FR" sz="1400" dirty="0" err="1">
+                <a:latin typeface="Arial" panose="020B0604020202020204" pitchFamily="34" charset="0"/>
+                <a:cs typeface="Arial" panose="020B0604020202020204" pitchFamily="34" charset="0"/>
+              </a:rPr>
+              <a:t>its</a:t>
+            </a:r>
+            <a:r>
+              <a:rPr lang="fr-FR" sz="1400" dirty="0">
+                <a:latin typeface="Arial" panose="020B0604020202020204" pitchFamily="34" charset="0"/>
+                <a:cs typeface="Arial" panose="020B0604020202020204" pitchFamily="34" charset="0"/>
+              </a:rPr>
+              <a:t> pin 1 </a:t>
+            </a:r>
+            <a:r>
+              <a:rPr lang="fr-FR" sz="1400" dirty="0" err="1">
+                <a:latin typeface="Arial" panose="020B0604020202020204" pitchFamily="34" charset="0"/>
+                <a:cs typeface="Arial" panose="020B0604020202020204" pitchFamily="34" charset="0"/>
+              </a:rPr>
+              <a:t>is</a:t>
+            </a:r>
+            <a:r>
+              <a:rPr lang="fr-FR" sz="1400" dirty="0">
+                <a:latin typeface="Arial" panose="020B0604020202020204" pitchFamily="34" charset="0"/>
+                <a:cs typeface="Arial" panose="020B0604020202020204" pitchFamily="34" charset="0"/>
+              </a:rPr>
+              <a:t> </a:t>
+            </a:r>
+            <a:r>
+              <a:rPr lang="fr-FR" sz="1400" dirty="0" err="1">
+                <a:latin typeface="Arial" panose="020B0604020202020204" pitchFamily="34" charset="0"/>
+                <a:cs typeface="Arial" panose="020B0604020202020204" pitchFamily="34" charset="0"/>
+              </a:rPr>
+              <a:t>connected</a:t>
+            </a:r>
+            <a:r>
+              <a:rPr lang="fr-FR" sz="1400" dirty="0">
+                <a:latin typeface="Arial" panose="020B0604020202020204" pitchFamily="34" charset="0"/>
+                <a:cs typeface="Arial" panose="020B0604020202020204" pitchFamily="34" charset="0"/>
+              </a:rPr>
+              <a:t> to a </a:t>
+            </a:r>
+            <a:r>
+              <a:rPr lang="fr-FR" sz="1400" dirty="0" err="1">
+                <a:latin typeface="Arial" panose="020B0604020202020204" pitchFamily="34" charset="0"/>
+                <a:cs typeface="Arial" panose="020B0604020202020204" pitchFamily="34" charset="0"/>
+              </a:rPr>
+              <a:t>transimpedence</a:t>
+            </a:r>
+            <a:r>
+              <a:rPr lang="fr-FR" sz="1400" dirty="0">
+                <a:latin typeface="Arial" panose="020B0604020202020204" pitchFamily="34" charset="0"/>
+                <a:cs typeface="Arial" panose="020B0604020202020204" pitchFamily="34" charset="0"/>
+              </a:rPr>
+              <a:t> amplifier circuit </a:t>
+            </a:r>
+            <a:r>
+              <a:rPr lang="fr-FR" sz="1400" dirty="0" err="1">
+                <a:latin typeface="Arial" panose="020B0604020202020204" pitchFamily="34" charset="0"/>
+                <a:cs typeface="Arial" panose="020B0604020202020204" pitchFamily="34" charset="0"/>
+              </a:rPr>
+              <a:t>designed</a:t>
+            </a:r>
+            <a:r>
+              <a:rPr lang="fr-FR" sz="1400" dirty="0">
+                <a:latin typeface="Arial" panose="020B0604020202020204" pitchFamily="34" charset="0"/>
+                <a:cs typeface="Arial" panose="020B0604020202020204" pitchFamily="34" charset="0"/>
+              </a:rPr>
+              <a:t> to cancel noise. </a:t>
+            </a:r>
+          </a:p>
+          <a:p>
+            <a:endParaRPr lang="fr-FR" sz="1400">
+              <a:latin typeface="Arial" panose="020B0604020202020204" pitchFamily="34" charset="0"/>
+              <a:cs typeface="Arial" panose="020B0604020202020204" pitchFamily="34" charset="0"/>
+            </a:endParaRPr>
+          </a:p>
+          <a:p>
+            <a:r>
+              <a:rPr lang="fr-FR" sz="1400">
+                <a:latin typeface="Arial" panose="020B0604020202020204" pitchFamily="34" charset="0"/>
+                <a:cs typeface="Arial" panose="020B0604020202020204" pitchFamily="34" charset="0"/>
+              </a:rPr>
+              <a:t>and </a:t>
+            </a:r>
+            <a:r>
+              <a:rPr lang="fr-FR" sz="1400" dirty="0" err="1">
+                <a:latin typeface="Arial" panose="020B0604020202020204" pitchFamily="34" charset="0"/>
+                <a:cs typeface="Arial" panose="020B0604020202020204" pitchFamily="34" charset="0"/>
+              </a:rPr>
+              <a:t>allow</a:t>
+            </a:r>
+            <a:r>
+              <a:rPr lang="fr-FR" sz="1400" dirty="0">
+                <a:latin typeface="Arial" panose="020B0604020202020204" pitchFamily="34" charset="0"/>
+                <a:cs typeface="Arial" panose="020B0604020202020204" pitchFamily="34" charset="0"/>
+              </a:rPr>
+              <a:t> the GT-LGT2803 to </a:t>
+            </a:r>
+            <a:r>
+              <a:rPr lang="fr-FR" sz="1400" dirty="0" err="1">
+                <a:latin typeface="Arial" panose="020B0604020202020204" pitchFamily="34" charset="0"/>
+                <a:cs typeface="Arial" panose="020B0604020202020204" pitchFamily="34" charset="0"/>
+              </a:rPr>
+              <a:t>be</a:t>
+            </a:r>
+            <a:r>
+              <a:rPr lang="fr-FR" sz="1400" dirty="0">
+                <a:latin typeface="Arial" panose="020B0604020202020204" pitchFamily="34" charset="0"/>
+                <a:cs typeface="Arial" panose="020B0604020202020204" pitchFamily="34" charset="0"/>
+              </a:rPr>
+              <a:t> </a:t>
+            </a:r>
+            <a:r>
+              <a:rPr lang="fr-FR" sz="1400" dirty="0" err="1">
+                <a:latin typeface="Arial" panose="020B0604020202020204" pitchFamily="34" charset="0"/>
+                <a:cs typeface="Arial" panose="020B0604020202020204" pitchFamily="34" charset="0"/>
+              </a:rPr>
+              <a:t>connected</a:t>
+            </a:r>
+            <a:r>
+              <a:rPr lang="fr-FR" sz="1400" dirty="0">
+                <a:latin typeface="Arial" panose="020B0604020202020204" pitchFamily="34" charset="0"/>
+                <a:cs typeface="Arial" panose="020B0604020202020204" pitchFamily="34" charset="0"/>
+              </a:rPr>
+              <a:t> to an </a:t>
+            </a:r>
+          </a:p>
+        </p:txBody>
+      </p:sp>
     </p:spTree>
     <p:extLst>
       <p:ext uri="{BB962C8B-B14F-4D97-AF65-F5344CB8AC3E}">
-        <p14:creationId xmlns:p14="http://schemas.microsoft.com/office/powerpoint/2010/main" val="3233950406"/>
+        <p14:creationId xmlns:p14="http://schemas.microsoft.com/office/powerpoint/2010/main" val="2208176943"/>
+      </p:ext>
+    </p:extLst>
+  </p:cSld>
+  <p:clrMapOvr>
+    <a:masterClrMapping/>
+  </p:clrMapOvr>
+</p:sld>
+</file>
+
+<file path=ppt/slides/slide5.xml><?xml version="1.0" encoding="utf-8"?>
+<p:sld xmlns:a="http://schemas.openxmlformats.org/drawingml/2006/main" xmlns:r="http://schemas.openxmlformats.org/officeDocument/2006/relationships" xmlns:p="http://schemas.openxmlformats.org/presentationml/2006/main">
+  <p:cSld>
+    <p:spTree>
+      <p:nvGrpSpPr>
+        <p:cNvPr id="1" name=""/>
+        <p:cNvGrpSpPr/>
+        <p:nvPr/>
+      </p:nvGrpSpPr>
+      <p:grpSpPr>
+        <a:xfrm>
+          <a:off x="0" y="0"/>
+          <a:ext cx="0" cy="0"/>
+          <a:chOff x="0" y="0"/>
+          <a:chExt cx="0" cy="0"/>
+        </a:xfrm>
+      </p:grpSpPr>
+      <p:sp>
+        <p:nvSpPr>
+          <p:cNvPr id="2" name="Titre 1">
+            <a:extLst>
+              <a:ext uri="{FF2B5EF4-FFF2-40B4-BE49-F238E27FC236}">
+                <a16:creationId xmlns:a16="http://schemas.microsoft.com/office/drawing/2014/main" id="{B990268B-324A-E3BD-5462-E3FA86D1B626}"/>
+              </a:ext>
+            </a:extLst>
+          </p:cNvPr>
+          <p:cNvSpPr>
+            <a:spLocks noGrp="1"/>
+          </p:cNvSpPr>
+          <p:nvPr>
+            <p:ph type="title"/>
+          </p:nvPr>
+        </p:nvSpPr>
+        <p:spPr/>
+        <p:txBody>
+          <a:bodyPr/>
+          <a:lstStyle/>
+          <a:p>
+            <a:endParaRPr lang="fr-FR"/>
+          </a:p>
+        </p:txBody>
+      </p:sp>
+      <p:sp>
+        <p:nvSpPr>
+          <p:cNvPr id="3" name="Espace réservé du contenu 2">
+            <a:extLst>
+              <a:ext uri="{FF2B5EF4-FFF2-40B4-BE49-F238E27FC236}">
+                <a16:creationId xmlns:a16="http://schemas.microsoft.com/office/drawing/2014/main" id="{C832128D-AC11-56DD-C132-CFC302EA7E16}"/>
+              </a:ext>
+            </a:extLst>
+          </p:cNvPr>
+          <p:cNvSpPr>
+            <a:spLocks noGrp="1"/>
+          </p:cNvSpPr>
+          <p:nvPr>
+            <p:ph idx="1"/>
+          </p:nvPr>
+        </p:nvSpPr>
+        <p:spPr/>
+        <p:txBody>
+          <a:bodyPr/>
+          <a:lstStyle/>
+          <a:p>
+            <a:endParaRPr lang="fr-FR"/>
+          </a:p>
+        </p:txBody>
+      </p:sp>
+      <p:sp>
+        <p:nvSpPr>
+          <p:cNvPr id="4" name="ZoneTexte 3">
+            <a:extLst>
+              <a:ext uri="{FF2B5EF4-FFF2-40B4-BE49-F238E27FC236}">
+                <a16:creationId xmlns:a16="http://schemas.microsoft.com/office/drawing/2014/main" id="{E723174D-DA9A-B1D4-1AAF-24789B090C3F}"/>
+              </a:ext>
+            </a:extLst>
+          </p:cNvPr>
+          <p:cNvSpPr txBox="1"/>
+          <p:nvPr/>
+        </p:nvSpPr>
+        <p:spPr>
+          <a:xfrm>
+            <a:off x="125896" y="9484518"/>
+            <a:ext cx="2890837" cy="276999"/>
+          </a:xfrm>
+          <a:prstGeom prst="rect">
+            <a:avLst/>
+          </a:prstGeom>
+          <a:noFill/>
+        </p:spPr>
+        <p:txBody>
+          <a:bodyPr wrap="square" rtlCol="0">
+            <a:spAutoFit/>
+          </a:bodyPr>
+          <a:lstStyle/>
+          <a:p>
+            <a:r>
+              <a:rPr lang="fr-FR" sz="1200" dirty="0">
+                <a:latin typeface="Abadi" panose="020B0604020104020204" pitchFamily="34" charset="0"/>
+              </a:rPr>
+              <a:t>HAMADI </a:t>
+            </a:r>
+            <a:r>
+              <a:rPr lang="fr-FR" sz="1200" dirty="0" err="1">
+                <a:latin typeface="Abadi" panose="020B0604020104020204" pitchFamily="34" charset="0"/>
+              </a:rPr>
+              <a:t>Maoulida</a:t>
+            </a:r>
+            <a:r>
+              <a:rPr lang="fr-FR" sz="1200" dirty="0">
+                <a:latin typeface="Abadi" panose="020B0604020104020204" pitchFamily="34" charset="0"/>
+              </a:rPr>
+              <a:t> - TARTERA Maëlys</a:t>
+            </a:r>
+          </a:p>
+        </p:txBody>
+      </p:sp>
+      <p:cxnSp>
+        <p:nvCxnSpPr>
+          <p:cNvPr id="5" name="Connecteur droit 4">
+            <a:extLst>
+              <a:ext uri="{FF2B5EF4-FFF2-40B4-BE49-F238E27FC236}">
+                <a16:creationId xmlns:a16="http://schemas.microsoft.com/office/drawing/2014/main" id="{003466D4-26E2-246C-D429-03323C58E5D3}"/>
+              </a:ext>
+            </a:extLst>
+          </p:cNvPr>
+          <p:cNvCxnSpPr/>
+          <p:nvPr/>
+        </p:nvCxnSpPr>
+        <p:spPr>
+          <a:xfrm>
+            <a:off x="221146" y="9446805"/>
+            <a:ext cx="6274904" cy="0"/>
+          </a:xfrm>
+          <a:prstGeom prst="line">
+            <a:avLst/>
+          </a:prstGeom>
+          <a:ln w="6350"/>
+        </p:spPr>
+        <p:style>
+          <a:lnRef idx="2">
+            <a:schemeClr val="dk1"/>
+          </a:lnRef>
+          <a:fillRef idx="0">
+            <a:schemeClr val="dk1"/>
+          </a:fillRef>
+          <a:effectRef idx="1">
+            <a:schemeClr val="dk1"/>
+          </a:effectRef>
+          <a:fontRef idx="minor">
+            <a:schemeClr val="tx1"/>
+          </a:fontRef>
+        </p:style>
+      </p:cxnSp>
+      <p:sp>
+        <p:nvSpPr>
+          <p:cNvPr id="6" name="ZoneTexte 5">
+            <a:extLst>
+              <a:ext uri="{FF2B5EF4-FFF2-40B4-BE49-F238E27FC236}">
+                <a16:creationId xmlns:a16="http://schemas.microsoft.com/office/drawing/2014/main" id="{294D0207-601E-AAC2-3F5C-BBE6E06836A5}"/>
+              </a:ext>
+            </a:extLst>
+          </p:cNvPr>
+          <p:cNvSpPr txBox="1"/>
+          <p:nvPr/>
+        </p:nvSpPr>
+        <p:spPr>
+          <a:xfrm>
+            <a:off x="6286500" y="9484518"/>
+            <a:ext cx="308098" cy="369332"/>
+          </a:xfrm>
+          <a:prstGeom prst="rect">
+            <a:avLst/>
+          </a:prstGeom>
+          <a:noFill/>
+        </p:spPr>
+        <p:txBody>
+          <a:bodyPr wrap="none" rtlCol="0">
+            <a:spAutoFit/>
+          </a:bodyPr>
+          <a:lstStyle/>
+          <a:p>
+            <a:r>
+              <a:rPr lang="fr-FR" dirty="0"/>
+              <a:t>5</a:t>
+            </a:r>
+          </a:p>
+        </p:txBody>
+      </p:sp>
+      <p:cxnSp>
+        <p:nvCxnSpPr>
+          <p:cNvPr id="7" name="Connecteur droit 6">
+            <a:extLst>
+              <a:ext uri="{FF2B5EF4-FFF2-40B4-BE49-F238E27FC236}">
+                <a16:creationId xmlns:a16="http://schemas.microsoft.com/office/drawing/2014/main" id="{88922098-C172-D1BE-8919-5F867EDEA7D0}"/>
+              </a:ext>
+            </a:extLst>
+          </p:cNvPr>
+          <p:cNvCxnSpPr/>
+          <p:nvPr/>
+        </p:nvCxnSpPr>
+        <p:spPr>
+          <a:xfrm>
+            <a:off x="221146" y="966787"/>
+            <a:ext cx="6274904" cy="0"/>
+          </a:xfrm>
+          <a:prstGeom prst="line">
+            <a:avLst/>
+          </a:prstGeom>
+          <a:ln w="76200"/>
+        </p:spPr>
+        <p:style>
+          <a:lnRef idx="2">
+            <a:schemeClr val="dk1"/>
+          </a:lnRef>
+          <a:fillRef idx="0">
+            <a:schemeClr val="dk1"/>
+          </a:fillRef>
+          <a:effectRef idx="1">
+            <a:schemeClr val="dk1"/>
+          </a:effectRef>
+          <a:fontRef idx="minor">
+            <a:schemeClr val="tx1"/>
+          </a:fontRef>
+        </p:style>
+      </p:cxnSp>
+      <p:cxnSp>
+        <p:nvCxnSpPr>
+          <p:cNvPr id="8" name="Connecteur droit 7">
+            <a:extLst>
+              <a:ext uri="{FF2B5EF4-FFF2-40B4-BE49-F238E27FC236}">
+                <a16:creationId xmlns:a16="http://schemas.microsoft.com/office/drawing/2014/main" id="{29539393-5BB9-2AB6-0A51-C38FCAE420DC}"/>
+              </a:ext>
+            </a:extLst>
+          </p:cNvPr>
+          <p:cNvCxnSpPr/>
+          <p:nvPr/>
+        </p:nvCxnSpPr>
+        <p:spPr>
+          <a:xfrm>
+            <a:off x="221146" y="1109662"/>
+            <a:ext cx="6274904" cy="0"/>
+          </a:xfrm>
+          <a:prstGeom prst="line">
+            <a:avLst/>
+          </a:prstGeom>
+          <a:ln w="28575"/>
+        </p:spPr>
+        <p:style>
+          <a:lnRef idx="2">
+            <a:schemeClr val="dk1"/>
+          </a:lnRef>
+          <a:fillRef idx="0">
+            <a:schemeClr val="dk1"/>
+          </a:fillRef>
+          <a:effectRef idx="1">
+            <a:schemeClr val="dk1"/>
+          </a:effectRef>
+          <a:fontRef idx="minor">
+            <a:schemeClr val="tx1"/>
+          </a:fontRef>
+        </p:style>
+      </p:cxnSp>
+      <p:pic>
+        <p:nvPicPr>
+          <p:cNvPr id="9" name="Picture 2" descr="INSA Toulouse">
+            <a:extLst>
+              <a:ext uri="{FF2B5EF4-FFF2-40B4-BE49-F238E27FC236}">
+                <a16:creationId xmlns:a16="http://schemas.microsoft.com/office/drawing/2014/main" id="{AD78DBC9-9482-7C9F-CF6A-0D8E7AB0F897}"/>
+              </a:ext>
+            </a:extLst>
+          </p:cNvPr>
+          <p:cNvPicPr>
+            <a:picLocks noChangeAspect="1" noChangeArrowheads="1"/>
+          </p:cNvPicPr>
+          <p:nvPr/>
+        </p:nvPicPr>
+        <p:blipFill rotWithShape="1">
+          <a:blip r:embed="rId2">
+            <a:extLst>
+              <a:ext uri="{28A0092B-C50C-407E-A947-70E740481C1C}">
+                <a14:useLocalDpi xmlns:a14="http://schemas.microsoft.com/office/drawing/2010/main" val="0"/>
+              </a:ext>
+            </a:extLst>
+          </a:blip>
+          <a:srcRect b="16429"/>
+          <a:stretch/>
+        </p:blipFill>
+        <p:spPr bwMode="auto">
+          <a:xfrm>
+            <a:off x="221146" y="15590"/>
+            <a:ext cx="1066800" cy="891544"/>
+          </a:xfrm>
+          <a:prstGeom prst="rect">
+            <a:avLst/>
+          </a:prstGeom>
+          <a:noFill/>
+          <a:extLst>
+            <a:ext uri="{909E8E84-426E-40DD-AFC4-6F175D3DCCD1}">
+              <a14:hiddenFill xmlns:a14="http://schemas.microsoft.com/office/drawing/2010/main">
+                <a:solidFill>
+                  <a:srgbClr val="FFFFFF"/>
+                </a:solidFill>
+              </a14:hiddenFill>
+            </a:ext>
+          </a:extLst>
+        </p:spPr>
+      </p:pic>
+      <p:sp>
+        <p:nvSpPr>
+          <p:cNvPr id="10" name="ZoneTexte 9">
+            <a:extLst>
+              <a:ext uri="{FF2B5EF4-FFF2-40B4-BE49-F238E27FC236}">
+                <a16:creationId xmlns:a16="http://schemas.microsoft.com/office/drawing/2014/main" id="{8239DFEF-71B8-D876-01FE-05DA1CD94B8D}"/>
+              </a:ext>
+            </a:extLst>
+          </p:cNvPr>
+          <p:cNvSpPr txBox="1"/>
+          <p:nvPr/>
+        </p:nvSpPr>
+        <p:spPr>
+          <a:xfrm>
+            <a:off x="1892782" y="454283"/>
+            <a:ext cx="5441468" cy="369332"/>
+          </a:xfrm>
+          <a:prstGeom prst="rect">
+            <a:avLst/>
+          </a:prstGeom>
+          <a:noFill/>
+        </p:spPr>
+        <p:txBody>
+          <a:bodyPr wrap="square" rtlCol="0">
+            <a:spAutoFit/>
+          </a:bodyPr>
+          <a:lstStyle/>
+          <a:p>
+            <a:r>
+              <a:rPr lang="fr-FR" b="1" dirty="0">
+                <a:latin typeface="Abadi" panose="020B0604020104020204" pitchFamily="34" charset="0"/>
+              </a:rPr>
+              <a:t>GT-LGT2803-Low Tech Graphite </a:t>
+            </a:r>
+            <a:r>
+              <a:rPr lang="fr-FR" b="1" dirty="0" err="1">
+                <a:latin typeface="Abadi" panose="020B0604020104020204" pitchFamily="34" charset="0"/>
+              </a:rPr>
+              <a:t>Strain</a:t>
+            </a:r>
+            <a:r>
+              <a:rPr lang="fr-FR" b="1" dirty="0">
+                <a:latin typeface="Abadi" panose="020B0604020104020204" pitchFamily="34" charset="0"/>
+              </a:rPr>
+              <a:t> </a:t>
+            </a:r>
+            <a:r>
+              <a:rPr lang="fr-FR" b="1" dirty="0" err="1">
+                <a:latin typeface="Abadi" panose="020B0604020104020204" pitchFamily="34" charset="0"/>
+              </a:rPr>
+              <a:t>Sensor</a:t>
+            </a:r>
+            <a:endParaRPr lang="fr-FR" b="1" dirty="0">
+              <a:latin typeface="Abadi" panose="020B0604020104020204" pitchFamily="34" charset="0"/>
+            </a:endParaRPr>
+          </a:p>
+        </p:txBody>
+      </p:sp>
+    </p:spTree>
+    <p:extLst>
+      <p:ext uri="{BB962C8B-B14F-4D97-AF65-F5344CB8AC3E}">
+        <p14:creationId xmlns:p14="http://schemas.microsoft.com/office/powerpoint/2010/main" val="3652695754"/>
       </p:ext>
     </p:extLst>
   </p:cSld>

--- a/Datasheet/Datasheet_capteur_2025.pptx
+++ b/Datasheet/Datasheet_capteur_2025.pptx
@@ -108,6 +108,11 @@
       </a:defRPr>
     </a:lvl9pPr>
   </p:defaultTextStyle>
+  <p:extLst>
+    <p:ext uri="{EFAFB233-063F-42B5-8137-9DF3F51BA10A}">
+      <p15:sldGuideLst xmlns:p15="http://schemas.microsoft.com/office/powerpoint/2012/main"/>
+    </p:ext>
+  </p:extLst>
 </p:presentation>
 </file>
 
@@ -242,7 +247,7 @@
           <a:p>
             <a:fld id="{E030C13D-1992-4B2B-B408-E2F8B4A6D092}" type="datetimeFigureOut">
               <a:rPr lang="fr-FR" smtClean="0"/>
-              <a:t>28/03/2025</a:t>
+              <a:t>29/03/2025</a:t>
             </a:fld>
             <a:endParaRPr lang="fr-FR"/>
           </a:p>
@@ -412,7 +417,7 @@
           <a:p>
             <a:fld id="{E030C13D-1992-4B2B-B408-E2F8B4A6D092}" type="datetimeFigureOut">
               <a:rPr lang="fr-FR" smtClean="0"/>
-              <a:t>28/03/2025</a:t>
+              <a:t>29/03/2025</a:t>
             </a:fld>
             <a:endParaRPr lang="fr-FR"/>
           </a:p>
@@ -592,7 +597,7 @@
           <a:p>
             <a:fld id="{E030C13D-1992-4B2B-B408-E2F8B4A6D092}" type="datetimeFigureOut">
               <a:rPr lang="fr-FR" smtClean="0"/>
-              <a:t>28/03/2025</a:t>
+              <a:t>29/03/2025</a:t>
             </a:fld>
             <a:endParaRPr lang="fr-FR"/>
           </a:p>
@@ -762,7 +767,7 @@
           <a:p>
             <a:fld id="{E030C13D-1992-4B2B-B408-E2F8B4A6D092}" type="datetimeFigureOut">
               <a:rPr lang="fr-FR" smtClean="0"/>
-              <a:t>28/03/2025</a:t>
+              <a:t>29/03/2025</a:t>
             </a:fld>
             <a:endParaRPr lang="fr-FR"/>
           </a:p>
@@ -1008,7 +1013,7 @@
           <a:p>
             <a:fld id="{E030C13D-1992-4B2B-B408-E2F8B4A6D092}" type="datetimeFigureOut">
               <a:rPr lang="fr-FR" smtClean="0"/>
-              <a:t>28/03/2025</a:t>
+              <a:t>29/03/2025</a:t>
             </a:fld>
             <a:endParaRPr lang="fr-FR"/>
           </a:p>
@@ -1240,7 +1245,7 @@
           <a:p>
             <a:fld id="{E030C13D-1992-4B2B-B408-E2F8B4A6D092}" type="datetimeFigureOut">
               <a:rPr lang="fr-FR" smtClean="0"/>
-              <a:t>28/03/2025</a:t>
+              <a:t>29/03/2025</a:t>
             </a:fld>
             <a:endParaRPr lang="fr-FR"/>
           </a:p>
@@ -1607,7 +1612,7 @@
           <a:p>
             <a:fld id="{E030C13D-1992-4B2B-B408-E2F8B4A6D092}" type="datetimeFigureOut">
               <a:rPr lang="fr-FR" smtClean="0"/>
-              <a:t>28/03/2025</a:t>
+              <a:t>29/03/2025</a:t>
             </a:fld>
             <a:endParaRPr lang="fr-FR"/>
           </a:p>
@@ -1725,7 +1730,7 @@
           <a:p>
             <a:fld id="{E030C13D-1992-4B2B-B408-E2F8B4A6D092}" type="datetimeFigureOut">
               <a:rPr lang="fr-FR" smtClean="0"/>
-              <a:t>28/03/2025</a:t>
+              <a:t>29/03/2025</a:t>
             </a:fld>
             <a:endParaRPr lang="fr-FR"/>
           </a:p>
@@ -1820,7 +1825,7 @@
           <a:p>
             <a:fld id="{E030C13D-1992-4B2B-B408-E2F8B4A6D092}" type="datetimeFigureOut">
               <a:rPr lang="fr-FR" smtClean="0"/>
-              <a:t>28/03/2025</a:t>
+              <a:t>29/03/2025</a:t>
             </a:fld>
             <a:endParaRPr lang="fr-FR"/>
           </a:p>
@@ -2097,7 +2102,7 @@
           <a:p>
             <a:fld id="{E030C13D-1992-4B2B-B408-E2F8B4A6D092}" type="datetimeFigureOut">
               <a:rPr lang="fr-FR" smtClean="0"/>
-              <a:t>28/03/2025</a:t>
+              <a:t>29/03/2025</a:t>
             </a:fld>
             <a:endParaRPr lang="fr-FR"/>
           </a:p>
@@ -2354,7 +2359,7 @@
           <a:p>
             <a:fld id="{E030C13D-1992-4B2B-B408-E2F8B4A6D092}" type="datetimeFigureOut">
               <a:rPr lang="fr-FR" smtClean="0"/>
-              <a:t>28/03/2025</a:t>
+              <a:t>29/03/2025</a:t>
             </a:fld>
             <a:endParaRPr lang="fr-FR"/>
           </a:p>
@@ -2567,7 +2572,7 @@
           <a:p>
             <a:fld id="{E030C13D-1992-4B2B-B408-E2F8B4A6D092}" type="datetimeFigureOut">
               <a:rPr lang="fr-FR" smtClean="0"/>
-              <a:t>28/03/2025</a:t>
+              <a:t>29/03/2025</a:t>
             </a:fld>
             <a:endParaRPr lang="fr-FR"/>
           </a:p>
@@ -3196,19 +3201,19 @@
           <a:lstStyle/>
           <a:p>
             <a:r>
-              <a:rPr lang="fr-FR" sz="1200" dirty="0">
+              <a:rPr lang="en-US" sz="1200" noProof="0" dirty="0">
                 <a:latin typeface="Abadi" panose="020B0604020104020204" pitchFamily="34" charset="0"/>
               </a:rPr>
               <a:t>HAMADI </a:t>
             </a:r>
             <a:r>
-              <a:rPr lang="fr-FR" sz="1200" dirty="0" err="1">
+              <a:rPr lang="en-US" sz="1200" noProof="0" dirty="0" err="1">
                 <a:latin typeface="Abadi" panose="020B0604020104020204" pitchFamily="34" charset="0"/>
               </a:rPr>
               <a:t>Maoulida</a:t>
             </a:r>
             <a:r>
-              <a:rPr lang="fr-FR" sz="1200" dirty="0">
+              <a:rPr lang="en-US" sz="1200" noProof="0" dirty="0">
                 <a:latin typeface="Abadi" panose="020B0604020104020204" pitchFamily="34" charset="0"/>
               </a:rPr>
               <a:t> - TARTERA Maëlys</a:t>
@@ -3245,32 +3250,11 @@
           <a:lstStyle/>
           <a:p>
             <a:r>
-              <a:rPr lang="fr-FR" b="1" dirty="0">
+              <a:rPr lang="en-US" b="1" noProof="0" dirty="0">
                 <a:latin typeface="Abadi" panose="020B0604020104020204" pitchFamily="34" charset="0"/>
               </a:rPr>
-              <a:t>GT-LGT2803-Low Tech Graphite </a:t>
-            </a:r>
-            <a:r>
-              <a:rPr lang="fr-FR" b="1" dirty="0" err="1">
-                <a:latin typeface="Abadi" panose="020B0604020104020204" pitchFamily="34" charset="0"/>
-              </a:rPr>
-              <a:t>Strain</a:t>
-            </a:r>
-            <a:r>
-              <a:rPr lang="fr-FR" b="1" dirty="0">
-                <a:latin typeface="Abadi" panose="020B0604020104020204" pitchFamily="34" charset="0"/>
-              </a:rPr>
-              <a:t> </a:t>
-            </a:r>
-            <a:r>
-              <a:rPr lang="fr-FR" b="1" dirty="0" err="1">
-                <a:latin typeface="Abadi" panose="020B0604020104020204" pitchFamily="34" charset="0"/>
-              </a:rPr>
-              <a:t>Sensor</a:t>
-            </a:r>
-            <a:endParaRPr lang="fr-FR" b="1" dirty="0">
-              <a:latin typeface="Abadi" panose="020B0604020104020204" pitchFamily="34" charset="0"/>
-            </a:endParaRPr>
+              <a:t>GT-LGT2803-Low Tech Graphite Strain Sensor</a:t>
+            </a:r>
           </a:p>
         </p:txBody>
       </p:sp>
@@ -3303,19 +3287,13 @@
           <a:lstStyle/>
           <a:p>
             <a:r>
-              <a:rPr lang="fr-FR" b="1" u="sng" dirty="0">
+              <a:rPr lang="en-US" b="1" u="sng" noProof="0" dirty="0">
                 <a:latin typeface="Abadi" panose="020B0604020104020204" pitchFamily="34" charset="0"/>
               </a:rPr>
-              <a:t>General </a:t>
-            </a:r>
-            <a:r>
-              <a:rPr lang="fr-FR" b="1" u="sng" dirty="0" err="1">
-                <a:latin typeface="Abadi" panose="020B0604020104020204" pitchFamily="34" charset="0"/>
-              </a:rPr>
-              <a:t>Features</a:t>
-            </a:r>
-            <a:r>
-              <a:rPr lang="fr-FR" dirty="0">
+              <a:t>General Features</a:t>
+            </a:r>
+            <a:r>
+              <a:rPr lang="en-US" noProof="0" dirty="0">
                 <a:latin typeface="Abadi" panose="020B0604020104020204" pitchFamily="34" charset="0"/>
               </a:rPr>
               <a:t>: </a:t>
@@ -3323,46 +3301,46 @@
           </a:p>
           <a:p>
             <a:r>
-              <a:rPr lang="en-US" sz="1400" dirty="0"/>
+              <a:rPr lang="en-US" sz="1400" noProof="0" dirty="0"/>
               <a:t>-Low power consumption (3V-5V)</a:t>
             </a:r>
           </a:p>
           <a:p>
             <a:r>
-              <a:rPr lang="en-US" sz="1400" dirty="0"/>
+              <a:rPr lang="en-US" sz="1400" noProof="0" dirty="0"/>
               <a:t>-Low cost </a:t>
             </a:r>
           </a:p>
           <a:p>
             <a:r>
-              <a:rPr lang="en-US" sz="1400" dirty="0"/>
+              <a:rPr lang="en-US" sz="1400" noProof="0" dirty="0"/>
               <a:t>-Light and small (10cm2)</a:t>
             </a:r>
           </a:p>
           <a:p>
             <a:r>
-              <a:rPr lang="en-US" sz="1400" dirty="0"/>
+              <a:rPr lang="en-US" sz="1400" noProof="0" dirty="0"/>
               <a:t>-Flexible and biodegradable</a:t>
             </a:r>
           </a:p>
           <a:p>
             <a:r>
-              <a:rPr lang="en-US" sz="1400" dirty="0"/>
+              <a:rPr lang="en-US" sz="1400" noProof="0" dirty="0"/>
               <a:t>-Easy-to-use : plug and use</a:t>
             </a:r>
           </a:p>
           <a:p>
             <a:r>
-              <a:rPr lang="en-US" sz="1400" dirty="0"/>
+              <a:rPr lang="en-US" sz="1400" noProof="0" dirty="0"/>
               <a:t>-Easily replaceable and reproductible)</a:t>
             </a:r>
           </a:p>
           <a:p>
             <a:r>
-              <a:rPr lang="en-US" sz="1400" dirty="0"/>
+              <a:rPr lang="en-US" sz="1400" noProof="0" dirty="0"/>
               <a:t>-Bluetooth connection possible</a:t>
             </a:r>
-            <a:endParaRPr lang="fr-FR" sz="1400" dirty="0">
+            <a:endParaRPr lang="en-US" sz="1400" noProof="0" dirty="0">
               <a:latin typeface="Arial" panose="020B0604020202020204" pitchFamily="34" charset="0"/>
               <a:cs typeface="Arial" panose="020B0604020202020204" pitchFamily="34" charset="0"/>
             </a:endParaRPr>
@@ -3398,13 +3376,13 @@
           <a:lstStyle/>
           <a:p>
             <a:r>
-              <a:rPr lang="fr-FR" b="1" u="sng" dirty="0">
+              <a:rPr lang="en-US" b="1" u="sng" noProof="0" dirty="0">
                 <a:latin typeface="Abadi" panose="020B0604020104020204" pitchFamily="34" charset="0"/>
               </a:rPr>
               <a:t>Description</a:t>
             </a:r>
             <a:r>
-              <a:rPr lang="fr-FR" dirty="0">
+              <a:rPr lang="en-US" noProof="0" dirty="0">
                 <a:latin typeface="Abadi" panose="020B0604020104020204" pitchFamily="34" charset="0"/>
               </a:rPr>
               <a:t>: </a:t>
@@ -3412,74 +3390,74 @@
           </a:p>
           <a:p>
             <a:r>
-              <a:rPr lang="en-US" sz="1400" dirty="0"/>
+              <a:rPr lang="en-US" sz="1400" noProof="0" dirty="0"/>
               <a:t>The strain sensor was developed and made in the Applied Physics Department at the National Institute of Applied Sciences (INSA) of Toulouse, France. </a:t>
             </a:r>
           </a:p>
           <a:p>
-            <a:endParaRPr lang="en-US" sz="1400" dirty="0"/>
-          </a:p>
-          <a:p>
-            <a:r>
-              <a:rPr lang="en-US" sz="1400" dirty="0"/>
+            <a:endParaRPr lang="en-US" sz="1400" noProof="0" dirty="0"/>
+          </a:p>
+          <a:p>
+            <a:r>
+              <a:rPr lang="en-US" sz="1400" noProof="0" dirty="0"/>
               <a:t>The sensor technology is based on </a:t>
             </a:r>
             <a:r>
-              <a:rPr lang="en-US" sz="1400" dirty="0" err="1"/>
+              <a:rPr lang="en-US" sz="1400" noProof="0" dirty="0" err="1"/>
               <a:t>chemiresistor</a:t>
             </a:r>
             <a:r>
-              <a:rPr lang="en-US" sz="1400" dirty="0"/>
+              <a:rPr lang="en-US" sz="1400" noProof="0" dirty="0"/>
               <a:t> properties of graphite found in the article  "</a:t>
             </a:r>
             <a:r>
-              <a:rPr lang="en-US" sz="1400" i="1" dirty="0"/>
+              <a:rPr lang="en-US" sz="1400" i="1" noProof="0" dirty="0"/>
               <a:t>Pencil Drawn Strain Gauges and </a:t>
             </a:r>
             <a:r>
-              <a:rPr lang="en-US" sz="1400" i="1" dirty="0" err="1"/>
+              <a:rPr lang="en-US" sz="1400" i="1" noProof="0" dirty="0" err="1"/>
               <a:t>Chemiresistors</a:t>
             </a:r>
             <a:r>
-              <a:rPr lang="en-US" sz="1400" i="1" dirty="0"/>
+              <a:rPr lang="en-US" sz="1400" i="1" noProof="0" dirty="0"/>
               <a:t> on Paper</a:t>
             </a:r>
             <a:r>
-              <a:rPr lang="en-US" sz="1400" dirty="0"/>
+              <a:rPr lang="en-US" sz="1400" noProof="0" dirty="0"/>
               <a:t>" published in 2014  by Cheng-Wei Lin, </a:t>
             </a:r>
             <a:r>
-              <a:rPr lang="en-US" sz="1400" dirty="0" err="1"/>
+              <a:rPr lang="en-US" sz="1400" noProof="0" dirty="0" err="1"/>
               <a:t>Zhibo</a:t>
             </a:r>
             <a:r>
-              <a:rPr lang="en-US" sz="1400" dirty="0"/>
+              <a:rPr lang="en-US" sz="1400" noProof="0" dirty="0"/>
               <a:t> Zhao, </a:t>
             </a:r>
             <a:r>
-              <a:rPr lang="en-US" sz="1400" dirty="0" err="1"/>
+              <a:rPr lang="en-US" sz="1400" noProof="0" dirty="0" err="1"/>
               <a:t>Jaemyung</a:t>
             </a:r>
             <a:r>
-              <a:rPr lang="en-US" sz="1400" dirty="0"/>
+              <a:rPr lang="en-US" sz="1400" noProof="0" dirty="0"/>
               <a:t> Kim, and Jiaxing Huang. The sensor can measure a resistance variation </a:t>
             </a:r>
           </a:p>
           <a:p>
-            <a:endParaRPr lang="en-US" sz="1400" dirty="0"/>
-          </a:p>
-          <a:p>
-            <a:r>
-              <a:rPr lang="en-US" sz="1400" dirty="0"/>
+            <a:endParaRPr lang="en-US" sz="1400" noProof="0" dirty="0"/>
+          </a:p>
+          <a:p>
+            <a:r>
+              <a:rPr lang="en-US" sz="1400" noProof="0" dirty="0"/>
               <a:t>This sensor consists of a small piece of paper coated with a graphite layer from a pencil. It can measure a resistance variation when applying a strain. The deformation leads to a change of the number of connected graphite particles in the thin layer of graphite and so it changes the resistance of the sensor. This allows us to measure deformation, like a traditional strain gauge. </a:t>
             </a:r>
           </a:p>
           <a:p>
-            <a:endParaRPr lang="en-US" sz="1400" dirty="0"/>
-          </a:p>
-          <a:p>
-            <a:r>
-              <a:rPr lang="en-US" sz="1400" dirty="0"/>
+            <a:endParaRPr lang="en-US" sz="1400" noProof="0" dirty="0"/>
+          </a:p>
+          <a:p>
+            <a:r>
+              <a:rPr lang="en-US" sz="1400" noProof="0" dirty="0"/>
               <a:t>The structure of the graphite layer varies depending on the type of pencil used. In order to fully understand the impact of the graphite structure on the variation of the resistance, we conducted tests with two types of pencils: HB (medium hardness) and 2B (softer). To achieve this, our sensors were coupled with a transimpedance amplifier and an Arduino Uno, all integrated on a PCB designed for tests. </a:t>
             </a:r>
           </a:p>
@@ -3514,13 +3492,13 @@
           <a:lstStyle/>
           <a:p>
             <a:r>
-              <a:rPr lang="fr-FR" b="1" u="sng" dirty="0">
+              <a:rPr lang="en-US" b="1" u="sng" noProof="0" dirty="0">
                 <a:latin typeface="Abadi" panose="020B0604020104020204" pitchFamily="34" charset="0"/>
               </a:rPr>
               <a:t>Pin configuration and dimensions</a:t>
             </a:r>
             <a:r>
-              <a:rPr lang="fr-FR" dirty="0">
+              <a:rPr lang="en-US" noProof="0" dirty="0">
                 <a:latin typeface="Abadi" panose="020B0604020104020204" pitchFamily="34" charset="0"/>
               </a:rPr>
               <a:t>: </a:t>
@@ -3594,7 +3572,7 @@
           <a:lstStyle/>
           <a:p>
             <a:r>
-              <a:rPr lang="fr-FR" dirty="0"/>
+              <a:rPr lang="en-US" noProof="0" dirty="0"/>
               <a:t>1</a:t>
             </a:r>
           </a:p>
@@ -3659,25 +3637,13 @@
           <a:lstStyle/>
           <a:p>
             <a:r>
-              <a:rPr lang="fr-FR" b="1" u="sng" dirty="0" err="1">
+              <a:rPr lang="en-US" b="1" u="sng" noProof="0" dirty="0">
                 <a:latin typeface="Abadi" panose="020B0604020104020204" pitchFamily="34" charset="0"/>
               </a:rPr>
-              <a:t>Technical</a:t>
-            </a:r>
-            <a:r>
-              <a:rPr lang="fr-FR" b="1" u="sng" dirty="0">
-                <a:latin typeface="Abadi" panose="020B0604020104020204" pitchFamily="34" charset="0"/>
-              </a:rPr>
-              <a:t> </a:t>
-            </a:r>
-            <a:r>
-              <a:rPr lang="fr-FR" b="1" u="sng" dirty="0" err="1">
-                <a:latin typeface="Abadi" panose="020B0604020104020204" pitchFamily="34" charset="0"/>
-              </a:rPr>
-              <a:t>specifications</a:t>
-            </a:r>
-            <a:r>
-              <a:rPr lang="fr-FR" dirty="0">
+              <a:t>Technical specifications</a:t>
+            </a:r>
+            <a:r>
+              <a:rPr lang="en-US" noProof="0" dirty="0">
                 <a:latin typeface="Abadi" panose="020B0604020104020204" pitchFamily="34" charset="0"/>
               </a:rPr>
               <a:t>: </a:t>
@@ -3714,13 +3680,13 @@
           <a:lstStyle/>
           <a:p>
             <a:r>
-              <a:rPr lang="fr-FR" b="1" u="sng" dirty="0">
+              <a:rPr lang="en-US" b="1" u="sng" noProof="0" dirty="0">
                 <a:latin typeface="Abadi" panose="020B0604020104020204" pitchFamily="34" charset="0"/>
               </a:rPr>
               <a:t>Standard use conditions</a:t>
             </a:r>
             <a:r>
-              <a:rPr lang="fr-FR" dirty="0">
+              <a:rPr lang="en-US" noProof="0" dirty="0">
                 <a:latin typeface="Abadi" panose="020B0604020104020204" pitchFamily="34" charset="0"/>
               </a:rPr>
               <a:t>: </a:t>
@@ -3757,19 +3723,19 @@
           <a:lstStyle/>
           <a:p>
             <a:r>
-              <a:rPr lang="fr-FR" sz="1200" dirty="0">
+              <a:rPr lang="en-US" sz="1200" noProof="0" dirty="0">
                 <a:latin typeface="Abadi" panose="020B0604020104020204" pitchFamily="34" charset="0"/>
               </a:rPr>
               <a:t>HAMADI </a:t>
             </a:r>
             <a:r>
-              <a:rPr lang="fr-FR" sz="1200" dirty="0" err="1">
+              <a:rPr lang="en-US" sz="1200" noProof="0" dirty="0" err="1">
                 <a:latin typeface="Abadi" panose="020B0604020104020204" pitchFamily="34" charset="0"/>
               </a:rPr>
               <a:t>Maoulida</a:t>
             </a:r>
             <a:r>
-              <a:rPr lang="fr-FR" sz="1200" dirty="0">
+              <a:rPr lang="en-US" sz="1200" noProof="0" dirty="0">
                 <a:latin typeface="Abadi" panose="020B0604020104020204" pitchFamily="34" charset="0"/>
               </a:rPr>
               <a:t> - TARTERA Maëlys</a:t>
@@ -3843,7 +3809,7 @@
           <a:lstStyle/>
           <a:p>
             <a:r>
-              <a:rPr lang="fr-FR" dirty="0"/>
+              <a:rPr lang="en-US" noProof="0" dirty="0"/>
               <a:t>2</a:t>
             </a:r>
           </a:p>
@@ -3878,25 +3844,13 @@
           <a:lstStyle/>
           <a:p>
             <a:r>
-              <a:rPr lang="fr-FR" b="1" u="sng" dirty="0" err="1">
+              <a:rPr lang="en-US" b="1" u="sng" noProof="0" dirty="0">
                 <a:latin typeface="Abadi" panose="020B0604020104020204" pitchFamily="34" charset="0"/>
               </a:rPr>
-              <a:t>Electrical</a:t>
-            </a:r>
-            <a:r>
-              <a:rPr lang="fr-FR" b="1" u="sng" dirty="0">
-                <a:latin typeface="Abadi" panose="020B0604020104020204" pitchFamily="34" charset="0"/>
-              </a:rPr>
-              <a:t> </a:t>
-            </a:r>
-            <a:r>
-              <a:rPr lang="fr-FR" b="1" u="sng" dirty="0" err="1">
-                <a:latin typeface="Abadi" panose="020B0604020104020204" pitchFamily="34" charset="0"/>
-              </a:rPr>
-              <a:t>characteristics</a:t>
-            </a:r>
-            <a:r>
-              <a:rPr lang="fr-FR" dirty="0">
+              <a:t>Electrical characteristics</a:t>
+            </a:r>
+            <a:r>
+              <a:rPr lang="en-US" noProof="0" dirty="0">
                 <a:latin typeface="Abadi" panose="020B0604020104020204" pitchFamily="34" charset="0"/>
               </a:rPr>
               <a:t>: </a:t>
@@ -4052,32 +4006,11 @@
           <a:lstStyle/>
           <a:p>
             <a:r>
-              <a:rPr lang="fr-FR" b="1" dirty="0">
+              <a:rPr lang="en-US" b="1" noProof="0" dirty="0">
                 <a:latin typeface="Abadi" panose="020B0604020104020204" pitchFamily="34" charset="0"/>
               </a:rPr>
-              <a:t>GT-LGT2803-Low Tech Graphite </a:t>
-            </a:r>
-            <a:r>
-              <a:rPr lang="fr-FR" b="1" dirty="0" err="1">
-                <a:latin typeface="Abadi" panose="020B0604020104020204" pitchFamily="34" charset="0"/>
-              </a:rPr>
-              <a:t>Strain</a:t>
-            </a:r>
-            <a:r>
-              <a:rPr lang="fr-FR" b="1" dirty="0">
-                <a:latin typeface="Abadi" panose="020B0604020104020204" pitchFamily="34" charset="0"/>
-              </a:rPr>
-              <a:t> </a:t>
-            </a:r>
-            <a:r>
-              <a:rPr lang="fr-FR" b="1" dirty="0" err="1">
-                <a:latin typeface="Abadi" panose="020B0604020104020204" pitchFamily="34" charset="0"/>
-              </a:rPr>
-              <a:t>Sensor</a:t>
-            </a:r>
-            <a:endParaRPr lang="fr-FR" b="1" dirty="0">
-              <a:latin typeface="Abadi" panose="020B0604020104020204" pitchFamily="34" charset="0"/>
-            </a:endParaRPr>
+              <a:t>GT-LGT2803-Low Tech Graphite Strain Sensor</a:t>
+            </a:r>
           </a:p>
         </p:txBody>
       </p:sp>
@@ -4096,7 +4029,7 @@
           <p:nvPr>
             <p:extLst>
               <p:ext uri="{D42A27DB-BD31-4B8C-83A1-F6EECF244321}">
-                <p14:modId xmlns:p14="http://schemas.microsoft.com/office/powerpoint/2010/main" val="446406124"/>
+                <p14:modId xmlns:p14="http://schemas.microsoft.com/office/powerpoint/2010/main" val="3863207930"/>
               </p:ext>
             </p:extLst>
           </p:nvPr>
@@ -4135,7 +4068,7 @@
                     <a:p>
                       <a:pPr algn="ctr"/>
                       <a:r>
-                        <a:rPr lang="fr-FR" dirty="0"/>
+                        <a:rPr lang="en-US" noProof="0" dirty="0"/>
                         <a:t>Type</a:t>
                       </a:r>
                     </a:p>
@@ -4191,18 +4124,9 @@
                     <a:p>
                       <a:pPr algn="ctr"/>
                       <a:r>
-                        <a:rPr lang="fr-FR" dirty="0" err="1"/>
-                        <a:t>Strain</a:t>
+                        <a:rPr lang="en-US" noProof="0" dirty="0"/>
+                        <a:t>Strain sensor</a:t>
                       </a:r>
-                      <a:r>
-                        <a:rPr lang="fr-FR" dirty="0"/>
-                        <a:t> </a:t>
-                      </a:r>
-                      <a:r>
-                        <a:rPr lang="fr-FR" dirty="0" err="1"/>
-                        <a:t>sensor</a:t>
-                      </a:r>
-                      <a:endParaRPr lang="fr-FR" dirty="0"/>
                     </a:p>
                   </a:txBody>
                   <a:tcPr>
@@ -4258,7 +4182,7 @@
                     <a:p>
                       <a:pPr algn="ctr"/>
                       <a:r>
-                        <a:rPr lang="fr-FR" dirty="0"/>
+                        <a:rPr lang="en-US" noProof="0" dirty="0"/>
                         <a:t>Materials</a:t>
                       </a:r>
                     </a:p>
@@ -4314,16 +4238,8 @@
                     <a:p>
                       <a:pPr algn="ctr"/>
                       <a:r>
-                        <a:rPr lang="fr-FR" dirty="0"/>
-                        <a:t>Graphite (4B to 2H graphite </a:t>
-                      </a:r>
-                      <a:r>
-                        <a:rPr lang="fr-FR" dirty="0" err="1"/>
-                        <a:t>pencil</a:t>
-                      </a:r>
-                      <a:r>
-                        <a:rPr lang="fr-FR" dirty="0"/>
-                        <a:t>)</a:t>
+                        <a:rPr lang="en-US" noProof="0" dirty="0"/>
+                        <a:t>Graphite (4B to 2H graphite pencil)</a:t>
                       </a:r>
                     </a:p>
                   </a:txBody>
@@ -4380,12 +4296,8 @@
                     <a:p>
                       <a:pPr algn="ctr"/>
                       <a:r>
-                        <a:rPr lang="fr-FR" dirty="0" err="1"/>
-                        <a:t>Sensor</a:t>
-                      </a:r>
-                      <a:r>
-                        <a:rPr lang="fr-FR" dirty="0"/>
-                        <a:t> type</a:t>
+                        <a:rPr lang="en-US" noProof="0" dirty="0"/>
+                        <a:t>Sensor type</a:t>
                       </a:r>
                     </a:p>
                   </a:txBody>
@@ -4440,24 +4352,16 @@
                     <a:p>
                       <a:pPr algn="ctr"/>
                       <a:r>
-                        <a:rPr lang="fr-FR" dirty="0"/>
+                        <a:rPr lang="en-US" noProof="0" dirty="0"/>
                         <a:t>Passive: Power </a:t>
                       </a:r>
                       <a:r>
-                        <a:rPr lang="fr-FR" dirty="0" err="1"/>
+                        <a:rPr lang="en-US" noProof="0" dirty="0" err="1"/>
                         <a:t>suply</a:t>
                       </a:r>
                       <a:r>
-                        <a:rPr lang="fr-FR" dirty="0"/>
-                        <a:t> </a:t>
-                      </a:r>
-                      <a:r>
-                        <a:rPr lang="fr-FR" dirty="0" err="1"/>
-                        <a:t>required</a:t>
-                      </a:r>
-                      <a:r>
-                        <a:rPr lang="fr-FR" dirty="0"/>
-                        <a:t> </a:t>
+                        <a:rPr lang="en-US" noProof="0" dirty="0"/>
+                        <a:t> required </a:t>
                       </a:r>
                     </a:p>
                   </a:txBody>
@@ -4514,14 +4418,9 @@
                     <a:p>
                       <a:pPr algn="ctr"/>
                       <a:r>
-                        <a:rPr lang="fr-FR" dirty="0"/>
-                        <a:t>Power </a:t>
+                        <a:rPr lang="en-US" noProof="0" dirty="0"/>
+                        <a:t>Power supply</a:t>
                       </a:r>
-                      <a:r>
-                        <a:rPr lang="fr-FR" dirty="0" err="1"/>
-                        <a:t>supply</a:t>
-                      </a:r>
-                      <a:endParaRPr lang="fr-FR" dirty="0"/>
                     </a:p>
                   </a:txBody>
                   <a:tcPr>
@@ -4575,8 +4474,12 @@
                     <a:p>
                       <a:pPr algn="ctr"/>
                       <a:r>
-                        <a:rPr lang="fr-FR" dirty="0"/>
-                        <a:t>Vcc=+5V</a:t>
+                        <a:rPr lang="en-US" noProof="0" dirty="0" err="1"/>
+                        <a:t>Vcc</a:t>
+                      </a:r>
+                      <a:r>
+                        <a:rPr lang="en-US" noProof="0" dirty="0"/>
+                        <a:t>=+5V</a:t>
                       </a:r>
                     </a:p>
                   </a:txBody>
@@ -4633,7 +4536,7 @@
                     <a:p>
                       <a:pPr algn="ctr"/>
                       <a:r>
-                        <a:rPr lang="fr-FR" dirty="0"/>
+                        <a:rPr lang="en-US" noProof="0" dirty="0"/>
                         <a:t>Nature of output signal</a:t>
                       </a:r>
                     </a:p>
@@ -4689,10 +4592,9 @@
                     <a:p>
                       <a:pPr algn="ctr"/>
                       <a:r>
-                        <a:rPr lang="fr-FR" dirty="0" err="1"/>
+                        <a:rPr lang="en-US" noProof="0" dirty="0"/>
                         <a:t>Analog</a:t>
                       </a:r>
-                      <a:endParaRPr lang="fr-FR" dirty="0"/>
                     </a:p>
                   </a:txBody>
                   <a:tcPr>
@@ -4748,14 +4650,9 @@
                     <a:p>
                       <a:pPr algn="ctr"/>
                       <a:r>
-                        <a:rPr lang="fr-FR" dirty="0"/>
-                        <a:t>Nature of </a:t>
+                        <a:rPr lang="en-US" noProof="0" dirty="0"/>
+                        <a:t>Nature of measurand</a:t>
                       </a:r>
-                      <a:r>
-                        <a:rPr lang="fr-FR" dirty="0" err="1"/>
-                        <a:t>measurand</a:t>
-                      </a:r>
-                      <a:endParaRPr lang="fr-FR" dirty="0"/>
                     </a:p>
                   </a:txBody>
                   <a:tcPr>
@@ -4809,7 +4706,7 @@
                     <a:p>
                       <a:pPr algn="ctr"/>
                       <a:r>
-                        <a:rPr lang="fr-FR" dirty="0"/>
+                        <a:rPr lang="en-US" noProof="0" dirty="0"/>
                         <a:t>Voltage</a:t>
                       </a:r>
                     </a:p>
@@ -4867,20 +4764,8 @@
                     <a:p>
                       <a:pPr algn="ctr"/>
                       <a:r>
-                        <a:rPr lang="fr-FR" dirty="0" err="1"/>
-                        <a:t>Typical</a:t>
-                      </a:r>
-                      <a:r>
-                        <a:rPr lang="fr-FR" dirty="0"/>
-                        <a:t> </a:t>
-                      </a:r>
-                      <a:r>
-                        <a:rPr lang="fr-FR" dirty="0" err="1"/>
-                        <a:t>response</a:t>
-                      </a:r>
-                      <a:r>
-                        <a:rPr lang="fr-FR" dirty="0"/>
-                        <a:t> time</a:t>
+                        <a:rPr lang="en-US" noProof="0" dirty="0"/>
+                        <a:t>Typical response time</a:t>
                       </a:r>
                     </a:p>
                   </a:txBody>
@@ -4935,21 +4820,14 @@
                     <a:p>
                       <a:pPr algn="ctr"/>
                       <a:r>
-                        <a:rPr lang="fr-FR" dirty="0" err="1"/>
-                        <a:t>Less</a:t>
+                        <a:rPr lang="en-US" noProof="0" dirty="0"/>
+                        <a:t>Less than 50 </a:t>
                       </a:r>
                       <a:r>
-                        <a:rPr lang="fr-FR" dirty="0"/>
-                        <a:t> </a:t>
+                        <a:rPr lang="en-US" noProof="0" dirty="0" err="1"/>
+                        <a:t>ms</a:t>
                       </a:r>
-                      <a:r>
-                        <a:rPr lang="fr-FR" dirty="0" err="1"/>
-                        <a:t>than</a:t>
-                      </a:r>
-                      <a:r>
-                        <a:rPr lang="fr-FR" dirty="0"/>
-                        <a:t> 50 ms</a:t>
-                      </a:r>
+                      <a:endParaRPr lang="en-US" noProof="0" dirty="0"/>
                     </a:p>
                   </a:txBody>
                   <a:tcPr>
@@ -5005,12 +4883,8 @@
                     <a:p>
                       <a:pPr algn="ctr"/>
                       <a:r>
-                        <a:rPr lang="fr-FR" dirty="0" err="1"/>
-                        <a:t>Typical</a:t>
-                      </a:r>
-                      <a:r>
-                        <a:rPr lang="fr-FR" dirty="0"/>
-                        <a:t> use</a:t>
+                        <a:rPr lang="en-US" noProof="0" dirty="0"/>
+                        <a:t>Typical use</a:t>
                       </a:r>
                     </a:p>
                   </a:txBody>
@@ -5065,18 +4939,9 @@
                     <a:p>
                       <a:pPr algn="ctr"/>
                       <a:r>
-                        <a:rPr lang="fr-FR" dirty="0" err="1"/>
-                        <a:t>Measurement</a:t>
+                        <a:rPr lang="en-US" noProof="0" dirty="0"/>
+                        <a:t>Measurement of compression deformation</a:t>
                       </a:r>
-                      <a:r>
-                        <a:rPr lang="fr-FR" dirty="0"/>
-                        <a:t> of compression </a:t>
-                      </a:r>
-                      <a:r>
-                        <a:rPr lang="fr-FR" dirty="0" err="1"/>
-                        <a:t>deformation</a:t>
-                      </a:r>
-                      <a:endParaRPr lang="fr-FR" dirty="0"/>
                     </a:p>
                   </a:txBody>
                   <a:tcPr>
@@ -5173,7 +5038,7 @@
           <p:nvPr>
             <p:extLst>
               <p:ext uri="{D42A27DB-BD31-4B8C-83A1-F6EECF244321}">
-                <p14:modId xmlns:p14="http://schemas.microsoft.com/office/powerpoint/2010/main" val="109542920"/>
+                <p14:modId xmlns:p14="http://schemas.microsoft.com/office/powerpoint/2010/main" val="2339016446"/>
               </p:ext>
             </p:extLst>
           </p:nvPr>
@@ -5228,17 +5093,12 @@
                         <a:defRPr/>
                       </a:pPr>
                       <a:r>
-                        <a:rPr lang="fr-FR" dirty="0"/>
-                        <a:t>Pin </a:t>
+                        <a:rPr lang="en-US" noProof="0" dirty="0"/>
+                        <a:t>Pin Number</a:t>
                       </a:r>
-                      <a:r>
-                        <a:rPr lang="fr-FR" dirty="0" err="1"/>
-                        <a:t>Number</a:t>
-                      </a:r>
-                      <a:endParaRPr lang="fr-FR" dirty="0"/>
                     </a:p>
                     <a:p>
-                      <a:endParaRPr lang="fr-FR" dirty="0"/>
+                      <a:endParaRPr lang="en-US" noProof="0" dirty="0"/>
                     </a:p>
                   </a:txBody>
                   <a:tcPr>
@@ -5309,7 +5169,7 @@
                         <a:defRPr/>
                       </a:pPr>
                       <a:r>
-                        <a:rPr lang="fr-FR" dirty="0"/>
+                        <a:rPr lang="en-US" noProof="0" dirty="0"/>
                         <a:t>Usage</a:t>
                       </a:r>
                     </a:p>
@@ -5373,7 +5233,7 @@
                     <a:p>
                       <a:pPr algn="ctr"/>
                       <a:r>
-                        <a:rPr lang="fr-FR" sz="1600" b="1" dirty="0">
+                        <a:rPr lang="en-US" sz="1600" b="1" noProof="0" dirty="0">
                           <a:solidFill>
                             <a:schemeClr val="tx1"/>
                           </a:solidFill>
@@ -5428,7 +5288,7 @@
                     <a:p>
                       <a:pPr algn="ctr"/>
                       <a:r>
-                        <a:rPr lang="fr-FR" dirty="0"/>
+                        <a:rPr lang="en-US" noProof="0" dirty="0"/>
                         <a:t>Vin</a:t>
                       </a:r>
                     </a:p>
@@ -5486,7 +5346,7 @@
                     <a:p>
                       <a:pPr algn="ctr"/>
                       <a:r>
-                        <a:rPr lang="fr-FR" sz="1600" b="1" dirty="0">
+                        <a:rPr lang="en-US" sz="1600" b="1" noProof="0" dirty="0">
                           <a:solidFill>
                             <a:schemeClr val="tx1"/>
                           </a:solidFill>
@@ -5541,8 +5401,16 @@
                     <a:p>
                       <a:pPr algn="ctr"/>
                       <a:r>
-                        <a:rPr lang="fr-FR" dirty="0"/>
-                        <a:t>+Vcc (5V)</a:t>
+                        <a:rPr lang="en-US" noProof="0" dirty="0"/>
+                        <a:t>+</a:t>
+                      </a:r>
+                      <a:r>
+                        <a:rPr lang="en-US" noProof="0" dirty="0" err="1"/>
+                        <a:t>Vcc</a:t>
+                      </a:r>
+                      <a:r>
+                        <a:rPr lang="en-US" noProof="0" dirty="0"/>
+                        <a:t> (5V)</a:t>
                       </a:r>
                     </a:p>
                   </a:txBody>
@@ -5624,7 +5492,7 @@
           <a:lstStyle/>
           <a:p>
             <a:r>
-              <a:rPr lang="fr-FR" b="1" dirty="0">
+              <a:rPr lang="en-US" b="1" noProof="0" dirty="0">
                 <a:solidFill>
                   <a:schemeClr val="bg1"/>
                 </a:solidFill>
@@ -5663,7 +5531,7 @@
           <a:lstStyle/>
           <a:p>
             <a:r>
-              <a:rPr lang="fr-FR" b="1" dirty="0">
+              <a:rPr lang="en-US" b="1" noProof="0" dirty="0">
                 <a:solidFill>
                   <a:schemeClr val="bg1"/>
                 </a:solidFill>
@@ -5688,7 +5556,7 @@
           <p:nvPr>
             <p:extLst>
               <p:ext uri="{D42A27DB-BD31-4B8C-83A1-F6EECF244321}">
-                <p14:modId xmlns:p14="http://schemas.microsoft.com/office/powerpoint/2010/main" val="2905982416"/>
+                <p14:modId xmlns:p14="http://schemas.microsoft.com/office/powerpoint/2010/main" val="3811419963"/>
               </p:ext>
             </p:extLst>
           </p:nvPr>
@@ -5732,7 +5600,7 @@
                     <a:bodyPr/>
                     <a:lstStyle/>
                     <a:p>
-                      <a:endParaRPr lang="fr-FR" dirty="0"/>
+                      <a:endParaRPr lang="en-US" noProof="0" dirty="0"/>
                     </a:p>
                   </a:txBody>
                   <a:tcPr>
@@ -5784,12 +5652,8 @@
                     <a:p>
                       <a:pPr algn="ctr"/>
                       <a:r>
-                        <a:rPr lang="fr-FR" dirty="0" err="1"/>
-                        <a:t>Typical</a:t>
-                      </a:r>
-                      <a:r>
-                        <a:rPr lang="fr-FR" dirty="0"/>
-                        <a:t> Value</a:t>
+                        <a:rPr lang="en-US" noProof="0" dirty="0"/>
+                        <a:t>Typical Value</a:t>
                       </a:r>
                     </a:p>
                   </a:txBody>
@@ -5845,7 +5709,7 @@
                     <a:p>
                       <a:pPr algn="ctr"/>
                       <a:r>
-                        <a:rPr lang="fr-FR" dirty="0"/>
+                        <a:rPr lang="en-US" noProof="0" dirty="0"/>
                         <a:t>Unit</a:t>
                       </a:r>
                     </a:p>
@@ -5909,10 +5773,9 @@
                     <a:p>
                       <a:pPr algn="ctr"/>
                       <a:r>
-                        <a:rPr lang="fr-FR" dirty="0" err="1"/>
+                        <a:rPr lang="en-US" noProof="0" dirty="0"/>
                         <a:t>Temperature</a:t>
                       </a:r>
-                      <a:endParaRPr lang="fr-FR" dirty="0"/>
                     </a:p>
                   </a:txBody>
                   <a:tcPr>
@@ -5966,7 +5829,7 @@
                     <a:p>
                       <a:pPr algn="ctr"/>
                       <a:r>
-                        <a:rPr lang="fr-FR" dirty="0"/>
+                        <a:rPr lang="en-US" noProof="0" dirty="0"/>
                         <a:t>20±5</a:t>
                       </a:r>
                     </a:p>
@@ -6017,7 +5880,7 @@
                     <a:p>
                       <a:pPr algn="ctr"/>
                       <a:r>
-                        <a:rPr lang="fr-FR" dirty="0"/>
+                        <a:rPr lang="en-US" noProof="0" dirty="0"/>
                         <a:t>°C</a:t>
                       </a:r>
                     </a:p>
@@ -6075,10 +5938,9 @@
                     <a:p>
                       <a:pPr algn="ctr"/>
                       <a:r>
-                        <a:rPr lang="fr-FR" dirty="0" err="1"/>
+                        <a:rPr lang="en-US" noProof="0" dirty="0"/>
                         <a:t>Humidity</a:t>
                       </a:r>
-                      <a:endParaRPr lang="fr-FR" dirty="0"/>
                     </a:p>
                   </a:txBody>
                   <a:tcPr>
@@ -6132,7 +5994,7 @@
                     <a:p>
                       <a:pPr algn="ctr"/>
                       <a:r>
-                        <a:rPr lang="fr-FR" dirty="0"/>
+                        <a:rPr lang="en-US" noProof="0" dirty="0"/>
                         <a:t>50±5</a:t>
                       </a:r>
                     </a:p>
@@ -6183,7 +6045,7 @@
                     <a:p>
                       <a:pPr algn="ctr"/>
                       <a:r>
-                        <a:rPr lang="fr-FR" dirty="0"/>
+                        <a:rPr lang="en-US" noProof="0" dirty="0"/>
                         <a:t>%</a:t>
                       </a:r>
                     </a:p>
@@ -6241,16 +6103,8 @@
                     <a:p>
                       <a:pPr algn="ctr"/>
                       <a:r>
-                        <a:rPr lang="fr-FR" dirty="0"/>
-                        <a:t>Bluetooth </a:t>
-                      </a:r>
-                      <a:r>
-                        <a:rPr lang="fr-FR" dirty="0" err="1"/>
-                        <a:t>operation</a:t>
-                      </a:r>
-                      <a:r>
-                        <a:rPr lang="fr-FR" dirty="0"/>
-                        <a:t> distance</a:t>
+                        <a:rPr lang="en-US" noProof="0" dirty="0"/>
+                        <a:t>Bluetooth operation distance</a:t>
                       </a:r>
                     </a:p>
                   </a:txBody>
@@ -6305,7 +6159,7 @@
                     <a:p>
                       <a:pPr algn="ctr"/>
                       <a:r>
-                        <a:rPr lang="fr-FR" dirty="0"/>
+                        <a:rPr lang="en-US" noProof="0" dirty="0"/>
                         <a:t>1±4</a:t>
                       </a:r>
                     </a:p>
@@ -6356,7 +6210,7 @@
                     <a:p>
                       <a:pPr algn="ctr"/>
                       <a:r>
-                        <a:rPr lang="fr-FR" dirty="0"/>
+                        <a:rPr lang="en-US" noProof="0" dirty="0"/>
                         <a:t>m</a:t>
                       </a:r>
                     </a:p>
@@ -6469,19 +6323,19 @@
           <a:lstStyle/>
           <a:p>
             <a:r>
-              <a:rPr lang="fr-FR" sz="1200" dirty="0">
+              <a:rPr lang="en-US" sz="1200" noProof="0" dirty="0">
                 <a:latin typeface="Abadi" panose="020B0604020104020204" pitchFamily="34" charset="0"/>
               </a:rPr>
               <a:t>HAMADI </a:t>
             </a:r>
             <a:r>
-              <a:rPr lang="fr-FR" sz="1200" dirty="0" err="1">
+              <a:rPr lang="en-US" sz="1200" noProof="0" dirty="0" err="1">
                 <a:latin typeface="Abadi" panose="020B0604020104020204" pitchFamily="34" charset="0"/>
               </a:rPr>
               <a:t>Maoulida</a:t>
             </a:r>
             <a:r>
-              <a:rPr lang="fr-FR" sz="1200" dirty="0">
+              <a:rPr lang="en-US" sz="1200" noProof="0" dirty="0">
                 <a:latin typeface="Abadi" panose="020B0604020104020204" pitchFamily="34" charset="0"/>
               </a:rPr>
               <a:t> - TARTERA Maëlys</a:t>
@@ -6555,7 +6409,7 @@
           <a:lstStyle/>
           <a:p>
             <a:r>
-              <a:rPr lang="fr-FR" dirty="0"/>
+              <a:rPr lang="en-US" noProof="0" dirty="0"/>
               <a:t>3</a:t>
             </a:r>
           </a:p>
@@ -6590,25 +6444,13 @@
           <a:lstStyle/>
           <a:p>
             <a:r>
-              <a:rPr lang="fr-FR" b="1" u="sng" dirty="0" err="1">
+              <a:rPr lang="en-US" b="1" u="sng" noProof="0" dirty="0">
                 <a:latin typeface="Abadi" panose="020B0604020104020204" pitchFamily="34" charset="0"/>
               </a:rPr>
-              <a:t>Typical</a:t>
-            </a:r>
-            <a:r>
-              <a:rPr lang="fr-FR" b="1" u="sng" dirty="0">
-                <a:latin typeface="Abadi" panose="020B0604020104020204" pitchFamily="34" charset="0"/>
-              </a:rPr>
-              <a:t> performance </a:t>
-            </a:r>
-            <a:r>
-              <a:rPr lang="fr-FR" b="1" u="sng" dirty="0" err="1">
-                <a:latin typeface="Abadi" panose="020B0604020104020204" pitchFamily="34" charset="0"/>
-              </a:rPr>
-              <a:t>characteristics</a:t>
-            </a:r>
-            <a:r>
-              <a:rPr lang="fr-FR" dirty="0">
+              <a:t>Typical performance characteristics</a:t>
+            </a:r>
+            <a:r>
+              <a:rPr lang="en-US" noProof="0" dirty="0">
                 <a:latin typeface="Abadi" panose="020B0604020104020204" pitchFamily="34" charset="0"/>
               </a:rPr>
               <a:t>: </a:t>
@@ -6764,32 +6606,11 @@
           <a:lstStyle/>
           <a:p>
             <a:r>
-              <a:rPr lang="fr-FR" b="1" dirty="0">
+              <a:rPr lang="en-US" b="1" noProof="0" dirty="0">
                 <a:latin typeface="Abadi" panose="020B0604020104020204" pitchFamily="34" charset="0"/>
               </a:rPr>
-              <a:t>GT-LGT2803-Low Tech Graphite </a:t>
-            </a:r>
-            <a:r>
-              <a:rPr lang="fr-FR" b="1" dirty="0" err="1">
-                <a:latin typeface="Abadi" panose="020B0604020104020204" pitchFamily="34" charset="0"/>
-              </a:rPr>
-              <a:t>Strain</a:t>
-            </a:r>
-            <a:r>
-              <a:rPr lang="fr-FR" b="1" dirty="0">
-                <a:latin typeface="Abadi" panose="020B0604020104020204" pitchFamily="34" charset="0"/>
-              </a:rPr>
-              <a:t> </a:t>
-            </a:r>
-            <a:r>
-              <a:rPr lang="fr-FR" b="1" dirty="0" err="1">
-                <a:latin typeface="Abadi" panose="020B0604020104020204" pitchFamily="34" charset="0"/>
-              </a:rPr>
-              <a:t>Sensor</a:t>
-            </a:r>
-            <a:endParaRPr lang="fr-FR" b="1" dirty="0">
-              <a:latin typeface="Abadi" panose="020B0604020104020204" pitchFamily="34" charset="0"/>
-            </a:endParaRPr>
+              <a:t>GT-LGT2803-Low Tech Graphite Strain Sensor</a:t>
+            </a:r>
           </a:p>
         </p:txBody>
       </p:sp>
@@ -6822,46 +6643,9 @@
           <a:lstStyle/>
           <a:p>
             <a:r>
-              <a:rPr lang="fr-FR" dirty="0"/>
-              <a:t>Pencil type-unit of the </a:t>
-            </a:r>
-            <a:r>
-              <a:rPr lang="fr-FR" dirty="0" err="1"/>
-              <a:t>resistance</a:t>
-            </a:r>
-            <a:r>
-              <a:rPr lang="fr-FR" dirty="0"/>
-              <a:t> and the </a:t>
-            </a:r>
-            <a:r>
-              <a:rPr lang="fr-FR" dirty="0" err="1"/>
-              <a:t>resistance</a:t>
-            </a:r>
-            <a:r>
-              <a:rPr lang="fr-FR" dirty="0"/>
-              <a:t> </a:t>
-            </a:r>
-            <a:r>
-              <a:rPr lang="fr-FR" dirty="0" err="1"/>
-              <a:t>when</a:t>
-            </a:r>
-            <a:r>
-              <a:rPr lang="fr-FR" dirty="0"/>
-              <a:t> no </a:t>
-            </a:r>
-            <a:r>
-              <a:rPr lang="fr-FR" dirty="0" err="1"/>
-              <a:t>strain</a:t>
-            </a:r>
-            <a:r>
-              <a:rPr lang="fr-FR" dirty="0"/>
-              <a:t> </a:t>
-            </a:r>
-            <a:r>
-              <a:rPr lang="fr-FR" dirty="0" err="1"/>
-              <a:t>applied</a:t>
-            </a:r>
-            <a:endParaRPr lang="fr-FR" dirty="0"/>
+              <a:rPr lang="en-US" noProof="0" dirty="0"/>
+              <a:t>Pencil type-unit of the resistance and the resistance when no strain applied</a:t>
+            </a:r>
           </a:p>
         </p:txBody>
       </p:sp>
@@ -6894,24 +6678,68 @@
           <a:lstStyle/>
           <a:p>
             <a:r>
-              <a:rPr lang="fr-FR" dirty="0"/>
-              <a:t>Courbes de </a:t>
-            </a:r>
-            <a:r>
-              <a:rPr lang="fr-FR" dirty="0" err="1"/>
+              <a:rPr lang="en-US" noProof="0" dirty="0" err="1"/>
+              <a:t>Courbes</a:t>
+            </a:r>
+            <a:r>
+              <a:rPr lang="en-US" noProof="0" dirty="0"/>
+              <a:t> de </a:t>
+            </a:r>
+            <a:r>
+              <a:rPr lang="en-US" noProof="0" dirty="0" err="1"/>
               <a:t>deltaR</a:t>
             </a:r>
             <a:r>
-              <a:rPr lang="fr-FR" dirty="0"/>
-              <a:t>/R0 en fonction de la </a:t>
-            </a:r>
-            <a:r>
-              <a:rPr lang="fr-FR" dirty="0" err="1"/>
-              <a:t>deformation</a:t>
-            </a:r>
-            <a:r>
-              <a:rPr lang="fr-FR" dirty="0"/>
-              <a:t> soit en % soit en cm</a:t>
+              <a:rPr lang="en-US" noProof="0" dirty="0"/>
+              <a:t>/R0 </a:t>
+            </a:r>
+            <a:r>
+              <a:rPr lang="en-US" noProof="0" dirty="0" err="1"/>
+              <a:t>en</a:t>
+            </a:r>
+            <a:r>
+              <a:rPr lang="en-US" noProof="0" dirty="0"/>
+              <a:t> </a:t>
+            </a:r>
+            <a:r>
+              <a:rPr lang="en-US" noProof="0" dirty="0" err="1"/>
+              <a:t>fonction</a:t>
+            </a:r>
+            <a:r>
+              <a:rPr lang="en-US" noProof="0" dirty="0"/>
+              <a:t> de la deformation </a:t>
+            </a:r>
+            <a:r>
+              <a:rPr lang="en-US" noProof="0" dirty="0" err="1"/>
+              <a:t>soit</a:t>
+            </a:r>
+            <a:r>
+              <a:rPr lang="en-US" noProof="0" dirty="0"/>
+              <a:t> </a:t>
+            </a:r>
+            <a:r>
+              <a:rPr lang="en-US" noProof="0" dirty="0" err="1"/>
+              <a:t>en</a:t>
+            </a:r>
+            <a:r>
+              <a:rPr lang="en-US" noProof="0" dirty="0"/>
+              <a:t> % </a:t>
+            </a:r>
+            <a:r>
+              <a:rPr lang="en-US" noProof="0" dirty="0" err="1"/>
+              <a:t>soit</a:t>
+            </a:r>
+            <a:r>
+              <a:rPr lang="en-US" noProof="0" dirty="0"/>
+              <a:t> </a:t>
+            </a:r>
+            <a:r>
+              <a:rPr lang="en-US" noProof="0" dirty="0" err="1"/>
+              <a:t>en</a:t>
+            </a:r>
+            <a:r>
+              <a:rPr lang="en-US" noProof="0" dirty="0"/>
+              <a:t> cm</a:t>
             </a:r>
           </a:p>
         </p:txBody>
@@ -6975,19 +6803,19 @@
           <a:lstStyle/>
           <a:p>
             <a:r>
-              <a:rPr lang="fr-FR" sz="1200" dirty="0">
+              <a:rPr lang="en-US" sz="1200" noProof="0" dirty="0">
                 <a:latin typeface="Abadi" panose="020B0604020104020204" pitchFamily="34" charset="0"/>
               </a:rPr>
               <a:t>HAMADI </a:t>
             </a:r>
             <a:r>
-              <a:rPr lang="fr-FR" sz="1200" dirty="0" err="1">
+              <a:rPr lang="en-US" sz="1200" noProof="0" dirty="0" err="1">
                 <a:latin typeface="Abadi" panose="020B0604020104020204" pitchFamily="34" charset="0"/>
               </a:rPr>
               <a:t>Maoulida</a:t>
             </a:r>
             <a:r>
-              <a:rPr lang="fr-FR" sz="1200" dirty="0">
+              <a:rPr lang="en-US" sz="1200" noProof="0" dirty="0">
                 <a:latin typeface="Abadi" panose="020B0604020104020204" pitchFamily="34" charset="0"/>
               </a:rPr>
               <a:t> - TARTERA Maëlys</a:t>
@@ -7061,7 +6889,7 @@
           <a:lstStyle/>
           <a:p>
             <a:r>
-              <a:rPr lang="fr-FR" dirty="0"/>
+              <a:rPr lang="en-US" noProof="0" dirty="0"/>
               <a:t>4</a:t>
             </a:r>
           </a:p>
@@ -7215,32 +7043,11 @@
           <a:lstStyle/>
           <a:p>
             <a:r>
-              <a:rPr lang="fr-FR" b="1" dirty="0">
+              <a:rPr lang="en-US" b="1" noProof="0" dirty="0">
                 <a:latin typeface="Abadi" panose="020B0604020104020204" pitchFamily="34" charset="0"/>
               </a:rPr>
-              <a:t>GT-LGT2803-Low Tech Graphite </a:t>
-            </a:r>
-            <a:r>
-              <a:rPr lang="fr-FR" b="1" dirty="0" err="1">
-                <a:latin typeface="Abadi" panose="020B0604020104020204" pitchFamily="34" charset="0"/>
-              </a:rPr>
-              <a:t>Strain</a:t>
-            </a:r>
-            <a:r>
-              <a:rPr lang="fr-FR" b="1" dirty="0">
-                <a:latin typeface="Abadi" panose="020B0604020104020204" pitchFamily="34" charset="0"/>
-              </a:rPr>
-              <a:t> </a:t>
-            </a:r>
-            <a:r>
-              <a:rPr lang="fr-FR" b="1" dirty="0" err="1">
-                <a:latin typeface="Abadi" panose="020B0604020104020204" pitchFamily="34" charset="0"/>
-              </a:rPr>
-              <a:t>Sensor</a:t>
-            </a:r>
-            <a:endParaRPr lang="fr-FR" b="1" dirty="0">
-              <a:latin typeface="Abadi" panose="020B0604020104020204" pitchFamily="34" charset="0"/>
-            </a:endParaRPr>
+              <a:t>GT-LGT2803-Low Tech Graphite Strain Sensor</a:t>
+            </a:r>
           </a:p>
         </p:txBody>
       </p:sp>
@@ -7273,19 +7080,13 @@
           <a:lstStyle/>
           <a:p>
             <a:r>
-              <a:rPr lang="fr-FR" b="1" u="sng" dirty="0" err="1">
+              <a:rPr lang="en-US" b="1" u="sng" noProof="0" dirty="0">
                 <a:latin typeface="Abadi" panose="020B0604020104020204" pitchFamily="34" charset="0"/>
               </a:rPr>
-              <a:t>Typical</a:t>
-            </a:r>
-            <a:r>
-              <a:rPr lang="fr-FR" b="1" u="sng" dirty="0">
-                <a:latin typeface="Abadi" panose="020B0604020104020204" pitchFamily="34" charset="0"/>
-              </a:rPr>
-              <a:t> application </a:t>
-            </a:r>
-            <a:r>
-              <a:rPr lang="fr-FR" dirty="0">
+              <a:t>Typical application </a:t>
+            </a:r>
+            <a:r>
+              <a:rPr lang="en-US" noProof="0" dirty="0">
                 <a:latin typeface="Abadi" panose="020B0604020104020204" pitchFamily="34" charset="0"/>
               </a:rPr>
               <a:t>: </a:t>
@@ -7315,7 +7116,7 @@
         </p:blipFill>
         <p:spPr>
           <a:xfrm>
-            <a:off x="221146" y="1778830"/>
+            <a:off x="359986" y="1806727"/>
             <a:ext cx="5900739" cy="2048468"/>
           </a:xfrm>
           <a:prstGeom prst="rect">
@@ -7323,255 +7124,492 @@
           </a:prstGeom>
         </p:spPr>
       </p:pic>
-      <p:sp>
-        <p:nvSpPr>
-          <p:cNvPr id="13" name="ZoneTexte 12">
-            <a:extLst>
-              <a:ext uri="{FF2B5EF4-FFF2-40B4-BE49-F238E27FC236}">
-                <a16:creationId xmlns:a16="http://schemas.microsoft.com/office/drawing/2014/main" id="{67C71F0A-70DE-B87C-7E2D-EF1061F36C38}"/>
-              </a:ext>
-            </a:extLst>
-          </p:cNvPr>
-          <p:cNvSpPr txBox="1"/>
-          <p:nvPr/>
-        </p:nvSpPr>
-        <p:spPr>
-          <a:xfrm>
-            <a:off x="201251" y="4163402"/>
-            <a:ext cx="6218210" cy="1169551"/>
-          </a:xfrm>
-          <a:prstGeom prst="rect">
-            <a:avLst/>
-          </a:prstGeom>
-          <a:noFill/>
-        </p:spPr>
-        <p:txBody>
-          <a:bodyPr wrap="square" rtlCol="0">
-            <a:spAutoFit/>
-          </a:bodyPr>
-          <a:lstStyle/>
-          <a:p>
-            <a:r>
-              <a:rPr lang="fr-FR" sz="1400" dirty="0">
-                <a:latin typeface="Arial" panose="020B0604020202020204" pitchFamily="34" charset="0"/>
-                <a:cs typeface="Arial" panose="020B0604020202020204" pitchFamily="34" charset="0"/>
-              </a:rPr>
-              <a:t>The graphite </a:t>
-            </a:r>
-            <a:r>
-              <a:rPr lang="fr-FR" sz="1400" dirty="0" err="1">
-                <a:latin typeface="Arial" panose="020B0604020202020204" pitchFamily="34" charset="0"/>
-                <a:cs typeface="Arial" panose="020B0604020202020204" pitchFamily="34" charset="0"/>
-              </a:rPr>
-              <a:t>strain</a:t>
-            </a:r>
-            <a:r>
-              <a:rPr lang="fr-FR" sz="1400" dirty="0">
-                <a:latin typeface="Arial" panose="020B0604020202020204" pitchFamily="34" charset="0"/>
-                <a:cs typeface="Arial" panose="020B0604020202020204" pitchFamily="34" charset="0"/>
-              </a:rPr>
-              <a:t> </a:t>
-            </a:r>
-            <a:r>
-              <a:rPr lang="fr-FR" sz="1400" dirty="0" err="1">
-                <a:latin typeface="Arial" panose="020B0604020202020204" pitchFamily="34" charset="0"/>
-                <a:cs typeface="Arial" panose="020B0604020202020204" pitchFamily="34" charset="0"/>
-              </a:rPr>
-              <a:t>sensor</a:t>
-            </a:r>
-            <a:r>
-              <a:rPr lang="fr-FR" sz="1400" dirty="0">
-                <a:latin typeface="Arial" panose="020B0604020202020204" pitchFamily="34" charset="0"/>
-                <a:cs typeface="Arial" panose="020B0604020202020204" pitchFamily="34" charset="0"/>
-              </a:rPr>
-              <a:t> GT-LGT2803 </a:t>
-            </a:r>
-            <a:r>
-              <a:rPr lang="fr-FR" sz="1400" dirty="0" err="1">
-                <a:latin typeface="Arial" panose="020B0604020202020204" pitchFamily="34" charset="0"/>
-                <a:cs typeface="Arial" panose="020B0604020202020204" pitchFamily="34" charset="0"/>
-              </a:rPr>
-              <a:t>is</a:t>
-            </a:r>
-            <a:r>
-              <a:rPr lang="fr-FR" sz="1400" dirty="0">
-                <a:latin typeface="Arial" panose="020B0604020202020204" pitchFamily="34" charset="0"/>
-                <a:cs typeface="Arial" panose="020B0604020202020204" pitchFamily="34" charset="0"/>
-              </a:rPr>
-              <a:t> </a:t>
-            </a:r>
-            <a:r>
-              <a:rPr lang="fr-FR" sz="1400" dirty="0" err="1">
-                <a:latin typeface="Arial" panose="020B0604020202020204" pitchFamily="34" charset="0"/>
-                <a:cs typeface="Arial" panose="020B0604020202020204" pitchFamily="34" charset="0"/>
-              </a:rPr>
-              <a:t>connected</a:t>
-            </a:r>
-            <a:r>
-              <a:rPr lang="fr-FR" sz="1400" dirty="0">
-                <a:latin typeface="Arial" panose="020B0604020202020204" pitchFamily="34" charset="0"/>
-                <a:cs typeface="Arial" panose="020B0604020202020204" pitchFamily="34" charset="0"/>
-              </a:rPr>
-              <a:t> to a Vcc=5V power </a:t>
-            </a:r>
-            <a:r>
-              <a:rPr lang="fr-FR" sz="1400" dirty="0" err="1">
-                <a:latin typeface="Arial" panose="020B0604020202020204" pitchFamily="34" charset="0"/>
-                <a:cs typeface="Arial" panose="020B0604020202020204" pitchFamily="34" charset="0"/>
-              </a:rPr>
-              <a:t>supply</a:t>
-            </a:r>
-            <a:r>
-              <a:rPr lang="fr-FR" sz="1400" dirty="0">
-                <a:latin typeface="Arial" panose="020B0604020202020204" pitchFamily="34" charset="0"/>
-                <a:cs typeface="Arial" panose="020B0604020202020204" pitchFamily="34" charset="0"/>
-              </a:rPr>
-              <a:t> on </a:t>
-            </a:r>
-            <a:r>
-              <a:rPr lang="fr-FR" sz="1400" dirty="0" err="1">
-                <a:latin typeface="Arial" panose="020B0604020202020204" pitchFamily="34" charset="0"/>
-                <a:cs typeface="Arial" panose="020B0604020202020204" pitchFamily="34" charset="0"/>
-              </a:rPr>
-              <a:t>its</a:t>
-            </a:r>
-            <a:r>
-              <a:rPr lang="fr-FR" sz="1400" dirty="0">
-                <a:latin typeface="Arial" panose="020B0604020202020204" pitchFamily="34" charset="0"/>
-                <a:cs typeface="Arial" panose="020B0604020202020204" pitchFamily="34" charset="0"/>
-              </a:rPr>
-              <a:t> pin 2, </a:t>
-            </a:r>
-            <a:r>
-              <a:rPr lang="fr-FR" sz="1400" dirty="0" err="1">
-                <a:latin typeface="Arial" panose="020B0604020202020204" pitchFamily="34" charset="0"/>
-                <a:cs typeface="Arial" panose="020B0604020202020204" pitchFamily="34" charset="0"/>
-              </a:rPr>
-              <a:t>its</a:t>
-            </a:r>
-            <a:r>
-              <a:rPr lang="fr-FR" sz="1400" dirty="0">
-                <a:latin typeface="Arial" panose="020B0604020202020204" pitchFamily="34" charset="0"/>
-                <a:cs typeface="Arial" panose="020B0604020202020204" pitchFamily="34" charset="0"/>
-              </a:rPr>
-              <a:t> pin 1 </a:t>
-            </a:r>
-            <a:r>
-              <a:rPr lang="fr-FR" sz="1400" dirty="0" err="1">
-                <a:latin typeface="Arial" panose="020B0604020202020204" pitchFamily="34" charset="0"/>
-                <a:cs typeface="Arial" panose="020B0604020202020204" pitchFamily="34" charset="0"/>
-              </a:rPr>
-              <a:t>is</a:t>
-            </a:r>
-            <a:r>
-              <a:rPr lang="fr-FR" sz="1400" dirty="0">
-                <a:latin typeface="Arial" panose="020B0604020202020204" pitchFamily="34" charset="0"/>
-                <a:cs typeface="Arial" panose="020B0604020202020204" pitchFamily="34" charset="0"/>
-              </a:rPr>
-              <a:t> </a:t>
-            </a:r>
-            <a:r>
-              <a:rPr lang="fr-FR" sz="1400" dirty="0" err="1">
-                <a:latin typeface="Arial" panose="020B0604020202020204" pitchFamily="34" charset="0"/>
-                <a:cs typeface="Arial" panose="020B0604020202020204" pitchFamily="34" charset="0"/>
-              </a:rPr>
-              <a:t>connected</a:t>
-            </a:r>
-            <a:r>
-              <a:rPr lang="fr-FR" sz="1400" dirty="0">
-                <a:latin typeface="Arial" panose="020B0604020202020204" pitchFamily="34" charset="0"/>
-                <a:cs typeface="Arial" panose="020B0604020202020204" pitchFamily="34" charset="0"/>
-              </a:rPr>
-              <a:t> to a </a:t>
-            </a:r>
-            <a:r>
-              <a:rPr lang="fr-FR" sz="1400" dirty="0" err="1">
-                <a:latin typeface="Arial" panose="020B0604020202020204" pitchFamily="34" charset="0"/>
-                <a:cs typeface="Arial" panose="020B0604020202020204" pitchFamily="34" charset="0"/>
-              </a:rPr>
-              <a:t>transimpedence</a:t>
-            </a:r>
-            <a:r>
-              <a:rPr lang="fr-FR" sz="1400" dirty="0">
-                <a:latin typeface="Arial" panose="020B0604020202020204" pitchFamily="34" charset="0"/>
-                <a:cs typeface="Arial" panose="020B0604020202020204" pitchFamily="34" charset="0"/>
-              </a:rPr>
-              <a:t> amplifier circuit </a:t>
-            </a:r>
-            <a:r>
-              <a:rPr lang="fr-FR" sz="1400" dirty="0" err="1">
-                <a:latin typeface="Arial" panose="020B0604020202020204" pitchFamily="34" charset="0"/>
-                <a:cs typeface="Arial" panose="020B0604020202020204" pitchFamily="34" charset="0"/>
-              </a:rPr>
-              <a:t>designed</a:t>
-            </a:r>
-            <a:r>
-              <a:rPr lang="fr-FR" sz="1400" dirty="0">
-                <a:latin typeface="Arial" panose="020B0604020202020204" pitchFamily="34" charset="0"/>
-                <a:cs typeface="Arial" panose="020B0604020202020204" pitchFamily="34" charset="0"/>
-              </a:rPr>
-              <a:t> to cancel noise. </a:t>
-            </a:r>
-          </a:p>
-          <a:p>
-            <a:endParaRPr lang="fr-FR" sz="1400">
-              <a:latin typeface="Arial" panose="020B0604020202020204" pitchFamily="34" charset="0"/>
-              <a:cs typeface="Arial" panose="020B0604020202020204" pitchFamily="34" charset="0"/>
-            </a:endParaRPr>
-          </a:p>
-          <a:p>
-            <a:r>
-              <a:rPr lang="fr-FR" sz="1400">
-                <a:latin typeface="Arial" panose="020B0604020202020204" pitchFamily="34" charset="0"/>
-                <a:cs typeface="Arial" panose="020B0604020202020204" pitchFamily="34" charset="0"/>
-              </a:rPr>
-              <a:t>and </a:t>
-            </a:r>
-            <a:r>
-              <a:rPr lang="fr-FR" sz="1400" dirty="0" err="1">
-                <a:latin typeface="Arial" panose="020B0604020202020204" pitchFamily="34" charset="0"/>
-                <a:cs typeface="Arial" panose="020B0604020202020204" pitchFamily="34" charset="0"/>
-              </a:rPr>
-              <a:t>allow</a:t>
-            </a:r>
-            <a:r>
-              <a:rPr lang="fr-FR" sz="1400" dirty="0">
-                <a:latin typeface="Arial" panose="020B0604020202020204" pitchFamily="34" charset="0"/>
-                <a:cs typeface="Arial" panose="020B0604020202020204" pitchFamily="34" charset="0"/>
-              </a:rPr>
-              <a:t> the GT-LGT2803 to </a:t>
-            </a:r>
-            <a:r>
-              <a:rPr lang="fr-FR" sz="1400" dirty="0" err="1">
-                <a:latin typeface="Arial" panose="020B0604020202020204" pitchFamily="34" charset="0"/>
-                <a:cs typeface="Arial" panose="020B0604020202020204" pitchFamily="34" charset="0"/>
-              </a:rPr>
-              <a:t>be</a:t>
-            </a:r>
-            <a:r>
-              <a:rPr lang="fr-FR" sz="1400" dirty="0">
-                <a:latin typeface="Arial" panose="020B0604020202020204" pitchFamily="34" charset="0"/>
-                <a:cs typeface="Arial" panose="020B0604020202020204" pitchFamily="34" charset="0"/>
-              </a:rPr>
-              <a:t> </a:t>
-            </a:r>
-            <a:r>
-              <a:rPr lang="fr-FR" sz="1400" dirty="0" err="1">
-                <a:latin typeface="Arial" panose="020B0604020202020204" pitchFamily="34" charset="0"/>
-                <a:cs typeface="Arial" panose="020B0604020202020204" pitchFamily="34" charset="0"/>
-              </a:rPr>
-              <a:t>connected</a:t>
-            </a:r>
-            <a:r>
-              <a:rPr lang="fr-FR" sz="1400" dirty="0">
-                <a:latin typeface="Arial" panose="020B0604020202020204" pitchFamily="34" charset="0"/>
-                <a:cs typeface="Arial" panose="020B0604020202020204" pitchFamily="34" charset="0"/>
-              </a:rPr>
-              <a:t> to an </a:t>
-            </a:r>
-          </a:p>
-        </p:txBody>
-      </p:sp>
+      <mc:AlternateContent xmlns:mc="http://schemas.openxmlformats.org/markup-compatibility/2006">
+        <mc:Choice xmlns:a14="http://schemas.microsoft.com/office/drawing/2010/main" Requires="a14">
+          <p:sp>
+            <p:nvSpPr>
+              <p:cNvPr id="13" name="ZoneTexte 12">
+                <a:extLst>
+                  <a:ext uri="{FF2B5EF4-FFF2-40B4-BE49-F238E27FC236}">
+                    <a16:creationId xmlns:a16="http://schemas.microsoft.com/office/drawing/2014/main" id="{67C71F0A-70DE-B87C-7E2D-EF1061F36C38}"/>
+                  </a:ext>
+                </a:extLst>
+              </p:cNvPr>
+              <p:cNvSpPr txBox="1"/>
+              <p:nvPr/>
+            </p:nvSpPr>
+            <p:spPr>
+              <a:xfrm>
+                <a:off x="201251" y="4163402"/>
+                <a:ext cx="6218210" cy="3287375"/>
+              </a:xfrm>
+              <a:prstGeom prst="rect">
+                <a:avLst/>
+              </a:prstGeom>
+              <a:noFill/>
+            </p:spPr>
+            <p:txBody>
+              <a:bodyPr wrap="square" rtlCol="0">
+                <a:spAutoFit/>
+              </a:bodyPr>
+              <a:lstStyle/>
+              <a:p>
+                <a:r>
+                  <a:rPr lang="en-US" sz="1400" noProof="0" dirty="0">
+                    <a:latin typeface="Arial" panose="020B0604020202020204" pitchFamily="34" charset="0"/>
+                    <a:cs typeface="Arial" panose="020B0604020202020204" pitchFamily="34" charset="0"/>
+                  </a:rPr>
+                  <a:t>The graphite strain sensor GT-LGT2803 can be connected to a </a:t>
+                </a:r>
+                <a:r>
+                  <a:rPr lang="en-US" sz="1400" noProof="0" dirty="0" err="1">
+                    <a:latin typeface="Arial" panose="020B0604020202020204" pitchFamily="34" charset="0"/>
+                    <a:cs typeface="Arial" panose="020B0604020202020204" pitchFamily="34" charset="0"/>
+                  </a:rPr>
+                  <a:t>Vcc</a:t>
+                </a:r>
+                <a:r>
+                  <a:rPr lang="en-US" sz="1400" noProof="0" dirty="0">
+                    <a:latin typeface="Arial" panose="020B0604020202020204" pitchFamily="34" charset="0"/>
+                    <a:cs typeface="Arial" panose="020B0604020202020204" pitchFamily="34" charset="0"/>
+                  </a:rPr>
+                  <a:t>=5V power supply on its pin 2 and its pin 1 can be connected to a transimpedance amplifier circuit designed to cancel noise. The transimpedance amplifier is composed of three low pass filters designed to deliver a 50mV~1V voltage (</a:t>
+                </a:r>
+                <a:r>
+                  <a:rPr lang="en-US" sz="1400" noProof="0" dirty="0" err="1">
+                    <a:latin typeface="Arial" panose="020B0604020202020204" pitchFamily="34" charset="0"/>
+                    <a:cs typeface="Arial" panose="020B0604020202020204" pitchFamily="34" charset="0"/>
+                  </a:rPr>
+                  <a:t>Ampout</a:t>
+                </a:r>
+                <a:r>
+                  <a:rPr lang="en-US" sz="1400" noProof="0" dirty="0">
+                    <a:latin typeface="Arial" panose="020B0604020202020204" pitchFamily="34" charset="0"/>
+                    <a:cs typeface="Arial" panose="020B0604020202020204" pitchFamily="34" charset="0"/>
+                  </a:rPr>
+                  <a:t> tag) and to cancel the different noises in the amplification process and the electric network coupling. </a:t>
+                </a:r>
+              </a:p>
+              <a:p>
+                <a:endParaRPr lang="en-US" sz="1400" noProof="0" dirty="0">
+                  <a:latin typeface="Arial" panose="020B0604020202020204" pitchFamily="34" charset="0"/>
+                  <a:cs typeface="Arial" panose="020B0604020202020204" pitchFamily="34" charset="0"/>
+                </a:endParaRPr>
+              </a:p>
+              <a:p>
+                <a:r>
+                  <a:rPr lang="en-US" sz="1400" noProof="0" dirty="0">
+                    <a:latin typeface="Arial" panose="020B0604020202020204" pitchFamily="34" charset="0"/>
+                    <a:cs typeface="Arial" panose="020B0604020202020204" pitchFamily="34" charset="0"/>
+                  </a:rPr>
+                  <a:t>As a use example, we can connect the </a:t>
+                </a:r>
+                <a:r>
+                  <a:rPr lang="en-US" sz="1400" noProof="0" dirty="0" err="1">
+                    <a:latin typeface="Arial" panose="020B0604020202020204" pitchFamily="34" charset="0"/>
+                    <a:cs typeface="Arial" panose="020B0604020202020204" pitchFamily="34" charset="0"/>
+                  </a:rPr>
+                  <a:t>Ampout</a:t>
+                </a:r>
+                <a:r>
+                  <a:rPr lang="en-US" sz="1400" noProof="0" dirty="0">
+                    <a:latin typeface="Arial" panose="020B0604020202020204" pitchFamily="34" charset="0"/>
+                    <a:cs typeface="Arial" panose="020B0604020202020204" pitchFamily="34" charset="0"/>
+                  </a:rPr>
+                  <a:t> to an Arduino Uno and plug a variable resistor at “R2” tag that can be modified in accordance with the graphite quantity of the sensor so that the Arduino analog input pin is never saturated. </a:t>
+                </a:r>
+              </a:p>
+              <a:p>
+                <a:endParaRPr lang="en-US" sz="1400" dirty="0">
+                  <a:latin typeface="Arial" panose="020B0604020202020204" pitchFamily="34" charset="0"/>
+                  <a:cs typeface="Arial" panose="020B0604020202020204" pitchFamily="34" charset="0"/>
+                </a:endParaRPr>
+              </a:p>
+              <a:p>
+                <a:r>
+                  <a:rPr lang="en-US" sz="1400" noProof="0" dirty="0">
+                    <a:latin typeface="Arial" panose="020B0604020202020204" pitchFamily="34" charset="0"/>
+                    <a:cs typeface="Arial" panose="020B0604020202020204" pitchFamily="34" charset="0"/>
+                  </a:rPr>
+                  <a:t>Finally, it is possible to know the value of the sensor’s resistance with the following formula: </a:t>
+                </a:r>
+                <a14:m>
+                  <m:oMath xmlns:m="http://schemas.openxmlformats.org/officeDocument/2006/math">
+                    <m:r>
+                      <a:rPr lang="fr-FR" sz="1400" b="0" i="1" noProof="0" smtClean="0">
+                        <a:latin typeface="Cambria Math" panose="02040503050406030204" pitchFamily="18" charset="0"/>
+                        <a:cs typeface="Arial" panose="020B0604020202020204" pitchFamily="34" charset="0"/>
+                      </a:rPr>
+                      <m:t>𝑅</m:t>
+                    </m:r>
+                    <m:sSub>
+                      <m:sSubPr>
+                        <m:ctrlPr>
+                          <a:rPr lang="fr-FR" sz="1400" b="0" i="1" noProof="0" smtClean="0">
+                            <a:latin typeface="Cambria Math" panose="02040503050406030204" pitchFamily="18" charset="0"/>
+                            <a:cs typeface="Arial" panose="020B0604020202020204" pitchFamily="34" charset="0"/>
+                          </a:rPr>
+                        </m:ctrlPr>
+                      </m:sSubPr>
+                      <m:e>
+                        <m:r>
+                          <a:rPr lang="fr-FR" sz="1400" b="0" i="1" noProof="0" smtClean="0">
+                            <a:latin typeface="Cambria Math" panose="02040503050406030204" pitchFamily="18" charset="0"/>
+                            <a:cs typeface="Arial" panose="020B0604020202020204" pitchFamily="34" charset="0"/>
+                          </a:rPr>
+                          <m:t>𝑅</m:t>
+                        </m:r>
+                      </m:e>
+                      <m:sub>
+                        <m:r>
+                          <a:rPr lang="fr-FR" sz="1400" b="0" i="1" noProof="0" smtClean="0">
+                            <a:latin typeface="Cambria Math" panose="02040503050406030204" pitchFamily="18" charset="0"/>
+                            <a:cs typeface="Arial" panose="020B0604020202020204" pitchFamily="34" charset="0"/>
+                          </a:rPr>
+                          <m:t>𝐺𝑇</m:t>
+                        </m:r>
+                        <m:r>
+                          <a:rPr lang="fr-FR" sz="1400" b="0" i="1" noProof="0" smtClean="0">
+                            <a:latin typeface="Cambria Math" panose="02040503050406030204" pitchFamily="18" charset="0"/>
+                            <a:cs typeface="Arial" panose="020B0604020202020204" pitchFamily="34" charset="0"/>
+                          </a:rPr>
+                          <m:t>−</m:t>
+                        </m:r>
+                        <m:r>
+                          <a:rPr lang="fr-FR" sz="1400" b="0" i="1" noProof="0" smtClean="0">
+                            <a:latin typeface="Cambria Math" panose="02040503050406030204" pitchFamily="18" charset="0"/>
+                            <a:cs typeface="Arial" panose="020B0604020202020204" pitchFamily="34" charset="0"/>
+                          </a:rPr>
+                          <m:t>𝐿𝐺𝑇</m:t>
+                        </m:r>
+                        <m:r>
+                          <a:rPr lang="fr-FR" sz="1400" b="0" i="1" noProof="0" smtClean="0">
+                            <a:latin typeface="Cambria Math" panose="02040503050406030204" pitchFamily="18" charset="0"/>
+                            <a:cs typeface="Arial" panose="020B0604020202020204" pitchFamily="34" charset="0"/>
+                          </a:rPr>
+                          <m:t>2803</m:t>
+                        </m:r>
+                      </m:sub>
+                    </m:sSub>
+                    <m:r>
+                      <a:rPr lang="fr-FR" sz="1400" b="0" i="1" noProof="0" smtClean="0">
+                        <a:latin typeface="Cambria Math" panose="02040503050406030204" pitchFamily="18" charset="0"/>
+                        <a:cs typeface="Arial" panose="020B0604020202020204" pitchFamily="34" charset="0"/>
+                      </a:rPr>
+                      <m:t>=</m:t>
+                    </m:r>
+                    <m:sSub>
+                      <m:sSubPr>
+                        <m:ctrlPr>
+                          <a:rPr lang="fr-FR" sz="1400" b="0" i="1" noProof="0" smtClean="0">
+                            <a:latin typeface="Cambria Math" panose="02040503050406030204" pitchFamily="18" charset="0"/>
+                            <a:cs typeface="Arial" panose="020B0604020202020204" pitchFamily="34" charset="0"/>
+                          </a:rPr>
+                        </m:ctrlPr>
+                      </m:sSubPr>
+                      <m:e>
+                        <m:r>
+                          <a:rPr lang="fr-FR" sz="1400" b="0" i="1" noProof="0" smtClean="0">
+                            <a:latin typeface="Cambria Math" panose="02040503050406030204" pitchFamily="18" charset="0"/>
+                            <a:cs typeface="Arial" panose="020B0604020202020204" pitchFamily="34" charset="0"/>
+                          </a:rPr>
+                          <m:t>𝑅</m:t>
+                        </m:r>
+                      </m:e>
+                      <m:sub>
+                        <m:r>
+                          <a:rPr lang="fr-FR" sz="1400" b="0" i="1" noProof="0" smtClean="0">
+                            <a:latin typeface="Cambria Math" panose="02040503050406030204" pitchFamily="18" charset="0"/>
+                            <a:cs typeface="Arial" panose="020B0604020202020204" pitchFamily="34" charset="0"/>
+                          </a:rPr>
+                          <m:t>1</m:t>
+                        </m:r>
+                      </m:sub>
+                    </m:sSub>
+                    <m:d>
+                      <m:dPr>
+                        <m:ctrlPr>
+                          <a:rPr lang="fr-FR" sz="1400" b="0" i="1" noProof="0" smtClean="0">
+                            <a:latin typeface="Cambria Math" panose="02040503050406030204" pitchFamily="18" charset="0"/>
+                            <a:cs typeface="Arial" panose="020B0604020202020204" pitchFamily="34" charset="0"/>
+                          </a:rPr>
+                        </m:ctrlPr>
+                      </m:dPr>
+                      <m:e>
+                        <m:r>
+                          <a:rPr lang="fr-FR" sz="1400" b="0" i="1" noProof="0" smtClean="0">
+                            <a:latin typeface="Cambria Math" panose="02040503050406030204" pitchFamily="18" charset="0"/>
+                            <a:cs typeface="Arial" panose="020B0604020202020204" pitchFamily="34" charset="0"/>
+                          </a:rPr>
+                          <m:t>1+</m:t>
+                        </m:r>
+                        <m:f>
+                          <m:fPr>
+                            <m:ctrlPr>
+                              <a:rPr lang="fr-FR" sz="1400" b="0" i="1" noProof="0" smtClean="0">
+                                <a:latin typeface="Cambria Math" panose="02040503050406030204" pitchFamily="18" charset="0"/>
+                                <a:cs typeface="Arial" panose="020B0604020202020204" pitchFamily="34" charset="0"/>
+                              </a:rPr>
+                            </m:ctrlPr>
+                          </m:fPr>
+                          <m:num>
+                            <m:sSub>
+                              <m:sSubPr>
+                                <m:ctrlPr>
+                                  <a:rPr lang="fr-FR" sz="1400" b="0" i="1" noProof="0" smtClean="0">
+                                    <a:latin typeface="Cambria Math" panose="02040503050406030204" pitchFamily="18" charset="0"/>
+                                    <a:cs typeface="Arial" panose="020B0604020202020204" pitchFamily="34" charset="0"/>
+                                  </a:rPr>
+                                </m:ctrlPr>
+                              </m:sSubPr>
+                              <m:e>
+                                <m:r>
+                                  <a:rPr lang="fr-FR" sz="1400" b="0" i="1" noProof="0" smtClean="0">
+                                    <a:latin typeface="Cambria Math" panose="02040503050406030204" pitchFamily="18" charset="0"/>
+                                    <a:cs typeface="Arial" panose="020B0604020202020204" pitchFamily="34" charset="0"/>
+                                  </a:rPr>
+                                  <m:t>𝑅</m:t>
+                                </m:r>
+                              </m:e>
+                              <m:sub>
+                                <m:r>
+                                  <a:rPr lang="fr-FR" sz="1400" b="0" i="1" noProof="0" smtClean="0">
+                                    <a:latin typeface="Cambria Math" panose="02040503050406030204" pitchFamily="18" charset="0"/>
+                                    <a:cs typeface="Arial" panose="020B0604020202020204" pitchFamily="34" charset="0"/>
+                                  </a:rPr>
+                                  <m:t>3</m:t>
+                                </m:r>
+                              </m:sub>
+                            </m:sSub>
+                          </m:num>
+                          <m:den>
+                            <m:sSub>
+                              <m:sSubPr>
+                                <m:ctrlPr>
+                                  <a:rPr lang="fr-FR" sz="1400" b="0" i="1" noProof="0" smtClean="0">
+                                    <a:latin typeface="Cambria Math" panose="02040503050406030204" pitchFamily="18" charset="0"/>
+                                    <a:cs typeface="Arial" panose="020B0604020202020204" pitchFamily="34" charset="0"/>
+                                  </a:rPr>
+                                </m:ctrlPr>
+                              </m:sSubPr>
+                              <m:e>
+                                <m:r>
+                                  <a:rPr lang="fr-FR" sz="1400" b="0" i="1" noProof="0" smtClean="0">
+                                    <a:latin typeface="Cambria Math" panose="02040503050406030204" pitchFamily="18" charset="0"/>
+                                    <a:cs typeface="Arial" panose="020B0604020202020204" pitchFamily="34" charset="0"/>
+                                  </a:rPr>
+                                  <m:t>𝑅</m:t>
+                                </m:r>
+                              </m:e>
+                              <m:sub>
+                                <m:r>
+                                  <a:rPr lang="fr-FR" sz="1400" b="0" i="1" noProof="0" smtClean="0">
+                                    <a:latin typeface="Cambria Math" panose="02040503050406030204" pitchFamily="18" charset="0"/>
+                                    <a:cs typeface="Arial" panose="020B0604020202020204" pitchFamily="34" charset="0"/>
+                                  </a:rPr>
+                                  <m:t>2</m:t>
+                                </m:r>
+                              </m:sub>
+                            </m:sSub>
+                          </m:den>
+                        </m:f>
+                      </m:e>
+                    </m:d>
+                    <m:f>
+                      <m:fPr>
+                        <m:ctrlPr>
+                          <a:rPr lang="fr-FR" sz="1400" b="0" i="1" noProof="0" smtClean="0">
+                            <a:latin typeface="Cambria Math" panose="02040503050406030204" pitchFamily="18" charset="0"/>
+                            <a:cs typeface="Arial" panose="020B0604020202020204" pitchFamily="34" charset="0"/>
+                          </a:rPr>
+                        </m:ctrlPr>
+                      </m:fPr>
+                      <m:num>
+                        <m:sSub>
+                          <m:sSubPr>
+                            <m:ctrlPr>
+                              <a:rPr lang="fr-FR" sz="1400" b="0" i="1" noProof="0" smtClean="0">
+                                <a:latin typeface="Cambria Math" panose="02040503050406030204" pitchFamily="18" charset="0"/>
+                                <a:cs typeface="Arial" panose="020B0604020202020204" pitchFamily="34" charset="0"/>
+                              </a:rPr>
+                            </m:ctrlPr>
+                          </m:sSubPr>
+                          <m:e>
+                            <m:r>
+                              <a:rPr lang="fr-FR" sz="1400" b="0" i="1" noProof="0" smtClean="0">
+                                <a:latin typeface="Cambria Math" panose="02040503050406030204" pitchFamily="18" charset="0"/>
+                                <a:cs typeface="Arial" panose="020B0604020202020204" pitchFamily="34" charset="0"/>
+                              </a:rPr>
+                              <m:t>𝑉</m:t>
+                            </m:r>
+                          </m:e>
+                          <m:sub>
+                            <m:r>
+                              <a:rPr lang="fr-FR" sz="1400" b="0" i="1" noProof="0" smtClean="0">
+                                <a:latin typeface="Cambria Math" panose="02040503050406030204" pitchFamily="18" charset="0"/>
+                                <a:cs typeface="Arial" panose="020B0604020202020204" pitchFamily="34" charset="0"/>
+                              </a:rPr>
+                              <m:t>𝑐𝑐</m:t>
+                            </m:r>
+                          </m:sub>
+                        </m:sSub>
+                      </m:num>
+                      <m:den>
+                        <m:sSub>
+                          <m:sSubPr>
+                            <m:ctrlPr>
+                              <a:rPr lang="fr-FR" sz="1400" b="0" i="1" noProof="0" smtClean="0">
+                                <a:latin typeface="Cambria Math" panose="02040503050406030204" pitchFamily="18" charset="0"/>
+                                <a:cs typeface="Arial" panose="020B0604020202020204" pitchFamily="34" charset="0"/>
+                              </a:rPr>
+                            </m:ctrlPr>
+                          </m:sSubPr>
+                          <m:e>
+                            <m:r>
+                              <a:rPr lang="fr-FR" sz="1400" b="0" i="1" noProof="0" smtClean="0">
+                                <a:latin typeface="Cambria Math" panose="02040503050406030204" pitchFamily="18" charset="0"/>
+                                <a:cs typeface="Arial" panose="020B0604020202020204" pitchFamily="34" charset="0"/>
+                              </a:rPr>
+                              <m:t>𝑉</m:t>
+                            </m:r>
+                          </m:e>
+                          <m:sub>
+                            <m:r>
+                              <a:rPr lang="fr-FR" sz="1400" b="0" i="1" noProof="0" smtClean="0">
+                                <a:latin typeface="Cambria Math" panose="02040503050406030204" pitchFamily="18" charset="0"/>
+                                <a:cs typeface="Arial" panose="020B0604020202020204" pitchFamily="34" charset="0"/>
+                              </a:rPr>
+                              <m:t>𝐴𝑚𝑝𝑜𝑢𝑡</m:t>
+                            </m:r>
+                          </m:sub>
+                        </m:sSub>
+                      </m:den>
+                    </m:f>
+                    <m:r>
+                      <a:rPr lang="fr-FR" sz="1400" b="0" i="1" noProof="0" smtClean="0">
+                        <a:latin typeface="Cambria Math" panose="02040503050406030204" pitchFamily="18" charset="0"/>
+                        <a:cs typeface="Arial" panose="020B0604020202020204" pitchFamily="34" charset="0"/>
+                      </a:rPr>
+                      <m:t>−</m:t>
+                    </m:r>
+                    <m:sSub>
+                      <m:sSubPr>
+                        <m:ctrlPr>
+                          <a:rPr lang="fr-FR" sz="1400" b="0" i="1" noProof="0" smtClean="0">
+                            <a:latin typeface="Cambria Math" panose="02040503050406030204" pitchFamily="18" charset="0"/>
+                            <a:cs typeface="Arial" panose="020B0604020202020204" pitchFamily="34" charset="0"/>
+                          </a:rPr>
+                        </m:ctrlPr>
+                      </m:sSubPr>
+                      <m:e>
+                        <m:r>
+                          <a:rPr lang="fr-FR" sz="1400" b="0" i="1" noProof="0" smtClean="0">
+                            <a:latin typeface="Cambria Math" panose="02040503050406030204" pitchFamily="18" charset="0"/>
+                            <a:cs typeface="Arial" panose="020B0604020202020204" pitchFamily="34" charset="0"/>
+                          </a:rPr>
+                          <m:t>𝑅</m:t>
+                        </m:r>
+                      </m:e>
+                      <m:sub>
+                        <m:r>
+                          <a:rPr lang="fr-FR" sz="1400" b="0" i="1" noProof="0" smtClean="0">
+                            <a:latin typeface="Cambria Math" panose="02040503050406030204" pitchFamily="18" charset="0"/>
+                            <a:cs typeface="Arial" panose="020B0604020202020204" pitchFamily="34" charset="0"/>
+                          </a:rPr>
+                          <m:t>1</m:t>
+                        </m:r>
+                      </m:sub>
+                    </m:sSub>
+                    <m:r>
+                      <a:rPr lang="fr-FR" sz="1400" b="0" i="1" noProof="0" smtClean="0">
+                        <a:latin typeface="Cambria Math" panose="02040503050406030204" pitchFamily="18" charset="0"/>
+                        <a:cs typeface="Arial" panose="020B0604020202020204" pitchFamily="34" charset="0"/>
+                      </a:rPr>
+                      <m:t>−</m:t>
+                    </m:r>
+                    <m:sSub>
+                      <m:sSubPr>
+                        <m:ctrlPr>
+                          <a:rPr lang="fr-FR" sz="1400" b="0" i="1" noProof="0" smtClean="0">
+                            <a:latin typeface="Cambria Math" panose="02040503050406030204" pitchFamily="18" charset="0"/>
+                            <a:cs typeface="Arial" panose="020B0604020202020204" pitchFamily="34" charset="0"/>
+                          </a:rPr>
+                        </m:ctrlPr>
+                      </m:sSubPr>
+                      <m:e>
+                        <m:r>
+                          <a:rPr lang="fr-FR" sz="1400" b="0" i="1" noProof="0" smtClean="0">
+                            <a:latin typeface="Cambria Math" panose="02040503050406030204" pitchFamily="18" charset="0"/>
+                            <a:cs typeface="Arial" panose="020B0604020202020204" pitchFamily="34" charset="0"/>
+                          </a:rPr>
+                          <m:t>𝑅</m:t>
+                        </m:r>
+                      </m:e>
+                      <m:sub>
+                        <m:r>
+                          <a:rPr lang="fr-FR" sz="1400" b="0" i="1" noProof="0" smtClean="0">
+                            <a:latin typeface="Cambria Math" panose="02040503050406030204" pitchFamily="18" charset="0"/>
+                            <a:cs typeface="Arial" panose="020B0604020202020204" pitchFamily="34" charset="0"/>
+                          </a:rPr>
+                          <m:t>6</m:t>
+                        </m:r>
+                      </m:sub>
+                    </m:sSub>
+                  </m:oMath>
+                </a14:m>
+                <a:endParaRPr lang="en-US" sz="1400" noProof="0" dirty="0">
+                  <a:latin typeface="Arial" panose="020B0604020202020204" pitchFamily="34" charset="0"/>
+                  <a:cs typeface="Arial" panose="020B0604020202020204" pitchFamily="34" charset="0"/>
+                </a:endParaRPr>
+              </a:p>
+            </p:txBody>
+          </p:sp>
+        </mc:Choice>
+        <mc:Fallback>
+          <p:sp>
+            <p:nvSpPr>
+              <p:cNvPr id="13" name="ZoneTexte 12">
+                <a:extLst>
+                  <a:ext uri="{FF2B5EF4-FFF2-40B4-BE49-F238E27FC236}">
+                    <a16:creationId xmlns:a16="http://schemas.microsoft.com/office/drawing/2014/main" id="{67C71F0A-70DE-B87C-7E2D-EF1061F36C38}"/>
+                  </a:ext>
+                </a:extLst>
+              </p:cNvPr>
+              <p:cNvSpPr txBox="1">
+                <a:spLocks noRot="1" noChangeAspect="1" noMove="1" noResize="1" noEditPoints="1" noAdjustHandles="1" noChangeArrowheads="1" noChangeShapeType="1" noTextEdit="1"/>
+              </p:cNvSpPr>
+              <p:nvPr/>
+            </p:nvSpPr>
+            <p:spPr>
+              <a:xfrm>
+                <a:off x="201251" y="4163402"/>
+                <a:ext cx="6218210" cy="3287375"/>
+              </a:xfrm>
+              <a:prstGeom prst="rect">
+                <a:avLst/>
+              </a:prstGeom>
+              <a:blipFill>
+                <a:blip r:embed="rId4"/>
+                <a:stretch>
+                  <a:fillRect l="-294" t="-371" r="-980"/>
+                </a:stretch>
+              </a:blipFill>
+            </p:spPr>
+            <p:txBody>
+              <a:bodyPr/>
+              <a:lstStyle/>
+              <a:p>
+                <a:r>
+                  <a:rPr lang="fr-FR">
+                    <a:noFill/>
+                  </a:rPr>
+                  <a:t> </a:t>
+                </a:r>
+              </a:p>
+            </p:txBody>
+          </p:sp>
+        </mc:Fallback>
+      </mc:AlternateContent>
     </p:spTree>
     <p:extLst>
       <p:ext uri="{BB962C8B-B14F-4D97-AF65-F5344CB8AC3E}">
@@ -7623,7 +7661,7 @@
           <a:bodyPr/>
           <a:lstStyle/>
           <a:p>
-            <a:endParaRPr lang="fr-FR"/>
+            <a:endParaRPr lang="en-US" noProof="0" dirty="0"/>
           </a:p>
         </p:txBody>
       </p:sp>
@@ -7648,7 +7686,7 @@
           <a:bodyPr/>
           <a:lstStyle/>
           <a:p>
-            <a:endParaRPr lang="fr-FR"/>
+            <a:endParaRPr lang="en-US" noProof="0" dirty="0"/>
           </a:p>
         </p:txBody>
       </p:sp>
@@ -7681,19 +7719,19 @@
           <a:lstStyle/>
           <a:p>
             <a:r>
-              <a:rPr lang="fr-FR" sz="1200" dirty="0">
+              <a:rPr lang="en-US" sz="1200" noProof="0" dirty="0">
                 <a:latin typeface="Abadi" panose="020B0604020104020204" pitchFamily="34" charset="0"/>
               </a:rPr>
               <a:t>HAMADI </a:t>
             </a:r>
             <a:r>
-              <a:rPr lang="fr-FR" sz="1200" dirty="0" err="1">
+              <a:rPr lang="en-US" sz="1200" noProof="0" dirty="0" err="1">
                 <a:latin typeface="Abadi" panose="020B0604020104020204" pitchFamily="34" charset="0"/>
               </a:rPr>
               <a:t>Maoulida</a:t>
             </a:r>
             <a:r>
-              <a:rPr lang="fr-FR" sz="1200" dirty="0">
+              <a:rPr lang="en-US" sz="1200" noProof="0" dirty="0">
                 <a:latin typeface="Abadi" panose="020B0604020104020204" pitchFamily="34" charset="0"/>
               </a:rPr>
               <a:t> - TARTERA Maëlys</a:t>
@@ -7767,7 +7805,7 @@
           <a:lstStyle/>
           <a:p>
             <a:r>
-              <a:rPr lang="fr-FR" dirty="0"/>
+              <a:rPr lang="en-US" noProof="0" dirty="0"/>
               <a:t>5</a:t>
             </a:r>
           </a:p>
@@ -7921,32 +7959,11 @@
           <a:lstStyle/>
           <a:p>
             <a:r>
-              <a:rPr lang="fr-FR" b="1" dirty="0">
+              <a:rPr lang="en-US" b="1" noProof="0" dirty="0">
                 <a:latin typeface="Abadi" panose="020B0604020104020204" pitchFamily="34" charset="0"/>
               </a:rPr>
-              <a:t>GT-LGT2803-Low Tech Graphite </a:t>
-            </a:r>
-            <a:r>
-              <a:rPr lang="fr-FR" b="1" dirty="0" err="1">
-                <a:latin typeface="Abadi" panose="020B0604020104020204" pitchFamily="34" charset="0"/>
-              </a:rPr>
-              <a:t>Strain</a:t>
-            </a:r>
-            <a:r>
-              <a:rPr lang="fr-FR" b="1" dirty="0">
-                <a:latin typeface="Abadi" panose="020B0604020104020204" pitchFamily="34" charset="0"/>
-              </a:rPr>
-              <a:t> </a:t>
-            </a:r>
-            <a:r>
-              <a:rPr lang="fr-FR" b="1" dirty="0" err="1">
-                <a:latin typeface="Abadi" panose="020B0604020104020204" pitchFamily="34" charset="0"/>
-              </a:rPr>
-              <a:t>Sensor</a:t>
-            </a:r>
-            <a:endParaRPr lang="fr-FR" b="1" dirty="0">
-              <a:latin typeface="Abadi" panose="020B0604020104020204" pitchFamily="34" charset="0"/>
-            </a:endParaRPr>
+              <a:t>GT-LGT2803-Low Tech Graphite Strain Sensor</a:t>
+            </a:r>
           </a:p>
         </p:txBody>
       </p:sp>

--- a/Datasheet/Datasheet_capteur_2025.pptx
+++ b/Datasheet/Datasheet_capteur_2025.pptx
@@ -247,7 +247,7 @@
           <a:p>
             <a:fld id="{E030C13D-1992-4B2B-B408-E2F8B4A6D092}" type="datetimeFigureOut">
               <a:rPr lang="fr-FR" smtClean="0"/>
-              <a:t>29/03/2025</a:t>
+              <a:t>11/04/2025</a:t>
             </a:fld>
             <a:endParaRPr lang="fr-FR"/>
           </a:p>
@@ -417,7 +417,7 @@
           <a:p>
             <a:fld id="{E030C13D-1992-4B2B-B408-E2F8B4A6D092}" type="datetimeFigureOut">
               <a:rPr lang="fr-FR" smtClean="0"/>
-              <a:t>29/03/2025</a:t>
+              <a:t>11/04/2025</a:t>
             </a:fld>
             <a:endParaRPr lang="fr-FR"/>
           </a:p>
@@ -597,7 +597,7 @@
           <a:p>
             <a:fld id="{E030C13D-1992-4B2B-B408-E2F8B4A6D092}" type="datetimeFigureOut">
               <a:rPr lang="fr-FR" smtClean="0"/>
-              <a:t>29/03/2025</a:t>
+              <a:t>11/04/2025</a:t>
             </a:fld>
             <a:endParaRPr lang="fr-FR"/>
           </a:p>
@@ -767,7 +767,7 @@
           <a:p>
             <a:fld id="{E030C13D-1992-4B2B-B408-E2F8B4A6D092}" type="datetimeFigureOut">
               <a:rPr lang="fr-FR" smtClean="0"/>
-              <a:t>29/03/2025</a:t>
+              <a:t>11/04/2025</a:t>
             </a:fld>
             <a:endParaRPr lang="fr-FR"/>
           </a:p>
@@ -1013,7 +1013,7 @@
           <a:p>
             <a:fld id="{E030C13D-1992-4B2B-B408-E2F8B4A6D092}" type="datetimeFigureOut">
               <a:rPr lang="fr-FR" smtClean="0"/>
-              <a:t>29/03/2025</a:t>
+              <a:t>11/04/2025</a:t>
             </a:fld>
             <a:endParaRPr lang="fr-FR"/>
           </a:p>
@@ -1245,7 +1245,7 @@
           <a:p>
             <a:fld id="{E030C13D-1992-4B2B-B408-E2F8B4A6D092}" type="datetimeFigureOut">
               <a:rPr lang="fr-FR" smtClean="0"/>
-              <a:t>29/03/2025</a:t>
+              <a:t>11/04/2025</a:t>
             </a:fld>
             <a:endParaRPr lang="fr-FR"/>
           </a:p>
@@ -1612,7 +1612,7 @@
           <a:p>
             <a:fld id="{E030C13D-1992-4B2B-B408-E2F8B4A6D092}" type="datetimeFigureOut">
               <a:rPr lang="fr-FR" smtClean="0"/>
-              <a:t>29/03/2025</a:t>
+              <a:t>11/04/2025</a:t>
             </a:fld>
             <a:endParaRPr lang="fr-FR"/>
           </a:p>
@@ -1730,7 +1730,7 @@
           <a:p>
             <a:fld id="{E030C13D-1992-4B2B-B408-E2F8B4A6D092}" type="datetimeFigureOut">
               <a:rPr lang="fr-FR" smtClean="0"/>
-              <a:t>29/03/2025</a:t>
+              <a:t>11/04/2025</a:t>
             </a:fld>
             <a:endParaRPr lang="fr-FR"/>
           </a:p>
@@ -1825,7 +1825,7 @@
           <a:p>
             <a:fld id="{E030C13D-1992-4B2B-B408-E2F8B4A6D092}" type="datetimeFigureOut">
               <a:rPr lang="fr-FR" smtClean="0"/>
-              <a:t>29/03/2025</a:t>
+              <a:t>11/04/2025</a:t>
             </a:fld>
             <a:endParaRPr lang="fr-FR"/>
           </a:p>
@@ -2102,7 +2102,7 @@
           <a:p>
             <a:fld id="{E030C13D-1992-4B2B-B408-E2F8B4A6D092}" type="datetimeFigureOut">
               <a:rPr lang="fr-FR" smtClean="0"/>
-              <a:t>29/03/2025</a:t>
+              <a:t>11/04/2025</a:t>
             </a:fld>
             <a:endParaRPr lang="fr-FR"/>
           </a:p>
@@ -2359,7 +2359,7 @@
           <a:p>
             <a:fld id="{E030C13D-1992-4B2B-B408-E2F8B4A6D092}" type="datetimeFigureOut">
               <a:rPr lang="fr-FR" smtClean="0"/>
-              <a:t>29/03/2025</a:t>
+              <a:t>11/04/2025</a:t>
             </a:fld>
             <a:endParaRPr lang="fr-FR"/>
           </a:p>
@@ -2572,7 +2572,7 @@
           <a:p>
             <a:fld id="{E030C13D-1992-4B2B-B408-E2F8B4A6D092}" type="datetimeFigureOut">
               <a:rPr lang="fr-FR" smtClean="0"/>
-              <a:t>29/03/2025</a:t>
+              <a:t>11/04/2025</a:t>
             </a:fld>
             <a:endParaRPr lang="fr-FR"/>
           </a:p>
@@ -3578,6 +3578,53 @@
           </a:p>
         </p:txBody>
       </p:sp>
+      <p:pic>
+        <p:nvPicPr>
+          <p:cNvPr id="2" name="Picture 2" descr="No description available.">
+            <a:extLst>
+              <a:ext uri="{FF2B5EF4-FFF2-40B4-BE49-F238E27FC236}">
+                <a16:creationId xmlns:a16="http://schemas.microsoft.com/office/drawing/2014/main" id="{40886D57-88FC-1CFD-DC9E-5E0679C170AA}"/>
+              </a:ext>
+            </a:extLst>
+          </p:cNvPr>
+          <p:cNvPicPr>
+            <a:picLocks noChangeAspect="1" noChangeArrowheads="1"/>
+          </p:cNvPicPr>
+          <p:nvPr/>
+        </p:nvPicPr>
+        <p:blipFill>
+          <a:blip r:embed="rId3">
+            <a:extLst>
+              <a:ext uri="{28A0092B-C50C-407E-A947-70E740481C1C}">
+                <a14:useLocalDpi xmlns:a14="http://schemas.microsoft.com/office/drawing/2010/main" val="0"/>
+              </a:ext>
+            </a:extLst>
+          </a:blip>
+          <a:srcRect/>
+          <a:stretch>
+            <a:fillRect/>
+          </a:stretch>
+        </p:blipFill>
+        <p:spPr bwMode="auto">
+          <a:xfrm>
+            <a:off x="4414192" y="2208200"/>
+            <a:ext cx="1872308" cy="1872308"/>
+          </a:xfrm>
+          <a:prstGeom prst="rect">
+            <a:avLst/>
+          </a:prstGeom>
+          <a:noFill/>
+          <a:extLst>
+            <a:ext uri="{909E8E84-426E-40DD-AFC4-6F175D3DCCD1}">
+              <a14:hiddenFill xmlns:a14="http://schemas.microsoft.com/office/drawing/2010/main">
+                <a:solidFill>
+                  <a:srgbClr val="FFFFFF"/>
+                </a:solidFill>
+              </a14:hiddenFill>
+            </a:ext>
+          </a:extLst>
+        </p:spPr>
+      </p:pic>
     </p:spTree>
     <p:extLst>
       <p:ext uri="{BB962C8B-B14F-4D97-AF65-F5344CB8AC3E}">
@@ -7124,8 +7171,8 @@
           </a:prstGeom>
         </p:spPr>
       </p:pic>
-      <mc:AlternateContent xmlns:mc="http://schemas.openxmlformats.org/markup-compatibility/2006">
-        <mc:Choice xmlns:a14="http://schemas.microsoft.com/office/drawing/2010/main" Requires="a14">
+      <mc:AlternateContent xmlns:mc="http://schemas.openxmlformats.org/markup-compatibility/2006" xmlns:a14="http://schemas.microsoft.com/office/drawing/2010/main">
+        <mc:Choice Requires="a14">
           <p:sp>
             <p:nvSpPr>
               <p:cNvPr id="13" name="ZoneTexte 12">
@@ -7565,7 +7612,7 @@
             </p:txBody>
           </p:sp>
         </mc:Choice>
-        <mc:Fallback>
+        <mc:Fallback xmlns="">
           <p:sp>
             <p:nvSpPr>
               <p:cNvPr id="13" name="ZoneTexte 12">

--- a/Datasheet/Datasheet_capteur_2025.pptx
+++ b/Datasheet/Datasheet_capteur_2025.pptx
@@ -247,7 +247,7 @@
           <a:p>
             <a:fld id="{E030C13D-1992-4B2B-B408-E2F8B4A6D092}" type="datetimeFigureOut">
               <a:rPr lang="fr-FR" smtClean="0"/>
-              <a:t>11/04/2025</a:t>
+              <a:t>19/05/2025</a:t>
             </a:fld>
             <a:endParaRPr lang="fr-FR"/>
           </a:p>
@@ -417,7 +417,7 @@
           <a:p>
             <a:fld id="{E030C13D-1992-4B2B-B408-E2F8B4A6D092}" type="datetimeFigureOut">
               <a:rPr lang="fr-FR" smtClean="0"/>
-              <a:t>11/04/2025</a:t>
+              <a:t>19/05/2025</a:t>
             </a:fld>
             <a:endParaRPr lang="fr-FR"/>
           </a:p>
@@ -597,7 +597,7 @@
           <a:p>
             <a:fld id="{E030C13D-1992-4B2B-B408-E2F8B4A6D092}" type="datetimeFigureOut">
               <a:rPr lang="fr-FR" smtClean="0"/>
-              <a:t>11/04/2025</a:t>
+              <a:t>19/05/2025</a:t>
             </a:fld>
             <a:endParaRPr lang="fr-FR"/>
           </a:p>
@@ -767,7 +767,7 @@
           <a:p>
             <a:fld id="{E030C13D-1992-4B2B-B408-E2F8B4A6D092}" type="datetimeFigureOut">
               <a:rPr lang="fr-FR" smtClean="0"/>
-              <a:t>11/04/2025</a:t>
+              <a:t>19/05/2025</a:t>
             </a:fld>
             <a:endParaRPr lang="fr-FR"/>
           </a:p>
@@ -1013,7 +1013,7 @@
           <a:p>
             <a:fld id="{E030C13D-1992-4B2B-B408-E2F8B4A6D092}" type="datetimeFigureOut">
               <a:rPr lang="fr-FR" smtClean="0"/>
-              <a:t>11/04/2025</a:t>
+              <a:t>19/05/2025</a:t>
             </a:fld>
             <a:endParaRPr lang="fr-FR"/>
           </a:p>
@@ -1245,7 +1245,7 @@
           <a:p>
             <a:fld id="{E030C13D-1992-4B2B-B408-E2F8B4A6D092}" type="datetimeFigureOut">
               <a:rPr lang="fr-FR" smtClean="0"/>
-              <a:t>11/04/2025</a:t>
+              <a:t>19/05/2025</a:t>
             </a:fld>
             <a:endParaRPr lang="fr-FR"/>
           </a:p>
@@ -1612,7 +1612,7 @@
           <a:p>
             <a:fld id="{E030C13D-1992-4B2B-B408-E2F8B4A6D092}" type="datetimeFigureOut">
               <a:rPr lang="fr-FR" smtClean="0"/>
-              <a:t>11/04/2025</a:t>
+              <a:t>19/05/2025</a:t>
             </a:fld>
             <a:endParaRPr lang="fr-FR"/>
           </a:p>
@@ -1730,7 +1730,7 @@
           <a:p>
             <a:fld id="{E030C13D-1992-4B2B-B408-E2F8B4A6D092}" type="datetimeFigureOut">
               <a:rPr lang="fr-FR" smtClean="0"/>
-              <a:t>11/04/2025</a:t>
+              <a:t>19/05/2025</a:t>
             </a:fld>
             <a:endParaRPr lang="fr-FR"/>
           </a:p>
@@ -1825,7 +1825,7 @@
           <a:p>
             <a:fld id="{E030C13D-1992-4B2B-B408-E2F8B4A6D092}" type="datetimeFigureOut">
               <a:rPr lang="fr-FR" smtClean="0"/>
-              <a:t>11/04/2025</a:t>
+              <a:t>19/05/2025</a:t>
             </a:fld>
             <a:endParaRPr lang="fr-FR"/>
           </a:p>
@@ -2102,7 +2102,7 @@
           <a:p>
             <a:fld id="{E030C13D-1992-4B2B-B408-E2F8B4A6D092}" type="datetimeFigureOut">
               <a:rPr lang="fr-FR" smtClean="0"/>
-              <a:t>11/04/2025</a:t>
+              <a:t>19/05/2025</a:t>
             </a:fld>
             <a:endParaRPr lang="fr-FR"/>
           </a:p>
@@ -2359,7 +2359,7 @@
           <a:p>
             <a:fld id="{E030C13D-1992-4B2B-B408-E2F8B4A6D092}" type="datetimeFigureOut">
               <a:rPr lang="fr-FR" smtClean="0"/>
-              <a:t>11/04/2025</a:t>
+              <a:t>19/05/2025</a:t>
             </a:fld>
             <a:endParaRPr lang="fr-FR"/>
           </a:p>
@@ -2572,7 +2572,7 @@
           <a:p>
             <a:fld id="{E030C13D-1992-4B2B-B408-E2F8B4A6D092}" type="datetimeFigureOut">
               <a:rPr lang="fr-FR" smtClean="0"/>
-              <a:t>11/04/2025</a:t>
+              <a:t>19/05/2025</a:t>
             </a:fld>
             <a:endParaRPr lang="fr-FR"/>
           </a:p>

--- a/Datasheet/Datasheet_capteur_2025.pptx
+++ b/Datasheet/Datasheet_capteur_2025.pptx
@@ -4,12 +4,14 @@
   <p:sldMasterIdLst>
     <p:sldMasterId id="2147483660" r:id="rId1"/>
   </p:sldMasterIdLst>
+  <p:notesMasterIdLst>
+    <p:notesMasterId r:id="rId6"/>
+  </p:notesMasterIdLst>
   <p:sldIdLst>
     <p:sldId id="256" r:id="rId2"/>
     <p:sldId id="257" r:id="rId3"/>
     <p:sldId id="258" r:id="rId4"/>
     <p:sldId id="259" r:id="rId5"/>
-    <p:sldId id="260" r:id="rId6"/>
   </p:sldIdLst>
   <p:sldSz cx="6858000" cy="9906000" type="A4"/>
   <p:notesSz cx="6858000" cy="9144000"/>
@@ -114,6 +116,439 @@
     </p:ext>
   </p:extLst>
 </p:presentation>
+</file>
+
+<file path=ppt/notesMasters/notesMaster1.xml><?xml version="1.0" encoding="utf-8"?>
+<p:notesMaster xmlns:a="http://schemas.openxmlformats.org/drawingml/2006/main" xmlns:r="http://schemas.openxmlformats.org/officeDocument/2006/relationships" xmlns:p="http://schemas.openxmlformats.org/presentationml/2006/main">
+  <p:cSld>
+    <p:bg>
+      <p:bgRef idx="1001">
+        <a:schemeClr val="bg1"/>
+      </p:bgRef>
+    </p:bg>
+    <p:spTree>
+      <p:nvGrpSpPr>
+        <p:cNvPr id="1" name=""/>
+        <p:cNvGrpSpPr/>
+        <p:nvPr/>
+      </p:nvGrpSpPr>
+      <p:grpSpPr>
+        <a:xfrm>
+          <a:off x="0" y="0"/>
+          <a:ext cx="0" cy="0"/>
+          <a:chOff x="0" y="0"/>
+          <a:chExt cx="0" cy="0"/>
+        </a:xfrm>
+      </p:grpSpPr>
+      <p:sp>
+        <p:nvSpPr>
+          <p:cNvPr id="2" name="Espace réservé de l'en-tête 1"/>
+          <p:cNvSpPr>
+            <a:spLocks noGrp="1"/>
+          </p:cNvSpPr>
+          <p:nvPr>
+            <p:ph type="hdr" sz="quarter"/>
+          </p:nvPr>
+        </p:nvSpPr>
+        <p:spPr>
+          <a:xfrm>
+            <a:off x="0" y="0"/>
+            <a:ext cx="2971800" cy="458788"/>
+          </a:xfrm>
+          <a:prstGeom prst="rect">
+            <a:avLst/>
+          </a:prstGeom>
+        </p:spPr>
+        <p:txBody>
+          <a:bodyPr vert="horz" lIns="91440" tIns="45720" rIns="91440" bIns="45720" rtlCol="0"/>
+          <a:lstStyle>
+            <a:lvl1pPr algn="l">
+              <a:defRPr sz="1200"/>
+            </a:lvl1pPr>
+          </a:lstStyle>
+          <a:p>
+            <a:endParaRPr lang="fr-FR"/>
+          </a:p>
+        </p:txBody>
+      </p:sp>
+      <p:sp>
+        <p:nvSpPr>
+          <p:cNvPr id="3" name="Espace réservé de la date 2"/>
+          <p:cNvSpPr>
+            <a:spLocks noGrp="1"/>
+          </p:cNvSpPr>
+          <p:nvPr>
+            <p:ph type="dt" idx="1"/>
+          </p:nvPr>
+        </p:nvSpPr>
+        <p:spPr>
+          <a:xfrm>
+            <a:off x="3884613" y="0"/>
+            <a:ext cx="2971800" cy="458788"/>
+          </a:xfrm>
+          <a:prstGeom prst="rect">
+            <a:avLst/>
+          </a:prstGeom>
+        </p:spPr>
+        <p:txBody>
+          <a:bodyPr vert="horz" lIns="91440" tIns="45720" rIns="91440" bIns="45720" rtlCol="0"/>
+          <a:lstStyle>
+            <a:lvl1pPr algn="r">
+              <a:defRPr sz="1200"/>
+            </a:lvl1pPr>
+          </a:lstStyle>
+          <a:p>
+            <a:fld id="{C1D843DA-A392-4B16-AD22-4E5E3E7ED1AC}" type="datetimeFigureOut">
+              <a:rPr lang="fr-FR" smtClean="0"/>
+              <a:t>19/05/2025</a:t>
+            </a:fld>
+            <a:endParaRPr lang="fr-FR"/>
+          </a:p>
+        </p:txBody>
+      </p:sp>
+      <p:sp>
+        <p:nvSpPr>
+          <p:cNvPr id="4" name="Espace réservé de l'image des diapositives 3"/>
+          <p:cNvSpPr>
+            <a:spLocks noGrp="1" noRot="1" noChangeAspect="1"/>
+          </p:cNvSpPr>
+          <p:nvPr>
+            <p:ph type="sldImg" idx="2"/>
+          </p:nvPr>
+        </p:nvSpPr>
+        <p:spPr>
+          <a:xfrm>
+            <a:off x="2360613" y="1143000"/>
+            <a:ext cx="2136775" cy="3086100"/>
+          </a:xfrm>
+          <a:prstGeom prst="rect">
+            <a:avLst/>
+          </a:prstGeom>
+          <a:noFill/>
+          <a:ln w="12700">
+            <a:solidFill>
+              <a:prstClr val="black"/>
+            </a:solidFill>
+          </a:ln>
+        </p:spPr>
+        <p:txBody>
+          <a:bodyPr vert="horz" lIns="91440" tIns="45720" rIns="91440" bIns="45720" rtlCol="0" anchor="ctr"/>
+          <a:lstStyle/>
+          <a:p>
+            <a:endParaRPr lang="fr-FR"/>
+          </a:p>
+        </p:txBody>
+      </p:sp>
+      <p:sp>
+        <p:nvSpPr>
+          <p:cNvPr id="5" name="Espace réservé des notes 4"/>
+          <p:cNvSpPr>
+            <a:spLocks noGrp="1"/>
+          </p:cNvSpPr>
+          <p:nvPr>
+            <p:ph type="body" sz="quarter" idx="3"/>
+          </p:nvPr>
+        </p:nvSpPr>
+        <p:spPr>
+          <a:xfrm>
+            <a:off x="685800" y="4400550"/>
+            <a:ext cx="5486400" cy="3600450"/>
+          </a:xfrm>
+          <a:prstGeom prst="rect">
+            <a:avLst/>
+          </a:prstGeom>
+        </p:spPr>
+        <p:txBody>
+          <a:bodyPr vert="horz" lIns="91440" tIns="45720" rIns="91440" bIns="45720" rtlCol="0"/>
+          <a:lstStyle/>
+          <a:p>
+            <a:pPr lvl="0"/>
+            <a:r>
+              <a:rPr lang="fr-FR"/>
+              <a:t>Cliquez pour modifier les styles du texte du masque</a:t>
+            </a:r>
+          </a:p>
+          <a:p>
+            <a:pPr lvl="1"/>
+            <a:r>
+              <a:rPr lang="fr-FR"/>
+              <a:t>Deuxième niveau</a:t>
+            </a:r>
+          </a:p>
+          <a:p>
+            <a:pPr lvl="2"/>
+            <a:r>
+              <a:rPr lang="fr-FR"/>
+              <a:t>Troisième niveau</a:t>
+            </a:r>
+          </a:p>
+          <a:p>
+            <a:pPr lvl="3"/>
+            <a:r>
+              <a:rPr lang="fr-FR"/>
+              <a:t>Quatrième niveau</a:t>
+            </a:r>
+          </a:p>
+          <a:p>
+            <a:pPr lvl="4"/>
+            <a:r>
+              <a:rPr lang="fr-FR"/>
+              <a:t>Cinquième niveau</a:t>
+            </a:r>
+          </a:p>
+        </p:txBody>
+      </p:sp>
+      <p:sp>
+        <p:nvSpPr>
+          <p:cNvPr id="6" name="Espace réservé du pied de page 5"/>
+          <p:cNvSpPr>
+            <a:spLocks noGrp="1"/>
+          </p:cNvSpPr>
+          <p:nvPr>
+            <p:ph type="ftr" sz="quarter" idx="4"/>
+          </p:nvPr>
+        </p:nvSpPr>
+        <p:spPr>
+          <a:xfrm>
+            <a:off x="0" y="8685213"/>
+            <a:ext cx="2971800" cy="458787"/>
+          </a:xfrm>
+          <a:prstGeom prst="rect">
+            <a:avLst/>
+          </a:prstGeom>
+        </p:spPr>
+        <p:txBody>
+          <a:bodyPr vert="horz" lIns="91440" tIns="45720" rIns="91440" bIns="45720" rtlCol="0" anchor="b"/>
+          <a:lstStyle>
+            <a:lvl1pPr algn="l">
+              <a:defRPr sz="1200"/>
+            </a:lvl1pPr>
+          </a:lstStyle>
+          <a:p>
+            <a:endParaRPr lang="fr-FR"/>
+          </a:p>
+        </p:txBody>
+      </p:sp>
+      <p:sp>
+        <p:nvSpPr>
+          <p:cNvPr id="7" name="Espace réservé du numéro de diapositive 6"/>
+          <p:cNvSpPr>
+            <a:spLocks noGrp="1"/>
+          </p:cNvSpPr>
+          <p:nvPr>
+            <p:ph type="sldNum" sz="quarter" idx="5"/>
+          </p:nvPr>
+        </p:nvSpPr>
+        <p:spPr>
+          <a:xfrm>
+            <a:off x="3884613" y="8685213"/>
+            <a:ext cx="2971800" cy="458787"/>
+          </a:xfrm>
+          <a:prstGeom prst="rect">
+            <a:avLst/>
+          </a:prstGeom>
+        </p:spPr>
+        <p:txBody>
+          <a:bodyPr vert="horz" lIns="91440" tIns="45720" rIns="91440" bIns="45720" rtlCol="0" anchor="b"/>
+          <a:lstStyle>
+            <a:lvl1pPr algn="r">
+              <a:defRPr sz="1200"/>
+            </a:lvl1pPr>
+          </a:lstStyle>
+          <a:p>
+            <a:fld id="{1995E90A-10EC-4DBB-AA7C-E59E7D28A157}" type="slidenum">
+              <a:rPr lang="fr-FR" smtClean="0"/>
+              <a:t>‹N°›</a:t>
+            </a:fld>
+            <a:endParaRPr lang="fr-FR"/>
+          </a:p>
+        </p:txBody>
+      </p:sp>
+    </p:spTree>
+    <p:extLst>
+      <p:ext uri="{BB962C8B-B14F-4D97-AF65-F5344CB8AC3E}">
+        <p14:creationId xmlns:p14="http://schemas.microsoft.com/office/powerpoint/2010/main" val="2496254807"/>
+      </p:ext>
+    </p:extLst>
+  </p:cSld>
+  <p:clrMap bg1="lt1" tx1="dk1" bg2="lt2" tx2="dk2" accent1="accent1" accent2="accent2" accent3="accent3" accent4="accent4" accent5="accent5" accent6="accent6" hlink="hlink" folHlink="folHlink"/>
+  <p:notesStyle>
+    <a:lvl1pPr marL="0" algn="l" defTabSz="914400" rtl="0" eaLnBrk="1" latinLnBrk="0" hangingPunct="1">
+      <a:defRPr sz="1200" kern="1200">
+        <a:solidFill>
+          <a:schemeClr val="tx1"/>
+        </a:solidFill>
+        <a:latin typeface="+mn-lt"/>
+        <a:ea typeface="+mn-ea"/>
+        <a:cs typeface="+mn-cs"/>
+      </a:defRPr>
+    </a:lvl1pPr>
+    <a:lvl2pPr marL="457200" algn="l" defTabSz="914400" rtl="0" eaLnBrk="1" latinLnBrk="0" hangingPunct="1">
+      <a:defRPr sz="1200" kern="1200">
+        <a:solidFill>
+          <a:schemeClr val="tx1"/>
+        </a:solidFill>
+        <a:latin typeface="+mn-lt"/>
+        <a:ea typeface="+mn-ea"/>
+        <a:cs typeface="+mn-cs"/>
+      </a:defRPr>
+    </a:lvl2pPr>
+    <a:lvl3pPr marL="914400" algn="l" defTabSz="914400" rtl="0" eaLnBrk="1" latinLnBrk="0" hangingPunct="1">
+      <a:defRPr sz="1200" kern="1200">
+        <a:solidFill>
+          <a:schemeClr val="tx1"/>
+        </a:solidFill>
+        <a:latin typeface="+mn-lt"/>
+        <a:ea typeface="+mn-ea"/>
+        <a:cs typeface="+mn-cs"/>
+      </a:defRPr>
+    </a:lvl3pPr>
+    <a:lvl4pPr marL="1371600" algn="l" defTabSz="914400" rtl="0" eaLnBrk="1" latinLnBrk="0" hangingPunct="1">
+      <a:defRPr sz="1200" kern="1200">
+        <a:solidFill>
+          <a:schemeClr val="tx1"/>
+        </a:solidFill>
+        <a:latin typeface="+mn-lt"/>
+        <a:ea typeface="+mn-ea"/>
+        <a:cs typeface="+mn-cs"/>
+      </a:defRPr>
+    </a:lvl4pPr>
+    <a:lvl5pPr marL="1828800" algn="l" defTabSz="914400" rtl="0" eaLnBrk="1" latinLnBrk="0" hangingPunct="1">
+      <a:defRPr sz="1200" kern="1200">
+        <a:solidFill>
+          <a:schemeClr val="tx1"/>
+        </a:solidFill>
+        <a:latin typeface="+mn-lt"/>
+        <a:ea typeface="+mn-ea"/>
+        <a:cs typeface="+mn-cs"/>
+      </a:defRPr>
+    </a:lvl5pPr>
+    <a:lvl6pPr marL="2286000" algn="l" defTabSz="914400" rtl="0" eaLnBrk="1" latinLnBrk="0" hangingPunct="1">
+      <a:defRPr sz="1200" kern="1200">
+        <a:solidFill>
+          <a:schemeClr val="tx1"/>
+        </a:solidFill>
+        <a:latin typeface="+mn-lt"/>
+        <a:ea typeface="+mn-ea"/>
+        <a:cs typeface="+mn-cs"/>
+      </a:defRPr>
+    </a:lvl6pPr>
+    <a:lvl7pPr marL="2743200" algn="l" defTabSz="914400" rtl="0" eaLnBrk="1" latinLnBrk="0" hangingPunct="1">
+      <a:defRPr sz="1200" kern="1200">
+        <a:solidFill>
+          <a:schemeClr val="tx1"/>
+        </a:solidFill>
+        <a:latin typeface="+mn-lt"/>
+        <a:ea typeface="+mn-ea"/>
+        <a:cs typeface="+mn-cs"/>
+      </a:defRPr>
+    </a:lvl7pPr>
+    <a:lvl8pPr marL="3200400" algn="l" defTabSz="914400" rtl="0" eaLnBrk="1" latinLnBrk="0" hangingPunct="1">
+      <a:defRPr sz="1200" kern="1200">
+        <a:solidFill>
+          <a:schemeClr val="tx1"/>
+        </a:solidFill>
+        <a:latin typeface="+mn-lt"/>
+        <a:ea typeface="+mn-ea"/>
+        <a:cs typeface="+mn-cs"/>
+      </a:defRPr>
+    </a:lvl8pPr>
+    <a:lvl9pPr marL="3657600" algn="l" defTabSz="914400" rtl="0" eaLnBrk="1" latinLnBrk="0" hangingPunct="1">
+      <a:defRPr sz="1200" kern="1200">
+        <a:solidFill>
+          <a:schemeClr val="tx1"/>
+        </a:solidFill>
+        <a:latin typeface="+mn-lt"/>
+        <a:ea typeface="+mn-ea"/>
+        <a:cs typeface="+mn-cs"/>
+      </a:defRPr>
+    </a:lvl9pPr>
+  </p:notesStyle>
+</p:notesMaster>
+</file>
+
+<file path=ppt/notesSlides/notesSlide1.xml><?xml version="1.0" encoding="utf-8"?>
+<p:notes xmlns:a="http://schemas.openxmlformats.org/drawingml/2006/main" xmlns:r="http://schemas.openxmlformats.org/officeDocument/2006/relationships" xmlns:p="http://schemas.openxmlformats.org/presentationml/2006/main">
+  <p:cSld>
+    <p:spTree>
+      <p:nvGrpSpPr>
+        <p:cNvPr id="1" name=""/>
+        <p:cNvGrpSpPr/>
+        <p:nvPr/>
+      </p:nvGrpSpPr>
+      <p:grpSpPr>
+        <a:xfrm>
+          <a:off x="0" y="0"/>
+          <a:ext cx="0" cy="0"/>
+          <a:chOff x="0" y="0"/>
+          <a:chExt cx="0" cy="0"/>
+        </a:xfrm>
+      </p:grpSpPr>
+      <p:sp>
+        <p:nvSpPr>
+          <p:cNvPr id="2" name="Espace réservé de l'image des diapositives 1"/>
+          <p:cNvSpPr>
+            <a:spLocks noGrp="1" noRot="1" noChangeAspect="1"/>
+          </p:cNvSpPr>
+          <p:nvPr>
+            <p:ph type="sldImg"/>
+          </p:nvPr>
+        </p:nvSpPr>
+        <p:spPr/>
+      </p:sp>
+      <p:sp>
+        <p:nvSpPr>
+          <p:cNvPr id="3" name="Espace réservé des notes 2"/>
+          <p:cNvSpPr>
+            <a:spLocks noGrp="1"/>
+          </p:cNvSpPr>
+          <p:nvPr>
+            <p:ph type="body" idx="1"/>
+          </p:nvPr>
+        </p:nvSpPr>
+        <p:spPr/>
+        <p:txBody>
+          <a:bodyPr/>
+          <a:lstStyle/>
+          <a:p>
+            <a:endParaRPr lang="fr-FR" dirty="0"/>
+          </a:p>
+        </p:txBody>
+      </p:sp>
+      <p:sp>
+        <p:nvSpPr>
+          <p:cNvPr id="4" name="Espace réservé du numéro de diapositive 3"/>
+          <p:cNvSpPr>
+            <a:spLocks noGrp="1"/>
+          </p:cNvSpPr>
+          <p:nvPr>
+            <p:ph type="sldNum" sz="quarter" idx="5"/>
+          </p:nvPr>
+        </p:nvSpPr>
+        <p:spPr/>
+        <p:txBody>
+          <a:bodyPr/>
+          <a:lstStyle/>
+          <a:p>
+            <a:fld id="{1995E90A-10EC-4DBB-AA7C-E59E7D28A157}" type="slidenum">
+              <a:rPr lang="fr-FR" smtClean="0"/>
+              <a:t>3</a:t>
+            </a:fld>
+            <a:endParaRPr lang="fr-FR"/>
+          </a:p>
+        </p:txBody>
+      </p:sp>
+    </p:spTree>
+    <p:extLst>
+      <p:ext uri="{BB962C8B-B14F-4D97-AF65-F5344CB8AC3E}">
+        <p14:creationId xmlns:p14="http://schemas.microsoft.com/office/powerpoint/2010/main" val="1702865140"/>
+      </p:ext>
+    </p:extLst>
+  </p:cSld>
+  <p:clrMapOvr>
+    <a:masterClrMapping/>
+  </p:clrMapOvr>
+</p:notes>
 </file>
 
 <file path=ppt/slideLayouts/slideLayout1.xml><?xml version="1.0" encoding="utf-8"?>
@@ -6311,6 +6746,69 @@
           </a:graphicData>
         </a:graphic>
       </p:graphicFrame>
+      <p:sp>
+        <p:nvSpPr>
+          <p:cNvPr id="2" name="ZoneTexte 1">
+            <a:extLst>
+              <a:ext uri="{FF2B5EF4-FFF2-40B4-BE49-F238E27FC236}">
+                <a16:creationId xmlns:a16="http://schemas.microsoft.com/office/drawing/2014/main" id="{C6C196FB-01C7-A8C4-203D-52EC911FD723}"/>
+              </a:ext>
+            </a:extLst>
+          </p:cNvPr>
+          <p:cNvSpPr txBox="1"/>
+          <p:nvPr/>
+        </p:nvSpPr>
+        <p:spPr>
+          <a:xfrm>
+            <a:off x="344001" y="2523306"/>
+            <a:ext cx="3140149" cy="230832"/>
+          </a:xfrm>
+          <a:prstGeom prst="rect">
+            <a:avLst/>
+          </a:prstGeom>
+          <a:noFill/>
+        </p:spPr>
+        <p:txBody>
+          <a:bodyPr wrap="square" rtlCol="0">
+            <a:spAutoFit/>
+          </a:bodyPr>
+          <a:lstStyle/>
+          <a:p>
+            <a:r>
+              <a:rPr lang="fr-FR" sz="900" i="1" dirty="0" err="1"/>
+              <a:t>Fig</a:t>
+            </a:r>
+            <a:r>
+              <a:rPr lang="fr-FR" sz="900" i="1" dirty="0"/>
+              <a:t> 1 : Top </a:t>
+            </a:r>
+            <a:r>
+              <a:rPr lang="fr-FR" sz="900" i="1" dirty="0" err="1"/>
+              <a:t>View</a:t>
+            </a:r>
+            <a:r>
+              <a:rPr lang="fr-FR" sz="900" i="1" dirty="0"/>
+              <a:t> of the </a:t>
+            </a:r>
+            <a:r>
+              <a:rPr lang="fr-FR" sz="900" i="1" dirty="0" err="1"/>
+              <a:t>sensor</a:t>
+            </a:r>
+            <a:r>
+              <a:rPr lang="fr-FR" sz="900" i="1" dirty="0"/>
+              <a:t> with </a:t>
+            </a:r>
+            <a:r>
+              <a:rPr lang="fr-FR" sz="900" i="1" dirty="0" err="1"/>
+              <a:t>its</a:t>
+            </a:r>
+            <a:r>
+              <a:rPr lang="fr-FR" sz="900" i="1" dirty="0"/>
+              <a:t> dimension in mm</a:t>
+            </a:r>
+          </a:p>
+        </p:txBody>
+      </p:sp>
     </p:spTree>
     <p:extLst>
       <p:ext uri="{BB962C8B-B14F-4D97-AF65-F5344CB8AC3E}">
@@ -6476,7 +6974,7 @@
         </p:nvSpPr>
         <p:spPr>
           <a:xfrm>
-            <a:off x="125896" y="2926304"/>
+            <a:off x="125896" y="4261972"/>
             <a:ext cx="3693629" cy="369332"/>
           </a:xfrm>
           <a:prstGeom prst="rect">
@@ -6594,7 +7092,7 @@
           <p:nvPr/>
         </p:nvPicPr>
         <p:blipFill rotWithShape="1">
-          <a:blip r:embed="rId2">
+          <a:blip r:embed="rId3">
             <a:extLst>
               <a:ext uri="{28A0092B-C50C-407E-A947-70E740481C1C}">
                 <a14:useLocalDpi xmlns:a14="http://schemas.microsoft.com/office/drawing/2010/main" val="0"/>
@@ -6675,7 +7173,7 @@
         </p:nvSpPr>
         <p:spPr>
           <a:xfrm>
-            <a:off x="159233" y="1698263"/>
+            <a:off x="6858000" y="1315317"/>
             <a:ext cx="5761040" cy="646331"/>
           </a:xfrm>
           <a:prstGeom prst="rect">
@@ -6696,12 +7194,57 @@
           </a:p>
         </p:txBody>
       </p:sp>
+      <p:pic>
+        <p:nvPicPr>
+          <p:cNvPr id="1026" name="Picture 2" descr="var_R/RO_crayons">
+            <a:extLst>
+              <a:ext uri="{FF2B5EF4-FFF2-40B4-BE49-F238E27FC236}">
+                <a16:creationId xmlns:a16="http://schemas.microsoft.com/office/drawing/2014/main" id="{425D0CA8-FB5B-A774-EF68-3649DC975538}"/>
+              </a:ext>
+            </a:extLst>
+          </p:cNvPr>
+          <p:cNvPicPr>
+            <a:picLocks noChangeAspect="1" noChangeArrowheads="1"/>
+          </p:cNvPicPr>
+          <p:nvPr/>
+        </p:nvPicPr>
+        <p:blipFill rotWithShape="1">
+          <a:blip r:embed="rId4">
+            <a:extLst>
+              <a:ext uri="{28A0092B-C50C-407E-A947-70E740481C1C}">
+                <a14:useLocalDpi xmlns:a14="http://schemas.microsoft.com/office/drawing/2010/main" val="0"/>
+              </a:ext>
+            </a:extLst>
+          </a:blip>
+          <a:srcRect t="10486"/>
+          <a:stretch/>
+        </p:blipFill>
+        <p:spPr bwMode="auto">
+          <a:xfrm>
+            <a:off x="605873" y="5061094"/>
+            <a:ext cx="5505450" cy="4143769"/>
+          </a:xfrm>
+          <a:prstGeom prst="rect">
+            <a:avLst/>
+          </a:prstGeom>
+          <a:noFill/>
+          <a:extLst>
+            <a:ext uri="{909E8E84-426E-40DD-AFC4-6F175D3DCCD1}">
+              <a14:hiddenFill xmlns:a14="http://schemas.microsoft.com/office/drawing/2010/main">
+                <a:solidFill>
+                  <a:srgbClr val="FFFFFF"/>
+                </a:solidFill>
+              </a14:hiddenFill>
+            </a:ext>
+          </a:extLst>
+        </p:spPr>
+      </p:pic>
       <p:sp>
         <p:nvSpPr>
-          <p:cNvPr id="21" name="ZoneTexte 20">
+          <p:cNvPr id="2" name="ZoneTexte 1">
             <a:extLst>
               <a:ext uri="{FF2B5EF4-FFF2-40B4-BE49-F238E27FC236}">
-                <a16:creationId xmlns:a16="http://schemas.microsoft.com/office/drawing/2014/main" id="{1F091296-1DF4-AB2A-06F2-975A135F539E}"/>
+                <a16:creationId xmlns:a16="http://schemas.microsoft.com/office/drawing/2014/main" id="{669829C4-C25A-131E-1484-0985C15C0FDB}"/>
               </a:ext>
             </a:extLst>
           </p:cNvPr>
@@ -6710,8 +7253,8 @@
         </p:nvSpPr>
         <p:spPr>
           <a:xfrm>
-            <a:off x="265353" y="4429373"/>
-            <a:ext cx="5761040" cy="646331"/>
+            <a:off x="159232" y="4615211"/>
+            <a:ext cx="6572871" cy="523220"/>
           </a:xfrm>
           <a:prstGeom prst="rect">
             <a:avLst/>
@@ -6725,72 +7268,4494 @@
           <a:lstStyle/>
           <a:p>
             <a:r>
-              <a:rPr lang="en-US" noProof="0" dirty="0" err="1"/>
-              <a:t>Courbes</a:t>
-            </a:r>
-            <a:r>
-              <a:rPr lang="en-US" noProof="0" dirty="0"/>
-              <a:t> de </a:t>
-            </a:r>
-            <a:r>
-              <a:rPr lang="en-US" noProof="0" dirty="0" err="1"/>
-              <a:t>deltaR</a:t>
-            </a:r>
-            <a:r>
-              <a:rPr lang="en-US" noProof="0" dirty="0"/>
-              <a:t>/R0 </a:t>
-            </a:r>
-            <a:r>
-              <a:rPr lang="en-US" noProof="0" dirty="0" err="1"/>
-              <a:t>en</a:t>
-            </a:r>
-            <a:r>
-              <a:rPr lang="en-US" noProof="0" dirty="0"/>
-              <a:t> </a:t>
-            </a:r>
-            <a:r>
-              <a:rPr lang="en-US" noProof="0" dirty="0" err="1"/>
-              <a:t>fonction</a:t>
-            </a:r>
-            <a:r>
-              <a:rPr lang="en-US" noProof="0" dirty="0"/>
-              <a:t> de la deformation </a:t>
-            </a:r>
-            <a:r>
-              <a:rPr lang="en-US" noProof="0" dirty="0" err="1"/>
-              <a:t>soit</a:t>
-            </a:r>
-            <a:r>
-              <a:rPr lang="en-US" noProof="0" dirty="0"/>
-              <a:t> </a:t>
-            </a:r>
-            <a:r>
-              <a:rPr lang="en-US" noProof="0" dirty="0" err="1"/>
-              <a:t>en</a:t>
-            </a:r>
-            <a:r>
-              <a:rPr lang="en-US" noProof="0" dirty="0"/>
-              <a:t> % </a:t>
-            </a:r>
-            <a:r>
-              <a:rPr lang="en-US" noProof="0" dirty="0" err="1"/>
-              <a:t>soit</a:t>
-            </a:r>
-            <a:r>
-              <a:rPr lang="en-US" noProof="0" dirty="0"/>
-              <a:t> </a:t>
-            </a:r>
-            <a:r>
-              <a:rPr lang="en-US" noProof="0" dirty="0" err="1"/>
-              <a:t>en</a:t>
-            </a:r>
-            <a:r>
-              <a:rPr lang="en-US" noProof="0" dirty="0"/>
-              <a:t> cm</a:t>
-            </a:r>
+              <a:rPr lang="en-US" sz="1400" noProof="0" dirty="0"/>
+              <a:t>The deformation is considered positive when we apply a tensile </a:t>
+            </a:r>
+            <a:r>
+              <a:rPr lang="en-US" sz="1400" dirty="0"/>
+              <a:t>strain and is negative when we compress the sensor </a:t>
+            </a:r>
+            <a:endParaRPr lang="en-US" sz="1400" noProof="0" dirty="0"/>
           </a:p>
         </p:txBody>
       </p:sp>
+      <p:sp>
+        <p:nvSpPr>
+          <p:cNvPr id="3" name="ZoneTexte 2">
+            <a:extLst>
+              <a:ext uri="{FF2B5EF4-FFF2-40B4-BE49-F238E27FC236}">
+                <a16:creationId xmlns:a16="http://schemas.microsoft.com/office/drawing/2014/main" id="{0AB150DD-B2C0-CE1D-1F2C-27C58D384DAD}"/>
+              </a:ext>
+            </a:extLst>
+          </p:cNvPr>
+          <p:cNvSpPr txBox="1"/>
+          <p:nvPr/>
+        </p:nvSpPr>
+        <p:spPr>
+          <a:xfrm>
+            <a:off x="506375" y="9039761"/>
+            <a:ext cx="5989675" cy="369332"/>
+          </a:xfrm>
+          <a:prstGeom prst="rect">
+            <a:avLst/>
+          </a:prstGeom>
+          <a:noFill/>
+        </p:spPr>
+        <p:txBody>
+          <a:bodyPr wrap="square" rtlCol="0">
+            <a:spAutoFit/>
+          </a:bodyPr>
+          <a:lstStyle/>
+          <a:p>
+            <a:pPr algn="ctr"/>
+            <a:r>
+              <a:rPr lang="fr-FR" sz="900" i="1" dirty="0" err="1"/>
+              <a:t>Fig</a:t>
+            </a:r>
+            <a:r>
+              <a:rPr lang="fr-FR" sz="900" i="1" dirty="0"/>
+              <a:t> 2 : Evolution of the variation of </a:t>
+            </a:r>
+            <a:r>
+              <a:rPr lang="fr-FR" sz="900" i="1" dirty="0" err="1"/>
+              <a:t>resistance</a:t>
+            </a:r>
+            <a:r>
+              <a:rPr lang="fr-FR" sz="900" i="1" dirty="0"/>
+              <a:t> </a:t>
+            </a:r>
+            <a:r>
+              <a:rPr lang="fr-FR" sz="900" i="1" dirty="0" err="1"/>
+              <a:t>depending</a:t>
+            </a:r>
+            <a:r>
+              <a:rPr lang="fr-FR" sz="900" i="1" dirty="0"/>
+              <a:t> on the </a:t>
+            </a:r>
+            <a:r>
+              <a:rPr lang="fr-FR" sz="900" i="1" dirty="0" err="1"/>
+              <a:t>deformation</a:t>
+            </a:r>
+            <a:r>
+              <a:rPr lang="fr-FR" sz="900" i="1" dirty="0"/>
+              <a:t> </a:t>
+            </a:r>
+            <a:r>
+              <a:rPr lang="fr-FR" sz="900" i="1" dirty="0" err="1"/>
+              <a:t>applied</a:t>
+            </a:r>
+            <a:r>
+              <a:rPr lang="fr-FR" sz="900" i="1" dirty="0"/>
+              <a:t> on the </a:t>
+            </a:r>
+            <a:r>
+              <a:rPr lang="fr-FR" sz="900" i="1" dirty="0" err="1"/>
+              <a:t>sensor</a:t>
+            </a:r>
+            <a:r>
+              <a:rPr lang="fr-FR" sz="900" i="1" dirty="0"/>
+              <a:t> (positive </a:t>
+            </a:r>
+            <a:r>
+              <a:rPr lang="fr-FR" sz="900" i="1" dirty="0" err="1"/>
+              <a:t>deformation</a:t>
+            </a:r>
+            <a:r>
+              <a:rPr lang="fr-FR" sz="900" i="1" dirty="0"/>
+              <a:t>=</a:t>
+            </a:r>
+            <a:r>
+              <a:rPr lang="fr-FR" sz="900" i="1" dirty="0" err="1"/>
+              <a:t>tensile</a:t>
+            </a:r>
+            <a:r>
+              <a:rPr lang="fr-FR" sz="900" i="1" dirty="0"/>
+              <a:t> </a:t>
+            </a:r>
+            <a:r>
+              <a:rPr lang="fr-FR" sz="900" i="1" dirty="0" err="1"/>
+              <a:t>strain</a:t>
+            </a:r>
+            <a:r>
+              <a:rPr lang="fr-FR" sz="900" i="1" dirty="0"/>
+              <a:t> &amp; </a:t>
+            </a:r>
+            <a:r>
+              <a:rPr lang="fr-FR" sz="900" i="1" dirty="0" err="1"/>
+              <a:t>negative</a:t>
+            </a:r>
+            <a:r>
+              <a:rPr lang="fr-FR" sz="900" i="1" dirty="0"/>
+              <a:t> </a:t>
+            </a:r>
+            <a:r>
+              <a:rPr lang="fr-FR" sz="900" i="1" dirty="0" err="1"/>
+              <a:t>strain</a:t>
+            </a:r>
+            <a:r>
+              <a:rPr lang="fr-FR" sz="900" i="1" dirty="0"/>
+              <a:t>=compressive </a:t>
+            </a:r>
+            <a:r>
+              <a:rPr lang="fr-FR" sz="900" i="1" dirty="0" err="1"/>
+              <a:t>strain</a:t>
+            </a:r>
+            <a:r>
+              <a:rPr lang="fr-FR" sz="900" i="1" dirty="0"/>
+              <a:t>  </a:t>
+            </a:r>
+          </a:p>
+        </p:txBody>
+      </p:sp>
+      <mc:AlternateContent xmlns:mc="http://schemas.openxmlformats.org/markup-compatibility/2006">
+        <mc:Choice xmlns:a14="http://schemas.microsoft.com/office/drawing/2010/main" Requires="a14">
+          <p:graphicFrame>
+            <p:nvGraphicFramePr>
+              <p:cNvPr id="8" name="Tableau 7">
+                <a:extLst>
+                  <a:ext uri="{FF2B5EF4-FFF2-40B4-BE49-F238E27FC236}">
+                    <a16:creationId xmlns:a16="http://schemas.microsoft.com/office/drawing/2014/main" id="{131A21CE-61F2-5379-065E-E3BDA619ED94}"/>
+                  </a:ext>
+                </a:extLst>
+              </p:cNvPr>
+              <p:cNvGraphicFramePr>
+                <a:graphicFrameLocks noGrp="1"/>
+              </p:cNvGraphicFramePr>
+              <p:nvPr>
+                <p:extLst>
+                  <p:ext uri="{D42A27DB-BD31-4B8C-83A1-F6EECF244321}">
+                    <p14:modId xmlns:p14="http://schemas.microsoft.com/office/powerpoint/2010/main" val="1338352436"/>
+                  </p:ext>
+                </p:extLst>
+              </p:nvPr>
+            </p:nvGraphicFramePr>
+            <p:xfrm>
+              <a:off x="221146" y="1224464"/>
+              <a:ext cx="6274905" cy="3001350"/>
+            </p:xfrm>
+            <a:graphic>
+              <a:graphicData uri="http://schemas.openxmlformats.org/drawingml/2006/table">
+                <a:tbl>
+                  <a:tblPr firstRow="1" bandRow="1">
+                    <a:tableStyleId>{5C22544A-7EE6-4342-B048-85BDC9FD1C3A}</a:tableStyleId>
+                  </a:tblPr>
+                  <a:tblGrid>
+                    <a:gridCol w="1254981">
+                      <a:extLst>
+                        <a:ext uri="{9D8B030D-6E8A-4147-A177-3AD203B41FA5}">
+                          <a16:colId xmlns:a16="http://schemas.microsoft.com/office/drawing/2014/main" val="1949546367"/>
+                        </a:ext>
+                      </a:extLst>
+                    </a:gridCol>
+                    <a:gridCol w="1254981">
+                      <a:extLst>
+                        <a:ext uri="{9D8B030D-6E8A-4147-A177-3AD203B41FA5}">
+                          <a16:colId xmlns:a16="http://schemas.microsoft.com/office/drawing/2014/main" val="3719545154"/>
+                        </a:ext>
+                      </a:extLst>
+                    </a:gridCol>
+                    <a:gridCol w="1254981">
+                      <a:extLst>
+                        <a:ext uri="{9D8B030D-6E8A-4147-A177-3AD203B41FA5}">
+                          <a16:colId xmlns:a16="http://schemas.microsoft.com/office/drawing/2014/main" val="1759106968"/>
+                        </a:ext>
+                      </a:extLst>
+                    </a:gridCol>
+                    <a:gridCol w="1254981">
+                      <a:extLst>
+                        <a:ext uri="{9D8B030D-6E8A-4147-A177-3AD203B41FA5}">
+                          <a16:colId xmlns:a16="http://schemas.microsoft.com/office/drawing/2014/main" val="3489547189"/>
+                        </a:ext>
+                      </a:extLst>
+                    </a:gridCol>
+                    <a:gridCol w="1254981">
+                      <a:extLst>
+                        <a:ext uri="{9D8B030D-6E8A-4147-A177-3AD203B41FA5}">
+                          <a16:colId xmlns:a16="http://schemas.microsoft.com/office/drawing/2014/main" val="3825498471"/>
+                        </a:ext>
+                      </a:extLst>
+                    </a:gridCol>
+                  </a:tblGrid>
+                  <a:tr h="416405">
+                    <a:tc>
+                      <a:txBody>
+                        <a:bodyPr/>
+                        <a:lstStyle/>
+                        <a:p>
+                          <a:pPr algn="ctr"/>
+                          <a:r>
+                            <a:rPr lang="fr-FR" dirty="0" err="1">
+                              <a:solidFill>
+                                <a:schemeClr val="bg1"/>
+                              </a:solidFill>
+                            </a:rPr>
+                            <a:t>Parameter</a:t>
+                          </a:r>
+                          <a:endParaRPr lang="fr-FR" dirty="0">
+                            <a:solidFill>
+                              <a:schemeClr val="bg1"/>
+                            </a:solidFill>
+                          </a:endParaRPr>
+                        </a:p>
+                      </a:txBody>
+                      <a:tcPr>
+                        <a:lnL w="12700" cap="flat" cmpd="sng" algn="ctr">
+                          <a:solidFill>
+                            <a:schemeClr val="tx1"/>
+                          </a:solidFill>
+                          <a:prstDash val="solid"/>
+                          <a:round/>
+                          <a:headEnd type="none" w="med" len="med"/>
+                          <a:tailEnd type="none" w="med" len="med"/>
+                        </a:lnL>
+                        <a:lnR w="12700" cap="flat" cmpd="sng" algn="ctr">
+                          <a:solidFill>
+                            <a:schemeClr val="tx1"/>
+                          </a:solidFill>
+                          <a:prstDash val="solid"/>
+                          <a:round/>
+                          <a:headEnd type="none" w="med" len="med"/>
+                          <a:tailEnd type="none" w="med" len="med"/>
+                        </a:lnR>
+                        <a:lnT w="12700" cap="flat" cmpd="sng" algn="ctr">
+                          <a:solidFill>
+                            <a:schemeClr val="tx1"/>
+                          </a:solidFill>
+                          <a:prstDash val="solid"/>
+                          <a:round/>
+                          <a:headEnd type="none" w="med" len="med"/>
+                          <a:tailEnd type="none" w="med" len="med"/>
+                        </a:lnT>
+                        <a:lnB w="12700" cap="flat" cmpd="sng" algn="ctr">
+                          <a:solidFill>
+                            <a:schemeClr val="tx1"/>
+                          </a:solidFill>
+                          <a:prstDash val="solid"/>
+                          <a:round/>
+                          <a:headEnd type="none" w="med" len="med"/>
+                          <a:tailEnd type="none" w="med" len="med"/>
+                        </a:lnB>
+                        <a:solidFill>
+                          <a:schemeClr val="bg2">
+                            <a:lumMod val="50000"/>
+                          </a:schemeClr>
+                        </a:solidFill>
+                      </a:tcPr>
+                    </a:tc>
+                    <a:tc>
+                      <a:txBody>
+                        <a:bodyPr/>
+                        <a:lstStyle/>
+                        <a:p>
+                          <a:pPr algn="ctr"/>
+                          <a:r>
+                            <a:rPr lang="fr-FR" dirty="0"/>
+                            <a:t>Unit</a:t>
+                          </a:r>
+                        </a:p>
+                      </a:txBody>
+                      <a:tcPr>
+                        <a:lnL w="12700" cap="flat" cmpd="sng" algn="ctr">
+                          <a:solidFill>
+                            <a:schemeClr val="tx1"/>
+                          </a:solidFill>
+                          <a:prstDash val="solid"/>
+                          <a:round/>
+                          <a:headEnd type="none" w="med" len="med"/>
+                          <a:tailEnd type="none" w="med" len="med"/>
+                        </a:lnL>
+                        <a:lnR w="12700" cap="flat" cmpd="sng" algn="ctr">
+                          <a:solidFill>
+                            <a:schemeClr val="tx1"/>
+                          </a:solidFill>
+                          <a:prstDash val="solid"/>
+                          <a:round/>
+                          <a:headEnd type="none" w="med" len="med"/>
+                          <a:tailEnd type="none" w="med" len="med"/>
+                        </a:lnR>
+                        <a:lnT w="12700" cap="flat" cmpd="sng" algn="ctr">
+                          <a:solidFill>
+                            <a:schemeClr val="tx1"/>
+                          </a:solidFill>
+                          <a:prstDash val="solid"/>
+                          <a:round/>
+                          <a:headEnd type="none" w="med" len="med"/>
+                          <a:tailEnd type="none" w="med" len="med"/>
+                        </a:lnT>
+                        <a:lnB w="12700" cap="flat" cmpd="sng" algn="ctr">
+                          <a:solidFill>
+                            <a:schemeClr val="tx1"/>
+                          </a:solidFill>
+                          <a:prstDash val="solid"/>
+                          <a:round/>
+                          <a:headEnd type="none" w="med" len="med"/>
+                          <a:tailEnd type="none" w="med" len="med"/>
+                        </a:lnB>
+                        <a:solidFill>
+                          <a:schemeClr val="bg2">
+                            <a:lumMod val="50000"/>
+                          </a:schemeClr>
+                        </a:solidFill>
+                      </a:tcPr>
+                    </a:tc>
+                    <a:tc>
+                      <a:txBody>
+                        <a:bodyPr/>
+                        <a:lstStyle/>
+                        <a:p>
+                          <a:pPr algn="ctr"/>
+                          <a:r>
+                            <a:rPr lang="fr-FR" dirty="0"/>
+                            <a:t>Min-Value</a:t>
+                          </a:r>
+                        </a:p>
+                      </a:txBody>
+                      <a:tcPr>
+                        <a:lnL w="12700" cap="flat" cmpd="sng" algn="ctr">
+                          <a:solidFill>
+                            <a:schemeClr val="tx1"/>
+                          </a:solidFill>
+                          <a:prstDash val="solid"/>
+                          <a:round/>
+                          <a:headEnd type="none" w="med" len="med"/>
+                          <a:tailEnd type="none" w="med" len="med"/>
+                        </a:lnL>
+                        <a:lnR w="12700" cap="flat" cmpd="sng" algn="ctr">
+                          <a:solidFill>
+                            <a:schemeClr val="tx1"/>
+                          </a:solidFill>
+                          <a:prstDash val="solid"/>
+                          <a:round/>
+                          <a:headEnd type="none" w="med" len="med"/>
+                          <a:tailEnd type="none" w="med" len="med"/>
+                        </a:lnR>
+                        <a:lnT w="12700" cap="flat" cmpd="sng" algn="ctr">
+                          <a:solidFill>
+                            <a:schemeClr val="tx1"/>
+                          </a:solidFill>
+                          <a:prstDash val="solid"/>
+                          <a:round/>
+                          <a:headEnd type="none" w="med" len="med"/>
+                          <a:tailEnd type="none" w="med" len="med"/>
+                        </a:lnT>
+                        <a:lnB w="12700" cap="flat" cmpd="sng" algn="ctr">
+                          <a:solidFill>
+                            <a:schemeClr val="tx1"/>
+                          </a:solidFill>
+                          <a:prstDash val="solid"/>
+                          <a:round/>
+                          <a:headEnd type="none" w="med" len="med"/>
+                          <a:tailEnd type="none" w="med" len="med"/>
+                        </a:lnB>
+                        <a:solidFill>
+                          <a:schemeClr val="bg2">
+                            <a:lumMod val="50000"/>
+                          </a:schemeClr>
+                        </a:solidFill>
+                      </a:tcPr>
+                    </a:tc>
+                    <a:tc>
+                      <a:txBody>
+                        <a:bodyPr/>
+                        <a:lstStyle/>
+                        <a:p>
+                          <a:pPr marL="0" marR="0" lvl="0" indent="0" algn="ctr" defTabSz="685800" rtl="0" eaLnBrk="1" fontAlgn="auto" latinLnBrk="0" hangingPunct="1">
+                            <a:lnSpc>
+                              <a:spcPct val="100000"/>
+                            </a:lnSpc>
+                            <a:spcBef>
+                              <a:spcPts val="0"/>
+                            </a:spcBef>
+                            <a:spcAft>
+                              <a:spcPts val="0"/>
+                            </a:spcAft>
+                            <a:buClrTx/>
+                            <a:buSzTx/>
+                            <a:buFontTx/>
+                            <a:buNone/>
+                            <a:tabLst/>
+                            <a:defRPr/>
+                          </a:pPr>
+                          <a:r>
+                            <a:rPr lang="fr-FR" dirty="0" err="1"/>
+                            <a:t>Typical</a:t>
+                          </a:r>
+                          <a:r>
+                            <a:rPr lang="fr-FR" dirty="0"/>
+                            <a:t>-Value</a:t>
+                          </a:r>
+                        </a:p>
+                        <a:p>
+                          <a:endParaRPr lang="fr-FR" dirty="0"/>
+                        </a:p>
+                      </a:txBody>
+                      <a:tcPr>
+                        <a:lnL w="12700" cap="flat" cmpd="sng" algn="ctr">
+                          <a:solidFill>
+                            <a:schemeClr val="tx1"/>
+                          </a:solidFill>
+                          <a:prstDash val="solid"/>
+                          <a:round/>
+                          <a:headEnd type="none" w="med" len="med"/>
+                          <a:tailEnd type="none" w="med" len="med"/>
+                        </a:lnL>
+                        <a:lnR w="12700" cap="flat" cmpd="sng" algn="ctr">
+                          <a:solidFill>
+                            <a:schemeClr val="tx1"/>
+                          </a:solidFill>
+                          <a:prstDash val="solid"/>
+                          <a:round/>
+                          <a:headEnd type="none" w="med" len="med"/>
+                          <a:tailEnd type="none" w="med" len="med"/>
+                        </a:lnR>
+                        <a:lnT w="12700" cap="flat" cmpd="sng" algn="ctr">
+                          <a:solidFill>
+                            <a:schemeClr val="tx1"/>
+                          </a:solidFill>
+                          <a:prstDash val="solid"/>
+                          <a:round/>
+                          <a:headEnd type="none" w="med" len="med"/>
+                          <a:tailEnd type="none" w="med" len="med"/>
+                        </a:lnT>
+                        <a:lnB w="12700" cap="flat" cmpd="sng" algn="ctr">
+                          <a:solidFill>
+                            <a:schemeClr val="tx1"/>
+                          </a:solidFill>
+                          <a:prstDash val="solid"/>
+                          <a:round/>
+                          <a:headEnd type="none" w="med" len="med"/>
+                          <a:tailEnd type="none" w="med" len="med"/>
+                        </a:lnB>
+                        <a:solidFill>
+                          <a:schemeClr val="bg2">
+                            <a:lumMod val="50000"/>
+                          </a:schemeClr>
+                        </a:solidFill>
+                      </a:tcPr>
+                    </a:tc>
+                    <a:tc>
+                      <a:txBody>
+                        <a:bodyPr/>
+                        <a:lstStyle/>
+                        <a:p>
+                          <a:pPr marL="0" marR="0" lvl="0" indent="0" algn="ctr" defTabSz="685800" rtl="0" eaLnBrk="1" fontAlgn="auto" latinLnBrk="0" hangingPunct="1">
+                            <a:lnSpc>
+                              <a:spcPct val="100000"/>
+                            </a:lnSpc>
+                            <a:spcBef>
+                              <a:spcPts val="0"/>
+                            </a:spcBef>
+                            <a:spcAft>
+                              <a:spcPts val="0"/>
+                            </a:spcAft>
+                            <a:buClrTx/>
+                            <a:buSzTx/>
+                            <a:buFontTx/>
+                            <a:buNone/>
+                            <a:tabLst/>
+                            <a:defRPr/>
+                          </a:pPr>
+                          <a:r>
+                            <a:rPr lang="fr-FR" dirty="0"/>
+                            <a:t>Max-Value</a:t>
+                          </a:r>
+                        </a:p>
+                        <a:p>
+                          <a:pPr algn="ctr"/>
+                          <a:endParaRPr lang="fr-FR" dirty="0"/>
+                        </a:p>
+                      </a:txBody>
+                      <a:tcPr>
+                        <a:lnL w="12700" cap="flat" cmpd="sng" algn="ctr">
+                          <a:solidFill>
+                            <a:schemeClr val="tx1"/>
+                          </a:solidFill>
+                          <a:prstDash val="solid"/>
+                          <a:round/>
+                          <a:headEnd type="none" w="med" len="med"/>
+                          <a:tailEnd type="none" w="med" len="med"/>
+                        </a:lnL>
+                        <a:lnR w="12700" cap="flat" cmpd="sng" algn="ctr">
+                          <a:solidFill>
+                            <a:schemeClr val="tx1"/>
+                          </a:solidFill>
+                          <a:prstDash val="solid"/>
+                          <a:round/>
+                          <a:headEnd type="none" w="med" len="med"/>
+                          <a:tailEnd type="none" w="med" len="med"/>
+                        </a:lnR>
+                        <a:lnT w="12700" cap="flat" cmpd="sng" algn="ctr">
+                          <a:solidFill>
+                            <a:schemeClr val="tx1"/>
+                          </a:solidFill>
+                          <a:prstDash val="solid"/>
+                          <a:round/>
+                          <a:headEnd type="none" w="med" len="med"/>
+                          <a:tailEnd type="none" w="med" len="med"/>
+                        </a:lnT>
+                        <a:lnB w="12700" cap="flat" cmpd="sng" algn="ctr">
+                          <a:solidFill>
+                            <a:schemeClr val="tx1"/>
+                          </a:solidFill>
+                          <a:prstDash val="solid"/>
+                          <a:round/>
+                          <a:headEnd type="none" w="med" len="med"/>
+                          <a:tailEnd type="none" w="med" len="med"/>
+                        </a:lnB>
+                        <a:solidFill>
+                          <a:schemeClr val="bg2">
+                            <a:lumMod val="50000"/>
+                          </a:schemeClr>
+                        </a:solidFill>
+                      </a:tcPr>
+                    </a:tc>
+                    <a:extLst>
+                      <a:ext uri="{0D108BD9-81ED-4DB2-BD59-A6C34878D82A}">
+                        <a16:rowId xmlns:a16="http://schemas.microsoft.com/office/drawing/2014/main" val="3894504523"/>
+                      </a:ext>
+                    </a:extLst>
+                  </a:tr>
+                  <a:tr h="416405">
+                    <a:tc>
+                      <a:txBody>
+                        <a:bodyPr/>
+                        <a:lstStyle/>
+                        <a:p>
+                          <a:pPr algn="ctr"/>
+                          <a:r>
+                            <a:rPr lang="fr-FR" dirty="0"/>
+                            <a:t>Power </a:t>
+                          </a:r>
+                          <a:r>
+                            <a:rPr lang="fr-FR" dirty="0" err="1"/>
+                            <a:t>supply</a:t>
+                          </a:r>
+                          <a:endParaRPr lang="fr-FR" dirty="0"/>
+                        </a:p>
+                      </a:txBody>
+                      <a:tcPr>
+                        <a:lnL w="12700" cap="flat" cmpd="sng" algn="ctr">
+                          <a:solidFill>
+                            <a:schemeClr val="tx1"/>
+                          </a:solidFill>
+                          <a:prstDash val="solid"/>
+                          <a:round/>
+                          <a:headEnd type="none" w="med" len="med"/>
+                          <a:tailEnd type="none" w="med" len="med"/>
+                        </a:lnL>
+                        <a:lnR w="12700" cap="flat" cmpd="sng" algn="ctr">
+                          <a:solidFill>
+                            <a:schemeClr val="tx1"/>
+                          </a:solidFill>
+                          <a:prstDash val="solid"/>
+                          <a:round/>
+                          <a:headEnd type="none" w="med" len="med"/>
+                          <a:tailEnd type="none" w="med" len="med"/>
+                        </a:lnR>
+                        <a:lnT w="12700" cap="flat" cmpd="sng" algn="ctr">
+                          <a:solidFill>
+                            <a:schemeClr val="tx1"/>
+                          </a:solidFill>
+                          <a:prstDash val="solid"/>
+                          <a:round/>
+                          <a:headEnd type="none" w="med" len="med"/>
+                          <a:tailEnd type="none" w="med" len="med"/>
+                        </a:lnT>
+                        <a:lnB w="12700" cap="flat" cmpd="sng" algn="ctr">
+                          <a:solidFill>
+                            <a:schemeClr val="tx1"/>
+                          </a:solidFill>
+                          <a:prstDash val="solid"/>
+                          <a:round/>
+                          <a:headEnd type="none" w="med" len="med"/>
+                          <a:tailEnd type="none" w="med" len="med"/>
+                        </a:lnB>
+                        <a:solidFill>
+                          <a:schemeClr val="bg1">
+                            <a:lumMod val="75000"/>
+                          </a:schemeClr>
+                        </a:solidFill>
+                      </a:tcPr>
+                    </a:tc>
+                    <a:tc>
+                      <a:txBody>
+                        <a:bodyPr/>
+                        <a:lstStyle/>
+                        <a:p>
+                          <a:pPr algn="ctr"/>
+                          <a:r>
+                            <a:rPr lang="fr-FR" dirty="0"/>
+                            <a:t>V</a:t>
+                          </a:r>
+                        </a:p>
+                      </a:txBody>
+                      <a:tcPr>
+                        <a:lnL w="12700" cap="flat" cmpd="sng" algn="ctr">
+                          <a:solidFill>
+                            <a:schemeClr val="tx1"/>
+                          </a:solidFill>
+                          <a:prstDash val="solid"/>
+                          <a:round/>
+                          <a:headEnd type="none" w="med" len="med"/>
+                          <a:tailEnd type="none" w="med" len="med"/>
+                        </a:lnL>
+                        <a:lnR w="12700" cap="flat" cmpd="sng" algn="ctr">
+                          <a:solidFill>
+                            <a:schemeClr val="tx1"/>
+                          </a:solidFill>
+                          <a:prstDash val="solid"/>
+                          <a:round/>
+                          <a:headEnd type="none" w="med" len="med"/>
+                          <a:tailEnd type="none" w="med" len="med"/>
+                        </a:lnR>
+                        <a:lnT w="12700" cap="flat" cmpd="sng" algn="ctr">
+                          <a:solidFill>
+                            <a:schemeClr val="tx1"/>
+                          </a:solidFill>
+                          <a:prstDash val="solid"/>
+                          <a:round/>
+                          <a:headEnd type="none" w="med" len="med"/>
+                          <a:tailEnd type="none" w="med" len="med"/>
+                        </a:lnT>
+                        <a:lnB w="12700" cap="flat" cmpd="sng" algn="ctr">
+                          <a:solidFill>
+                            <a:schemeClr val="tx1"/>
+                          </a:solidFill>
+                          <a:prstDash val="solid"/>
+                          <a:round/>
+                          <a:headEnd type="none" w="med" len="med"/>
+                          <a:tailEnd type="none" w="med" len="med"/>
+                        </a:lnB>
+                        <a:solidFill>
+                          <a:schemeClr val="bg1">
+                            <a:lumMod val="85000"/>
+                          </a:schemeClr>
+                        </a:solidFill>
+                      </a:tcPr>
+                    </a:tc>
+                    <a:tc>
+                      <a:txBody>
+                        <a:bodyPr/>
+                        <a:lstStyle/>
+                        <a:p>
+                          <a:pPr algn="ctr"/>
+                          <a:r>
+                            <a:rPr lang="fr-FR" dirty="0"/>
+                            <a:t>3.0</a:t>
+                          </a:r>
+                        </a:p>
+                      </a:txBody>
+                      <a:tcPr>
+                        <a:lnL w="12700" cap="flat" cmpd="sng" algn="ctr">
+                          <a:solidFill>
+                            <a:schemeClr val="tx1"/>
+                          </a:solidFill>
+                          <a:prstDash val="solid"/>
+                          <a:round/>
+                          <a:headEnd type="none" w="med" len="med"/>
+                          <a:tailEnd type="none" w="med" len="med"/>
+                        </a:lnL>
+                        <a:lnR w="12700" cap="flat" cmpd="sng" algn="ctr">
+                          <a:solidFill>
+                            <a:schemeClr val="tx1"/>
+                          </a:solidFill>
+                          <a:prstDash val="solid"/>
+                          <a:round/>
+                          <a:headEnd type="none" w="med" len="med"/>
+                          <a:tailEnd type="none" w="med" len="med"/>
+                        </a:lnR>
+                        <a:lnT w="12700" cap="flat" cmpd="sng" algn="ctr">
+                          <a:solidFill>
+                            <a:schemeClr val="tx1"/>
+                          </a:solidFill>
+                          <a:prstDash val="solid"/>
+                          <a:round/>
+                          <a:headEnd type="none" w="med" len="med"/>
+                          <a:tailEnd type="none" w="med" len="med"/>
+                        </a:lnT>
+                        <a:lnB w="12700" cap="flat" cmpd="sng" algn="ctr">
+                          <a:solidFill>
+                            <a:schemeClr val="tx1"/>
+                          </a:solidFill>
+                          <a:prstDash val="solid"/>
+                          <a:round/>
+                          <a:headEnd type="none" w="med" len="med"/>
+                          <a:tailEnd type="none" w="med" len="med"/>
+                        </a:lnB>
+                        <a:solidFill>
+                          <a:schemeClr val="bg1">
+                            <a:lumMod val="85000"/>
+                          </a:schemeClr>
+                        </a:solidFill>
+                      </a:tcPr>
+                    </a:tc>
+                    <a:tc>
+                      <a:txBody>
+                        <a:bodyPr/>
+                        <a:lstStyle/>
+                        <a:p>
+                          <a:pPr algn="ctr"/>
+                          <a:r>
+                            <a:rPr lang="fr-FR" dirty="0"/>
+                            <a:t>5.0</a:t>
+                          </a:r>
+                        </a:p>
+                      </a:txBody>
+                      <a:tcPr>
+                        <a:lnL w="12700" cap="flat" cmpd="sng" algn="ctr">
+                          <a:solidFill>
+                            <a:schemeClr val="tx1"/>
+                          </a:solidFill>
+                          <a:prstDash val="solid"/>
+                          <a:round/>
+                          <a:headEnd type="none" w="med" len="med"/>
+                          <a:tailEnd type="none" w="med" len="med"/>
+                        </a:lnL>
+                        <a:lnR w="12700" cap="flat" cmpd="sng" algn="ctr">
+                          <a:solidFill>
+                            <a:schemeClr val="tx1"/>
+                          </a:solidFill>
+                          <a:prstDash val="solid"/>
+                          <a:round/>
+                          <a:headEnd type="none" w="med" len="med"/>
+                          <a:tailEnd type="none" w="med" len="med"/>
+                        </a:lnR>
+                        <a:lnT w="12700" cap="flat" cmpd="sng" algn="ctr">
+                          <a:solidFill>
+                            <a:schemeClr val="tx1"/>
+                          </a:solidFill>
+                          <a:prstDash val="solid"/>
+                          <a:round/>
+                          <a:headEnd type="none" w="med" len="med"/>
+                          <a:tailEnd type="none" w="med" len="med"/>
+                        </a:lnT>
+                        <a:lnB w="12700" cap="flat" cmpd="sng" algn="ctr">
+                          <a:solidFill>
+                            <a:schemeClr val="tx1"/>
+                          </a:solidFill>
+                          <a:prstDash val="solid"/>
+                          <a:round/>
+                          <a:headEnd type="none" w="med" len="med"/>
+                          <a:tailEnd type="none" w="med" len="med"/>
+                        </a:lnB>
+                        <a:solidFill>
+                          <a:schemeClr val="bg1">
+                            <a:lumMod val="85000"/>
+                          </a:schemeClr>
+                        </a:solidFill>
+                      </a:tcPr>
+                    </a:tc>
+                    <a:tc>
+                      <a:txBody>
+                        <a:bodyPr/>
+                        <a:lstStyle/>
+                        <a:p>
+                          <a:pPr algn="ctr"/>
+                          <a:r>
+                            <a:rPr lang="fr-FR" dirty="0"/>
+                            <a:t>7.0</a:t>
+                          </a:r>
+                        </a:p>
+                      </a:txBody>
+                      <a:tcPr>
+                        <a:lnL w="12700" cap="flat" cmpd="sng" algn="ctr">
+                          <a:solidFill>
+                            <a:schemeClr val="tx1"/>
+                          </a:solidFill>
+                          <a:prstDash val="solid"/>
+                          <a:round/>
+                          <a:headEnd type="none" w="med" len="med"/>
+                          <a:tailEnd type="none" w="med" len="med"/>
+                        </a:lnL>
+                        <a:lnR w="12700" cap="flat" cmpd="sng" algn="ctr">
+                          <a:solidFill>
+                            <a:schemeClr val="tx1"/>
+                          </a:solidFill>
+                          <a:prstDash val="solid"/>
+                          <a:round/>
+                          <a:headEnd type="none" w="med" len="med"/>
+                          <a:tailEnd type="none" w="med" len="med"/>
+                        </a:lnR>
+                        <a:lnT w="12700" cap="flat" cmpd="sng" algn="ctr">
+                          <a:solidFill>
+                            <a:schemeClr val="tx1"/>
+                          </a:solidFill>
+                          <a:prstDash val="solid"/>
+                          <a:round/>
+                          <a:headEnd type="none" w="med" len="med"/>
+                          <a:tailEnd type="none" w="med" len="med"/>
+                        </a:lnT>
+                        <a:lnB w="12700" cap="flat" cmpd="sng" algn="ctr">
+                          <a:solidFill>
+                            <a:schemeClr val="tx1"/>
+                          </a:solidFill>
+                          <a:prstDash val="solid"/>
+                          <a:round/>
+                          <a:headEnd type="none" w="med" len="med"/>
+                          <a:tailEnd type="none" w="med" len="med"/>
+                        </a:lnB>
+                        <a:solidFill>
+                          <a:schemeClr val="bg1">
+                            <a:lumMod val="85000"/>
+                          </a:schemeClr>
+                        </a:solidFill>
+                      </a:tcPr>
+                    </a:tc>
+                    <a:extLst>
+                      <a:ext uri="{0D108BD9-81ED-4DB2-BD59-A6C34878D82A}">
+                        <a16:rowId xmlns:a16="http://schemas.microsoft.com/office/drawing/2014/main" val="2318536987"/>
+                      </a:ext>
+                    </a:extLst>
+                  </a:tr>
+                  <a:tr h="416405">
+                    <a:tc>
+                      <a:txBody>
+                        <a:bodyPr/>
+                        <a:lstStyle/>
+                        <a:p>
+                          <a:pPr algn="ctr"/>
+                          <a:r>
+                            <a:rPr lang="fr-FR" dirty="0"/>
+                            <a:t>2HB</a:t>
+                          </a:r>
+                        </a:p>
+                      </a:txBody>
+                      <a:tcPr>
+                        <a:lnL w="12700" cap="flat" cmpd="sng" algn="ctr">
+                          <a:solidFill>
+                            <a:schemeClr val="tx1"/>
+                          </a:solidFill>
+                          <a:prstDash val="solid"/>
+                          <a:round/>
+                          <a:headEnd type="none" w="med" len="med"/>
+                          <a:tailEnd type="none" w="med" len="med"/>
+                        </a:lnL>
+                        <a:lnR w="12700" cap="flat" cmpd="sng" algn="ctr">
+                          <a:solidFill>
+                            <a:schemeClr val="tx1"/>
+                          </a:solidFill>
+                          <a:prstDash val="solid"/>
+                          <a:round/>
+                          <a:headEnd type="none" w="med" len="med"/>
+                          <a:tailEnd type="none" w="med" len="med"/>
+                        </a:lnR>
+                        <a:lnT w="12700" cap="flat" cmpd="sng" algn="ctr">
+                          <a:solidFill>
+                            <a:schemeClr val="tx1"/>
+                          </a:solidFill>
+                          <a:prstDash val="solid"/>
+                          <a:round/>
+                          <a:headEnd type="none" w="med" len="med"/>
+                          <a:tailEnd type="none" w="med" len="med"/>
+                        </a:lnT>
+                        <a:lnB w="12700" cap="flat" cmpd="sng" algn="ctr">
+                          <a:solidFill>
+                            <a:schemeClr val="tx1"/>
+                          </a:solidFill>
+                          <a:prstDash val="solid"/>
+                          <a:round/>
+                          <a:headEnd type="none" w="med" len="med"/>
+                          <a:tailEnd type="none" w="med" len="med"/>
+                        </a:lnB>
+                        <a:solidFill>
+                          <a:schemeClr val="bg1">
+                            <a:lumMod val="75000"/>
+                          </a:schemeClr>
+                        </a:solidFill>
+                      </a:tcPr>
+                    </a:tc>
+                    <a:tc>
+                      <a:txBody>
+                        <a:bodyPr/>
+                        <a:lstStyle/>
+                        <a:p>
+                          <a:pPr/>
+                          <a14:m>
+                            <m:oMathPara xmlns:m="http://schemas.openxmlformats.org/officeDocument/2006/math">
+                              <m:oMathParaPr>
+                                <m:jc m:val="centerGroup"/>
+                              </m:oMathParaPr>
+                              <m:oMath xmlns:m="http://schemas.openxmlformats.org/officeDocument/2006/math">
+                                <m:r>
+                                  <a:rPr lang="fr-FR" b="0" i="1" smtClean="0">
+                                    <a:latin typeface="Cambria Math" panose="02040503050406030204" pitchFamily="18" charset="0"/>
+                                  </a:rPr>
+                                  <m:t>𝑀</m:t>
+                                </m:r>
+                                <m:r>
+                                  <m:rPr>
+                                    <m:sty m:val="p"/>
+                                  </m:rPr>
+                                  <a:rPr lang="el-GR" b="0" i="1" smtClean="0">
+                                    <a:latin typeface="Cambria Math" panose="02040503050406030204" pitchFamily="18" charset="0"/>
+                                    <a:ea typeface="Cambria Math" panose="02040503050406030204" pitchFamily="18" charset="0"/>
+                                  </a:rPr>
+                                  <m:t>Ω</m:t>
+                                </m:r>
+                              </m:oMath>
+                            </m:oMathPara>
+                          </a14:m>
+                          <a:endParaRPr lang="fr-FR" dirty="0"/>
+                        </a:p>
+                      </a:txBody>
+                      <a:tcPr>
+                        <a:lnL w="12700" cap="flat" cmpd="sng" algn="ctr">
+                          <a:solidFill>
+                            <a:schemeClr val="tx1"/>
+                          </a:solidFill>
+                          <a:prstDash val="solid"/>
+                          <a:round/>
+                          <a:headEnd type="none" w="med" len="med"/>
+                          <a:tailEnd type="none" w="med" len="med"/>
+                        </a:lnL>
+                        <a:lnR w="12700" cap="flat" cmpd="sng" algn="ctr">
+                          <a:solidFill>
+                            <a:schemeClr val="tx1"/>
+                          </a:solidFill>
+                          <a:prstDash val="solid"/>
+                          <a:round/>
+                          <a:headEnd type="none" w="med" len="med"/>
+                          <a:tailEnd type="none" w="med" len="med"/>
+                        </a:lnR>
+                        <a:lnT w="12700" cap="flat" cmpd="sng" algn="ctr">
+                          <a:solidFill>
+                            <a:schemeClr val="tx1"/>
+                          </a:solidFill>
+                          <a:prstDash val="solid"/>
+                          <a:round/>
+                          <a:headEnd type="none" w="med" len="med"/>
+                          <a:tailEnd type="none" w="med" len="med"/>
+                        </a:lnT>
+                        <a:lnB w="12700" cap="flat" cmpd="sng" algn="ctr">
+                          <a:solidFill>
+                            <a:schemeClr val="tx1"/>
+                          </a:solidFill>
+                          <a:prstDash val="solid"/>
+                          <a:round/>
+                          <a:headEnd type="none" w="med" len="med"/>
+                          <a:tailEnd type="none" w="med" len="med"/>
+                        </a:lnB>
+                        <a:solidFill>
+                          <a:schemeClr val="bg1">
+                            <a:lumMod val="85000"/>
+                          </a:schemeClr>
+                        </a:solidFill>
+                      </a:tcPr>
+                    </a:tc>
+                    <a:tc>
+                      <a:txBody>
+                        <a:bodyPr/>
+                        <a:lstStyle/>
+                        <a:p>
+                          <a:pPr algn="ctr"/>
+                          <a:endParaRPr lang="fr-FR" dirty="0"/>
+                        </a:p>
+                      </a:txBody>
+                      <a:tcPr>
+                        <a:lnL w="12700" cap="flat" cmpd="sng" algn="ctr">
+                          <a:solidFill>
+                            <a:schemeClr val="tx1"/>
+                          </a:solidFill>
+                          <a:prstDash val="solid"/>
+                          <a:round/>
+                          <a:headEnd type="none" w="med" len="med"/>
+                          <a:tailEnd type="none" w="med" len="med"/>
+                        </a:lnL>
+                        <a:lnR w="12700" cap="flat" cmpd="sng" algn="ctr">
+                          <a:solidFill>
+                            <a:schemeClr val="tx1"/>
+                          </a:solidFill>
+                          <a:prstDash val="solid"/>
+                          <a:round/>
+                          <a:headEnd type="none" w="med" len="med"/>
+                          <a:tailEnd type="none" w="med" len="med"/>
+                        </a:lnR>
+                        <a:lnT w="12700" cap="flat" cmpd="sng" algn="ctr">
+                          <a:solidFill>
+                            <a:schemeClr val="tx1"/>
+                          </a:solidFill>
+                          <a:prstDash val="solid"/>
+                          <a:round/>
+                          <a:headEnd type="none" w="med" len="med"/>
+                          <a:tailEnd type="none" w="med" len="med"/>
+                        </a:lnT>
+                        <a:lnB w="12700" cap="flat" cmpd="sng" algn="ctr">
+                          <a:solidFill>
+                            <a:schemeClr val="tx1"/>
+                          </a:solidFill>
+                          <a:prstDash val="solid"/>
+                          <a:round/>
+                          <a:headEnd type="none" w="med" len="med"/>
+                          <a:tailEnd type="none" w="med" len="med"/>
+                        </a:lnB>
+                        <a:solidFill>
+                          <a:schemeClr val="bg1">
+                            <a:lumMod val="85000"/>
+                          </a:schemeClr>
+                        </a:solidFill>
+                      </a:tcPr>
+                    </a:tc>
+                    <a:tc>
+                      <a:txBody>
+                        <a:bodyPr/>
+                        <a:lstStyle/>
+                        <a:p>
+                          <a:pPr algn="ctr"/>
+                          <a:endParaRPr lang="fr-FR"/>
+                        </a:p>
+                      </a:txBody>
+                      <a:tcPr>
+                        <a:lnL w="12700" cap="flat" cmpd="sng" algn="ctr">
+                          <a:solidFill>
+                            <a:schemeClr val="tx1"/>
+                          </a:solidFill>
+                          <a:prstDash val="solid"/>
+                          <a:round/>
+                          <a:headEnd type="none" w="med" len="med"/>
+                          <a:tailEnd type="none" w="med" len="med"/>
+                        </a:lnL>
+                        <a:lnR w="12700" cap="flat" cmpd="sng" algn="ctr">
+                          <a:solidFill>
+                            <a:schemeClr val="tx1"/>
+                          </a:solidFill>
+                          <a:prstDash val="solid"/>
+                          <a:round/>
+                          <a:headEnd type="none" w="med" len="med"/>
+                          <a:tailEnd type="none" w="med" len="med"/>
+                        </a:lnR>
+                        <a:lnT w="12700" cap="flat" cmpd="sng" algn="ctr">
+                          <a:solidFill>
+                            <a:schemeClr val="tx1"/>
+                          </a:solidFill>
+                          <a:prstDash val="solid"/>
+                          <a:round/>
+                          <a:headEnd type="none" w="med" len="med"/>
+                          <a:tailEnd type="none" w="med" len="med"/>
+                        </a:lnT>
+                        <a:lnB w="12700" cap="flat" cmpd="sng" algn="ctr">
+                          <a:solidFill>
+                            <a:schemeClr val="tx1"/>
+                          </a:solidFill>
+                          <a:prstDash val="solid"/>
+                          <a:round/>
+                          <a:headEnd type="none" w="med" len="med"/>
+                          <a:tailEnd type="none" w="med" len="med"/>
+                        </a:lnB>
+                        <a:solidFill>
+                          <a:schemeClr val="bg1">
+                            <a:lumMod val="85000"/>
+                          </a:schemeClr>
+                        </a:solidFill>
+                      </a:tcPr>
+                    </a:tc>
+                    <a:tc>
+                      <a:txBody>
+                        <a:bodyPr/>
+                        <a:lstStyle/>
+                        <a:p>
+                          <a:pPr algn="ctr"/>
+                          <a:endParaRPr lang="fr-FR"/>
+                        </a:p>
+                      </a:txBody>
+                      <a:tcPr>
+                        <a:lnL w="12700" cap="flat" cmpd="sng" algn="ctr">
+                          <a:solidFill>
+                            <a:schemeClr val="tx1"/>
+                          </a:solidFill>
+                          <a:prstDash val="solid"/>
+                          <a:round/>
+                          <a:headEnd type="none" w="med" len="med"/>
+                          <a:tailEnd type="none" w="med" len="med"/>
+                        </a:lnL>
+                        <a:lnR w="12700" cap="flat" cmpd="sng" algn="ctr">
+                          <a:solidFill>
+                            <a:schemeClr val="tx1"/>
+                          </a:solidFill>
+                          <a:prstDash val="solid"/>
+                          <a:round/>
+                          <a:headEnd type="none" w="med" len="med"/>
+                          <a:tailEnd type="none" w="med" len="med"/>
+                        </a:lnR>
+                        <a:lnT w="12700" cap="flat" cmpd="sng" algn="ctr">
+                          <a:solidFill>
+                            <a:schemeClr val="tx1"/>
+                          </a:solidFill>
+                          <a:prstDash val="solid"/>
+                          <a:round/>
+                          <a:headEnd type="none" w="med" len="med"/>
+                          <a:tailEnd type="none" w="med" len="med"/>
+                        </a:lnT>
+                        <a:lnB w="12700" cap="flat" cmpd="sng" algn="ctr">
+                          <a:solidFill>
+                            <a:schemeClr val="tx1"/>
+                          </a:solidFill>
+                          <a:prstDash val="solid"/>
+                          <a:round/>
+                          <a:headEnd type="none" w="med" len="med"/>
+                          <a:tailEnd type="none" w="med" len="med"/>
+                        </a:lnB>
+                        <a:solidFill>
+                          <a:schemeClr val="bg1">
+                            <a:lumMod val="85000"/>
+                          </a:schemeClr>
+                        </a:solidFill>
+                      </a:tcPr>
+                    </a:tc>
+                    <a:extLst>
+                      <a:ext uri="{0D108BD9-81ED-4DB2-BD59-A6C34878D82A}">
+                        <a16:rowId xmlns:a16="http://schemas.microsoft.com/office/drawing/2014/main" val="3525235127"/>
+                      </a:ext>
+                    </a:extLst>
+                  </a:tr>
+                  <a:tr h="416405">
+                    <a:tc>
+                      <a:txBody>
+                        <a:bodyPr/>
+                        <a:lstStyle/>
+                        <a:p>
+                          <a:pPr algn="ctr"/>
+                          <a:r>
+                            <a:rPr lang="fr-FR" dirty="0"/>
+                            <a:t>B</a:t>
+                          </a:r>
+                        </a:p>
+                      </a:txBody>
+                      <a:tcPr>
+                        <a:lnL w="12700" cap="flat" cmpd="sng" algn="ctr">
+                          <a:solidFill>
+                            <a:schemeClr val="tx1"/>
+                          </a:solidFill>
+                          <a:prstDash val="solid"/>
+                          <a:round/>
+                          <a:headEnd type="none" w="med" len="med"/>
+                          <a:tailEnd type="none" w="med" len="med"/>
+                        </a:lnL>
+                        <a:lnR w="12700" cap="flat" cmpd="sng" algn="ctr">
+                          <a:solidFill>
+                            <a:schemeClr val="tx1"/>
+                          </a:solidFill>
+                          <a:prstDash val="solid"/>
+                          <a:round/>
+                          <a:headEnd type="none" w="med" len="med"/>
+                          <a:tailEnd type="none" w="med" len="med"/>
+                        </a:lnR>
+                        <a:lnT w="12700" cap="flat" cmpd="sng" algn="ctr">
+                          <a:solidFill>
+                            <a:schemeClr val="tx1"/>
+                          </a:solidFill>
+                          <a:prstDash val="solid"/>
+                          <a:round/>
+                          <a:headEnd type="none" w="med" len="med"/>
+                          <a:tailEnd type="none" w="med" len="med"/>
+                        </a:lnT>
+                        <a:lnB w="12700" cap="flat" cmpd="sng" algn="ctr">
+                          <a:solidFill>
+                            <a:schemeClr val="tx1"/>
+                          </a:solidFill>
+                          <a:prstDash val="solid"/>
+                          <a:round/>
+                          <a:headEnd type="none" w="med" len="med"/>
+                          <a:tailEnd type="none" w="med" len="med"/>
+                        </a:lnB>
+                        <a:solidFill>
+                          <a:schemeClr val="bg1">
+                            <a:lumMod val="75000"/>
+                          </a:schemeClr>
+                        </a:solidFill>
+                      </a:tcPr>
+                    </a:tc>
+                    <a:tc>
+                      <a:txBody>
+                        <a:bodyPr/>
+                        <a:lstStyle/>
+                        <a:p>
+                          <a:pPr marL="0" marR="0" lvl="0" indent="0" algn="ctr" defTabSz="685800" rtl="0" eaLnBrk="1" fontAlgn="auto" latinLnBrk="0" hangingPunct="1">
+                            <a:lnSpc>
+                              <a:spcPct val="100000"/>
+                            </a:lnSpc>
+                            <a:spcBef>
+                              <a:spcPts val="0"/>
+                            </a:spcBef>
+                            <a:spcAft>
+                              <a:spcPts val="0"/>
+                            </a:spcAft>
+                            <a:buClrTx/>
+                            <a:buSzTx/>
+                            <a:buFontTx/>
+                            <a:buNone/>
+                            <a:tabLst/>
+                            <a:defRPr/>
+                          </a:pPr>
+                          <a14:m>
+                            <m:oMathPara xmlns:m="http://schemas.openxmlformats.org/officeDocument/2006/math">
+                              <m:oMathParaPr>
+                                <m:jc m:val="centerGroup"/>
+                              </m:oMathParaPr>
+                              <m:oMath xmlns:m="http://schemas.openxmlformats.org/officeDocument/2006/math">
+                                <m:r>
+                                  <a:rPr lang="fr-FR" b="0" i="1" smtClean="0">
+                                    <a:latin typeface="Cambria Math" panose="02040503050406030204" pitchFamily="18" charset="0"/>
+                                  </a:rPr>
+                                  <m:t>𝑀</m:t>
+                                </m:r>
+                                <m:r>
+                                  <m:rPr>
+                                    <m:sty m:val="p"/>
+                                  </m:rPr>
+                                  <a:rPr lang="el-GR" b="0" i="1" smtClean="0">
+                                    <a:latin typeface="Cambria Math" panose="02040503050406030204" pitchFamily="18" charset="0"/>
+                                    <a:ea typeface="Cambria Math" panose="02040503050406030204" pitchFamily="18" charset="0"/>
+                                  </a:rPr>
+                                  <m:t>Ω</m:t>
+                                </m:r>
+                              </m:oMath>
+                            </m:oMathPara>
+                          </a14:m>
+                          <a:endParaRPr lang="fr-FR" dirty="0"/>
+                        </a:p>
+                      </a:txBody>
+                      <a:tcPr>
+                        <a:lnL w="12700" cap="flat" cmpd="sng" algn="ctr">
+                          <a:solidFill>
+                            <a:schemeClr val="tx1"/>
+                          </a:solidFill>
+                          <a:prstDash val="solid"/>
+                          <a:round/>
+                          <a:headEnd type="none" w="med" len="med"/>
+                          <a:tailEnd type="none" w="med" len="med"/>
+                        </a:lnL>
+                        <a:lnR w="12700" cap="flat" cmpd="sng" algn="ctr">
+                          <a:solidFill>
+                            <a:schemeClr val="tx1"/>
+                          </a:solidFill>
+                          <a:prstDash val="solid"/>
+                          <a:round/>
+                          <a:headEnd type="none" w="med" len="med"/>
+                          <a:tailEnd type="none" w="med" len="med"/>
+                        </a:lnR>
+                        <a:lnT w="12700" cap="flat" cmpd="sng" algn="ctr">
+                          <a:solidFill>
+                            <a:schemeClr val="tx1"/>
+                          </a:solidFill>
+                          <a:prstDash val="solid"/>
+                          <a:round/>
+                          <a:headEnd type="none" w="med" len="med"/>
+                          <a:tailEnd type="none" w="med" len="med"/>
+                        </a:lnT>
+                        <a:lnB w="12700" cap="flat" cmpd="sng" algn="ctr">
+                          <a:solidFill>
+                            <a:schemeClr val="tx1"/>
+                          </a:solidFill>
+                          <a:prstDash val="solid"/>
+                          <a:round/>
+                          <a:headEnd type="none" w="med" len="med"/>
+                          <a:tailEnd type="none" w="med" len="med"/>
+                        </a:lnB>
+                        <a:solidFill>
+                          <a:schemeClr val="bg1">
+                            <a:lumMod val="85000"/>
+                          </a:schemeClr>
+                        </a:solidFill>
+                      </a:tcPr>
+                    </a:tc>
+                    <a:tc>
+                      <a:txBody>
+                        <a:bodyPr/>
+                        <a:lstStyle/>
+                        <a:p>
+                          <a:pPr algn="ctr"/>
+                          <a:endParaRPr lang="fr-FR" dirty="0"/>
+                        </a:p>
+                      </a:txBody>
+                      <a:tcPr>
+                        <a:lnL w="12700" cap="flat" cmpd="sng" algn="ctr">
+                          <a:solidFill>
+                            <a:schemeClr val="tx1"/>
+                          </a:solidFill>
+                          <a:prstDash val="solid"/>
+                          <a:round/>
+                          <a:headEnd type="none" w="med" len="med"/>
+                          <a:tailEnd type="none" w="med" len="med"/>
+                        </a:lnL>
+                        <a:lnR w="12700" cap="flat" cmpd="sng" algn="ctr">
+                          <a:solidFill>
+                            <a:schemeClr val="tx1"/>
+                          </a:solidFill>
+                          <a:prstDash val="solid"/>
+                          <a:round/>
+                          <a:headEnd type="none" w="med" len="med"/>
+                          <a:tailEnd type="none" w="med" len="med"/>
+                        </a:lnR>
+                        <a:lnT w="12700" cap="flat" cmpd="sng" algn="ctr">
+                          <a:solidFill>
+                            <a:schemeClr val="tx1"/>
+                          </a:solidFill>
+                          <a:prstDash val="solid"/>
+                          <a:round/>
+                          <a:headEnd type="none" w="med" len="med"/>
+                          <a:tailEnd type="none" w="med" len="med"/>
+                        </a:lnT>
+                        <a:lnB w="12700" cap="flat" cmpd="sng" algn="ctr">
+                          <a:solidFill>
+                            <a:schemeClr val="tx1"/>
+                          </a:solidFill>
+                          <a:prstDash val="solid"/>
+                          <a:round/>
+                          <a:headEnd type="none" w="med" len="med"/>
+                          <a:tailEnd type="none" w="med" len="med"/>
+                        </a:lnB>
+                        <a:solidFill>
+                          <a:schemeClr val="bg1">
+                            <a:lumMod val="85000"/>
+                          </a:schemeClr>
+                        </a:solidFill>
+                      </a:tcPr>
+                    </a:tc>
+                    <a:tc>
+                      <a:txBody>
+                        <a:bodyPr/>
+                        <a:lstStyle/>
+                        <a:p>
+                          <a:pPr algn="ctr"/>
+                          <a:endParaRPr lang="fr-FR" dirty="0"/>
+                        </a:p>
+                      </a:txBody>
+                      <a:tcPr>
+                        <a:lnL w="12700" cap="flat" cmpd="sng" algn="ctr">
+                          <a:solidFill>
+                            <a:schemeClr val="tx1"/>
+                          </a:solidFill>
+                          <a:prstDash val="solid"/>
+                          <a:round/>
+                          <a:headEnd type="none" w="med" len="med"/>
+                          <a:tailEnd type="none" w="med" len="med"/>
+                        </a:lnL>
+                        <a:lnR w="12700" cap="flat" cmpd="sng" algn="ctr">
+                          <a:solidFill>
+                            <a:schemeClr val="tx1"/>
+                          </a:solidFill>
+                          <a:prstDash val="solid"/>
+                          <a:round/>
+                          <a:headEnd type="none" w="med" len="med"/>
+                          <a:tailEnd type="none" w="med" len="med"/>
+                        </a:lnR>
+                        <a:lnT w="12700" cap="flat" cmpd="sng" algn="ctr">
+                          <a:solidFill>
+                            <a:schemeClr val="tx1"/>
+                          </a:solidFill>
+                          <a:prstDash val="solid"/>
+                          <a:round/>
+                          <a:headEnd type="none" w="med" len="med"/>
+                          <a:tailEnd type="none" w="med" len="med"/>
+                        </a:lnT>
+                        <a:lnB w="12700" cap="flat" cmpd="sng" algn="ctr">
+                          <a:solidFill>
+                            <a:schemeClr val="tx1"/>
+                          </a:solidFill>
+                          <a:prstDash val="solid"/>
+                          <a:round/>
+                          <a:headEnd type="none" w="med" len="med"/>
+                          <a:tailEnd type="none" w="med" len="med"/>
+                        </a:lnB>
+                        <a:solidFill>
+                          <a:schemeClr val="bg1">
+                            <a:lumMod val="85000"/>
+                          </a:schemeClr>
+                        </a:solidFill>
+                      </a:tcPr>
+                    </a:tc>
+                    <a:tc>
+                      <a:txBody>
+                        <a:bodyPr/>
+                        <a:lstStyle/>
+                        <a:p>
+                          <a:pPr algn="ctr"/>
+                          <a:endParaRPr lang="fr-FR"/>
+                        </a:p>
+                      </a:txBody>
+                      <a:tcPr>
+                        <a:lnL w="12700" cap="flat" cmpd="sng" algn="ctr">
+                          <a:solidFill>
+                            <a:schemeClr val="tx1"/>
+                          </a:solidFill>
+                          <a:prstDash val="solid"/>
+                          <a:round/>
+                          <a:headEnd type="none" w="med" len="med"/>
+                          <a:tailEnd type="none" w="med" len="med"/>
+                        </a:lnL>
+                        <a:lnR w="12700" cap="flat" cmpd="sng" algn="ctr">
+                          <a:solidFill>
+                            <a:schemeClr val="tx1"/>
+                          </a:solidFill>
+                          <a:prstDash val="solid"/>
+                          <a:round/>
+                          <a:headEnd type="none" w="med" len="med"/>
+                          <a:tailEnd type="none" w="med" len="med"/>
+                        </a:lnR>
+                        <a:lnT w="12700" cap="flat" cmpd="sng" algn="ctr">
+                          <a:solidFill>
+                            <a:schemeClr val="tx1"/>
+                          </a:solidFill>
+                          <a:prstDash val="solid"/>
+                          <a:round/>
+                          <a:headEnd type="none" w="med" len="med"/>
+                          <a:tailEnd type="none" w="med" len="med"/>
+                        </a:lnT>
+                        <a:lnB w="12700" cap="flat" cmpd="sng" algn="ctr">
+                          <a:solidFill>
+                            <a:schemeClr val="tx1"/>
+                          </a:solidFill>
+                          <a:prstDash val="solid"/>
+                          <a:round/>
+                          <a:headEnd type="none" w="med" len="med"/>
+                          <a:tailEnd type="none" w="med" len="med"/>
+                        </a:lnB>
+                        <a:solidFill>
+                          <a:schemeClr val="bg1">
+                            <a:lumMod val="85000"/>
+                          </a:schemeClr>
+                        </a:solidFill>
+                      </a:tcPr>
+                    </a:tc>
+                    <a:extLst>
+                      <a:ext uri="{0D108BD9-81ED-4DB2-BD59-A6C34878D82A}">
+                        <a16:rowId xmlns:a16="http://schemas.microsoft.com/office/drawing/2014/main" val="105072542"/>
+                      </a:ext>
+                    </a:extLst>
+                  </a:tr>
+                  <a:tr h="416405">
+                    <a:tc>
+                      <a:txBody>
+                        <a:bodyPr/>
+                        <a:lstStyle/>
+                        <a:p>
+                          <a:pPr algn="ctr"/>
+                          <a:r>
+                            <a:rPr lang="fr-FR" dirty="0"/>
+                            <a:t>2B</a:t>
+                          </a:r>
+                        </a:p>
+                      </a:txBody>
+                      <a:tcPr>
+                        <a:lnL w="12700" cap="flat" cmpd="sng" algn="ctr">
+                          <a:solidFill>
+                            <a:schemeClr val="tx1"/>
+                          </a:solidFill>
+                          <a:prstDash val="solid"/>
+                          <a:round/>
+                          <a:headEnd type="none" w="med" len="med"/>
+                          <a:tailEnd type="none" w="med" len="med"/>
+                        </a:lnL>
+                        <a:lnR w="12700" cap="flat" cmpd="sng" algn="ctr">
+                          <a:solidFill>
+                            <a:schemeClr val="tx1"/>
+                          </a:solidFill>
+                          <a:prstDash val="solid"/>
+                          <a:round/>
+                          <a:headEnd type="none" w="med" len="med"/>
+                          <a:tailEnd type="none" w="med" len="med"/>
+                        </a:lnR>
+                        <a:lnT w="12700" cap="flat" cmpd="sng" algn="ctr">
+                          <a:solidFill>
+                            <a:schemeClr val="tx1"/>
+                          </a:solidFill>
+                          <a:prstDash val="solid"/>
+                          <a:round/>
+                          <a:headEnd type="none" w="med" len="med"/>
+                          <a:tailEnd type="none" w="med" len="med"/>
+                        </a:lnT>
+                        <a:lnB w="12700" cap="flat" cmpd="sng" algn="ctr">
+                          <a:solidFill>
+                            <a:schemeClr val="tx1"/>
+                          </a:solidFill>
+                          <a:prstDash val="solid"/>
+                          <a:round/>
+                          <a:headEnd type="none" w="med" len="med"/>
+                          <a:tailEnd type="none" w="med" len="med"/>
+                        </a:lnB>
+                        <a:solidFill>
+                          <a:schemeClr val="bg1">
+                            <a:lumMod val="75000"/>
+                          </a:schemeClr>
+                        </a:solidFill>
+                      </a:tcPr>
+                    </a:tc>
+                    <a:tc>
+                      <a:txBody>
+                        <a:bodyPr/>
+                        <a:lstStyle/>
+                        <a:p>
+                          <a:pPr marL="0" marR="0" lvl="0" indent="0" algn="ctr" defTabSz="685800" rtl="0" eaLnBrk="1" fontAlgn="auto" latinLnBrk="0" hangingPunct="1">
+                            <a:lnSpc>
+                              <a:spcPct val="100000"/>
+                            </a:lnSpc>
+                            <a:spcBef>
+                              <a:spcPts val="0"/>
+                            </a:spcBef>
+                            <a:spcAft>
+                              <a:spcPts val="0"/>
+                            </a:spcAft>
+                            <a:buClrTx/>
+                            <a:buSzTx/>
+                            <a:buFontTx/>
+                            <a:buNone/>
+                            <a:tabLst/>
+                            <a:defRPr/>
+                          </a:pPr>
+                          <a14:m>
+                            <m:oMathPara xmlns:m="http://schemas.openxmlformats.org/officeDocument/2006/math">
+                              <m:oMathParaPr>
+                                <m:jc m:val="centerGroup"/>
+                              </m:oMathParaPr>
+                              <m:oMath xmlns:m="http://schemas.openxmlformats.org/officeDocument/2006/math">
+                                <m:r>
+                                  <a:rPr lang="fr-FR" b="0" i="1" smtClean="0">
+                                    <a:latin typeface="Cambria Math" panose="02040503050406030204" pitchFamily="18" charset="0"/>
+                                  </a:rPr>
+                                  <m:t>𝑀</m:t>
+                                </m:r>
+                                <m:r>
+                                  <m:rPr>
+                                    <m:sty m:val="p"/>
+                                  </m:rPr>
+                                  <a:rPr lang="el-GR" b="0" i="1" smtClean="0">
+                                    <a:latin typeface="Cambria Math" panose="02040503050406030204" pitchFamily="18" charset="0"/>
+                                    <a:ea typeface="Cambria Math" panose="02040503050406030204" pitchFamily="18" charset="0"/>
+                                  </a:rPr>
+                                  <m:t>Ω</m:t>
+                                </m:r>
+                              </m:oMath>
+                            </m:oMathPara>
+                          </a14:m>
+                          <a:endParaRPr lang="fr-FR" dirty="0"/>
+                        </a:p>
+                      </a:txBody>
+                      <a:tcPr>
+                        <a:lnL w="12700" cap="flat" cmpd="sng" algn="ctr">
+                          <a:solidFill>
+                            <a:schemeClr val="tx1"/>
+                          </a:solidFill>
+                          <a:prstDash val="solid"/>
+                          <a:round/>
+                          <a:headEnd type="none" w="med" len="med"/>
+                          <a:tailEnd type="none" w="med" len="med"/>
+                        </a:lnL>
+                        <a:lnR w="12700" cap="flat" cmpd="sng" algn="ctr">
+                          <a:solidFill>
+                            <a:schemeClr val="tx1"/>
+                          </a:solidFill>
+                          <a:prstDash val="solid"/>
+                          <a:round/>
+                          <a:headEnd type="none" w="med" len="med"/>
+                          <a:tailEnd type="none" w="med" len="med"/>
+                        </a:lnR>
+                        <a:lnT w="12700" cap="flat" cmpd="sng" algn="ctr">
+                          <a:solidFill>
+                            <a:schemeClr val="tx1"/>
+                          </a:solidFill>
+                          <a:prstDash val="solid"/>
+                          <a:round/>
+                          <a:headEnd type="none" w="med" len="med"/>
+                          <a:tailEnd type="none" w="med" len="med"/>
+                        </a:lnT>
+                        <a:lnB w="12700" cap="flat" cmpd="sng" algn="ctr">
+                          <a:solidFill>
+                            <a:schemeClr val="tx1"/>
+                          </a:solidFill>
+                          <a:prstDash val="solid"/>
+                          <a:round/>
+                          <a:headEnd type="none" w="med" len="med"/>
+                          <a:tailEnd type="none" w="med" len="med"/>
+                        </a:lnB>
+                        <a:solidFill>
+                          <a:schemeClr val="bg1">
+                            <a:lumMod val="85000"/>
+                          </a:schemeClr>
+                        </a:solidFill>
+                      </a:tcPr>
+                    </a:tc>
+                    <a:tc>
+                      <a:txBody>
+                        <a:bodyPr/>
+                        <a:lstStyle/>
+                        <a:p>
+                          <a:pPr algn="ctr"/>
+                          <a:endParaRPr lang="fr-FR" dirty="0"/>
+                        </a:p>
+                      </a:txBody>
+                      <a:tcPr>
+                        <a:lnL w="12700" cap="flat" cmpd="sng" algn="ctr">
+                          <a:solidFill>
+                            <a:schemeClr val="tx1"/>
+                          </a:solidFill>
+                          <a:prstDash val="solid"/>
+                          <a:round/>
+                          <a:headEnd type="none" w="med" len="med"/>
+                          <a:tailEnd type="none" w="med" len="med"/>
+                        </a:lnL>
+                        <a:lnR w="12700" cap="flat" cmpd="sng" algn="ctr">
+                          <a:solidFill>
+                            <a:schemeClr val="tx1"/>
+                          </a:solidFill>
+                          <a:prstDash val="solid"/>
+                          <a:round/>
+                          <a:headEnd type="none" w="med" len="med"/>
+                          <a:tailEnd type="none" w="med" len="med"/>
+                        </a:lnR>
+                        <a:lnT w="12700" cap="flat" cmpd="sng" algn="ctr">
+                          <a:solidFill>
+                            <a:schemeClr val="tx1"/>
+                          </a:solidFill>
+                          <a:prstDash val="solid"/>
+                          <a:round/>
+                          <a:headEnd type="none" w="med" len="med"/>
+                          <a:tailEnd type="none" w="med" len="med"/>
+                        </a:lnT>
+                        <a:lnB w="12700" cap="flat" cmpd="sng" algn="ctr">
+                          <a:solidFill>
+                            <a:schemeClr val="tx1"/>
+                          </a:solidFill>
+                          <a:prstDash val="solid"/>
+                          <a:round/>
+                          <a:headEnd type="none" w="med" len="med"/>
+                          <a:tailEnd type="none" w="med" len="med"/>
+                        </a:lnB>
+                        <a:solidFill>
+                          <a:schemeClr val="bg1">
+                            <a:lumMod val="85000"/>
+                          </a:schemeClr>
+                        </a:solidFill>
+                      </a:tcPr>
+                    </a:tc>
+                    <a:tc>
+                      <a:txBody>
+                        <a:bodyPr/>
+                        <a:lstStyle/>
+                        <a:p>
+                          <a:pPr algn="ctr"/>
+                          <a:endParaRPr lang="fr-FR" dirty="0"/>
+                        </a:p>
+                      </a:txBody>
+                      <a:tcPr>
+                        <a:lnL w="12700" cap="flat" cmpd="sng" algn="ctr">
+                          <a:solidFill>
+                            <a:schemeClr val="tx1"/>
+                          </a:solidFill>
+                          <a:prstDash val="solid"/>
+                          <a:round/>
+                          <a:headEnd type="none" w="med" len="med"/>
+                          <a:tailEnd type="none" w="med" len="med"/>
+                        </a:lnL>
+                        <a:lnR w="12700" cap="flat" cmpd="sng" algn="ctr">
+                          <a:solidFill>
+                            <a:schemeClr val="tx1"/>
+                          </a:solidFill>
+                          <a:prstDash val="solid"/>
+                          <a:round/>
+                          <a:headEnd type="none" w="med" len="med"/>
+                          <a:tailEnd type="none" w="med" len="med"/>
+                        </a:lnR>
+                        <a:lnT w="12700" cap="flat" cmpd="sng" algn="ctr">
+                          <a:solidFill>
+                            <a:schemeClr val="tx1"/>
+                          </a:solidFill>
+                          <a:prstDash val="solid"/>
+                          <a:round/>
+                          <a:headEnd type="none" w="med" len="med"/>
+                          <a:tailEnd type="none" w="med" len="med"/>
+                        </a:lnT>
+                        <a:lnB w="12700" cap="flat" cmpd="sng" algn="ctr">
+                          <a:solidFill>
+                            <a:schemeClr val="tx1"/>
+                          </a:solidFill>
+                          <a:prstDash val="solid"/>
+                          <a:round/>
+                          <a:headEnd type="none" w="med" len="med"/>
+                          <a:tailEnd type="none" w="med" len="med"/>
+                        </a:lnB>
+                        <a:solidFill>
+                          <a:schemeClr val="bg1">
+                            <a:lumMod val="85000"/>
+                          </a:schemeClr>
+                        </a:solidFill>
+                      </a:tcPr>
+                    </a:tc>
+                    <a:tc>
+                      <a:txBody>
+                        <a:bodyPr/>
+                        <a:lstStyle/>
+                        <a:p>
+                          <a:pPr algn="ctr"/>
+                          <a:endParaRPr lang="fr-FR" dirty="0"/>
+                        </a:p>
+                      </a:txBody>
+                      <a:tcPr>
+                        <a:lnL w="12700" cap="flat" cmpd="sng" algn="ctr">
+                          <a:solidFill>
+                            <a:schemeClr val="tx1"/>
+                          </a:solidFill>
+                          <a:prstDash val="solid"/>
+                          <a:round/>
+                          <a:headEnd type="none" w="med" len="med"/>
+                          <a:tailEnd type="none" w="med" len="med"/>
+                        </a:lnL>
+                        <a:lnR w="12700" cap="flat" cmpd="sng" algn="ctr">
+                          <a:solidFill>
+                            <a:schemeClr val="tx1"/>
+                          </a:solidFill>
+                          <a:prstDash val="solid"/>
+                          <a:round/>
+                          <a:headEnd type="none" w="med" len="med"/>
+                          <a:tailEnd type="none" w="med" len="med"/>
+                        </a:lnR>
+                        <a:lnT w="12700" cap="flat" cmpd="sng" algn="ctr">
+                          <a:solidFill>
+                            <a:schemeClr val="tx1"/>
+                          </a:solidFill>
+                          <a:prstDash val="solid"/>
+                          <a:round/>
+                          <a:headEnd type="none" w="med" len="med"/>
+                          <a:tailEnd type="none" w="med" len="med"/>
+                        </a:lnT>
+                        <a:lnB w="12700" cap="flat" cmpd="sng" algn="ctr">
+                          <a:solidFill>
+                            <a:schemeClr val="tx1"/>
+                          </a:solidFill>
+                          <a:prstDash val="solid"/>
+                          <a:round/>
+                          <a:headEnd type="none" w="med" len="med"/>
+                          <a:tailEnd type="none" w="med" len="med"/>
+                        </a:lnB>
+                        <a:solidFill>
+                          <a:schemeClr val="bg1">
+                            <a:lumMod val="85000"/>
+                          </a:schemeClr>
+                        </a:solidFill>
+                      </a:tcPr>
+                    </a:tc>
+                    <a:extLst>
+                      <a:ext uri="{0D108BD9-81ED-4DB2-BD59-A6C34878D82A}">
+                        <a16:rowId xmlns:a16="http://schemas.microsoft.com/office/drawing/2014/main" val="338648113"/>
+                      </a:ext>
+                    </a:extLst>
+                  </a:tr>
+                  <a:tr h="416405">
+                    <a:tc>
+                      <a:txBody>
+                        <a:bodyPr/>
+                        <a:lstStyle/>
+                        <a:p>
+                          <a:pPr algn="ctr"/>
+                          <a:r>
+                            <a:rPr lang="fr-FR" dirty="0"/>
+                            <a:t>3B</a:t>
+                          </a:r>
+                        </a:p>
+                      </a:txBody>
+                      <a:tcPr>
+                        <a:lnL w="12700" cap="flat" cmpd="sng" algn="ctr">
+                          <a:solidFill>
+                            <a:schemeClr val="tx1"/>
+                          </a:solidFill>
+                          <a:prstDash val="solid"/>
+                          <a:round/>
+                          <a:headEnd type="none" w="med" len="med"/>
+                          <a:tailEnd type="none" w="med" len="med"/>
+                        </a:lnL>
+                        <a:lnR w="12700" cap="flat" cmpd="sng" algn="ctr">
+                          <a:solidFill>
+                            <a:schemeClr val="tx1"/>
+                          </a:solidFill>
+                          <a:prstDash val="solid"/>
+                          <a:round/>
+                          <a:headEnd type="none" w="med" len="med"/>
+                          <a:tailEnd type="none" w="med" len="med"/>
+                        </a:lnR>
+                        <a:lnT w="12700" cap="flat" cmpd="sng" algn="ctr">
+                          <a:solidFill>
+                            <a:schemeClr val="tx1"/>
+                          </a:solidFill>
+                          <a:prstDash val="solid"/>
+                          <a:round/>
+                          <a:headEnd type="none" w="med" len="med"/>
+                          <a:tailEnd type="none" w="med" len="med"/>
+                        </a:lnT>
+                        <a:lnB w="12700" cap="flat" cmpd="sng" algn="ctr">
+                          <a:solidFill>
+                            <a:schemeClr val="tx1"/>
+                          </a:solidFill>
+                          <a:prstDash val="solid"/>
+                          <a:round/>
+                          <a:headEnd type="none" w="med" len="med"/>
+                          <a:tailEnd type="none" w="med" len="med"/>
+                        </a:lnB>
+                        <a:solidFill>
+                          <a:schemeClr val="bg1">
+                            <a:lumMod val="75000"/>
+                          </a:schemeClr>
+                        </a:solidFill>
+                      </a:tcPr>
+                    </a:tc>
+                    <a:tc>
+                      <a:txBody>
+                        <a:bodyPr/>
+                        <a:lstStyle/>
+                        <a:p>
+                          <a:pPr marL="0" marR="0" lvl="0" indent="0" algn="ctr" defTabSz="685800" rtl="0" eaLnBrk="1" fontAlgn="auto" latinLnBrk="0" hangingPunct="1">
+                            <a:lnSpc>
+                              <a:spcPct val="100000"/>
+                            </a:lnSpc>
+                            <a:spcBef>
+                              <a:spcPts val="0"/>
+                            </a:spcBef>
+                            <a:spcAft>
+                              <a:spcPts val="0"/>
+                            </a:spcAft>
+                            <a:buClrTx/>
+                            <a:buSzTx/>
+                            <a:buFontTx/>
+                            <a:buNone/>
+                            <a:tabLst/>
+                            <a:defRPr/>
+                          </a:pPr>
+                          <a14:m>
+                            <m:oMathPara xmlns:m="http://schemas.openxmlformats.org/officeDocument/2006/math">
+                              <m:oMathParaPr>
+                                <m:jc m:val="centerGroup"/>
+                              </m:oMathParaPr>
+                              <m:oMath xmlns:m="http://schemas.openxmlformats.org/officeDocument/2006/math">
+                                <m:r>
+                                  <a:rPr lang="fr-FR" b="0" i="1" smtClean="0">
+                                    <a:latin typeface="Cambria Math" panose="02040503050406030204" pitchFamily="18" charset="0"/>
+                                  </a:rPr>
+                                  <m:t>𝑀</m:t>
+                                </m:r>
+                                <m:r>
+                                  <m:rPr>
+                                    <m:sty m:val="p"/>
+                                  </m:rPr>
+                                  <a:rPr lang="el-GR" b="0" i="1" smtClean="0">
+                                    <a:latin typeface="Cambria Math" panose="02040503050406030204" pitchFamily="18" charset="0"/>
+                                    <a:ea typeface="Cambria Math" panose="02040503050406030204" pitchFamily="18" charset="0"/>
+                                  </a:rPr>
+                                  <m:t>Ω</m:t>
+                                </m:r>
+                              </m:oMath>
+                            </m:oMathPara>
+                          </a14:m>
+                          <a:endParaRPr lang="fr-FR" dirty="0"/>
+                        </a:p>
+                      </a:txBody>
+                      <a:tcPr>
+                        <a:lnL w="12700" cap="flat" cmpd="sng" algn="ctr">
+                          <a:solidFill>
+                            <a:schemeClr val="tx1"/>
+                          </a:solidFill>
+                          <a:prstDash val="solid"/>
+                          <a:round/>
+                          <a:headEnd type="none" w="med" len="med"/>
+                          <a:tailEnd type="none" w="med" len="med"/>
+                        </a:lnL>
+                        <a:lnR w="12700" cap="flat" cmpd="sng" algn="ctr">
+                          <a:solidFill>
+                            <a:schemeClr val="tx1"/>
+                          </a:solidFill>
+                          <a:prstDash val="solid"/>
+                          <a:round/>
+                          <a:headEnd type="none" w="med" len="med"/>
+                          <a:tailEnd type="none" w="med" len="med"/>
+                        </a:lnR>
+                        <a:lnT w="12700" cap="flat" cmpd="sng" algn="ctr">
+                          <a:solidFill>
+                            <a:schemeClr val="tx1"/>
+                          </a:solidFill>
+                          <a:prstDash val="solid"/>
+                          <a:round/>
+                          <a:headEnd type="none" w="med" len="med"/>
+                          <a:tailEnd type="none" w="med" len="med"/>
+                        </a:lnT>
+                        <a:lnB w="12700" cap="flat" cmpd="sng" algn="ctr">
+                          <a:solidFill>
+                            <a:schemeClr val="tx1"/>
+                          </a:solidFill>
+                          <a:prstDash val="solid"/>
+                          <a:round/>
+                          <a:headEnd type="none" w="med" len="med"/>
+                          <a:tailEnd type="none" w="med" len="med"/>
+                        </a:lnB>
+                        <a:solidFill>
+                          <a:schemeClr val="bg1">
+                            <a:lumMod val="85000"/>
+                          </a:schemeClr>
+                        </a:solidFill>
+                      </a:tcPr>
+                    </a:tc>
+                    <a:tc>
+                      <a:txBody>
+                        <a:bodyPr/>
+                        <a:lstStyle/>
+                        <a:p>
+                          <a:pPr algn="ctr"/>
+                          <a:endParaRPr lang="fr-FR"/>
+                        </a:p>
+                      </a:txBody>
+                      <a:tcPr>
+                        <a:lnL w="12700" cap="flat" cmpd="sng" algn="ctr">
+                          <a:solidFill>
+                            <a:schemeClr val="tx1"/>
+                          </a:solidFill>
+                          <a:prstDash val="solid"/>
+                          <a:round/>
+                          <a:headEnd type="none" w="med" len="med"/>
+                          <a:tailEnd type="none" w="med" len="med"/>
+                        </a:lnL>
+                        <a:lnR w="12700" cap="flat" cmpd="sng" algn="ctr">
+                          <a:solidFill>
+                            <a:schemeClr val="tx1"/>
+                          </a:solidFill>
+                          <a:prstDash val="solid"/>
+                          <a:round/>
+                          <a:headEnd type="none" w="med" len="med"/>
+                          <a:tailEnd type="none" w="med" len="med"/>
+                        </a:lnR>
+                        <a:lnT w="12700" cap="flat" cmpd="sng" algn="ctr">
+                          <a:solidFill>
+                            <a:schemeClr val="tx1"/>
+                          </a:solidFill>
+                          <a:prstDash val="solid"/>
+                          <a:round/>
+                          <a:headEnd type="none" w="med" len="med"/>
+                          <a:tailEnd type="none" w="med" len="med"/>
+                        </a:lnT>
+                        <a:lnB w="12700" cap="flat" cmpd="sng" algn="ctr">
+                          <a:solidFill>
+                            <a:schemeClr val="tx1"/>
+                          </a:solidFill>
+                          <a:prstDash val="solid"/>
+                          <a:round/>
+                          <a:headEnd type="none" w="med" len="med"/>
+                          <a:tailEnd type="none" w="med" len="med"/>
+                        </a:lnB>
+                        <a:solidFill>
+                          <a:schemeClr val="bg1">
+                            <a:lumMod val="85000"/>
+                          </a:schemeClr>
+                        </a:solidFill>
+                      </a:tcPr>
+                    </a:tc>
+                    <a:tc>
+                      <a:txBody>
+                        <a:bodyPr/>
+                        <a:lstStyle/>
+                        <a:p>
+                          <a:pPr algn="ctr"/>
+                          <a:endParaRPr lang="fr-FR" dirty="0"/>
+                        </a:p>
+                      </a:txBody>
+                      <a:tcPr>
+                        <a:lnL w="12700" cap="flat" cmpd="sng" algn="ctr">
+                          <a:solidFill>
+                            <a:schemeClr val="tx1"/>
+                          </a:solidFill>
+                          <a:prstDash val="solid"/>
+                          <a:round/>
+                          <a:headEnd type="none" w="med" len="med"/>
+                          <a:tailEnd type="none" w="med" len="med"/>
+                        </a:lnL>
+                        <a:lnR w="12700" cap="flat" cmpd="sng" algn="ctr">
+                          <a:solidFill>
+                            <a:schemeClr val="tx1"/>
+                          </a:solidFill>
+                          <a:prstDash val="solid"/>
+                          <a:round/>
+                          <a:headEnd type="none" w="med" len="med"/>
+                          <a:tailEnd type="none" w="med" len="med"/>
+                        </a:lnR>
+                        <a:lnT w="12700" cap="flat" cmpd="sng" algn="ctr">
+                          <a:solidFill>
+                            <a:schemeClr val="tx1"/>
+                          </a:solidFill>
+                          <a:prstDash val="solid"/>
+                          <a:round/>
+                          <a:headEnd type="none" w="med" len="med"/>
+                          <a:tailEnd type="none" w="med" len="med"/>
+                        </a:lnT>
+                        <a:lnB w="12700" cap="flat" cmpd="sng" algn="ctr">
+                          <a:solidFill>
+                            <a:schemeClr val="tx1"/>
+                          </a:solidFill>
+                          <a:prstDash val="solid"/>
+                          <a:round/>
+                          <a:headEnd type="none" w="med" len="med"/>
+                          <a:tailEnd type="none" w="med" len="med"/>
+                        </a:lnB>
+                        <a:solidFill>
+                          <a:schemeClr val="bg1">
+                            <a:lumMod val="85000"/>
+                          </a:schemeClr>
+                        </a:solidFill>
+                      </a:tcPr>
+                    </a:tc>
+                    <a:tc>
+                      <a:txBody>
+                        <a:bodyPr/>
+                        <a:lstStyle/>
+                        <a:p>
+                          <a:pPr algn="ctr"/>
+                          <a:endParaRPr lang="fr-FR" dirty="0"/>
+                        </a:p>
+                      </a:txBody>
+                      <a:tcPr>
+                        <a:lnL w="12700" cap="flat" cmpd="sng" algn="ctr">
+                          <a:solidFill>
+                            <a:schemeClr val="tx1"/>
+                          </a:solidFill>
+                          <a:prstDash val="solid"/>
+                          <a:round/>
+                          <a:headEnd type="none" w="med" len="med"/>
+                          <a:tailEnd type="none" w="med" len="med"/>
+                        </a:lnL>
+                        <a:lnR w="12700" cap="flat" cmpd="sng" algn="ctr">
+                          <a:solidFill>
+                            <a:schemeClr val="tx1"/>
+                          </a:solidFill>
+                          <a:prstDash val="solid"/>
+                          <a:round/>
+                          <a:headEnd type="none" w="med" len="med"/>
+                          <a:tailEnd type="none" w="med" len="med"/>
+                        </a:lnR>
+                        <a:lnT w="12700" cap="flat" cmpd="sng" algn="ctr">
+                          <a:solidFill>
+                            <a:schemeClr val="tx1"/>
+                          </a:solidFill>
+                          <a:prstDash val="solid"/>
+                          <a:round/>
+                          <a:headEnd type="none" w="med" len="med"/>
+                          <a:tailEnd type="none" w="med" len="med"/>
+                        </a:lnT>
+                        <a:lnB w="12700" cap="flat" cmpd="sng" algn="ctr">
+                          <a:solidFill>
+                            <a:schemeClr val="tx1"/>
+                          </a:solidFill>
+                          <a:prstDash val="solid"/>
+                          <a:round/>
+                          <a:headEnd type="none" w="med" len="med"/>
+                          <a:tailEnd type="none" w="med" len="med"/>
+                        </a:lnB>
+                        <a:solidFill>
+                          <a:schemeClr val="bg1">
+                            <a:lumMod val="85000"/>
+                          </a:schemeClr>
+                        </a:solidFill>
+                      </a:tcPr>
+                    </a:tc>
+                    <a:extLst>
+                      <a:ext uri="{0D108BD9-81ED-4DB2-BD59-A6C34878D82A}">
+                        <a16:rowId xmlns:a16="http://schemas.microsoft.com/office/drawing/2014/main" val="1285524678"/>
+                      </a:ext>
+                    </a:extLst>
+                  </a:tr>
+                  <a:tr h="416405">
+                    <a:tc>
+                      <a:txBody>
+                        <a:bodyPr/>
+                        <a:lstStyle/>
+                        <a:p>
+                          <a:pPr algn="ctr"/>
+                          <a:r>
+                            <a:rPr lang="fr-FR" dirty="0"/>
+                            <a:t>5B</a:t>
+                          </a:r>
+                        </a:p>
+                      </a:txBody>
+                      <a:tcPr>
+                        <a:lnL w="12700" cap="flat" cmpd="sng" algn="ctr">
+                          <a:solidFill>
+                            <a:schemeClr val="tx1"/>
+                          </a:solidFill>
+                          <a:prstDash val="solid"/>
+                          <a:round/>
+                          <a:headEnd type="none" w="med" len="med"/>
+                          <a:tailEnd type="none" w="med" len="med"/>
+                        </a:lnL>
+                        <a:lnR w="12700" cap="flat" cmpd="sng" algn="ctr">
+                          <a:solidFill>
+                            <a:schemeClr val="tx1"/>
+                          </a:solidFill>
+                          <a:prstDash val="solid"/>
+                          <a:round/>
+                          <a:headEnd type="none" w="med" len="med"/>
+                          <a:tailEnd type="none" w="med" len="med"/>
+                        </a:lnR>
+                        <a:lnT w="12700" cap="flat" cmpd="sng" algn="ctr">
+                          <a:solidFill>
+                            <a:schemeClr val="tx1"/>
+                          </a:solidFill>
+                          <a:prstDash val="solid"/>
+                          <a:round/>
+                          <a:headEnd type="none" w="med" len="med"/>
+                          <a:tailEnd type="none" w="med" len="med"/>
+                        </a:lnT>
+                        <a:lnB w="12700" cap="flat" cmpd="sng" algn="ctr">
+                          <a:solidFill>
+                            <a:schemeClr val="tx1"/>
+                          </a:solidFill>
+                          <a:prstDash val="solid"/>
+                          <a:round/>
+                          <a:headEnd type="none" w="med" len="med"/>
+                          <a:tailEnd type="none" w="med" len="med"/>
+                        </a:lnB>
+                        <a:solidFill>
+                          <a:schemeClr val="bg1">
+                            <a:lumMod val="75000"/>
+                          </a:schemeClr>
+                        </a:solidFill>
+                      </a:tcPr>
+                    </a:tc>
+                    <a:tc>
+                      <a:txBody>
+                        <a:bodyPr/>
+                        <a:lstStyle/>
+                        <a:p>
+                          <a:pPr marL="0" marR="0" lvl="0" indent="0" algn="ctr" defTabSz="685800" rtl="0" eaLnBrk="1" fontAlgn="auto" latinLnBrk="0" hangingPunct="1">
+                            <a:lnSpc>
+                              <a:spcPct val="100000"/>
+                            </a:lnSpc>
+                            <a:spcBef>
+                              <a:spcPts val="0"/>
+                            </a:spcBef>
+                            <a:spcAft>
+                              <a:spcPts val="0"/>
+                            </a:spcAft>
+                            <a:buClrTx/>
+                            <a:buSzTx/>
+                            <a:buFontTx/>
+                            <a:buNone/>
+                            <a:tabLst/>
+                            <a:defRPr/>
+                          </a:pPr>
+                          <a14:m>
+                            <m:oMathPara xmlns:m="http://schemas.openxmlformats.org/officeDocument/2006/math">
+                              <m:oMathParaPr>
+                                <m:jc m:val="centerGroup"/>
+                              </m:oMathParaPr>
+                              <m:oMath xmlns:m="http://schemas.openxmlformats.org/officeDocument/2006/math">
+                                <m:r>
+                                  <a:rPr lang="fr-FR" b="0" i="1" smtClean="0">
+                                    <a:latin typeface="Cambria Math" panose="02040503050406030204" pitchFamily="18" charset="0"/>
+                                  </a:rPr>
+                                  <m:t>𝑀</m:t>
+                                </m:r>
+                                <m:r>
+                                  <m:rPr>
+                                    <m:sty m:val="p"/>
+                                  </m:rPr>
+                                  <a:rPr lang="el-GR" b="0" i="1" smtClean="0">
+                                    <a:latin typeface="Cambria Math" panose="02040503050406030204" pitchFamily="18" charset="0"/>
+                                    <a:ea typeface="Cambria Math" panose="02040503050406030204" pitchFamily="18" charset="0"/>
+                                  </a:rPr>
+                                  <m:t>Ω</m:t>
+                                </m:r>
+                              </m:oMath>
+                            </m:oMathPara>
+                          </a14:m>
+                          <a:endParaRPr lang="fr-FR" dirty="0"/>
+                        </a:p>
+                      </a:txBody>
+                      <a:tcPr>
+                        <a:lnL w="12700" cap="flat" cmpd="sng" algn="ctr">
+                          <a:solidFill>
+                            <a:schemeClr val="tx1"/>
+                          </a:solidFill>
+                          <a:prstDash val="solid"/>
+                          <a:round/>
+                          <a:headEnd type="none" w="med" len="med"/>
+                          <a:tailEnd type="none" w="med" len="med"/>
+                        </a:lnL>
+                        <a:lnR w="12700" cap="flat" cmpd="sng" algn="ctr">
+                          <a:solidFill>
+                            <a:schemeClr val="tx1"/>
+                          </a:solidFill>
+                          <a:prstDash val="solid"/>
+                          <a:round/>
+                          <a:headEnd type="none" w="med" len="med"/>
+                          <a:tailEnd type="none" w="med" len="med"/>
+                        </a:lnR>
+                        <a:lnT w="12700" cap="flat" cmpd="sng" algn="ctr">
+                          <a:solidFill>
+                            <a:schemeClr val="tx1"/>
+                          </a:solidFill>
+                          <a:prstDash val="solid"/>
+                          <a:round/>
+                          <a:headEnd type="none" w="med" len="med"/>
+                          <a:tailEnd type="none" w="med" len="med"/>
+                        </a:lnT>
+                        <a:lnB w="12700" cap="flat" cmpd="sng" algn="ctr">
+                          <a:solidFill>
+                            <a:schemeClr val="tx1"/>
+                          </a:solidFill>
+                          <a:prstDash val="solid"/>
+                          <a:round/>
+                          <a:headEnd type="none" w="med" len="med"/>
+                          <a:tailEnd type="none" w="med" len="med"/>
+                        </a:lnB>
+                        <a:solidFill>
+                          <a:schemeClr val="bg1">
+                            <a:lumMod val="85000"/>
+                          </a:schemeClr>
+                        </a:solidFill>
+                      </a:tcPr>
+                    </a:tc>
+                    <a:tc>
+                      <a:txBody>
+                        <a:bodyPr/>
+                        <a:lstStyle/>
+                        <a:p>
+                          <a:pPr algn="ctr"/>
+                          <a:endParaRPr lang="fr-FR" dirty="0"/>
+                        </a:p>
+                      </a:txBody>
+                      <a:tcPr>
+                        <a:lnL w="12700" cap="flat" cmpd="sng" algn="ctr">
+                          <a:solidFill>
+                            <a:schemeClr val="tx1"/>
+                          </a:solidFill>
+                          <a:prstDash val="solid"/>
+                          <a:round/>
+                          <a:headEnd type="none" w="med" len="med"/>
+                          <a:tailEnd type="none" w="med" len="med"/>
+                        </a:lnL>
+                        <a:lnR w="12700" cap="flat" cmpd="sng" algn="ctr">
+                          <a:solidFill>
+                            <a:schemeClr val="tx1"/>
+                          </a:solidFill>
+                          <a:prstDash val="solid"/>
+                          <a:round/>
+                          <a:headEnd type="none" w="med" len="med"/>
+                          <a:tailEnd type="none" w="med" len="med"/>
+                        </a:lnR>
+                        <a:lnT w="12700" cap="flat" cmpd="sng" algn="ctr">
+                          <a:solidFill>
+                            <a:schemeClr val="tx1"/>
+                          </a:solidFill>
+                          <a:prstDash val="solid"/>
+                          <a:round/>
+                          <a:headEnd type="none" w="med" len="med"/>
+                          <a:tailEnd type="none" w="med" len="med"/>
+                        </a:lnT>
+                        <a:lnB w="12700" cap="flat" cmpd="sng" algn="ctr">
+                          <a:solidFill>
+                            <a:schemeClr val="tx1"/>
+                          </a:solidFill>
+                          <a:prstDash val="solid"/>
+                          <a:round/>
+                          <a:headEnd type="none" w="med" len="med"/>
+                          <a:tailEnd type="none" w="med" len="med"/>
+                        </a:lnB>
+                        <a:solidFill>
+                          <a:schemeClr val="bg1">
+                            <a:lumMod val="85000"/>
+                          </a:schemeClr>
+                        </a:solidFill>
+                      </a:tcPr>
+                    </a:tc>
+                    <a:tc>
+                      <a:txBody>
+                        <a:bodyPr/>
+                        <a:lstStyle/>
+                        <a:p>
+                          <a:pPr algn="ctr"/>
+                          <a:endParaRPr lang="fr-FR" dirty="0"/>
+                        </a:p>
+                      </a:txBody>
+                      <a:tcPr>
+                        <a:lnL w="12700" cap="flat" cmpd="sng" algn="ctr">
+                          <a:solidFill>
+                            <a:schemeClr val="tx1"/>
+                          </a:solidFill>
+                          <a:prstDash val="solid"/>
+                          <a:round/>
+                          <a:headEnd type="none" w="med" len="med"/>
+                          <a:tailEnd type="none" w="med" len="med"/>
+                        </a:lnL>
+                        <a:lnR w="12700" cap="flat" cmpd="sng" algn="ctr">
+                          <a:solidFill>
+                            <a:schemeClr val="tx1"/>
+                          </a:solidFill>
+                          <a:prstDash val="solid"/>
+                          <a:round/>
+                          <a:headEnd type="none" w="med" len="med"/>
+                          <a:tailEnd type="none" w="med" len="med"/>
+                        </a:lnR>
+                        <a:lnT w="12700" cap="flat" cmpd="sng" algn="ctr">
+                          <a:solidFill>
+                            <a:schemeClr val="tx1"/>
+                          </a:solidFill>
+                          <a:prstDash val="solid"/>
+                          <a:round/>
+                          <a:headEnd type="none" w="med" len="med"/>
+                          <a:tailEnd type="none" w="med" len="med"/>
+                        </a:lnT>
+                        <a:lnB w="12700" cap="flat" cmpd="sng" algn="ctr">
+                          <a:solidFill>
+                            <a:schemeClr val="tx1"/>
+                          </a:solidFill>
+                          <a:prstDash val="solid"/>
+                          <a:round/>
+                          <a:headEnd type="none" w="med" len="med"/>
+                          <a:tailEnd type="none" w="med" len="med"/>
+                        </a:lnB>
+                        <a:solidFill>
+                          <a:schemeClr val="bg1">
+                            <a:lumMod val="85000"/>
+                          </a:schemeClr>
+                        </a:solidFill>
+                      </a:tcPr>
+                    </a:tc>
+                    <a:tc>
+                      <a:txBody>
+                        <a:bodyPr/>
+                        <a:lstStyle/>
+                        <a:p>
+                          <a:pPr algn="ctr"/>
+                          <a:endParaRPr lang="fr-FR" dirty="0"/>
+                        </a:p>
+                      </a:txBody>
+                      <a:tcPr>
+                        <a:lnL w="12700" cap="flat" cmpd="sng" algn="ctr">
+                          <a:solidFill>
+                            <a:schemeClr val="tx1"/>
+                          </a:solidFill>
+                          <a:prstDash val="solid"/>
+                          <a:round/>
+                          <a:headEnd type="none" w="med" len="med"/>
+                          <a:tailEnd type="none" w="med" len="med"/>
+                        </a:lnL>
+                        <a:lnR w="12700" cap="flat" cmpd="sng" algn="ctr">
+                          <a:solidFill>
+                            <a:schemeClr val="tx1"/>
+                          </a:solidFill>
+                          <a:prstDash val="solid"/>
+                          <a:round/>
+                          <a:headEnd type="none" w="med" len="med"/>
+                          <a:tailEnd type="none" w="med" len="med"/>
+                        </a:lnR>
+                        <a:lnT w="12700" cap="flat" cmpd="sng" algn="ctr">
+                          <a:solidFill>
+                            <a:schemeClr val="tx1"/>
+                          </a:solidFill>
+                          <a:prstDash val="solid"/>
+                          <a:round/>
+                          <a:headEnd type="none" w="med" len="med"/>
+                          <a:tailEnd type="none" w="med" len="med"/>
+                        </a:lnT>
+                        <a:lnB w="12700" cap="flat" cmpd="sng" algn="ctr">
+                          <a:solidFill>
+                            <a:schemeClr val="tx1"/>
+                          </a:solidFill>
+                          <a:prstDash val="solid"/>
+                          <a:round/>
+                          <a:headEnd type="none" w="med" len="med"/>
+                          <a:tailEnd type="none" w="med" len="med"/>
+                        </a:lnB>
+                        <a:solidFill>
+                          <a:schemeClr val="bg1">
+                            <a:lumMod val="85000"/>
+                          </a:schemeClr>
+                        </a:solidFill>
+                      </a:tcPr>
+                    </a:tc>
+                    <a:extLst>
+                      <a:ext uri="{0D108BD9-81ED-4DB2-BD59-A6C34878D82A}">
+                        <a16:rowId xmlns:a16="http://schemas.microsoft.com/office/drawing/2014/main" val="2873972592"/>
+                      </a:ext>
+                    </a:extLst>
+                  </a:tr>
+                </a:tbl>
+              </a:graphicData>
+            </a:graphic>
+          </p:graphicFrame>
+        </mc:Choice>
+        <mc:Fallback>
+          <p:graphicFrame>
+            <p:nvGraphicFramePr>
+              <p:cNvPr id="8" name="Tableau 7">
+                <a:extLst>
+                  <a:ext uri="{FF2B5EF4-FFF2-40B4-BE49-F238E27FC236}">
+                    <a16:creationId xmlns:a16="http://schemas.microsoft.com/office/drawing/2014/main" id="{131A21CE-61F2-5379-065E-E3BDA619ED94}"/>
+                  </a:ext>
+                </a:extLst>
+              </p:cNvPr>
+              <p:cNvGraphicFramePr>
+                <a:graphicFrameLocks noGrp="1"/>
+              </p:cNvGraphicFramePr>
+              <p:nvPr>
+                <p:extLst>
+                  <p:ext uri="{D42A27DB-BD31-4B8C-83A1-F6EECF244321}">
+                    <p14:modId xmlns:p14="http://schemas.microsoft.com/office/powerpoint/2010/main" val="1338352436"/>
+                  </p:ext>
+                </p:extLst>
+              </p:nvPr>
+            </p:nvGraphicFramePr>
+            <p:xfrm>
+              <a:off x="221146" y="1224464"/>
+              <a:ext cx="6274905" cy="3001350"/>
+            </p:xfrm>
+            <a:graphic>
+              <a:graphicData uri="http://schemas.openxmlformats.org/drawingml/2006/table">
+                <a:tbl>
+                  <a:tblPr firstRow="1" bandRow="1">
+                    <a:tableStyleId>{5C22544A-7EE6-4342-B048-85BDC9FD1C3A}</a:tableStyleId>
+                  </a:tblPr>
+                  <a:tblGrid>
+                    <a:gridCol w="1254981">
+                      <a:extLst>
+                        <a:ext uri="{9D8B030D-6E8A-4147-A177-3AD203B41FA5}">
+                          <a16:colId xmlns:a16="http://schemas.microsoft.com/office/drawing/2014/main" val="1949546367"/>
+                        </a:ext>
+                      </a:extLst>
+                    </a:gridCol>
+                    <a:gridCol w="1254981">
+                      <a:extLst>
+                        <a:ext uri="{9D8B030D-6E8A-4147-A177-3AD203B41FA5}">
+                          <a16:colId xmlns:a16="http://schemas.microsoft.com/office/drawing/2014/main" val="3719545154"/>
+                        </a:ext>
+                      </a:extLst>
+                    </a:gridCol>
+                    <a:gridCol w="1254981">
+                      <a:extLst>
+                        <a:ext uri="{9D8B030D-6E8A-4147-A177-3AD203B41FA5}">
+                          <a16:colId xmlns:a16="http://schemas.microsoft.com/office/drawing/2014/main" val="1759106968"/>
+                        </a:ext>
+                      </a:extLst>
+                    </a:gridCol>
+                    <a:gridCol w="1254981">
+                      <a:extLst>
+                        <a:ext uri="{9D8B030D-6E8A-4147-A177-3AD203B41FA5}">
+                          <a16:colId xmlns:a16="http://schemas.microsoft.com/office/drawing/2014/main" val="3489547189"/>
+                        </a:ext>
+                      </a:extLst>
+                    </a:gridCol>
+                    <a:gridCol w="1254981">
+                      <a:extLst>
+                        <a:ext uri="{9D8B030D-6E8A-4147-A177-3AD203B41FA5}">
+                          <a16:colId xmlns:a16="http://schemas.microsoft.com/office/drawing/2014/main" val="3825498471"/>
+                        </a:ext>
+                      </a:extLst>
+                    </a:gridCol>
+                  </a:tblGrid>
+                  <a:tr h="502920">
+                    <a:tc>
+                      <a:txBody>
+                        <a:bodyPr/>
+                        <a:lstStyle/>
+                        <a:p>
+                          <a:pPr algn="ctr"/>
+                          <a:r>
+                            <a:rPr lang="fr-FR" dirty="0" err="1">
+                              <a:solidFill>
+                                <a:schemeClr val="bg1"/>
+                              </a:solidFill>
+                            </a:rPr>
+                            <a:t>Parameter</a:t>
+                          </a:r>
+                          <a:endParaRPr lang="fr-FR" dirty="0">
+                            <a:solidFill>
+                              <a:schemeClr val="bg1"/>
+                            </a:solidFill>
+                          </a:endParaRPr>
+                        </a:p>
+                      </a:txBody>
+                      <a:tcPr>
+                        <a:lnL w="12700" cap="flat" cmpd="sng" algn="ctr">
+                          <a:solidFill>
+                            <a:schemeClr val="tx1"/>
+                          </a:solidFill>
+                          <a:prstDash val="solid"/>
+                          <a:round/>
+                          <a:headEnd type="none" w="med" len="med"/>
+                          <a:tailEnd type="none" w="med" len="med"/>
+                        </a:lnL>
+                        <a:lnR w="12700" cap="flat" cmpd="sng" algn="ctr">
+                          <a:solidFill>
+                            <a:schemeClr val="tx1"/>
+                          </a:solidFill>
+                          <a:prstDash val="solid"/>
+                          <a:round/>
+                          <a:headEnd type="none" w="med" len="med"/>
+                          <a:tailEnd type="none" w="med" len="med"/>
+                        </a:lnR>
+                        <a:lnT w="12700" cap="flat" cmpd="sng" algn="ctr">
+                          <a:solidFill>
+                            <a:schemeClr val="tx1"/>
+                          </a:solidFill>
+                          <a:prstDash val="solid"/>
+                          <a:round/>
+                          <a:headEnd type="none" w="med" len="med"/>
+                          <a:tailEnd type="none" w="med" len="med"/>
+                        </a:lnT>
+                        <a:lnB w="12700" cap="flat" cmpd="sng" algn="ctr">
+                          <a:solidFill>
+                            <a:schemeClr val="tx1"/>
+                          </a:solidFill>
+                          <a:prstDash val="solid"/>
+                          <a:round/>
+                          <a:headEnd type="none" w="med" len="med"/>
+                          <a:tailEnd type="none" w="med" len="med"/>
+                        </a:lnB>
+                        <a:solidFill>
+                          <a:schemeClr val="bg2">
+                            <a:lumMod val="50000"/>
+                          </a:schemeClr>
+                        </a:solidFill>
+                      </a:tcPr>
+                    </a:tc>
+                    <a:tc>
+                      <a:txBody>
+                        <a:bodyPr/>
+                        <a:lstStyle/>
+                        <a:p>
+                          <a:pPr algn="ctr"/>
+                          <a:r>
+                            <a:rPr lang="fr-FR" dirty="0"/>
+                            <a:t>Unit</a:t>
+                          </a:r>
+                        </a:p>
+                      </a:txBody>
+                      <a:tcPr>
+                        <a:lnL w="12700" cap="flat" cmpd="sng" algn="ctr">
+                          <a:solidFill>
+                            <a:schemeClr val="tx1"/>
+                          </a:solidFill>
+                          <a:prstDash val="solid"/>
+                          <a:round/>
+                          <a:headEnd type="none" w="med" len="med"/>
+                          <a:tailEnd type="none" w="med" len="med"/>
+                        </a:lnL>
+                        <a:lnR w="12700" cap="flat" cmpd="sng" algn="ctr">
+                          <a:solidFill>
+                            <a:schemeClr val="tx1"/>
+                          </a:solidFill>
+                          <a:prstDash val="solid"/>
+                          <a:round/>
+                          <a:headEnd type="none" w="med" len="med"/>
+                          <a:tailEnd type="none" w="med" len="med"/>
+                        </a:lnR>
+                        <a:lnT w="12700" cap="flat" cmpd="sng" algn="ctr">
+                          <a:solidFill>
+                            <a:schemeClr val="tx1"/>
+                          </a:solidFill>
+                          <a:prstDash val="solid"/>
+                          <a:round/>
+                          <a:headEnd type="none" w="med" len="med"/>
+                          <a:tailEnd type="none" w="med" len="med"/>
+                        </a:lnT>
+                        <a:lnB w="12700" cap="flat" cmpd="sng" algn="ctr">
+                          <a:solidFill>
+                            <a:schemeClr val="tx1"/>
+                          </a:solidFill>
+                          <a:prstDash val="solid"/>
+                          <a:round/>
+                          <a:headEnd type="none" w="med" len="med"/>
+                          <a:tailEnd type="none" w="med" len="med"/>
+                        </a:lnB>
+                        <a:solidFill>
+                          <a:schemeClr val="bg2">
+                            <a:lumMod val="50000"/>
+                          </a:schemeClr>
+                        </a:solidFill>
+                      </a:tcPr>
+                    </a:tc>
+                    <a:tc>
+                      <a:txBody>
+                        <a:bodyPr/>
+                        <a:lstStyle/>
+                        <a:p>
+                          <a:pPr algn="ctr"/>
+                          <a:r>
+                            <a:rPr lang="fr-FR" dirty="0"/>
+                            <a:t>Min-Value</a:t>
+                          </a:r>
+                        </a:p>
+                      </a:txBody>
+                      <a:tcPr>
+                        <a:lnL w="12700" cap="flat" cmpd="sng" algn="ctr">
+                          <a:solidFill>
+                            <a:schemeClr val="tx1"/>
+                          </a:solidFill>
+                          <a:prstDash val="solid"/>
+                          <a:round/>
+                          <a:headEnd type="none" w="med" len="med"/>
+                          <a:tailEnd type="none" w="med" len="med"/>
+                        </a:lnL>
+                        <a:lnR w="12700" cap="flat" cmpd="sng" algn="ctr">
+                          <a:solidFill>
+                            <a:schemeClr val="tx1"/>
+                          </a:solidFill>
+                          <a:prstDash val="solid"/>
+                          <a:round/>
+                          <a:headEnd type="none" w="med" len="med"/>
+                          <a:tailEnd type="none" w="med" len="med"/>
+                        </a:lnR>
+                        <a:lnT w="12700" cap="flat" cmpd="sng" algn="ctr">
+                          <a:solidFill>
+                            <a:schemeClr val="tx1"/>
+                          </a:solidFill>
+                          <a:prstDash val="solid"/>
+                          <a:round/>
+                          <a:headEnd type="none" w="med" len="med"/>
+                          <a:tailEnd type="none" w="med" len="med"/>
+                        </a:lnT>
+                        <a:lnB w="12700" cap="flat" cmpd="sng" algn="ctr">
+                          <a:solidFill>
+                            <a:schemeClr val="tx1"/>
+                          </a:solidFill>
+                          <a:prstDash val="solid"/>
+                          <a:round/>
+                          <a:headEnd type="none" w="med" len="med"/>
+                          <a:tailEnd type="none" w="med" len="med"/>
+                        </a:lnB>
+                        <a:solidFill>
+                          <a:schemeClr val="bg2">
+                            <a:lumMod val="50000"/>
+                          </a:schemeClr>
+                        </a:solidFill>
+                      </a:tcPr>
+                    </a:tc>
+                    <a:tc>
+                      <a:txBody>
+                        <a:bodyPr/>
+                        <a:lstStyle/>
+                        <a:p>
+                          <a:pPr marL="0" marR="0" lvl="0" indent="0" algn="ctr" defTabSz="685800" rtl="0" eaLnBrk="1" fontAlgn="auto" latinLnBrk="0" hangingPunct="1">
+                            <a:lnSpc>
+                              <a:spcPct val="100000"/>
+                            </a:lnSpc>
+                            <a:spcBef>
+                              <a:spcPts val="0"/>
+                            </a:spcBef>
+                            <a:spcAft>
+                              <a:spcPts val="0"/>
+                            </a:spcAft>
+                            <a:buClrTx/>
+                            <a:buSzTx/>
+                            <a:buFontTx/>
+                            <a:buNone/>
+                            <a:tabLst/>
+                            <a:defRPr/>
+                          </a:pPr>
+                          <a:r>
+                            <a:rPr lang="fr-FR" dirty="0" err="1"/>
+                            <a:t>Typical</a:t>
+                          </a:r>
+                          <a:r>
+                            <a:rPr lang="fr-FR" dirty="0"/>
+                            <a:t>-Value</a:t>
+                          </a:r>
+                        </a:p>
+                        <a:p>
+                          <a:endParaRPr lang="fr-FR" dirty="0"/>
+                        </a:p>
+                      </a:txBody>
+                      <a:tcPr>
+                        <a:lnL w="12700" cap="flat" cmpd="sng" algn="ctr">
+                          <a:solidFill>
+                            <a:schemeClr val="tx1"/>
+                          </a:solidFill>
+                          <a:prstDash val="solid"/>
+                          <a:round/>
+                          <a:headEnd type="none" w="med" len="med"/>
+                          <a:tailEnd type="none" w="med" len="med"/>
+                        </a:lnL>
+                        <a:lnR w="12700" cap="flat" cmpd="sng" algn="ctr">
+                          <a:solidFill>
+                            <a:schemeClr val="tx1"/>
+                          </a:solidFill>
+                          <a:prstDash val="solid"/>
+                          <a:round/>
+                          <a:headEnd type="none" w="med" len="med"/>
+                          <a:tailEnd type="none" w="med" len="med"/>
+                        </a:lnR>
+                        <a:lnT w="12700" cap="flat" cmpd="sng" algn="ctr">
+                          <a:solidFill>
+                            <a:schemeClr val="tx1"/>
+                          </a:solidFill>
+                          <a:prstDash val="solid"/>
+                          <a:round/>
+                          <a:headEnd type="none" w="med" len="med"/>
+                          <a:tailEnd type="none" w="med" len="med"/>
+                        </a:lnT>
+                        <a:lnB w="12700" cap="flat" cmpd="sng" algn="ctr">
+                          <a:solidFill>
+                            <a:schemeClr val="tx1"/>
+                          </a:solidFill>
+                          <a:prstDash val="solid"/>
+                          <a:round/>
+                          <a:headEnd type="none" w="med" len="med"/>
+                          <a:tailEnd type="none" w="med" len="med"/>
+                        </a:lnB>
+                        <a:solidFill>
+                          <a:schemeClr val="bg2">
+                            <a:lumMod val="50000"/>
+                          </a:schemeClr>
+                        </a:solidFill>
+                      </a:tcPr>
+                    </a:tc>
+                    <a:tc>
+                      <a:txBody>
+                        <a:bodyPr/>
+                        <a:lstStyle/>
+                        <a:p>
+                          <a:pPr marL="0" marR="0" lvl="0" indent="0" algn="ctr" defTabSz="685800" rtl="0" eaLnBrk="1" fontAlgn="auto" latinLnBrk="0" hangingPunct="1">
+                            <a:lnSpc>
+                              <a:spcPct val="100000"/>
+                            </a:lnSpc>
+                            <a:spcBef>
+                              <a:spcPts val="0"/>
+                            </a:spcBef>
+                            <a:spcAft>
+                              <a:spcPts val="0"/>
+                            </a:spcAft>
+                            <a:buClrTx/>
+                            <a:buSzTx/>
+                            <a:buFontTx/>
+                            <a:buNone/>
+                            <a:tabLst/>
+                            <a:defRPr/>
+                          </a:pPr>
+                          <a:r>
+                            <a:rPr lang="fr-FR" dirty="0"/>
+                            <a:t>Max-Value</a:t>
+                          </a:r>
+                        </a:p>
+                        <a:p>
+                          <a:pPr algn="ctr"/>
+                          <a:endParaRPr lang="fr-FR" dirty="0"/>
+                        </a:p>
+                      </a:txBody>
+                      <a:tcPr>
+                        <a:lnL w="12700" cap="flat" cmpd="sng" algn="ctr">
+                          <a:solidFill>
+                            <a:schemeClr val="tx1"/>
+                          </a:solidFill>
+                          <a:prstDash val="solid"/>
+                          <a:round/>
+                          <a:headEnd type="none" w="med" len="med"/>
+                          <a:tailEnd type="none" w="med" len="med"/>
+                        </a:lnL>
+                        <a:lnR w="12700" cap="flat" cmpd="sng" algn="ctr">
+                          <a:solidFill>
+                            <a:schemeClr val="tx1"/>
+                          </a:solidFill>
+                          <a:prstDash val="solid"/>
+                          <a:round/>
+                          <a:headEnd type="none" w="med" len="med"/>
+                          <a:tailEnd type="none" w="med" len="med"/>
+                        </a:lnR>
+                        <a:lnT w="12700" cap="flat" cmpd="sng" algn="ctr">
+                          <a:solidFill>
+                            <a:schemeClr val="tx1"/>
+                          </a:solidFill>
+                          <a:prstDash val="solid"/>
+                          <a:round/>
+                          <a:headEnd type="none" w="med" len="med"/>
+                          <a:tailEnd type="none" w="med" len="med"/>
+                        </a:lnT>
+                        <a:lnB w="12700" cap="flat" cmpd="sng" algn="ctr">
+                          <a:solidFill>
+                            <a:schemeClr val="tx1"/>
+                          </a:solidFill>
+                          <a:prstDash val="solid"/>
+                          <a:round/>
+                          <a:headEnd type="none" w="med" len="med"/>
+                          <a:tailEnd type="none" w="med" len="med"/>
+                        </a:lnB>
+                        <a:solidFill>
+                          <a:schemeClr val="bg2">
+                            <a:lumMod val="50000"/>
+                          </a:schemeClr>
+                        </a:solidFill>
+                      </a:tcPr>
+                    </a:tc>
+                    <a:extLst>
+                      <a:ext uri="{0D108BD9-81ED-4DB2-BD59-A6C34878D82A}">
+                        <a16:rowId xmlns:a16="http://schemas.microsoft.com/office/drawing/2014/main" val="3894504523"/>
+                      </a:ext>
+                    </a:extLst>
+                  </a:tr>
+                  <a:tr h="416405">
+                    <a:tc>
+                      <a:txBody>
+                        <a:bodyPr/>
+                        <a:lstStyle/>
+                        <a:p>
+                          <a:pPr algn="ctr"/>
+                          <a:r>
+                            <a:rPr lang="fr-FR" dirty="0"/>
+                            <a:t>Power </a:t>
+                          </a:r>
+                          <a:r>
+                            <a:rPr lang="fr-FR" dirty="0" err="1"/>
+                            <a:t>supply</a:t>
+                          </a:r>
+                          <a:endParaRPr lang="fr-FR" dirty="0"/>
+                        </a:p>
+                      </a:txBody>
+                      <a:tcPr>
+                        <a:lnL w="12700" cap="flat" cmpd="sng" algn="ctr">
+                          <a:solidFill>
+                            <a:schemeClr val="tx1"/>
+                          </a:solidFill>
+                          <a:prstDash val="solid"/>
+                          <a:round/>
+                          <a:headEnd type="none" w="med" len="med"/>
+                          <a:tailEnd type="none" w="med" len="med"/>
+                        </a:lnL>
+                        <a:lnR w="12700" cap="flat" cmpd="sng" algn="ctr">
+                          <a:solidFill>
+                            <a:schemeClr val="tx1"/>
+                          </a:solidFill>
+                          <a:prstDash val="solid"/>
+                          <a:round/>
+                          <a:headEnd type="none" w="med" len="med"/>
+                          <a:tailEnd type="none" w="med" len="med"/>
+                        </a:lnR>
+                        <a:lnT w="12700" cap="flat" cmpd="sng" algn="ctr">
+                          <a:solidFill>
+                            <a:schemeClr val="tx1"/>
+                          </a:solidFill>
+                          <a:prstDash val="solid"/>
+                          <a:round/>
+                          <a:headEnd type="none" w="med" len="med"/>
+                          <a:tailEnd type="none" w="med" len="med"/>
+                        </a:lnT>
+                        <a:lnB w="12700" cap="flat" cmpd="sng" algn="ctr">
+                          <a:solidFill>
+                            <a:schemeClr val="tx1"/>
+                          </a:solidFill>
+                          <a:prstDash val="solid"/>
+                          <a:round/>
+                          <a:headEnd type="none" w="med" len="med"/>
+                          <a:tailEnd type="none" w="med" len="med"/>
+                        </a:lnB>
+                        <a:solidFill>
+                          <a:schemeClr val="bg1">
+                            <a:lumMod val="75000"/>
+                          </a:schemeClr>
+                        </a:solidFill>
+                      </a:tcPr>
+                    </a:tc>
+                    <a:tc>
+                      <a:txBody>
+                        <a:bodyPr/>
+                        <a:lstStyle/>
+                        <a:p>
+                          <a:pPr algn="ctr"/>
+                          <a:r>
+                            <a:rPr lang="fr-FR" dirty="0"/>
+                            <a:t>V</a:t>
+                          </a:r>
+                        </a:p>
+                      </a:txBody>
+                      <a:tcPr>
+                        <a:lnL w="12700" cap="flat" cmpd="sng" algn="ctr">
+                          <a:solidFill>
+                            <a:schemeClr val="tx1"/>
+                          </a:solidFill>
+                          <a:prstDash val="solid"/>
+                          <a:round/>
+                          <a:headEnd type="none" w="med" len="med"/>
+                          <a:tailEnd type="none" w="med" len="med"/>
+                        </a:lnL>
+                        <a:lnR w="12700" cap="flat" cmpd="sng" algn="ctr">
+                          <a:solidFill>
+                            <a:schemeClr val="tx1"/>
+                          </a:solidFill>
+                          <a:prstDash val="solid"/>
+                          <a:round/>
+                          <a:headEnd type="none" w="med" len="med"/>
+                          <a:tailEnd type="none" w="med" len="med"/>
+                        </a:lnR>
+                        <a:lnT w="12700" cap="flat" cmpd="sng" algn="ctr">
+                          <a:solidFill>
+                            <a:schemeClr val="tx1"/>
+                          </a:solidFill>
+                          <a:prstDash val="solid"/>
+                          <a:round/>
+                          <a:headEnd type="none" w="med" len="med"/>
+                          <a:tailEnd type="none" w="med" len="med"/>
+                        </a:lnT>
+                        <a:lnB w="12700" cap="flat" cmpd="sng" algn="ctr">
+                          <a:solidFill>
+                            <a:schemeClr val="tx1"/>
+                          </a:solidFill>
+                          <a:prstDash val="solid"/>
+                          <a:round/>
+                          <a:headEnd type="none" w="med" len="med"/>
+                          <a:tailEnd type="none" w="med" len="med"/>
+                        </a:lnB>
+                        <a:solidFill>
+                          <a:schemeClr val="bg1">
+                            <a:lumMod val="85000"/>
+                          </a:schemeClr>
+                        </a:solidFill>
+                      </a:tcPr>
+                    </a:tc>
+                    <a:tc>
+                      <a:txBody>
+                        <a:bodyPr/>
+                        <a:lstStyle/>
+                        <a:p>
+                          <a:pPr algn="ctr"/>
+                          <a:r>
+                            <a:rPr lang="fr-FR" dirty="0"/>
+                            <a:t>3.0</a:t>
+                          </a:r>
+                        </a:p>
+                      </a:txBody>
+                      <a:tcPr>
+                        <a:lnL w="12700" cap="flat" cmpd="sng" algn="ctr">
+                          <a:solidFill>
+                            <a:schemeClr val="tx1"/>
+                          </a:solidFill>
+                          <a:prstDash val="solid"/>
+                          <a:round/>
+                          <a:headEnd type="none" w="med" len="med"/>
+                          <a:tailEnd type="none" w="med" len="med"/>
+                        </a:lnL>
+                        <a:lnR w="12700" cap="flat" cmpd="sng" algn="ctr">
+                          <a:solidFill>
+                            <a:schemeClr val="tx1"/>
+                          </a:solidFill>
+                          <a:prstDash val="solid"/>
+                          <a:round/>
+                          <a:headEnd type="none" w="med" len="med"/>
+                          <a:tailEnd type="none" w="med" len="med"/>
+                        </a:lnR>
+                        <a:lnT w="12700" cap="flat" cmpd="sng" algn="ctr">
+                          <a:solidFill>
+                            <a:schemeClr val="tx1"/>
+                          </a:solidFill>
+                          <a:prstDash val="solid"/>
+                          <a:round/>
+                          <a:headEnd type="none" w="med" len="med"/>
+                          <a:tailEnd type="none" w="med" len="med"/>
+                        </a:lnT>
+                        <a:lnB w="12700" cap="flat" cmpd="sng" algn="ctr">
+                          <a:solidFill>
+                            <a:schemeClr val="tx1"/>
+                          </a:solidFill>
+                          <a:prstDash val="solid"/>
+                          <a:round/>
+                          <a:headEnd type="none" w="med" len="med"/>
+                          <a:tailEnd type="none" w="med" len="med"/>
+                        </a:lnB>
+                        <a:solidFill>
+                          <a:schemeClr val="bg1">
+                            <a:lumMod val="85000"/>
+                          </a:schemeClr>
+                        </a:solidFill>
+                      </a:tcPr>
+                    </a:tc>
+                    <a:tc>
+                      <a:txBody>
+                        <a:bodyPr/>
+                        <a:lstStyle/>
+                        <a:p>
+                          <a:pPr algn="ctr"/>
+                          <a:r>
+                            <a:rPr lang="fr-FR" dirty="0"/>
+                            <a:t>5.0</a:t>
+                          </a:r>
+                        </a:p>
+                      </a:txBody>
+                      <a:tcPr>
+                        <a:lnL w="12700" cap="flat" cmpd="sng" algn="ctr">
+                          <a:solidFill>
+                            <a:schemeClr val="tx1"/>
+                          </a:solidFill>
+                          <a:prstDash val="solid"/>
+                          <a:round/>
+                          <a:headEnd type="none" w="med" len="med"/>
+                          <a:tailEnd type="none" w="med" len="med"/>
+                        </a:lnL>
+                        <a:lnR w="12700" cap="flat" cmpd="sng" algn="ctr">
+                          <a:solidFill>
+                            <a:schemeClr val="tx1"/>
+                          </a:solidFill>
+                          <a:prstDash val="solid"/>
+                          <a:round/>
+                          <a:headEnd type="none" w="med" len="med"/>
+                          <a:tailEnd type="none" w="med" len="med"/>
+                        </a:lnR>
+                        <a:lnT w="12700" cap="flat" cmpd="sng" algn="ctr">
+                          <a:solidFill>
+                            <a:schemeClr val="tx1"/>
+                          </a:solidFill>
+                          <a:prstDash val="solid"/>
+                          <a:round/>
+                          <a:headEnd type="none" w="med" len="med"/>
+                          <a:tailEnd type="none" w="med" len="med"/>
+                        </a:lnT>
+                        <a:lnB w="12700" cap="flat" cmpd="sng" algn="ctr">
+                          <a:solidFill>
+                            <a:schemeClr val="tx1"/>
+                          </a:solidFill>
+                          <a:prstDash val="solid"/>
+                          <a:round/>
+                          <a:headEnd type="none" w="med" len="med"/>
+                          <a:tailEnd type="none" w="med" len="med"/>
+                        </a:lnB>
+                        <a:solidFill>
+                          <a:schemeClr val="bg1">
+                            <a:lumMod val="85000"/>
+                          </a:schemeClr>
+                        </a:solidFill>
+                      </a:tcPr>
+                    </a:tc>
+                    <a:tc>
+                      <a:txBody>
+                        <a:bodyPr/>
+                        <a:lstStyle/>
+                        <a:p>
+                          <a:pPr algn="ctr"/>
+                          <a:r>
+                            <a:rPr lang="fr-FR" dirty="0"/>
+                            <a:t>7.0</a:t>
+                          </a:r>
+                        </a:p>
+                      </a:txBody>
+                      <a:tcPr>
+                        <a:lnL w="12700" cap="flat" cmpd="sng" algn="ctr">
+                          <a:solidFill>
+                            <a:schemeClr val="tx1"/>
+                          </a:solidFill>
+                          <a:prstDash val="solid"/>
+                          <a:round/>
+                          <a:headEnd type="none" w="med" len="med"/>
+                          <a:tailEnd type="none" w="med" len="med"/>
+                        </a:lnL>
+                        <a:lnR w="12700" cap="flat" cmpd="sng" algn="ctr">
+                          <a:solidFill>
+                            <a:schemeClr val="tx1"/>
+                          </a:solidFill>
+                          <a:prstDash val="solid"/>
+                          <a:round/>
+                          <a:headEnd type="none" w="med" len="med"/>
+                          <a:tailEnd type="none" w="med" len="med"/>
+                        </a:lnR>
+                        <a:lnT w="12700" cap="flat" cmpd="sng" algn="ctr">
+                          <a:solidFill>
+                            <a:schemeClr val="tx1"/>
+                          </a:solidFill>
+                          <a:prstDash val="solid"/>
+                          <a:round/>
+                          <a:headEnd type="none" w="med" len="med"/>
+                          <a:tailEnd type="none" w="med" len="med"/>
+                        </a:lnT>
+                        <a:lnB w="12700" cap="flat" cmpd="sng" algn="ctr">
+                          <a:solidFill>
+                            <a:schemeClr val="tx1"/>
+                          </a:solidFill>
+                          <a:prstDash val="solid"/>
+                          <a:round/>
+                          <a:headEnd type="none" w="med" len="med"/>
+                          <a:tailEnd type="none" w="med" len="med"/>
+                        </a:lnB>
+                        <a:solidFill>
+                          <a:schemeClr val="bg1">
+                            <a:lumMod val="85000"/>
+                          </a:schemeClr>
+                        </a:solidFill>
+                      </a:tcPr>
+                    </a:tc>
+                    <a:extLst>
+                      <a:ext uri="{0D108BD9-81ED-4DB2-BD59-A6C34878D82A}">
+                        <a16:rowId xmlns:a16="http://schemas.microsoft.com/office/drawing/2014/main" val="2318536987"/>
+                      </a:ext>
+                    </a:extLst>
+                  </a:tr>
+                  <a:tr h="416405">
+                    <a:tc>
+                      <a:txBody>
+                        <a:bodyPr/>
+                        <a:lstStyle/>
+                        <a:p>
+                          <a:pPr algn="ctr"/>
+                          <a:r>
+                            <a:rPr lang="fr-FR" dirty="0"/>
+                            <a:t>2HB</a:t>
+                          </a:r>
+                        </a:p>
+                      </a:txBody>
+                      <a:tcPr>
+                        <a:lnL w="12700" cap="flat" cmpd="sng" algn="ctr">
+                          <a:solidFill>
+                            <a:schemeClr val="tx1"/>
+                          </a:solidFill>
+                          <a:prstDash val="solid"/>
+                          <a:round/>
+                          <a:headEnd type="none" w="med" len="med"/>
+                          <a:tailEnd type="none" w="med" len="med"/>
+                        </a:lnL>
+                        <a:lnR w="12700" cap="flat" cmpd="sng" algn="ctr">
+                          <a:solidFill>
+                            <a:schemeClr val="tx1"/>
+                          </a:solidFill>
+                          <a:prstDash val="solid"/>
+                          <a:round/>
+                          <a:headEnd type="none" w="med" len="med"/>
+                          <a:tailEnd type="none" w="med" len="med"/>
+                        </a:lnR>
+                        <a:lnT w="12700" cap="flat" cmpd="sng" algn="ctr">
+                          <a:solidFill>
+                            <a:schemeClr val="tx1"/>
+                          </a:solidFill>
+                          <a:prstDash val="solid"/>
+                          <a:round/>
+                          <a:headEnd type="none" w="med" len="med"/>
+                          <a:tailEnd type="none" w="med" len="med"/>
+                        </a:lnT>
+                        <a:lnB w="12700" cap="flat" cmpd="sng" algn="ctr">
+                          <a:solidFill>
+                            <a:schemeClr val="tx1"/>
+                          </a:solidFill>
+                          <a:prstDash val="solid"/>
+                          <a:round/>
+                          <a:headEnd type="none" w="med" len="med"/>
+                          <a:tailEnd type="none" w="med" len="med"/>
+                        </a:lnB>
+                        <a:solidFill>
+                          <a:schemeClr val="bg1">
+                            <a:lumMod val="75000"/>
+                          </a:schemeClr>
+                        </a:solidFill>
+                      </a:tcPr>
+                    </a:tc>
+                    <a:tc>
+                      <a:txBody>
+                        <a:bodyPr/>
+                        <a:lstStyle/>
+                        <a:p>
+                          <a:endParaRPr lang="fr-FR"/>
+                        </a:p>
+                      </a:txBody>
+                      <a:tcPr>
+                        <a:lnL w="12700" cap="flat" cmpd="sng" algn="ctr">
+                          <a:solidFill>
+                            <a:schemeClr val="tx1"/>
+                          </a:solidFill>
+                          <a:prstDash val="solid"/>
+                          <a:round/>
+                          <a:headEnd type="none" w="med" len="med"/>
+                          <a:tailEnd type="none" w="med" len="med"/>
+                        </a:lnL>
+                        <a:lnR w="12700" cap="flat" cmpd="sng" algn="ctr">
+                          <a:solidFill>
+                            <a:schemeClr val="tx1"/>
+                          </a:solidFill>
+                          <a:prstDash val="solid"/>
+                          <a:round/>
+                          <a:headEnd type="none" w="med" len="med"/>
+                          <a:tailEnd type="none" w="med" len="med"/>
+                        </a:lnR>
+                        <a:lnT w="12700" cap="flat" cmpd="sng" algn="ctr">
+                          <a:solidFill>
+                            <a:schemeClr val="tx1"/>
+                          </a:solidFill>
+                          <a:prstDash val="solid"/>
+                          <a:round/>
+                          <a:headEnd type="none" w="med" len="med"/>
+                          <a:tailEnd type="none" w="med" len="med"/>
+                        </a:lnT>
+                        <a:lnB w="12700" cap="flat" cmpd="sng" algn="ctr">
+                          <a:solidFill>
+                            <a:schemeClr val="tx1"/>
+                          </a:solidFill>
+                          <a:prstDash val="solid"/>
+                          <a:round/>
+                          <a:headEnd type="none" w="med" len="med"/>
+                          <a:tailEnd type="none" w="med" len="med"/>
+                        </a:lnB>
+                        <a:blipFill>
+                          <a:blip r:embed="rId5"/>
+                          <a:stretch>
+                            <a:fillRect l="-100485" t="-220290" r="-300971" b="-400000"/>
+                          </a:stretch>
+                        </a:blipFill>
+                      </a:tcPr>
+                    </a:tc>
+                    <a:tc>
+                      <a:txBody>
+                        <a:bodyPr/>
+                        <a:lstStyle/>
+                        <a:p>
+                          <a:pPr algn="ctr"/>
+                          <a:endParaRPr lang="fr-FR" dirty="0"/>
+                        </a:p>
+                      </a:txBody>
+                      <a:tcPr>
+                        <a:lnL w="12700" cap="flat" cmpd="sng" algn="ctr">
+                          <a:solidFill>
+                            <a:schemeClr val="tx1"/>
+                          </a:solidFill>
+                          <a:prstDash val="solid"/>
+                          <a:round/>
+                          <a:headEnd type="none" w="med" len="med"/>
+                          <a:tailEnd type="none" w="med" len="med"/>
+                        </a:lnL>
+                        <a:lnR w="12700" cap="flat" cmpd="sng" algn="ctr">
+                          <a:solidFill>
+                            <a:schemeClr val="tx1"/>
+                          </a:solidFill>
+                          <a:prstDash val="solid"/>
+                          <a:round/>
+                          <a:headEnd type="none" w="med" len="med"/>
+                          <a:tailEnd type="none" w="med" len="med"/>
+                        </a:lnR>
+                        <a:lnT w="12700" cap="flat" cmpd="sng" algn="ctr">
+                          <a:solidFill>
+                            <a:schemeClr val="tx1"/>
+                          </a:solidFill>
+                          <a:prstDash val="solid"/>
+                          <a:round/>
+                          <a:headEnd type="none" w="med" len="med"/>
+                          <a:tailEnd type="none" w="med" len="med"/>
+                        </a:lnT>
+                        <a:lnB w="12700" cap="flat" cmpd="sng" algn="ctr">
+                          <a:solidFill>
+                            <a:schemeClr val="tx1"/>
+                          </a:solidFill>
+                          <a:prstDash val="solid"/>
+                          <a:round/>
+                          <a:headEnd type="none" w="med" len="med"/>
+                          <a:tailEnd type="none" w="med" len="med"/>
+                        </a:lnB>
+                        <a:solidFill>
+                          <a:schemeClr val="bg1">
+                            <a:lumMod val="85000"/>
+                          </a:schemeClr>
+                        </a:solidFill>
+                      </a:tcPr>
+                    </a:tc>
+                    <a:tc>
+                      <a:txBody>
+                        <a:bodyPr/>
+                        <a:lstStyle/>
+                        <a:p>
+                          <a:pPr algn="ctr"/>
+                          <a:endParaRPr lang="fr-FR"/>
+                        </a:p>
+                      </a:txBody>
+                      <a:tcPr>
+                        <a:lnL w="12700" cap="flat" cmpd="sng" algn="ctr">
+                          <a:solidFill>
+                            <a:schemeClr val="tx1"/>
+                          </a:solidFill>
+                          <a:prstDash val="solid"/>
+                          <a:round/>
+                          <a:headEnd type="none" w="med" len="med"/>
+                          <a:tailEnd type="none" w="med" len="med"/>
+                        </a:lnL>
+                        <a:lnR w="12700" cap="flat" cmpd="sng" algn="ctr">
+                          <a:solidFill>
+                            <a:schemeClr val="tx1"/>
+                          </a:solidFill>
+                          <a:prstDash val="solid"/>
+                          <a:round/>
+                          <a:headEnd type="none" w="med" len="med"/>
+                          <a:tailEnd type="none" w="med" len="med"/>
+                        </a:lnR>
+                        <a:lnT w="12700" cap="flat" cmpd="sng" algn="ctr">
+                          <a:solidFill>
+                            <a:schemeClr val="tx1"/>
+                          </a:solidFill>
+                          <a:prstDash val="solid"/>
+                          <a:round/>
+                          <a:headEnd type="none" w="med" len="med"/>
+                          <a:tailEnd type="none" w="med" len="med"/>
+                        </a:lnT>
+                        <a:lnB w="12700" cap="flat" cmpd="sng" algn="ctr">
+                          <a:solidFill>
+                            <a:schemeClr val="tx1"/>
+                          </a:solidFill>
+                          <a:prstDash val="solid"/>
+                          <a:round/>
+                          <a:headEnd type="none" w="med" len="med"/>
+                          <a:tailEnd type="none" w="med" len="med"/>
+                        </a:lnB>
+                        <a:solidFill>
+                          <a:schemeClr val="bg1">
+                            <a:lumMod val="85000"/>
+                          </a:schemeClr>
+                        </a:solidFill>
+                      </a:tcPr>
+                    </a:tc>
+                    <a:tc>
+                      <a:txBody>
+                        <a:bodyPr/>
+                        <a:lstStyle/>
+                        <a:p>
+                          <a:pPr algn="ctr"/>
+                          <a:endParaRPr lang="fr-FR"/>
+                        </a:p>
+                      </a:txBody>
+                      <a:tcPr>
+                        <a:lnL w="12700" cap="flat" cmpd="sng" algn="ctr">
+                          <a:solidFill>
+                            <a:schemeClr val="tx1"/>
+                          </a:solidFill>
+                          <a:prstDash val="solid"/>
+                          <a:round/>
+                          <a:headEnd type="none" w="med" len="med"/>
+                          <a:tailEnd type="none" w="med" len="med"/>
+                        </a:lnL>
+                        <a:lnR w="12700" cap="flat" cmpd="sng" algn="ctr">
+                          <a:solidFill>
+                            <a:schemeClr val="tx1"/>
+                          </a:solidFill>
+                          <a:prstDash val="solid"/>
+                          <a:round/>
+                          <a:headEnd type="none" w="med" len="med"/>
+                          <a:tailEnd type="none" w="med" len="med"/>
+                        </a:lnR>
+                        <a:lnT w="12700" cap="flat" cmpd="sng" algn="ctr">
+                          <a:solidFill>
+                            <a:schemeClr val="tx1"/>
+                          </a:solidFill>
+                          <a:prstDash val="solid"/>
+                          <a:round/>
+                          <a:headEnd type="none" w="med" len="med"/>
+                          <a:tailEnd type="none" w="med" len="med"/>
+                        </a:lnT>
+                        <a:lnB w="12700" cap="flat" cmpd="sng" algn="ctr">
+                          <a:solidFill>
+                            <a:schemeClr val="tx1"/>
+                          </a:solidFill>
+                          <a:prstDash val="solid"/>
+                          <a:round/>
+                          <a:headEnd type="none" w="med" len="med"/>
+                          <a:tailEnd type="none" w="med" len="med"/>
+                        </a:lnB>
+                        <a:solidFill>
+                          <a:schemeClr val="bg1">
+                            <a:lumMod val="85000"/>
+                          </a:schemeClr>
+                        </a:solidFill>
+                      </a:tcPr>
+                    </a:tc>
+                    <a:extLst>
+                      <a:ext uri="{0D108BD9-81ED-4DB2-BD59-A6C34878D82A}">
+                        <a16:rowId xmlns:a16="http://schemas.microsoft.com/office/drawing/2014/main" val="3525235127"/>
+                      </a:ext>
+                    </a:extLst>
+                  </a:tr>
+                  <a:tr h="416405">
+                    <a:tc>
+                      <a:txBody>
+                        <a:bodyPr/>
+                        <a:lstStyle/>
+                        <a:p>
+                          <a:pPr algn="ctr"/>
+                          <a:r>
+                            <a:rPr lang="fr-FR" dirty="0"/>
+                            <a:t>B</a:t>
+                          </a:r>
+                        </a:p>
+                      </a:txBody>
+                      <a:tcPr>
+                        <a:lnL w="12700" cap="flat" cmpd="sng" algn="ctr">
+                          <a:solidFill>
+                            <a:schemeClr val="tx1"/>
+                          </a:solidFill>
+                          <a:prstDash val="solid"/>
+                          <a:round/>
+                          <a:headEnd type="none" w="med" len="med"/>
+                          <a:tailEnd type="none" w="med" len="med"/>
+                        </a:lnL>
+                        <a:lnR w="12700" cap="flat" cmpd="sng" algn="ctr">
+                          <a:solidFill>
+                            <a:schemeClr val="tx1"/>
+                          </a:solidFill>
+                          <a:prstDash val="solid"/>
+                          <a:round/>
+                          <a:headEnd type="none" w="med" len="med"/>
+                          <a:tailEnd type="none" w="med" len="med"/>
+                        </a:lnR>
+                        <a:lnT w="12700" cap="flat" cmpd="sng" algn="ctr">
+                          <a:solidFill>
+                            <a:schemeClr val="tx1"/>
+                          </a:solidFill>
+                          <a:prstDash val="solid"/>
+                          <a:round/>
+                          <a:headEnd type="none" w="med" len="med"/>
+                          <a:tailEnd type="none" w="med" len="med"/>
+                        </a:lnT>
+                        <a:lnB w="12700" cap="flat" cmpd="sng" algn="ctr">
+                          <a:solidFill>
+                            <a:schemeClr val="tx1"/>
+                          </a:solidFill>
+                          <a:prstDash val="solid"/>
+                          <a:round/>
+                          <a:headEnd type="none" w="med" len="med"/>
+                          <a:tailEnd type="none" w="med" len="med"/>
+                        </a:lnB>
+                        <a:solidFill>
+                          <a:schemeClr val="bg1">
+                            <a:lumMod val="75000"/>
+                          </a:schemeClr>
+                        </a:solidFill>
+                      </a:tcPr>
+                    </a:tc>
+                    <a:tc>
+                      <a:txBody>
+                        <a:bodyPr/>
+                        <a:lstStyle/>
+                        <a:p>
+                          <a:endParaRPr lang="fr-FR"/>
+                        </a:p>
+                      </a:txBody>
+                      <a:tcPr>
+                        <a:lnL w="12700" cap="flat" cmpd="sng" algn="ctr">
+                          <a:solidFill>
+                            <a:schemeClr val="tx1"/>
+                          </a:solidFill>
+                          <a:prstDash val="solid"/>
+                          <a:round/>
+                          <a:headEnd type="none" w="med" len="med"/>
+                          <a:tailEnd type="none" w="med" len="med"/>
+                        </a:lnL>
+                        <a:lnR w="12700" cap="flat" cmpd="sng" algn="ctr">
+                          <a:solidFill>
+                            <a:schemeClr val="tx1"/>
+                          </a:solidFill>
+                          <a:prstDash val="solid"/>
+                          <a:round/>
+                          <a:headEnd type="none" w="med" len="med"/>
+                          <a:tailEnd type="none" w="med" len="med"/>
+                        </a:lnR>
+                        <a:lnT w="12700" cap="flat" cmpd="sng" algn="ctr">
+                          <a:solidFill>
+                            <a:schemeClr val="tx1"/>
+                          </a:solidFill>
+                          <a:prstDash val="solid"/>
+                          <a:round/>
+                          <a:headEnd type="none" w="med" len="med"/>
+                          <a:tailEnd type="none" w="med" len="med"/>
+                        </a:lnT>
+                        <a:lnB w="12700" cap="flat" cmpd="sng" algn="ctr">
+                          <a:solidFill>
+                            <a:schemeClr val="tx1"/>
+                          </a:solidFill>
+                          <a:prstDash val="solid"/>
+                          <a:round/>
+                          <a:headEnd type="none" w="med" len="med"/>
+                          <a:tailEnd type="none" w="med" len="med"/>
+                        </a:lnB>
+                        <a:blipFill>
+                          <a:blip r:embed="rId5"/>
+                          <a:stretch>
+                            <a:fillRect l="-100485" t="-325000" r="-300971" b="-305882"/>
+                          </a:stretch>
+                        </a:blipFill>
+                      </a:tcPr>
+                    </a:tc>
+                    <a:tc>
+                      <a:txBody>
+                        <a:bodyPr/>
+                        <a:lstStyle/>
+                        <a:p>
+                          <a:pPr algn="ctr"/>
+                          <a:endParaRPr lang="fr-FR" dirty="0"/>
+                        </a:p>
+                      </a:txBody>
+                      <a:tcPr>
+                        <a:lnL w="12700" cap="flat" cmpd="sng" algn="ctr">
+                          <a:solidFill>
+                            <a:schemeClr val="tx1"/>
+                          </a:solidFill>
+                          <a:prstDash val="solid"/>
+                          <a:round/>
+                          <a:headEnd type="none" w="med" len="med"/>
+                          <a:tailEnd type="none" w="med" len="med"/>
+                        </a:lnL>
+                        <a:lnR w="12700" cap="flat" cmpd="sng" algn="ctr">
+                          <a:solidFill>
+                            <a:schemeClr val="tx1"/>
+                          </a:solidFill>
+                          <a:prstDash val="solid"/>
+                          <a:round/>
+                          <a:headEnd type="none" w="med" len="med"/>
+                          <a:tailEnd type="none" w="med" len="med"/>
+                        </a:lnR>
+                        <a:lnT w="12700" cap="flat" cmpd="sng" algn="ctr">
+                          <a:solidFill>
+                            <a:schemeClr val="tx1"/>
+                          </a:solidFill>
+                          <a:prstDash val="solid"/>
+                          <a:round/>
+                          <a:headEnd type="none" w="med" len="med"/>
+                          <a:tailEnd type="none" w="med" len="med"/>
+                        </a:lnT>
+                        <a:lnB w="12700" cap="flat" cmpd="sng" algn="ctr">
+                          <a:solidFill>
+                            <a:schemeClr val="tx1"/>
+                          </a:solidFill>
+                          <a:prstDash val="solid"/>
+                          <a:round/>
+                          <a:headEnd type="none" w="med" len="med"/>
+                          <a:tailEnd type="none" w="med" len="med"/>
+                        </a:lnB>
+                        <a:solidFill>
+                          <a:schemeClr val="bg1">
+                            <a:lumMod val="85000"/>
+                          </a:schemeClr>
+                        </a:solidFill>
+                      </a:tcPr>
+                    </a:tc>
+                    <a:tc>
+                      <a:txBody>
+                        <a:bodyPr/>
+                        <a:lstStyle/>
+                        <a:p>
+                          <a:pPr algn="ctr"/>
+                          <a:endParaRPr lang="fr-FR" dirty="0"/>
+                        </a:p>
+                      </a:txBody>
+                      <a:tcPr>
+                        <a:lnL w="12700" cap="flat" cmpd="sng" algn="ctr">
+                          <a:solidFill>
+                            <a:schemeClr val="tx1"/>
+                          </a:solidFill>
+                          <a:prstDash val="solid"/>
+                          <a:round/>
+                          <a:headEnd type="none" w="med" len="med"/>
+                          <a:tailEnd type="none" w="med" len="med"/>
+                        </a:lnL>
+                        <a:lnR w="12700" cap="flat" cmpd="sng" algn="ctr">
+                          <a:solidFill>
+                            <a:schemeClr val="tx1"/>
+                          </a:solidFill>
+                          <a:prstDash val="solid"/>
+                          <a:round/>
+                          <a:headEnd type="none" w="med" len="med"/>
+                          <a:tailEnd type="none" w="med" len="med"/>
+                        </a:lnR>
+                        <a:lnT w="12700" cap="flat" cmpd="sng" algn="ctr">
+                          <a:solidFill>
+                            <a:schemeClr val="tx1"/>
+                          </a:solidFill>
+                          <a:prstDash val="solid"/>
+                          <a:round/>
+                          <a:headEnd type="none" w="med" len="med"/>
+                          <a:tailEnd type="none" w="med" len="med"/>
+                        </a:lnT>
+                        <a:lnB w="12700" cap="flat" cmpd="sng" algn="ctr">
+                          <a:solidFill>
+                            <a:schemeClr val="tx1"/>
+                          </a:solidFill>
+                          <a:prstDash val="solid"/>
+                          <a:round/>
+                          <a:headEnd type="none" w="med" len="med"/>
+                          <a:tailEnd type="none" w="med" len="med"/>
+                        </a:lnB>
+                        <a:solidFill>
+                          <a:schemeClr val="bg1">
+                            <a:lumMod val="85000"/>
+                          </a:schemeClr>
+                        </a:solidFill>
+                      </a:tcPr>
+                    </a:tc>
+                    <a:tc>
+                      <a:txBody>
+                        <a:bodyPr/>
+                        <a:lstStyle/>
+                        <a:p>
+                          <a:pPr algn="ctr"/>
+                          <a:endParaRPr lang="fr-FR"/>
+                        </a:p>
+                      </a:txBody>
+                      <a:tcPr>
+                        <a:lnL w="12700" cap="flat" cmpd="sng" algn="ctr">
+                          <a:solidFill>
+                            <a:schemeClr val="tx1"/>
+                          </a:solidFill>
+                          <a:prstDash val="solid"/>
+                          <a:round/>
+                          <a:headEnd type="none" w="med" len="med"/>
+                          <a:tailEnd type="none" w="med" len="med"/>
+                        </a:lnL>
+                        <a:lnR w="12700" cap="flat" cmpd="sng" algn="ctr">
+                          <a:solidFill>
+                            <a:schemeClr val="tx1"/>
+                          </a:solidFill>
+                          <a:prstDash val="solid"/>
+                          <a:round/>
+                          <a:headEnd type="none" w="med" len="med"/>
+                          <a:tailEnd type="none" w="med" len="med"/>
+                        </a:lnR>
+                        <a:lnT w="12700" cap="flat" cmpd="sng" algn="ctr">
+                          <a:solidFill>
+                            <a:schemeClr val="tx1"/>
+                          </a:solidFill>
+                          <a:prstDash val="solid"/>
+                          <a:round/>
+                          <a:headEnd type="none" w="med" len="med"/>
+                          <a:tailEnd type="none" w="med" len="med"/>
+                        </a:lnT>
+                        <a:lnB w="12700" cap="flat" cmpd="sng" algn="ctr">
+                          <a:solidFill>
+                            <a:schemeClr val="tx1"/>
+                          </a:solidFill>
+                          <a:prstDash val="solid"/>
+                          <a:round/>
+                          <a:headEnd type="none" w="med" len="med"/>
+                          <a:tailEnd type="none" w="med" len="med"/>
+                        </a:lnB>
+                        <a:solidFill>
+                          <a:schemeClr val="bg1">
+                            <a:lumMod val="85000"/>
+                          </a:schemeClr>
+                        </a:solidFill>
+                      </a:tcPr>
+                    </a:tc>
+                    <a:extLst>
+                      <a:ext uri="{0D108BD9-81ED-4DB2-BD59-A6C34878D82A}">
+                        <a16:rowId xmlns:a16="http://schemas.microsoft.com/office/drawing/2014/main" val="105072542"/>
+                      </a:ext>
+                    </a:extLst>
+                  </a:tr>
+                  <a:tr h="416405">
+                    <a:tc>
+                      <a:txBody>
+                        <a:bodyPr/>
+                        <a:lstStyle/>
+                        <a:p>
+                          <a:pPr algn="ctr"/>
+                          <a:r>
+                            <a:rPr lang="fr-FR" dirty="0"/>
+                            <a:t>2B</a:t>
+                          </a:r>
+                        </a:p>
+                      </a:txBody>
+                      <a:tcPr>
+                        <a:lnL w="12700" cap="flat" cmpd="sng" algn="ctr">
+                          <a:solidFill>
+                            <a:schemeClr val="tx1"/>
+                          </a:solidFill>
+                          <a:prstDash val="solid"/>
+                          <a:round/>
+                          <a:headEnd type="none" w="med" len="med"/>
+                          <a:tailEnd type="none" w="med" len="med"/>
+                        </a:lnL>
+                        <a:lnR w="12700" cap="flat" cmpd="sng" algn="ctr">
+                          <a:solidFill>
+                            <a:schemeClr val="tx1"/>
+                          </a:solidFill>
+                          <a:prstDash val="solid"/>
+                          <a:round/>
+                          <a:headEnd type="none" w="med" len="med"/>
+                          <a:tailEnd type="none" w="med" len="med"/>
+                        </a:lnR>
+                        <a:lnT w="12700" cap="flat" cmpd="sng" algn="ctr">
+                          <a:solidFill>
+                            <a:schemeClr val="tx1"/>
+                          </a:solidFill>
+                          <a:prstDash val="solid"/>
+                          <a:round/>
+                          <a:headEnd type="none" w="med" len="med"/>
+                          <a:tailEnd type="none" w="med" len="med"/>
+                        </a:lnT>
+                        <a:lnB w="12700" cap="flat" cmpd="sng" algn="ctr">
+                          <a:solidFill>
+                            <a:schemeClr val="tx1"/>
+                          </a:solidFill>
+                          <a:prstDash val="solid"/>
+                          <a:round/>
+                          <a:headEnd type="none" w="med" len="med"/>
+                          <a:tailEnd type="none" w="med" len="med"/>
+                        </a:lnB>
+                        <a:solidFill>
+                          <a:schemeClr val="bg1">
+                            <a:lumMod val="75000"/>
+                          </a:schemeClr>
+                        </a:solidFill>
+                      </a:tcPr>
+                    </a:tc>
+                    <a:tc>
+                      <a:txBody>
+                        <a:bodyPr/>
+                        <a:lstStyle/>
+                        <a:p>
+                          <a:endParaRPr lang="fr-FR"/>
+                        </a:p>
+                      </a:txBody>
+                      <a:tcPr>
+                        <a:lnL w="12700" cap="flat" cmpd="sng" algn="ctr">
+                          <a:solidFill>
+                            <a:schemeClr val="tx1"/>
+                          </a:solidFill>
+                          <a:prstDash val="solid"/>
+                          <a:round/>
+                          <a:headEnd type="none" w="med" len="med"/>
+                          <a:tailEnd type="none" w="med" len="med"/>
+                        </a:lnL>
+                        <a:lnR w="12700" cap="flat" cmpd="sng" algn="ctr">
+                          <a:solidFill>
+                            <a:schemeClr val="tx1"/>
+                          </a:solidFill>
+                          <a:prstDash val="solid"/>
+                          <a:round/>
+                          <a:headEnd type="none" w="med" len="med"/>
+                          <a:tailEnd type="none" w="med" len="med"/>
+                        </a:lnR>
+                        <a:lnT w="12700" cap="flat" cmpd="sng" algn="ctr">
+                          <a:solidFill>
+                            <a:schemeClr val="tx1"/>
+                          </a:solidFill>
+                          <a:prstDash val="solid"/>
+                          <a:round/>
+                          <a:headEnd type="none" w="med" len="med"/>
+                          <a:tailEnd type="none" w="med" len="med"/>
+                        </a:lnT>
+                        <a:lnB w="12700" cap="flat" cmpd="sng" algn="ctr">
+                          <a:solidFill>
+                            <a:schemeClr val="tx1"/>
+                          </a:solidFill>
+                          <a:prstDash val="solid"/>
+                          <a:round/>
+                          <a:headEnd type="none" w="med" len="med"/>
+                          <a:tailEnd type="none" w="med" len="med"/>
+                        </a:lnB>
+                        <a:blipFill>
+                          <a:blip r:embed="rId5"/>
+                          <a:stretch>
+                            <a:fillRect l="-100485" t="-418841" r="-300971" b="-201449"/>
+                          </a:stretch>
+                        </a:blipFill>
+                      </a:tcPr>
+                    </a:tc>
+                    <a:tc>
+                      <a:txBody>
+                        <a:bodyPr/>
+                        <a:lstStyle/>
+                        <a:p>
+                          <a:pPr algn="ctr"/>
+                          <a:endParaRPr lang="fr-FR" dirty="0"/>
+                        </a:p>
+                      </a:txBody>
+                      <a:tcPr>
+                        <a:lnL w="12700" cap="flat" cmpd="sng" algn="ctr">
+                          <a:solidFill>
+                            <a:schemeClr val="tx1"/>
+                          </a:solidFill>
+                          <a:prstDash val="solid"/>
+                          <a:round/>
+                          <a:headEnd type="none" w="med" len="med"/>
+                          <a:tailEnd type="none" w="med" len="med"/>
+                        </a:lnL>
+                        <a:lnR w="12700" cap="flat" cmpd="sng" algn="ctr">
+                          <a:solidFill>
+                            <a:schemeClr val="tx1"/>
+                          </a:solidFill>
+                          <a:prstDash val="solid"/>
+                          <a:round/>
+                          <a:headEnd type="none" w="med" len="med"/>
+                          <a:tailEnd type="none" w="med" len="med"/>
+                        </a:lnR>
+                        <a:lnT w="12700" cap="flat" cmpd="sng" algn="ctr">
+                          <a:solidFill>
+                            <a:schemeClr val="tx1"/>
+                          </a:solidFill>
+                          <a:prstDash val="solid"/>
+                          <a:round/>
+                          <a:headEnd type="none" w="med" len="med"/>
+                          <a:tailEnd type="none" w="med" len="med"/>
+                        </a:lnT>
+                        <a:lnB w="12700" cap="flat" cmpd="sng" algn="ctr">
+                          <a:solidFill>
+                            <a:schemeClr val="tx1"/>
+                          </a:solidFill>
+                          <a:prstDash val="solid"/>
+                          <a:round/>
+                          <a:headEnd type="none" w="med" len="med"/>
+                          <a:tailEnd type="none" w="med" len="med"/>
+                        </a:lnB>
+                        <a:solidFill>
+                          <a:schemeClr val="bg1">
+                            <a:lumMod val="85000"/>
+                          </a:schemeClr>
+                        </a:solidFill>
+                      </a:tcPr>
+                    </a:tc>
+                    <a:tc>
+                      <a:txBody>
+                        <a:bodyPr/>
+                        <a:lstStyle/>
+                        <a:p>
+                          <a:pPr algn="ctr"/>
+                          <a:endParaRPr lang="fr-FR" dirty="0"/>
+                        </a:p>
+                      </a:txBody>
+                      <a:tcPr>
+                        <a:lnL w="12700" cap="flat" cmpd="sng" algn="ctr">
+                          <a:solidFill>
+                            <a:schemeClr val="tx1"/>
+                          </a:solidFill>
+                          <a:prstDash val="solid"/>
+                          <a:round/>
+                          <a:headEnd type="none" w="med" len="med"/>
+                          <a:tailEnd type="none" w="med" len="med"/>
+                        </a:lnL>
+                        <a:lnR w="12700" cap="flat" cmpd="sng" algn="ctr">
+                          <a:solidFill>
+                            <a:schemeClr val="tx1"/>
+                          </a:solidFill>
+                          <a:prstDash val="solid"/>
+                          <a:round/>
+                          <a:headEnd type="none" w="med" len="med"/>
+                          <a:tailEnd type="none" w="med" len="med"/>
+                        </a:lnR>
+                        <a:lnT w="12700" cap="flat" cmpd="sng" algn="ctr">
+                          <a:solidFill>
+                            <a:schemeClr val="tx1"/>
+                          </a:solidFill>
+                          <a:prstDash val="solid"/>
+                          <a:round/>
+                          <a:headEnd type="none" w="med" len="med"/>
+                          <a:tailEnd type="none" w="med" len="med"/>
+                        </a:lnT>
+                        <a:lnB w="12700" cap="flat" cmpd="sng" algn="ctr">
+                          <a:solidFill>
+                            <a:schemeClr val="tx1"/>
+                          </a:solidFill>
+                          <a:prstDash val="solid"/>
+                          <a:round/>
+                          <a:headEnd type="none" w="med" len="med"/>
+                          <a:tailEnd type="none" w="med" len="med"/>
+                        </a:lnB>
+                        <a:solidFill>
+                          <a:schemeClr val="bg1">
+                            <a:lumMod val="85000"/>
+                          </a:schemeClr>
+                        </a:solidFill>
+                      </a:tcPr>
+                    </a:tc>
+                    <a:tc>
+                      <a:txBody>
+                        <a:bodyPr/>
+                        <a:lstStyle/>
+                        <a:p>
+                          <a:pPr algn="ctr"/>
+                          <a:endParaRPr lang="fr-FR" dirty="0"/>
+                        </a:p>
+                      </a:txBody>
+                      <a:tcPr>
+                        <a:lnL w="12700" cap="flat" cmpd="sng" algn="ctr">
+                          <a:solidFill>
+                            <a:schemeClr val="tx1"/>
+                          </a:solidFill>
+                          <a:prstDash val="solid"/>
+                          <a:round/>
+                          <a:headEnd type="none" w="med" len="med"/>
+                          <a:tailEnd type="none" w="med" len="med"/>
+                        </a:lnL>
+                        <a:lnR w="12700" cap="flat" cmpd="sng" algn="ctr">
+                          <a:solidFill>
+                            <a:schemeClr val="tx1"/>
+                          </a:solidFill>
+                          <a:prstDash val="solid"/>
+                          <a:round/>
+                          <a:headEnd type="none" w="med" len="med"/>
+                          <a:tailEnd type="none" w="med" len="med"/>
+                        </a:lnR>
+                        <a:lnT w="12700" cap="flat" cmpd="sng" algn="ctr">
+                          <a:solidFill>
+                            <a:schemeClr val="tx1"/>
+                          </a:solidFill>
+                          <a:prstDash val="solid"/>
+                          <a:round/>
+                          <a:headEnd type="none" w="med" len="med"/>
+                          <a:tailEnd type="none" w="med" len="med"/>
+                        </a:lnT>
+                        <a:lnB w="12700" cap="flat" cmpd="sng" algn="ctr">
+                          <a:solidFill>
+                            <a:schemeClr val="tx1"/>
+                          </a:solidFill>
+                          <a:prstDash val="solid"/>
+                          <a:round/>
+                          <a:headEnd type="none" w="med" len="med"/>
+                          <a:tailEnd type="none" w="med" len="med"/>
+                        </a:lnB>
+                        <a:solidFill>
+                          <a:schemeClr val="bg1">
+                            <a:lumMod val="85000"/>
+                          </a:schemeClr>
+                        </a:solidFill>
+                      </a:tcPr>
+                    </a:tc>
+                    <a:extLst>
+                      <a:ext uri="{0D108BD9-81ED-4DB2-BD59-A6C34878D82A}">
+                        <a16:rowId xmlns:a16="http://schemas.microsoft.com/office/drawing/2014/main" val="338648113"/>
+                      </a:ext>
+                    </a:extLst>
+                  </a:tr>
+                  <a:tr h="416405">
+                    <a:tc>
+                      <a:txBody>
+                        <a:bodyPr/>
+                        <a:lstStyle/>
+                        <a:p>
+                          <a:pPr algn="ctr"/>
+                          <a:r>
+                            <a:rPr lang="fr-FR" dirty="0"/>
+                            <a:t>3B</a:t>
+                          </a:r>
+                        </a:p>
+                      </a:txBody>
+                      <a:tcPr>
+                        <a:lnL w="12700" cap="flat" cmpd="sng" algn="ctr">
+                          <a:solidFill>
+                            <a:schemeClr val="tx1"/>
+                          </a:solidFill>
+                          <a:prstDash val="solid"/>
+                          <a:round/>
+                          <a:headEnd type="none" w="med" len="med"/>
+                          <a:tailEnd type="none" w="med" len="med"/>
+                        </a:lnL>
+                        <a:lnR w="12700" cap="flat" cmpd="sng" algn="ctr">
+                          <a:solidFill>
+                            <a:schemeClr val="tx1"/>
+                          </a:solidFill>
+                          <a:prstDash val="solid"/>
+                          <a:round/>
+                          <a:headEnd type="none" w="med" len="med"/>
+                          <a:tailEnd type="none" w="med" len="med"/>
+                        </a:lnR>
+                        <a:lnT w="12700" cap="flat" cmpd="sng" algn="ctr">
+                          <a:solidFill>
+                            <a:schemeClr val="tx1"/>
+                          </a:solidFill>
+                          <a:prstDash val="solid"/>
+                          <a:round/>
+                          <a:headEnd type="none" w="med" len="med"/>
+                          <a:tailEnd type="none" w="med" len="med"/>
+                        </a:lnT>
+                        <a:lnB w="12700" cap="flat" cmpd="sng" algn="ctr">
+                          <a:solidFill>
+                            <a:schemeClr val="tx1"/>
+                          </a:solidFill>
+                          <a:prstDash val="solid"/>
+                          <a:round/>
+                          <a:headEnd type="none" w="med" len="med"/>
+                          <a:tailEnd type="none" w="med" len="med"/>
+                        </a:lnB>
+                        <a:solidFill>
+                          <a:schemeClr val="bg1">
+                            <a:lumMod val="75000"/>
+                          </a:schemeClr>
+                        </a:solidFill>
+                      </a:tcPr>
+                    </a:tc>
+                    <a:tc>
+                      <a:txBody>
+                        <a:bodyPr/>
+                        <a:lstStyle/>
+                        <a:p>
+                          <a:endParaRPr lang="fr-FR"/>
+                        </a:p>
+                      </a:txBody>
+                      <a:tcPr>
+                        <a:lnL w="12700" cap="flat" cmpd="sng" algn="ctr">
+                          <a:solidFill>
+                            <a:schemeClr val="tx1"/>
+                          </a:solidFill>
+                          <a:prstDash val="solid"/>
+                          <a:round/>
+                          <a:headEnd type="none" w="med" len="med"/>
+                          <a:tailEnd type="none" w="med" len="med"/>
+                        </a:lnL>
+                        <a:lnR w="12700" cap="flat" cmpd="sng" algn="ctr">
+                          <a:solidFill>
+                            <a:schemeClr val="tx1"/>
+                          </a:solidFill>
+                          <a:prstDash val="solid"/>
+                          <a:round/>
+                          <a:headEnd type="none" w="med" len="med"/>
+                          <a:tailEnd type="none" w="med" len="med"/>
+                        </a:lnR>
+                        <a:lnT w="12700" cap="flat" cmpd="sng" algn="ctr">
+                          <a:solidFill>
+                            <a:schemeClr val="tx1"/>
+                          </a:solidFill>
+                          <a:prstDash val="solid"/>
+                          <a:round/>
+                          <a:headEnd type="none" w="med" len="med"/>
+                          <a:tailEnd type="none" w="med" len="med"/>
+                        </a:lnT>
+                        <a:lnB w="12700" cap="flat" cmpd="sng" algn="ctr">
+                          <a:solidFill>
+                            <a:schemeClr val="tx1"/>
+                          </a:solidFill>
+                          <a:prstDash val="solid"/>
+                          <a:round/>
+                          <a:headEnd type="none" w="med" len="med"/>
+                          <a:tailEnd type="none" w="med" len="med"/>
+                        </a:lnB>
+                        <a:blipFill>
+                          <a:blip r:embed="rId5"/>
+                          <a:stretch>
+                            <a:fillRect l="-100485" t="-526471" r="-300971" b="-104412"/>
+                          </a:stretch>
+                        </a:blipFill>
+                      </a:tcPr>
+                    </a:tc>
+                    <a:tc>
+                      <a:txBody>
+                        <a:bodyPr/>
+                        <a:lstStyle/>
+                        <a:p>
+                          <a:pPr algn="ctr"/>
+                          <a:endParaRPr lang="fr-FR"/>
+                        </a:p>
+                      </a:txBody>
+                      <a:tcPr>
+                        <a:lnL w="12700" cap="flat" cmpd="sng" algn="ctr">
+                          <a:solidFill>
+                            <a:schemeClr val="tx1"/>
+                          </a:solidFill>
+                          <a:prstDash val="solid"/>
+                          <a:round/>
+                          <a:headEnd type="none" w="med" len="med"/>
+                          <a:tailEnd type="none" w="med" len="med"/>
+                        </a:lnL>
+                        <a:lnR w="12700" cap="flat" cmpd="sng" algn="ctr">
+                          <a:solidFill>
+                            <a:schemeClr val="tx1"/>
+                          </a:solidFill>
+                          <a:prstDash val="solid"/>
+                          <a:round/>
+                          <a:headEnd type="none" w="med" len="med"/>
+                          <a:tailEnd type="none" w="med" len="med"/>
+                        </a:lnR>
+                        <a:lnT w="12700" cap="flat" cmpd="sng" algn="ctr">
+                          <a:solidFill>
+                            <a:schemeClr val="tx1"/>
+                          </a:solidFill>
+                          <a:prstDash val="solid"/>
+                          <a:round/>
+                          <a:headEnd type="none" w="med" len="med"/>
+                          <a:tailEnd type="none" w="med" len="med"/>
+                        </a:lnT>
+                        <a:lnB w="12700" cap="flat" cmpd="sng" algn="ctr">
+                          <a:solidFill>
+                            <a:schemeClr val="tx1"/>
+                          </a:solidFill>
+                          <a:prstDash val="solid"/>
+                          <a:round/>
+                          <a:headEnd type="none" w="med" len="med"/>
+                          <a:tailEnd type="none" w="med" len="med"/>
+                        </a:lnB>
+                        <a:solidFill>
+                          <a:schemeClr val="bg1">
+                            <a:lumMod val="85000"/>
+                          </a:schemeClr>
+                        </a:solidFill>
+                      </a:tcPr>
+                    </a:tc>
+                    <a:tc>
+                      <a:txBody>
+                        <a:bodyPr/>
+                        <a:lstStyle/>
+                        <a:p>
+                          <a:pPr algn="ctr"/>
+                          <a:endParaRPr lang="fr-FR" dirty="0"/>
+                        </a:p>
+                      </a:txBody>
+                      <a:tcPr>
+                        <a:lnL w="12700" cap="flat" cmpd="sng" algn="ctr">
+                          <a:solidFill>
+                            <a:schemeClr val="tx1"/>
+                          </a:solidFill>
+                          <a:prstDash val="solid"/>
+                          <a:round/>
+                          <a:headEnd type="none" w="med" len="med"/>
+                          <a:tailEnd type="none" w="med" len="med"/>
+                        </a:lnL>
+                        <a:lnR w="12700" cap="flat" cmpd="sng" algn="ctr">
+                          <a:solidFill>
+                            <a:schemeClr val="tx1"/>
+                          </a:solidFill>
+                          <a:prstDash val="solid"/>
+                          <a:round/>
+                          <a:headEnd type="none" w="med" len="med"/>
+                          <a:tailEnd type="none" w="med" len="med"/>
+                        </a:lnR>
+                        <a:lnT w="12700" cap="flat" cmpd="sng" algn="ctr">
+                          <a:solidFill>
+                            <a:schemeClr val="tx1"/>
+                          </a:solidFill>
+                          <a:prstDash val="solid"/>
+                          <a:round/>
+                          <a:headEnd type="none" w="med" len="med"/>
+                          <a:tailEnd type="none" w="med" len="med"/>
+                        </a:lnT>
+                        <a:lnB w="12700" cap="flat" cmpd="sng" algn="ctr">
+                          <a:solidFill>
+                            <a:schemeClr val="tx1"/>
+                          </a:solidFill>
+                          <a:prstDash val="solid"/>
+                          <a:round/>
+                          <a:headEnd type="none" w="med" len="med"/>
+                          <a:tailEnd type="none" w="med" len="med"/>
+                        </a:lnB>
+                        <a:solidFill>
+                          <a:schemeClr val="bg1">
+                            <a:lumMod val="85000"/>
+                          </a:schemeClr>
+                        </a:solidFill>
+                      </a:tcPr>
+                    </a:tc>
+                    <a:tc>
+                      <a:txBody>
+                        <a:bodyPr/>
+                        <a:lstStyle/>
+                        <a:p>
+                          <a:pPr algn="ctr"/>
+                          <a:endParaRPr lang="fr-FR" dirty="0"/>
+                        </a:p>
+                      </a:txBody>
+                      <a:tcPr>
+                        <a:lnL w="12700" cap="flat" cmpd="sng" algn="ctr">
+                          <a:solidFill>
+                            <a:schemeClr val="tx1"/>
+                          </a:solidFill>
+                          <a:prstDash val="solid"/>
+                          <a:round/>
+                          <a:headEnd type="none" w="med" len="med"/>
+                          <a:tailEnd type="none" w="med" len="med"/>
+                        </a:lnL>
+                        <a:lnR w="12700" cap="flat" cmpd="sng" algn="ctr">
+                          <a:solidFill>
+                            <a:schemeClr val="tx1"/>
+                          </a:solidFill>
+                          <a:prstDash val="solid"/>
+                          <a:round/>
+                          <a:headEnd type="none" w="med" len="med"/>
+                          <a:tailEnd type="none" w="med" len="med"/>
+                        </a:lnR>
+                        <a:lnT w="12700" cap="flat" cmpd="sng" algn="ctr">
+                          <a:solidFill>
+                            <a:schemeClr val="tx1"/>
+                          </a:solidFill>
+                          <a:prstDash val="solid"/>
+                          <a:round/>
+                          <a:headEnd type="none" w="med" len="med"/>
+                          <a:tailEnd type="none" w="med" len="med"/>
+                        </a:lnT>
+                        <a:lnB w="12700" cap="flat" cmpd="sng" algn="ctr">
+                          <a:solidFill>
+                            <a:schemeClr val="tx1"/>
+                          </a:solidFill>
+                          <a:prstDash val="solid"/>
+                          <a:round/>
+                          <a:headEnd type="none" w="med" len="med"/>
+                          <a:tailEnd type="none" w="med" len="med"/>
+                        </a:lnB>
+                        <a:solidFill>
+                          <a:schemeClr val="bg1">
+                            <a:lumMod val="85000"/>
+                          </a:schemeClr>
+                        </a:solidFill>
+                      </a:tcPr>
+                    </a:tc>
+                    <a:extLst>
+                      <a:ext uri="{0D108BD9-81ED-4DB2-BD59-A6C34878D82A}">
+                        <a16:rowId xmlns:a16="http://schemas.microsoft.com/office/drawing/2014/main" val="1285524678"/>
+                      </a:ext>
+                    </a:extLst>
+                  </a:tr>
+                  <a:tr h="416405">
+                    <a:tc>
+                      <a:txBody>
+                        <a:bodyPr/>
+                        <a:lstStyle/>
+                        <a:p>
+                          <a:pPr algn="ctr"/>
+                          <a:r>
+                            <a:rPr lang="fr-FR" dirty="0"/>
+                            <a:t>5B</a:t>
+                          </a:r>
+                        </a:p>
+                      </a:txBody>
+                      <a:tcPr>
+                        <a:lnL w="12700" cap="flat" cmpd="sng" algn="ctr">
+                          <a:solidFill>
+                            <a:schemeClr val="tx1"/>
+                          </a:solidFill>
+                          <a:prstDash val="solid"/>
+                          <a:round/>
+                          <a:headEnd type="none" w="med" len="med"/>
+                          <a:tailEnd type="none" w="med" len="med"/>
+                        </a:lnL>
+                        <a:lnR w="12700" cap="flat" cmpd="sng" algn="ctr">
+                          <a:solidFill>
+                            <a:schemeClr val="tx1"/>
+                          </a:solidFill>
+                          <a:prstDash val="solid"/>
+                          <a:round/>
+                          <a:headEnd type="none" w="med" len="med"/>
+                          <a:tailEnd type="none" w="med" len="med"/>
+                        </a:lnR>
+                        <a:lnT w="12700" cap="flat" cmpd="sng" algn="ctr">
+                          <a:solidFill>
+                            <a:schemeClr val="tx1"/>
+                          </a:solidFill>
+                          <a:prstDash val="solid"/>
+                          <a:round/>
+                          <a:headEnd type="none" w="med" len="med"/>
+                          <a:tailEnd type="none" w="med" len="med"/>
+                        </a:lnT>
+                        <a:lnB w="12700" cap="flat" cmpd="sng" algn="ctr">
+                          <a:solidFill>
+                            <a:schemeClr val="tx1"/>
+                          </a:solidFill>
+                          <a:prstDash val="solid"/>
+                          <a:round/>
+                          <a:headEnd type="none" w="med" len="med"/>
+                          <a:tailEnd type="none" w="med" len="med"/>
+                        </a:lnB>
+                        <a:solidFill>
+                          <a:schemeClr val="bg1">
+                            <a:lumMod val="75000"/>
+                          </a:schemeClr>
+                        </a:solidFill>
+                      </a:tcPr>
+                    </a:tc>
+                    <a:tc>
+                      <a:txBody>
+                        <a:bodyPr/>
+                        <a:lstStyle/>
+                        <a:p>
+                          <a:endParaRPr lang="fr-FR"/>
+                        </a:p>
+                      </a:txBody>
+                      <a:tcPr>
+                        <a:lnL w="12700" cap="flat" cmpd="sng" algn="ctr">
+                          <a:solidFill>
+                            <a:schemeClr val="tx1"/>
+                          </a:solidFill>
+                          <a:prstDash val="solid"/>
+                          <a:round/>
+                          <a:headEnd type="none" w="med" len="med"/>
+                          <a:tailEnd type="none" w="med" len="med"/>
+                        </a:lnL>
+                        <a:lnR w="12700" cap="flat" cmpd="sng" algn="ctr">
+                          <a:solidFill>
+                            <a:schemeClr val="tx1"/>
+                          </a:solidFill>
+                          <a:prstDash val="solid"/>
+                          <a:round/>
+                          <a:headEnd type="none" w="med" len="med"/>
+                          <a:tailEnd type="none" w="med" len="med"/>
+                        </a:lnR>
+                        <a:lnT w="12700" cap="flat" cmpd="sng" algn="ctr">
+                          <a:solidFill>
+                            <a:schemeClr val="tx1"/>
+                          </a:solidFill>
+                          <a:prstDash val="solid"/>
+                          <a:round/>
+                          <a:headEnd type="none" w="med" len="med"/>
+                          <a:tailEnd type="none" w="med" len="med"/>
+                        </a:lnT>
+                        <a:lnB w="12700" cap="flat" cmpd="sng" algn="ctr">
+                          <a:solidFill>
+                            <a:schemeClr val="tx1"/>
+                          </a:solidFill>
+                          <a:prstDash val="solid"/>
+                          <a:round/>
+                          <a:headEnd type="none" w="med" len="med"/>
+                          <a:tailEnd type="none" w="med" len="med"/>
+                        </a:lnB>
+                        <a:blipFill>
+                          <a:blip r:embed="rId5"/>
+                          <a:stretch>
+                            <a:fillRect l="-100485" t="-617391" r="-300971" b="-2899"/>
+                          </a:stretch>
+                        </a:blipFill>
+                      </a:tcPr>
+                    </a:tc>
+                    <a:tc>
+                      <a:txBody>
+                        <a:bodyPr/>
+                        <a:lstStyle/>
+                        <a:p>
+                          <a:pPr algn="ctr"/>
+                          <a:endParaRPr lang="fr-FR" dirty="0"/>
+                        </a:p>
+                      </a:txBody>
+                      <a:tcPr>
+                        <a:lnL w="12700" cap="flat" cmpd="sng" algn="ctr">
+                          <a:solidFill>
+                            <a:schemeClr val="tx1"/>
+                          </a:solidFill>
+                          <a:prstDash val="solid"/>
+                          <a:round/>
+                          <a:headEnd type="none" w="med" len="med"/>
+                          <a:tailEnd type="none" w="med" len="med"/>
+                        </a:lnL>
+                        <a:lnR w="12700" cap="flat" cmpd="sng" algn="ctr">
+                          <a:solidFill>
+                            <a:schemeClr val="tx1"/>
+                          </a:solidFill>
+                          <a:prstDash val="solid"/>
+                          <a:round/>
+                          <a:headEnd type="none" w="med" len="med"/>
+                          <a:tailEnd type="none" w="med" len="med"/>
+                        </a:lnR>
+                        <a:lnT w="12700" cap="flat" cmpd="sng" algn="ctr">
+                          <a:solidFill>
+                            <a:schemeClr val="tx1"/>
+                          </a:solidFill>
+                          <a:prstDash val="solid"/>
+                          <a:round/>
+                          <a:headEnd type="none" w="med" len="med"/>
+                          <a:tailEnd type="none" w="med" len="med"/>
+                        </a:lnT>
+                        <a:lnB w="12700" cap="flat" cmpd="sng" algn="ctr">
+                          <a:solidFill>
+                            <a:schemeClr val="tx1"/>
+                          </a:solidFill>
+                          <a:prstDash val="solid"/>
+                          <a:round/>
+                          <a:headEnd type="none" w="med" len="med"/>
+                          <a:tailEnd type="none" w="med" len="med"/>
+                        </a:lnB>
+                        <a:solidFill>
+                          <a:schemeClr val="bg1">
+                            <a:lumMod val="85000"/>
+                          </a:schemeClr>
+                        </a:solidFill>
+                      </a:tcPr>
+                    </a:tc>
+                    <a:tc>
+                      <a:txBody>
+                        <a:bodyPr/>
+                        <a:lstStyle/>
+                        <a:p>
+                          <a:pPr algn="ctr"/>
+                          <a:endParaRPr lang="fr-FR" dirty="0"/>
+                        </a:p>
+                      </a:txBody>
+                      <a:tcPr>
+                        <a:lnL w="12700" cap="flat" cmpd="sng" algn="ctr">
+                          <a:solidFill>
+                            <a:schemeClr val="tx1"/>
+                          </a:solidFill>
+                          <a:prstDash val="solid"/>
+                          <a:round/>
+                          <a:headEnd type="none" w="med" len="med"/>
+                          <a:tailEnd type="none" w="med" len="med"/>
+                        </a:lnL>
+                        <a:lnR w="12700" cap="flat" cmpd="sng" algn="ctr">
+                          <a:solidFill>
+                            <a:schemeClr val="tx1"/>
+                          </a:solidFill>
+                          <a:prstDash val="solid"/>
+                          <a:round/>
+                          <a:headEnd type="none" w="med" len="med"/>
+                          <a:tailEnd type="none" w="med" len="med"/>
+                        </a:lnR>
+                        <a:lnT w="12700" cap="flat" cmpd="sng" algn="ctr">
+                          <a:solidFill>
+                            <a:schemeClr val="tx1"/>
+                          </a:solidFill>
+                          <a:prstDash val="solid"/>
+                          <a:round/>
+                          <a:headEnd type="none" w="med" len="med"/>
+                          <a:tailEnd type="none" w="med" len="med"/>
+                        </a:lnT>
+                        <a:lnB w="12700" cap="flat" cmpd="sng" algn="ctr">
+                          <a:solidFill>
+                            <a:schemeClr val="tx1"/>
+                          </a:solidFill>
+                          <a:prstDash val="solid"/>
+                          <a:round/>
+                          <a:headEnd type="none" w="med" len="med"/>
+                          <a:tailEnd type="none" w="med" len="med"/>
+                        </a:lnB>
+                        <a:solidFill>
+                          <a:schemeClr val="bg1">
+                            <a:lumMod val="85000"/>
+                          </a:schemeClr>
+                        </a:solidFill>
+                      </a:tcPr>
+                    </a:tc>
+                    <a:tc>
+                      <a:txBody>
+                        <a:bodyPr/>
+                        <a:lstStyle/>
+                        <a:p>
+                          <a:pPr algn="ctr"/>
+                          <a:endParaRPr lang="fr-FR" dirty="0"/>
+                        </a:p>
+                      </a:txBody>
+                      <a:tcPr>
+                        <a:lnL w="12700" cap="flat" cmpd="sng" algn="ctr">
+                          <a:solidFill>
+                            <a:schemeClr val="tx1"/>
+                          </a:solidFill>
+                          <a:prstDash val="solid"/>
+                          <a:round/>
+                          <a:headEnd type="none" w="med" len="med"/>
+                          <a:tailEnd type="none" w="med" len="med"/>
+                        </a:lnL>
+                        <a:lnR w="12700" cap="flat" cmpd="sng" algn="ctr">
+                          <a:solidFill>
+                            <a:schemeClr val="tx1"/>
+                          </a:solidFill>
+                          <a:prstDash val="solid"/>
+                          <a:round/>
+                          <a:headEnd type="none" w="med" len="med"/>
+                          <a:tailEnd type="none" w="med" len="med"/>
+                        </a:lnR>
+                        <a:lnT w="12700" cap="flat" cmpd="sng" algn="ctr">
+                          <a:solidFill>
+                            <a:schemeClr val="tx1"/>
+                          </a:solidFill>
+                          <a:prstDash val="solid"/>
+                          <a:round/>
+                          <a:headEnd type="none" w="med" len="med"/>
+                          <a:tailEnd type="none" w="med" len="med"/>
+                        </a:lnT>
+                        <a:lnB w="12700" cap="flat" cmpd="sng" algn="ctr">
+                          <a:solidFill>
+                            <a:schemeClr val="tx1"/>
+                          </a:solidFill>
+                          <a:prstDash val="solid"/>
+                          <a:round/>
+                          <a:headEnd type="none" w="med" len="med"/>
+                          <a:tailEnd type="none" w="med" len="med"/>
+                        </a:lnB>
+                        <a:solidFill>
+                          <a:schemeClr val="bg1">
+                            <a:lumMod val="85000"/>
+                          </a:schemeClr>
+                        </a:solidFill>
+                      </a:tcPr>
+                    </a:tc>
+                    <a:extLst>
+                      <a:ext uri="{0D108BD9-81ED-4DB2-BD59-A6C34878D82A}">
+                        <a16:rowId xmlns:a16="http://schemas.microsoft.com/office/drawing/2014/main" val="2873972592"/>
+                      </a:ext>
+                    </a:extLst>
+                  </a:tr>
+                </a:tbl>
+              </a:graphicData>
+            </a:graphic>
+          </p:graphicFrame>
+        </mc:Fallback>
+      </mc:AlternateContent>
     </p:spTree>
     <p:extLst>
       <p:ext uri="{BB962C8B-B14F-4D97-AF65-F5344CB8AC3E}">
@@ -7670,363 +12635,6 @@
 </p:sld>
 </file>
 
-<file path=ppt/slides/slide5.xml><?xml version="1.0" encoding="utf-8"?>
-<p:sld xmlns:a="http://schemas.openxmlformats.org/drawingml/2006/main" xmlns:r="http://schemas.openxmlformats.org/officeDocument/2006/relationships" xmlns:p="http://schemas.openxmlformats.org/presentationml/2006/main">
-  <p:cSld>
-    <p:spTree>
-      <p:nvGrpSpPr>
-        <p:cNvPr id="1" name=""/>
-        <p:cNvGrpSpPr/>
-        <p:nvPr/>
-      </p:nvGrpSpPr>
-      <p:grpSpPr>
-        <a:xfrm>
-          <a:off x="0" y="0"/>
-          <a:ext cx="0" cy="0"/>
-          <a:chOff x="0" y="0"/>
-          <a:chExt cx="0" cy="0"/>
-        </a:xfrm>
-      </p:grpSpPr>
-      <p:sp>
-        <p:nvSpPr>
-          <p:cNvPr id="2" name="Titre 1">
-            <a:extLst>
-              <a:ext uri="{FF2B5EF4-FFF2-40B4-BE49-F238E27FC236}">
-                <a16:creationId xmlns:a16="http://schemas.microsoft.com/office/drawing/2014/main" id="{B990268B-324A-E3BD-5462-E3FA86D1B626}"/>
-              </a:ext>
-            </a:extLst>
-          </p:cNvPr>
-          <p:cNvSpPr>
-            <a:spLocks noGrp="1"/>
-          </p:cNvSpPr>
-          <p:nvPr>
-            <p:ph type="title"/>
-          </p:nvPr>
-        </p:nvSpPr>
-        <p:spPr/>
-        <p:txBody>
-          <a:bodyPr/>
-          <a:lstStyle/>
-          <a:p>
-            <a:endParaRPr lang="en-US" noProof="0" dirty="0"/>
-          </a:p>
-        </p:txBody>
-      </p:sp>
-      <p:sp>
-        <p:nvSpPr>
-          <p:cNvPr id="3" name="Espace réservé du contenu 2">
-            <a:extLst>
-              <a:ext uri="{FF2B5EF4-FFF2-40B4-BE49-F238E27FC236}">
-                <a16:creationId xmlns:a16="http://schemas.microsoft.com/office/drawing/2014/main" id="{C832128D-AC11-56DD-C132-CFC302EA7E16}"/>
-              </a:ext>
-            </a:extLst>
-          </p:cNvPr>
-          <p:cNvSpPr>
-            <a:spLocks noGrp="1"/>
-          </p:cNvSpPr>
-          <p:nvPr>
-            <p:ph idx="1"/>
-          </p:nvPr>
-        </p:nvSpPr>
-        <p:spPr/>
-        <p:txBody>
-          <a:bodyPr/>
-          <a:lstStyle/>
-          <a:p>
-            <a:endParaRPr lang="en-US" noProof="0" dirty="0"/>
-          </a:p>
-        </p:txBody>
-      </p:sp>
-      <p:sp>
-        <p:nvSpPr>
-          <p:cNvPr id="4" name="ZoneTexte 3">
-            <a:extLst>
-              <a:ext uri="{FF2B5EF4-FFF2-40B4-BE49-F238E27FC236}">
-                <a16:creationId xmlns:a16="http://schemas.microsoft.com/office/drawing/2014/main" id="{E723174D-DA9A-B1D4-1AAF-24789B090C3F}"/>
-              </a:ext>
-            </a:extLst>
-          </p:cNvPr>
-          <p:cNvSpPr txBox="1"/>
-          <p:nvPr/>
-        </p:nvSpPr>
-        <p:spPr>
-          <a:xfrm>
-            <a:off x="125896" y="9484518"/>
-            <a:ext cx="2890837" cy="276999"/>
-          </a:xfrm>
-          <a:prstGeom prst="rect">
-            <a:avLst/>
-          </a:prstGeom>
-          <a:noFill/>
-        </p:spPr>
-        <p:txBody>
-          <a:bodyPr wrap="square" rtlCol="0">
-            <a:spAutoFit/>
-          </a:bodyPr>
-          <a:lstStyle/>
-          <a:p>
-            <a:r>
-              <a:rPr lang="en-US" sz="1200" noProof="0" dirty="0">
-                <a:latin typeface="Abadi" panose="020B0604020104020204" pitchFamily="34" charset="0"/>
-              </a:rPr>
-              <a:t>HAMADI </a:t>
-            </a:r>
-            <a:r>
-              <a:rPr lang="en-US" sz="1200" noProof="0" dirty="0" err="1">
-                <a:latin typeface="Abadi" panose="020B0604020104020204" pitchFamily="34" charset="0"/>
-              </a:rPr>
-              <a:t>Maoulida</a:t>
-            </a:r>
-            <a:r>
-              <a:rPr lang="en-US" sz="1200" noProof="0" dirty="0">
-                <a:latin typeface="Abadi" panose="020B0604020104020204" pitchFamily="34" charset="0"/>
-              </a:rPr>
-              <a:t> - TARTERA Maëlys</a:t>
-            </a:r>
-          </a:p>
-        </p:txBody>
-      </p:sp>
-      <p:cxnSp>
-        <p:nvCxnSpPr>
-          <p:cNvPr id="5" name="Connecteur droit 4">
-            <a:extLst>
-              <a:ext uri="{FF2B5EF4-FFF2-40B4-BE49-F238E27FC236}">
-                <a16:creationId xmlns:a16="http://schemas.microsoft.com/office/drawing/2014/main" id="{003466D4-26E2-246C-D429-03323C58E5D3}"/>
-              </a:ext>
-            </a:extLst>
-          </p:cNvPr>
-          <p:cNvCxnSpPr/>
-          <p:nvPr/>
-        </p:nvCxnSpPr>
-        <p:spPr>
-          <a:xfrm>
-            <a:off x="221146" y="9446805"/>
-            <a:ext cx="6274904" cy="0"/>
-          </a:xfrm>
-          <a:prstGeom prst="line">
-            <a:avLst/>
-          </a:prstGeom>
-          <a:ln w="6350"/>
-        </p:spPr>
-        <p:style>
-          <a:lnRef idx="2">
-            <a:schemeClr val="dk1"/>
-          </a:lnRef>
-          <a:fillRef idx="0">
-            <a:schemeClr val="dk1"/>
-          </a:fillRef>
-          <a:effectRef idx="1">
-            <a:schemeClr val="dk1"/>
-          </a:effectRef>
-          <a:fontRef idx="minor">
-            <a:schemeClr val="tx1"/>
-          </a:fontRef>
-        </p:style>
-      </p:cxnSp>
-      <p:sp>
-        <p:nvSpPr>
-          <p:cNvPr id="6" name="ZoneTexte 5">
-            <a:extLst>
-              <a:ext uri="{FF2B5EF4-FFF2-40B4-BE49-F238E27FC236}">
-                <a16:creationId xmlns:a16="http://schemas.microsoft.com/office/drawing/2014/main" id="{294D0207-601E-AAC2-3F5C-BBE6E06836A5}"/>
-              </a:ext>
-            </a:extLst>
-          </p:cNvPr>
-          <p:cNvSpPr txBox="1"/>
-          <p:nvPr/>
-        </p:nvSpPr>
-        <p:spPr>
-          <a:xfrm>
-            <a:off x="6286500" y="9484518"/>
-            <a:ext cx="308098" cy="369332"/>
-          </a:xfrm>
-          <a:prstGeom prst="rect">
-            <a:avLst/>
-          </a:prstGeom>
-          <a:noFill/>
-        </p:spPr>
-        <p:txBody>
-          <a:bodyPr wrap="none" rtlCol="0">
-            <a:spAutoFit/>
-          </a:bodyPr>
-          <a:lstStyle/>
-          <a:p>
-            <a:r>
-              <a:rPr lang="en-US" noProof="0" dirty="0"/>
-              <a:t>5</a:t>
-            </a:r>
-          </a:p>
-        </p:txBody>
-      </p:sp>
-      <p:cxnSp>
-        <p:nvCxnSpPr>
-          <p:cNvPr id="7" name="Connecteur droit 6">
-            <a:extLst>
-              <a:ext uri="{FF2B5EF4-FFF2-40B4-BE49-F238E27FC236}">
-                <a16:creationId xmlns:a16="http://schemas.microsoft.com/office/drawing/2014/main" id="{88922098-C172-D1BE-8919-5F867EDEA7D0}"/>
-              </a:ext>
-            </a:extLst>
-          </p:cNvPr>
-          <p:cNvCxnSpPr/>
-          <p:nvPr/>
-        </p:nvCxnSpPr>
-        <p:spPr>
-          <a:xfrm>
-            <a:off x="221146" y="966787"/>
-            <a:ext cx="6274904" cy="0"/>
-          </a:xfrm>
-          <a:prstGeom prst="line">
-            <a:avLst/>
-          </a:prstGeom>
-          <a:ln w="76200"/>
-        </p:spPr>
-        <p:style>
-          <a:lnRef idx="2">
-            <a:schemeClr val="dk1"/>
-          </a:lnRef>
-          <a:fillRef idx="0">
-            <a:schemeClr val="dk1"/>
-          </a:fillRef>
-          <a:effectRef idx="1">
-            <a:schemeClr val="dk1"/>
-          </a:effectRef>
-          <a:fontRef idx="minor">
-            <a:schemeClr val="tx1"/>
-          </a:fontRef>
-        </p:style>
-      </p:cxnSp>
-      <p:cxnSp>
-        <p:nvCxnSpPr>
-          <p:cNvPr id="8" name="Connecteur droit 7">
-            <a:extLst>
-              <a:ext uri="{FF2B5EF4-FFF2-40B4-BE49-F238E27FC236}">
-                <a16:creationId xmlns:a16="http://schemas.microsoft.com/office/drawing/2014/main" id="{29539393-5BB9-2AB6-0A51-C38FCAE420DC}"/>
-              </a:ext>
-            </a:extLst>
-          </p:cNvPr>
-          <p:cNvCxnSpPr/>
-          <p:nvPr/>
-        </p:nvCxnSpPr>
-        <p:spPr>
-          <a:xfrm>
-            <a:off x="221146" y="1109662"/>
-            <a:ext cx="6274904" cy="0"/>
-          </a:xfrm>
-          <a:prstGeom prst="line">
-            <a:avLst/>
-          </a:prstGeom>
-          <a:ln w="28575"/>
-        </p:spPr>
-        <p:style>
-          <a:lnRef idx="2">
-            <a:schemeClr val="dk1"/>
-          </a:lnRef>
-          <a:fillRef idx="0">
-            <a:schemeClr val="dk1"/>
-          </a:fillRef>
-          <a:effectRef idx="1">
-            <a:schemeClr val="dk1"/>
-          </a:effectRef>
-          <a:fontRef idx="minor">
-            <a:schemeClr val="tx1"/>
-          </a:fontRef>
-        </p:style>
-      </p:cxnSp>
-      <p:pic>
-        <p:nvPicPr>
-          <p:cNvPr id="9" name="Picture 2" descr="INSA Toulouse">
-            <a:extLst>
-              <a:ext uri="{FF2B5EF4-FFF2-40B4-BE49-F238E27FC236}">
-                <a16:creationId xmlns:a16="http://schemas.microsoft.com/office/drawing/2014/main" id="{AD78DBC9-9482-7C9F-CF6A-0D8E7AB0F897}"/>
-              </a:ext>
-            </a:extLst>
-          </p:cNvPr>
-          <p:cNvPicPr>
-            <a:picLocks noChangeAspect="1" noChangeArrowheads="1"/>
-          </p:cNvPicPr>
-          <p:nvPr/>
-        </p:nvPicPr>
-        <p:blipFill rotWithShape="1">
-          <a:blip r:embed="rId2">
-            <a:extLst>
-              <a:ext uri="{28A0092B-C50C-407E-A947-70E740481C1C}">
-                <a14:useLocalDpi xmlns:a14="http://schemas.microsoft.com/office/drawing/2010/main" val="0"/>
-              </a:ext>
-            </a:extLst>
-          </a:blip>
-          <a:srcRect b="16429"/>
-          <a:stretch/>
-        </p:blipFill>
-        <p:spPr bwMode="auto">
-          <a:xfrm>
-            <a:off x="221146" y="15590"/>
-            <a:ext cx="1066800" cy="891544"/>
-          </a:xfrm>
-          <a:prstGeom prst="rect">
-            <a:avLst/>
-          </a:prstGeom>
-          <a:noFill/>
-          <a:extLst>
-            <a:ext uri="{909E8E84-426E-40DD-AFC4-6F175D3DCCD1}">
-              <a14:hiddenFill xmlns:a14="http://schemas.microsoft.com/office/drawing/2010/main">
-                <a:solidFill>
-                  <a:srgbClr val="FFFFFF"/>
-                </a:solidFill>
-              </a14:hiddenFill>
-            </a:ext>
-          </a:extLst>
-        </p:spPr>
-      </p:pic>
-      <p:sp>
-        <p:nvSpPr>
-          <p:cNvPr id="10" name="ZoneTexte 9">
-            <a:extLst>
-              <a:ext uri="{FF2B5EF4-FFF2-40B4-BE49-F238E27FC236}">
-                <a16:creationId xmlns:a16="http://schemas.microsoft.com/office/drawing/2014/main" id="{8239DFEF-71B8-D876-01FE-05DA1CD94B8D}"/>
-              </a:ext>
-            </a:extLst>
-          </p:cNvPr>
-          <p:cNvSpPr txBox="1"/>
-          <p:nvPr/>
-        </p:nvSpPr>
-        <p:spPr>
-          <a:xfrm>
-            <a:off x="1892782" y="454283"/>
-            <a:ext cx="5441468" cy="369332"/>
-          </a:xfrm>
-          <a:prstGeom prst="rect">
-            <a:avLst/>
-          </a:prstGeom>
-          <a:noFill/>
-        </p:spPr>
-        <p:txBody>
-          <a:bodyPr wrap="square" rtlCol="0">
-            <a:spAutoFit/>
-          </a:bodyPr>
-          <a:lstStyle/>
-          <a:p>
-            <a:r>
-              <a:rPr lang="en-US" b="1" noProof="0" dirty="0">
-                <a:latin typeface="Abadi" panose="020B0604020104020204" pitchFamily="34" charset="0"/>
-              </a:rPr>
-              <a:t>GT-LGT2803-Low Tech Graphite Strain Sensor</a:t>
-            </a:r>
-          </a:p>
-        </p:txBody>
-      </p:sp>
-    </p:spTree>
-    <p:extLst>
-      <p:ext uri="{BB962C8B-B14F-4D97-AF65-F5344CB8AC3E}">
-        <p14:creationId xmlns:p14="http://schemas.microsoft.com/office/powerpoint/2010/main" val="3652695754"/>
-      </p:ext>
-    </p:extLst>
-  </p:cSld>
-  <p:clrMapOvr>
-    <a:masterClrMapping/>
-  </p:clrMapOvr>
-</p:sld>
-</file>
-
 <file path=ppt/theme/theme1.xml><?xml version="1.0" encoding="utf-8"?>
 <a:theme xmlns:a="http://schemas.openxmlformats.org/drawingml/2006/main" name="Thème Office">
   <a:themeElements>
@@ -8340,4 +12948,319 @@
     </a:ext>
   </a:extLst>
 </a:theme>
+</file>
+
+<file path=ppt/theme/theme2.xml><?xml version="1.0" encoding="utf-8"?>
+<a:theme xmlns:a="http://schemas.openxmlformats.org/drawingml/2006/main" name="Thème Office">
+  <a:themeElements>
+    <a:clrScheme name="Office">
+      <a:dk1>
+        <a:sysClr val="windowText" lastClr="000000"/>
+      </a:dk1>
+      <a:lt1>
+        <a:sysClr val="window" lastClr="FFFFFF"/>
+      </a:lt1>
+      <a:dk2>
+        <a:srgbClr val="0E2841"/>
+      </a:dk2>
+      <a:lt2>
+        <a:srgbClr val="E8E8E8"/>
+      </a:lt2>
+      <a:accent1>
+        <a:srgbClr val="156082"/>
+      </a:accent1>
+      <a:accent2>
+        <a:srgbClr val="E97132"/>
+      </a:accent2>
+      <a:accent3>
+        <a:srgbClr val="196B24"/>
+      </a:accent3>
+      <a:accent4>
+        <a:srgbClr val="0F9ED5"/>
+      </a:accent4>
+      <a:accent5>
+        <a:srgbClr val="A02B93"/>
+      </a:accent5>
+      <a:accent6>
+        <a:srgbClr val="4EA72E"/>
+      </a:accent6>
+      <a:hlink>
+        <a:srgbClr val="467886"/>
+      </a:hlink>
+      <a:folHlink>
+        <a:srgbClr val="96607D"/>
+      </a:folHlink>
+    </a:clrScheme>
+    <a:fontScheme name="Office">
+      <a:majorFont>
+        <a:latin typeface="Aptos Display" panose="02110004020202020204"/>
+        <a:ea typeface=""/>
+        <a:cs typeface=""/>
+        <a:font script="Jpan" typeface="游ゴシック Light"/>
+        <a:font script="Hang" typeface="맑은 고딕"/>
+        <a:font script="Hans" typeface="等线 Light"/>
+        <a:font script="Hant" typeface="新細明體"/>
+        <a:font script="Arab" typeface="Times New Roman"/>
+        <a:font script="Hebr" typeface="Times New Roman"/>
+        <a:font script="Thai" typeface="Angsana New"/>
+        <a:font script="Ethi" typeface="Nyala"/>
+        <a:font script="Beng" typeface="Vrinda"/>
+        <a:font script="Gujr" typeface="Shruti"/>
+        <a:font script="Khmr" typeface="MoolBoran"/>
+        <a:font script="Knda" typeface="Tunga"/>
+        <a:font script="Guru" typeface="Raavi"/>
+        <a:font script="Cans" typeface="Euphemia"/>
+        <a:font script="Cher" typeface="Plantagenet Cherokee"/>
+        <a:font script="Yiii" typeface="Microsoft Yi Baiti"/>
+        <a:font script="Tibt" typeface="Microsoft Himalaya"/>
+        <a:font script="Thaa" typeface="MV Boli"/>
+        <a:font script="Deva" typeface="Mangal"/>
+        <a:font script="Telu" typeface="Gautami"/>
+        <a:font script="Taml" typeface="Latha"/>
+        <a:font script="Syrc" typeface="Estrangelo Edessa"/>
+        <a:font script="Orya" typeface="Kalinga"/>
+        <a:font script="Mlym" typeface="Kartika"/>
+        <a:font script="Laoo" typeface="DokChampa"/>
+        <a:font script="Sinh" typeface="Iskoola Pota"/>
+        <a:font script="Mong" typeface="Mongolian Baiti"/>
+        <a:font script="Viet" typeface="Times New Roman"/>
+        <a:font script="Uigh" typeface="Microsoft Uighur"/>
+        <a:font script="Geor" typeface="Sylfaen"/>
+        <a:font script="Armn" typeface="Arial"/>
+        <a:font script="Bugi" typeface="Leelawadee UI"/>
+        <a:font script="Bopo" typeface="Microsoft JhengHei"/>
+        <a:font script="Java" typeface="Javanese Text"/>
+        <a:font script="Lisu" typeface="Segoe UI"/>
+        <a:font script="Mymr" typeface="Myanmar Text"/>
+        <a:font script="Nkoo" typeface="Ebrima"/>
+        <a:font script="Olck" typeface="Nirmala UI"/>
+        <a:font script="Osma" typeface="Ebrima"/>
+        <a:font script="Phag" typeface="Phagspa"/>
+        <a:font script="Syrn" typeface="Estrangelo Edessa"/>
+        <a:font script="Syrj" typeface="Estrangelo Edessa"/>
+        <a:font script="Syre" typeface="Estrangelo Edessa"/>
+        <a:font script="Sora" typeface="Nirmala UI"/>
+        <a:font script="Tale" typeface="Microsoft Tai Le"/>
+        <a:font script="Talu" typeface="Microsoft New Tai Lue"/>
+        <a:font script="Tfng" typeface="Ebrima"/>
+      </a:majorFont>
+      <a:minorFont>
+        <a:latin typeface="Aptos" panose="02110004020202020204"/>
+        <a:ea typeface=""/>
+        <a:cs typeface=""/>
+        <a:font script="Jpan" typeface="游ゴシック"/>
+        <a:font script="Hang" typeface="맑은 고딕"/>
+        <a:font script="Hans" typeface="等线"/>
+        <a:font script="Hant" typeface="新細明體"/>
+        <a:font script="Arab" typeface="Arial"/>
+        <a:font script="Hebr" typeface="Arial"/>
+        <a:font script="Thai" typeface="Cordia New"/>
+        <a:font script="Ethi" typeface="Nyala"/>
+        <a:font script="Beng" typeface="Vrinda"/>
+        <a:font script="Gujr" typeface="Shruti"/>
+        <a:font script="Khmr" typeface="DaunPenh"/>
+        <a:font script="Knda" typeface="Tunga"/>
+        <a:font script="Guru" typeface="Raavi"/>
+        <a:font script="Cans" typeface="Euphemia"/>
+        <a:font script="Cher" typeface="Plantagenet Cherokee"/>
+        <a:font script="Yiii" typeface="Microsoft Yi Baiti"/>
+        <a:font script="Tibt" typeface="Microsoft Himalaya"/>
+        <a:font script="Thaa" typeface="MV Boli"/>
+        <a:font script="Deva" typeface="Mangal"/>
+        <a:font script="Telu" typeface="Gautami"/>
+        <a:font script="Taml" typeface="Latha"/>
+        <a:font script="Syrc" typeface="Estrangelo Edessa"/>
+        <a:font script="Orya" typeface="Kalinga"/>
+        <a:font script="Mlym" typeface="Kartika"/>
+        <a:font script="Laoo" typeface="DokChampa"/>
+        <a:font script="Sinh" typeface="Iskoola Pota"/>
+        <a:font script="Mong" typeface="Mongolian Baiti"/>
+        <a:font script="Viet" typeface="Arial"/>
+        <a:font script="Uigh" typeface="Microsoft Uighur"/>
+        <a:font script="Geor" typeface="Sylfaen"/>
+        <a:font script="Armn" typeface="Arial"/>
+        <a:font script="Bugi" typeface="Leelawadee UI"/>
+        <a:font script="Bopo" typeface="Microsoft JhengHei"/>
+        <a:font script="Java" typeface="Javanese Text"/>
+        <a:font script="Lisu" typeface="Segoe UI"/>
+        <a:font script="Mymr" typeface="Myanmar Text"/>
+        <a:font script="Nkoo" typeface="Ebrima"/>
+        <a:font script="Olck" typeface="Nirmala UI"/>
+        <a:font script="Osma" typeface="Ebrima"/>
+        <a:font script="Phag" typeface="Phagspa"/>
+        <a:font script="Syrn" typeface="Estrangelo Edessa"/>
+        <a:font script="Syrj" typeface="Estrangelo Edessa"/>
+        <a:font script="Syre" typeface="Estrangelo Edessa"/>
+        <a:font script="Sora" typeface="Nirmala UI"/>
+        <a:font script="Tale" typeface="Microsoft Tai Le"/>
+        <a:font script="Talu" typeface="Microsoft New Tai Lue"/>
+        <a:font script="Tfng" typeface="Ebrima"/>
+      </a:minorFont>
+    </a:fontScheme>
+    <a:fmtScheme name="Office">
+      <a:fillStyleLst>
+        <a:solidFill>
+          <a:schemeClr val="phClr"/>
+        </a:solidFill>
+        <a:gradFill rotWithShape="1">
+          <a:gsLst>
+            <a:gs pos="0">
+              <a:schemeClr val="phClr">
+                <a:lumMod val="110000"/>
+                <a:satMod val="105000"/>
+                <a:tint val="67000"/>
+              </a:schemeClr>
+            </a:gs>
+            <a:gs pos="50000">
+              <a:schemeClr val="phClr">
+                <a:lumMod val="105000"/>
+                <a:satMod val="103000"/>
+                <a:tint val="73000"/>
+              </a:schemeClr>
+            </a:gs>
+            <a:gs pos="100000">
+              <a:schemeClr val="phClr">
+                <a:lumMod val="105000"/>
+                <a:satMod val="109000"/>
+                <a:tint val="81000"/>
+              </a:schemeClr>
+            </a:gs>
+          </a:gsLst>
+          <a:lin ang="5400000" scaled="0"/>
+        </a:gradFill>
+        <a:gradFill rotWithShape="1">
+          <a:gsLst>
+            <a:gs pos="0">
+              <a:schemeClr val="phClr">
+                <a:satMod val="103000"/>
+                <a:lumMod val="102000"/>
+                <a:tint val="94000"/>
+              </a:schemeClr>
+            </a:gs>
+            <a:gs pos="50000">
+              <a:schemeClr val="phClr">
+                <a:satMod val="110000"/>
+                <a:lumMod val="100000"/>
+                <a:shade val="100000"/>
+              </a:schemeClr>
+            </a:gs>
+            <a:gs pos="100000">
+              <a:schemeClr val="phClr">
+                <a:lumMod val="99000"/>
+                <a:satMod val="120000"/>
+                <a:shade val="78000"/>
+              </a:schemeClr>
+            </a:gs>
+          </a:gsLst>
+          <a:lin ang="5400000" scaled="0"/>
+        </a:gradFill>
+      </a:fillStyleLst>
+      <a:lnStyleLst>
+        <a:ln w="12700" cap="flat" cmpd="sng" algn="ctr">
+          <a:solidFill>
+            <a:schemeClr val="phClr"/>
+          </a:solidFill>
+          <a:prstDash val="solid"/>
+          <a:miter lim="800000"/>
+        </a:ln>
+        <a:ln w="19050" cap="flat" cmpd="sng" algn="ctr">
+          <a:solidFill>
+            <a:schemeClr val="phClr"/>
+          </a:solidFill>
+          <a:prstDash val="solid"/>
+          <a:miter lim="800000"/>
+        </a:ln>
+        <a:ln w="25400" cap="flat" cmpd="sng" algn="ctr">
+          <a:solidFill>
+            <a:schemeClr val="phClr"/>
+          </a:solidFill>
+          <a:prstDash val="solid"/>
+          <a:miter lim="800000"/>
+        </a:ln>
+      </a:lnStyleLst>
+      <a:effectStyleLst>
+        <a:effectStyle>
+          <a:effectLst/>
+        </a:effectStyle>
+        <a:effectStyle>
+          <a:effectLst/>
+        </a:effectStyle>
+        <a:effectStyle>
+          <a:effectLst>
+            <a:outerShdw blurRad="57150" dist="19050" dir="5400000" algn="ctr" rotWithShape="0">
+              <a:srgbClr val="000000">
+                <a:alpha val="63000"/>
+              </a:srgbClr>
+            </a:outerShdw>
+          </a:effectLst>
+        </a:effectStyle>
+      </a:effectStyleLst>
+      <a:bgFillStyleLst>
+        <a:solidFill>
+          <a:schemeClr val="phClr"/>
+        </a:solidFill>
+        <a:solidFill>
+          <a:schemeClr val="phClr">
+            <a:tint val="95000"/>
+            <a:satMod val="170000"/>
+          </a:schemeClr>
+        </a:solidFill>
+        <a:gradFill rotWithShape="1">
+          <a:gsLst>
+            <a:gs pos="0">
+              <a:schemeClr val="phClr">
+                <a:tint val="93000"/>
+                <a:satMod val="150000"/>
+                <a:shade val="98000"/>
+                <a:lumMod val="102000"/>
+              </a:schemeClr>
+            </a:gs>
+            <a:gs pos="50000">
+              <a:schemeClr val="phClr">
+                <a:tint val="98000"/>
+                <a:satMod val="130000"/>
+                <a:shade val="90000"/>
+                <a:lumMod val="103000"/>
+              </a:schemeClr>
+            </a:gs>
+            <a:gs pos="100000">
+              <a:schemeClr val="phClr">
+                <a:shade val="63000"/>
+                <a:satMod val="120000"/>
+              </a:schemeClr>
+            </a:gs>
+          </a:gsLst>
+          <a:lin ang="5400000" scaled="0"/>
+        </a:gradFill>
+      </a:bgFillStyleLst>
+    </a:fmtScheme>
+  </a:themeElements>
+  <a:objectDefaults>
+    <a:lnDef>
+      <a:spPr/>
+      <a:bodyPr/>
+      <a:lstStyle/>
+      <a:style>
+        <a:lnRef idx="2">
+          <a:schemeClr val="accent1"/>
+        </a:lnRef>
+        <a:fillRef idx="0">
+          <a:schemeClr val="accent1"/>
+        </a:fillRef>
+        <a:effectRef idx="1">
+          <a:schemeClr val="accent1"/>
+        </a:effectRef>
+        <a:fontRef idx="minor">
+          <a:schemeClr val="tx1"/>
+        </a:fontRef>
+      </a:style>
+    </a:lnDef>
+  </a:objectDefaults>
+  <a:extraClrSchemeLst/>
+  <a:extLst>
+    <a:ext uri="{05A4C25C-085E-4340-85A3-A5531E510DB2}">
+      <thm15:themeFamily xmlns:thm15="http://schemas.microsoft.com/office/thememl/2012/main" name="Office Theme" id="{2E142A2C-CD16-42D6-873A-C26D2A0506FA}" vid="{1BDDFF52-6CD6-40A5-AB3C-68EB2F1E4D0A}"/>
+    </a:ext>
+  </a:extLst>
+</a:theme>
 </file>
--- a/Datasheet/Datasheet_capteur_2025.pptx
+++ b/Datasheet/Datasheet_capteur_2025.pptx
@@ -200,7 +200,7 @@
           <a:p>
             <a:fld id="{C1D843DA-A392-4B16-AD22-4E5E3E7ED1AC}" type="datetimeFigureOut">
               <a:rPr lang="fr-FR" smtClean="0"/>
-              <a:t>19/05/2025</a:t>
+              <a:t>20/05/2025</a:t>
             </a:fld>
             <a:endParaRPr lang="fr-FR"/>
           </a:p>
@@ -682,7 +682,7 @@
           <a:p>
             <a:fld id="{E030C13D-1992-4B2B-B408-E2F8B4A6D092}" type="datetimeFigureOut">
               <a:rPr lang="fr-FR" smtClean="0"/>
-              <a:t>19/05/2025</a:t>
+              <a:t>20/05/2025</a:t>
             </a:fld>
             <a:endParaRPr lang="fr-FR"/>
           </a:p>
@@ -852,7 +852,7 @@
           <a:p>
             <a:fld id="{E030C13D-1992-4B2B-B408-E2F8B4A6D092}" type="datetimeFigureOut">
               <a:rPr lang="fr-FR" smtClean="0"/>
-              <a:t>19/05/2025</a:t>
+              <a:t>20/05/2025</a:t>
             </a:fld>
             <a:endParaRPr lang="fr-FR"/>
           </a:p>
@@ -1032,7 +1032,7 @@
           <a:p>
             <a:fld id="{E030C13D-1992-4B2B-B408-E2F8B4A6D092}" type="datetimeFigureOut">
               <a:rPr lang="fr-FR" smtClean="0"/>
-              <a:t>19/05/2025</a:t>
+              <a:t>20/05/2025</a:t>
             </a:fld>
             <a:endParaRPr lang="fr-FR"/>
           </a:p>
@@ -1202,7 +1202,7 @@
           <a:p>
             <a:fld id="{E030C13D-1992-4B2B-B408-E2F8B4A6D092}" type="datetimeFigureOut">
               <a:rPr lang="fr-FR" smtClean="0"/>
-              <a:t>19/05/2025</a:t>
+              <a:t>20/05/2025</a:t>
             </a:fld>
             <a:endParaRPr lang="fr-FR"/>
           </a:p>
@@ -1448,7 +1448,7 @@
           <a:p>
             <a:fld id="{E030C13D-1992-4B2B-B408-E2F8B4A6D092}" type="datetimeFigureOut">
               <a:rPr lang="fr-FR" smtClean="0"/>
-              <a:t>19/05/2025</a:t>
+              <a:t>20/05/2025</a:t>
             </a:fld>
             <a:endParaRPr lang="fr-FR"/>
           </a:p>
@@ -1680,7 +1680,7 @@
           <a:p>
             <a:fld id="{E030C13D-1992-4B2B-B408-E2F8B4A6D092}" type="datetimeFigureOut">
               <a:rPr lang="fr-FR" smtClean="0"/>
-              <a:t>19/05/2025</a:t>
+              <a:t>20/05/2025</a:t>
             </a:fld>
             <a:endParaRPr lang="fr-FR"/>
           </a:p>
@@ -2047,7 +2047,7 @@
           <a:p>
             <a:fld id="{E030C13D-1992-4B2B-B408-E2F8B4A6D092}" type="datetimeFigureOut">
               <a:rPr lang="fr-FR" smtClean="0"/>
-              <a:t>19/05/2025</a:t>
+              <a:t>20/05/2025</a:t>
             </a:fld>
             <a:endParaRPr lang="fr-FR"/>
           </a:p>
@@ -2165,7 +2165,7 @@
           <a:p>
             <a:fld id="{E030C13D-1992-4B2B-B408-E2F8B4A6D092}" type="datetimeFigureOut">
               <a:rPr lang="fr-FR" smtClean="0"/>
-              <a:t>19/05/2025</a:t>
+              <a:t>20/05/2025</a:t>
             </a:fld>
             <a:endParaRPr lang="fr-FR"/>
           </a:p>
@@ -2260,7 +2260,7 @@
           <a:p>
             <a:fld id="{E030C13D-1992-4B2B-B408-E2F8B4A6D092}" type="datetimeFigureOut">
               <a:rPr lang="fr-FR" smtClean="0"/>
-              <a:t>19/05/2025</a:t>
+              <a:t>20/05/2025</a:t>
             </a:fld>
             <a:endParaRPr lang="fr-FR"/>
           </a:p>
@@ -2537,7 +2537,7 @@
           <a:p>
             <a:fld id="{E030C13D-1992-4B2B-B408-E2F8B4A6D092}" type="datetimeFigureOut">
               <a:rPr lang="fr-FR" smtClean="0"/>
-              <a:t>19/05/2025</a:t>
+              <a:t>20/05/2025</a:t>
             </a:fld>
             <a:endParaRPr lang="fr-FR"/>
           </a:p>
@@ -2794,7 +2794,7 @@
           <a:p>
             <a:fld id="{E030C13D-1992-4B2B-B408-E2F8B4A6D092}" type="datetimeFigureOut">
               <a:rPr lang="fr-FR" smtClean="0"/>
-              <a:t>19/05/2025</a:t>
+              <a:t>20/05/2025</a:t>
             </a:fld>
             <a:endParaRPr lang="fr-FR"/>
           </a:p>
@@ -3007,7 +3007,7 @@
           <a:p>
             <a:fld id="{E030C13D-1992-4B2B-B408-E2F8B4A6D092}" type="datetimeFigureOut">
               <a:rPr lang="fr-FR" smtClean="0"/>
-              <a:t>19/05/2025</a:t>
+              <a:t>20/05/2025</a:t>
             </a:fld>
             <a:endParaRPr lang="fr-FR"/>
           </a:p>
@@ -7424,7 +7424,7 @@
               <p:nvPr>
                 <p:extLst>
                   <p:ext uri="{D42A27DB-BD31-4B8C-83A1-F6EECF244321}">
-                    <p14:modId xmlns:p14="http://schemas.microsoft.com/office/powerpoint/2010/main" val="1338352436"/>
+                    <p14:modId xmlns:p14="http://schemas.microsoft.com/office/powerpoint/2010/main" val="134472998"/>
                   </p:ext>
                 </p:extLst>
               </p:nvPr>
@@ -8248,7 +8248,10 @@
                         <a:lstStyle/>
                         <a:p>
                           <a:pPr algn="ctr"/>
-                          <a:endParaRPr lang="fr-FR" dirty="0"/>
+                          <a:r>
+                            <a:rPr lang="fr-FR" dirty="0"/>
+                            <a:t>0.38</a:t>
+                          </a:r>
                         </a:p>
                       </a:txBody>
                       <a:tcPr>
@@ -8301,7 +8304,10 @@
                         <a:lstStyle/>
                         <a:p>
                           <a:pPr algn="ctr"/>
-                          <a:endParaRPr lang="fr-FR"/>
+                          <a:r>
+                            <a:rPr lang="fr-FR" dirty="0"/>
+                            <a:t>0.57</a:t>
+                          </a:r>
                         </a:p>
                       </a:txBody>
                       <a:tcPr>
@@ -8354,7 +8360,10 @@
                         <a:lstStyle/>
                         <a:p>
                           <a:pPr algn="ctr"/>
-                          <a:endParaRPr lang="fr-FR"/>
+                          <a:r>
+                            <a:rPr lang="fr-FR" dirty="0"/>
+                            <a:t>0.81</a:t>
+                          </a:r>
                         </a:p>
                       </a:txBody>
                       <a:tcPr>
@@ -8564,7 +8573,10 @@
                         <a:lstStyle/>
                         <a:p>
                           <a:pPr algn="ctr"/>
-                          <a:endParaRPr lang="fr-FR" dirty="0"/>
+                          <a:r>
+                            <a:rPr lang="fr-FR" dirty="0"/>
+                            <a:t>0.23</a:t>
+                          </a:r>
                         </a:p>
                       </a:txBody>
                       <a:tcPr>
@@ -8617,7 +8629,10 @@
                         <a:lstStyle/>
                         <a:p>
                           <a:pPr algn="ctr"/>
-                          <a:endParaRPr lang="fr-FR" dirty="0"/>
+                          <a:r>
+                            <a:rPr lang="fr-FR" dirty="0"/>
+                            <a:t>0.33</a:t>
+                          </a:r>
                         </a:p>
                       </a:txBody>
                       <a:tcPr>
@@ -8670,7 +8685,10 @@
                         <a:lstStyle/>
                         <a:p>
                           <a:pPr algn="ctr"/>
-                          <a:endParaRPr lang="fr-FR"/>
+                          <a:r>
+                            <a:rPr lang="fr-FR" dirty="0"/>
+                            <a:t>0.52</a:t>
+                          </a:r>
                         </a:p>
                       </a:txBody>
                       <a:tcPr>
@@ -8880,7 +8898,10 @@
                         <a:lstStyle/>
                         <a:p>
                           <a:pPr algn="ctr"/>
-                          <a:endParaRPr lang="fr-FR" dirty="0"/>
+                          <a:r>
+                            <a:rPr lang="fr-FR" dirty="0"/>
+                            <a:t>0.20</a:t>
+                          </a:r>
                         </a:p>
                       </a:txBody>
                       <a:tcPr>
@@ -8933,7 +8954,10 @@
                         <a:lstStyle/>
                         <a:p>
                           <a:pPr algn="ctr"/>
-                          <a:endParaRPr lang="fr-FR" dirty="0"/>
+                          <a:r>
+                            <a:rPr lang="fr-FR" dirty="0"/>
+                            <a:t>0.26</a:t>
+                          </a:r>
                         </a:p>
                       </a:txBody>
                       <a:tcPr>
@@ -8986,7 +9010,10 @@
                         <a:lstStyle/>
                         <a:p>
                           <a:pPr algn="ctr"/>
-                          <a:endParaRPr lang="fr-FR" dirty="0"/>
+                          <a:r>
+                            <a:rPr lang="fr-FR" dirty="0"/>
+                            <a:t>0.33</a:t>
+                          </a:r>
                         </a:p>
                       </a:txBody>
                       <a:tcPr>
@@ -9196,7 +9223,10 @@
                         <a:lstStyle/>
                         <a:p>
                           <a:pPr algn="ctr"/>
-                          <a:endParaRPr lang="fr-FR"/>
+                          <a:r>
+                            <a:rPr lang="fr-FR" dirty="0"/>
+                            <a:t>0.17</a:t>
+                          </a:r>
                         </a:p>
                       </a:txBody>
                       <a:tcPr>
@@ -9249,7 +9279,10 @@
                         <a:lstStyle/>
                         <a:p>
                           <a:pPr algn="ctr"/>
-                          <a:endParaRPr lang="fr-FR" dirty="0"/>
+                          <a:r>
+                            <a:rPr lang="fr-FR" dirty="0"/>
+                            <a:t>0.23</a:t>
+                          </a:r>
                         </a:p>
                       </a:txBody>
                       <a:tcPr>
@@ -9302,7 +9335,10 @@
                         <a:lstStyle/>
                         <a:p>
                           <a:pPr algn="ctr"/>
-                          <a:endParaRPr lang="fr-FR" dirty="0"/>
+                          <a:r>
+                            <a:rPr lang="fr-FR" dirty="0"/>
+                            <a:t>0.31</a:t>
+                          </a:r>
                         </a:p>
                       </a:txBody>
                       <a:tcPr>
@@ -9512,7 +9548,10 @@
                         <a:lstStyle/>
                         <a:p>
                           <a:pPr algn="ctr"/>
-                          <a:endParaRPr lang="fr-FR" dirty="0"/>
+                          <a:r>
+                            <a:rPr lang="fr-FR" dirty="0"/>
+                            <a:t>0.11</a:t>
+                          </a:r>
                         </a:p>
                       </a:txBody>
                       <a:tcPr>
@@ -9565,7 +9604,10 @@
                         <a:lstStyle/>
                         <a:p>
                           <a:pPr algn="ctr"/>
-                          <a:endParaRPr lang="fr-FR" dirty="0"/>
+                          <a:r>
+                            <a:rPr lang="fr-FR" dirty="0"/>
+                            <a:t>0.145</a:t>
+                          </a:r>
                         </a:p>
                       </a:txBody>
                       <a:tcPr>
@@ -9618,7 +9660,10 @@
                         <a:lstStyle/>
                         <a:p>
                           <a:pPr algn="ctr"/>
-                          <a:endParaRPr lang="fr-FR" dirty="0"/>
+                          <a:r>
+                            <a:rPr lang="fr-FR" dirty="0"/>
+                            <a:t>0.21</a:t>
+                          </a:r>
                         </a:p>
                       </a:txBody>
                       <a:tcPr>
@@ -9692,7 +9737,7 @@
               <p:nvPr>
                 <p:extLst>
                   <p:ext uri="{D42A27DB-BD31-4B8C-83A1-F6EECF244321}">
-                    <p14:modId xmlns:p14="http://schemas.microsoft.com/office/powerpoint/2010/main" val="1338352436"/>
+                    <p14:modId xmlns:p14="http://schemas.microsoft.com/office/powerpoint/2010/main" val="134472998"/>
                   </p:ext>
                 </p:extLst>
               </p:nvPr>
@@ -10491,7 +10536,10 @@
                         <a:lstStyle/>
                         <a:p>
                           <a:pPr algn="ctr"/>
-                          <a:endParaRPr lang="fr-FR" dirty="0"/>
+                          <a:r>
+                            <a:rPr lang="fr-FR" dirty="0"/>
+                            <a:t>0.38</a:t>
+                          </a:r>
                         </a:p>
                       </a:txBody>
                       <a:tcPr>
@@ -10544,7 +10592,10 @@
                         <a:lstStyle/>
                         <a:p>
                           <a:pPr algn="ctr"/>
-                          <a:endParaRPr lang="fr-FR"/>
+                          <a:r>
+                            <a:rPr lang="fr-FR" dirty="0"/>
+                            <a:t>0.57</a:t>
+                          </a:r>
                         </a:p>
                       </a:txBody>
                       <a:tcPr>
@@ -10597,7 +10648,10 @@
                         <a:lstStyle/>
                         <a:p>
                           <a:pPr algn="ctr"/>
-                          <a:endParaRPr lang="fr-FR"/>
+                          <a:r>
+                            <a:rPr lang="fr-FR" dirty="0"/>
+                            <a:t>0.81</a:t>
+                          </a:r>
                         </a:p>
                       </a:txBody>
                       <a:tcPr>
@@ -10766,7 +10820,10 @@
                         <a:lstStyle/>
                         <a:p>
                           <a:pPr algn="ctr"/>
-                          <a:endParaRPr lang="fr-FR" dirty="0"/>
+                          <a:r>
+                            <a:rPr lang="fr-FR" dirty="0"/>
+                            <a:t>0.23</a:t>
+                          </a:r>
                         </a:p>
                       </a:txBody>
                       <a:tcPr>
@@ -10819,7 +10876,10 @@
                         <a:lstStyle/>
                         <a:p>
                           <a:pPr algn="ctr"/>
-                          <a:endParaRPr lang="fr-FR" dirty="0"/>
+                          <a:r>
+                            <a:rPr lang="fr-FR" dirty="0"/>
+                            <a:t>0.33</a:t>
+                          </a:r>
                         </a:p>
                       </a:txBody>
                       <a:tcPr>
@@ -10872,7 +10932,10 @@
                         <a:lstStyle/>
                         <a:p>
                           <a:pPr algn="ctr"/>
-                          <a:endParaRPr lang="fr-FR"/>
+                          <a:r>
+                            <a:rPr lang="fr-FR" dirty="0"/>
+                            <a:t>0.52</a:t>
+                          </a:r>
                         </a:p>
                       </a:txBody>
                       <a:tcPr>
@@ -11041,7 +11104,10 @@
                         <a:lstStyle/>
                         <a:p>
                           <a:pPr algn="ctr"/>
-                          <a:endParaRPr lang="fr-FR" dirty="0"/>
+                          <a:r>
+                            <a:rPr lang="fr-FR" dirty="0"/>
+                            <a:t>0.20</a:t>
+                          </a:r>
                         </a:p>
                       </a:txBody>
                       <a:tcPr>
@@ -11094,7 +11160,10 @@
                         <a:lstStyle/>
                         <a:p>
                           <a:pPr algn="ctr"/>
-                          <a:endParaRPr lang="fr-FR" dirty="0"/>
+                          <a:r>
+                            <a:rPr lang="fr-FR" dirty="0"/>
+                            <a:t>0.26</a:t>
+                          </a:r>
                         </a:p>
                       </a:txBody>
                       <a:tcPr>
@@ -11147,7 +11216,10 @@
                         <a:lstStyle/>
                         <a:p>
                           <a:pPr algn="ctr"/>
-                          <a:endParaRPr lang="fr-FR" dirty="0"/>
+                          <a:r>
+                            <a:rPr lang="fr-FR" dirty="0"/>
+                            <a:t>0.33</a:t>
+                          </a:r>
                         </a:p>
                       </a:txBody>
                       <a:tcPr>
@@ -11316,7 +11388,10 @@
                         <a:lstStyle/>
                         <a:p>
                           <a:pPr algn="ctr"/>
-                          <a:endParaRPr lang="fr-FR"/>
+                          <a:r>
+                            <a:rPr lang="fr-FR" dirty="0"/>
+                            <a:t>0.17</a:t>
+                          </a:r>
                         </a:p>
                       </a:txBody>
                       <a:tcPr>
@@ -11369,7 +11444,10 @@
                         <a:lstStyle/>
                         <a:p>
                           <a:pPr algn="ctr"/>
-                          <a:endParaRPr lang="fr-FR" dirty="0"/>
+                          <a:r>
+                            <a:rPr lang="fr-FR" dirty="0"/>
+                            <a:t>0.23</a:t>
+                          </a:r>
                         </a:p>
                       </a:txBody>
                       <a:tcPr>
@@ -11422,7 +11500,10 @@
                         <a:lstStyle/>
                         <a:p>
                           <a:pPr algn="ctr"/>
-                          <a:endParaRPr lang="fr-FR" dirty="0"/>
+                          <a:r>
+                            <a:rPr lang="fr-FR" dirty="0"/>
+                            <a:t>0.31</a:t>
+                          </a:r>
                         </a:p>
                       </a:txBody>
                       <a:tcPr>
@@ -11591,7 +11672,10 @@
                         <a:lstStyle/>
                         <a:p>
                           <a:pPr algn="ctr"/>
-                          <a:endParaRPr lang="fr-FR" dirty="0"/>
+                          <a:r>
+                            <a:rPr lang="fr-FR" dirty="0"/>
+                            <a:t>0.11</a:t>
+                          </a:r>
                         </a:p>
                       </a:txBody>
                       <a:tcPr>
@@ -11644,7 +11728,10 @@
                         <a:lstStyle/>
                         <a:p>
                           <a:pPr algn="ctr"/>
-                          <a:endParaRPr lang="fr-FR" dirty="0"/>
+                          <a:r>
+                            <a:rPr lang="fr-FR" dirty="0"/>
+                            <a:t>0.145</a:t>
+                          </a:r>
                         </a:p>
                       </a:txBody>
                       <a:tcPr>
@@ -11697,7 +11784,10 @@
                         <a:lstStyle/>
                         <a:p>
                           <a:pPr algn="ctr"/>
-                          <a:endParaRPr lang="fr-FR" dirty="0"/>
+                          <a:r>
+                            <a:rPr lang="fr-FR" dirty="0"/>
+                            <a:t>0.21</a:t>
+                          </a:r>
                         </a:p>
                       </a:txBody>
                       <a:tcPr>

--- a/Datasheet/Datasheet_capteur_2025.pptx
+++ b/Datasheet/Datasheet_capteur_2025.pptx
@@ -7194,51 +7194,6 @@
           </a:p>
         </p:txBody>
       </p:sp>
-      <p:pic>
-        <p:nvPicPr>
-          <p:cNvPr id="1026" name="Picture 2" descr="var_R/RO_crayons">
-            <a:extLst>
-              <a:ext uri="{FF2B5EF4-FFF2-40B4-BE49-F238E27FC236}">
-                <a16:creationId xmlns:a16="http://schemas.microsoft.com/office/drawing/2014/main" id="{425D0CA8-FB5B-A774-EF68-3649DC975538}"/>
-              </a:ext>
-            </a:extLst>
-          </p:cNvPr>
-          <p:cNvPicPr>
-            <a:picLocks noChangeAspect="1" noChangeArrowheads="1"/>
-          </p:cNvPicPr>
-          <p:nvPr/>
-        </p:nvPicPr>
-        <p:blipFill rotWithShape="1">
-          <a:blip r:embed="rId4">
-            <a:extLst>
-              <a:ext uri="{28A0092B-C50C-407E-A947-70E740481C1C}">
-                <a14:useLocalDpi xmlns:a14="http://schemas.microsoft.com/office/drawing/2010/main" val="0"/>
-              </a:ext>
-            </a:extLst>
-          </a:blip>
-          <a:srcRect t="10486"/>
-          <a:stretch/>
-        </p:blipFill>
-        <p:spPr bwMode="auto">
-          <a:xfrm>
-            <a:off x="605873" y="5061094"/>
-            <a:ext cx="5505450" cy="4143769"/>
-          </a:xfrm>
-          <a:prstGeom prst="rect">
-            <a:avLst/>
-          </a:prstGeom>
-          <a:noFill/>
-          <a:extLst>
-            <a:ext uri="{909E8E84-426E-40DD-AFC4-6F175D3DCCD1}">
-              <a14:hiddenFill xmlns:a14="http://schemas.microsoft.com/office/drawing/2010/main">
-                <a:solidFill>
-                  <a:srgbClr val="FFFFFF"/>
-                </a:solidFill>
-              </a14:hiddenFill>
-            </a:ext>
-          </a:extLst>
-        </p:spPr>
-      </p:pic>
       <p:sp>
         <p:nvSpPr>
           <p:cNvPr id="2" name="ZoneTexte 1">
@@ -7407,8 +7362,8 @@
           </a:p>
         </p:txBody>
       </p:sp>
-      <mc:AlternateContent xmlns:mc="http://schemas.openxmlformats.org/markup-compatibility/2006">
-        <mc:Choice xmlns:a14="http://schemas.microsoft.com/office/drawing/2010/main" Requires="a14">
+      <mc:AlternateContent xmlns:mc="http://schemas.openxmlformats.org/markup-compatibility/2006" xmlns:a14="http://schemas.microsoft.com/office/drawing/2010/main">
+        <mc:Choice Requires="a14">
           <p:graphicFrame>
             <p:nvGraphicFramePr>
               <p:cNvPr id="8" name="Tableau 7">
@@ -9721,7 +9676,7 @@
             </a:graphic>
           </p:graphicFrame>
         </mc:Choice>
-        <mc:Fallback>
+        <mc:Fallback xmlns="">
           <p:graphicFrame>
             <p:nvGraphicFramePr>
               <p:cNvPr id="8" name="Tableau 7">
@@ -11846,6 +11801,36 @@
           </p:graphicFrame>
         </mc:Fallback>
       </mc:AlternateContent>
+      <p:pic>
+        <p:nvPicPr>
+          <p:cNvPr id="16" name="Image 15">
+            <a:extLst>
+              <a:ext uri="{FF2B5EF4-FFF2-40B4-BE49-F238E27FC236}">
+                <a16:creationId xmlns:a16="http://schemas.microsoft.com/office/drawing/2014/main" id="{20CA7617-BCF0-F29B-6542-B49AEB8E2C7D}"/>
+              </a:ext>
+            </a:extLst>
+          </p:cNvPr>
+          <p:cNvPicPr>
+            <a:picLocks noChangeAspect="1"/>
+          </p:cNvPicPr>
+          <p:nvPr/>
+        </p:nvPicPr>
+        <p:blipFill>
+          <a:blip r:embed="rId6"/>
+          <a:stretch>
+            <a:fillRect/>
+          </a:stretch>
+        </p:blipFill>
+        <p:spPr>
+          <a:xfrm>
+            <a:off x="1075399" y="5161100"/>
+            <a:ext cx="4566397" cy="3793622"/>
+          </a:xfrm>
+          <a:prstGeom prst="rect">
+            <a:avLst/>
+          </a:prstGeom>
+        </p:spPr>
+      </p:pic>
     </p:spTree>
     <p:extLst>
       <p:ext uri="{BB962C8B-B14F-4D97-AF65-F5344CB8AC3E}">

--- a/Datasheet/Datasheet_capteur_2025.pptx
+++ b/Datasheet/Datasheet_capteur_2025.pptx
@@ -7317,6 +7317,30 @@
             </a:r>
             <a:r>
               <a:rPr lang="fr-FR" sz="900" i="1" dirty="0"/>
+              <a:t>=compressive </a:t>
+            </a:r>
+            <a:r>
+              <a:rPr lang="fr-FR" sz="900" i="1" dirty="0" err="1"/>
+              <a:t>strain</a:t>
+            </a:r>
+            <a:r>
+              <a:rPr lang="fr-FR" sz="900" i="1" dirty="0"/>
+              <a:t> &amp; </a:t>
+            </a:r>
+            <a:r>
+              <a:rPr lang="fr-FR" sz="900" i="1" dirty="0" err="1"/>
+              <a:t>negative</a:t>
+            </a:r>
+            <a:r>
+              <a:rPr lang="fr-FR" sz="900" i="1" dirty="0"/>
+              <a:t> </a:t>
+            </a:r>
+            <a:r>
+              <a:rPr lang="fr-FR" sz="900" i="1" dirty="0" err="1"/>
+              <a:t>strain</a:t>
+            </a:r>
+            <a:r>
+              <a:rPr lang="fr-FR" sz="900" i="1" dirty="0"/>
               <a:t>=</a:t>
             </a:r>
             <a:r>
@@ -7326,30 +7350,6 @@
             <a:r>
               <a:rPr lang="fr-FR" sz="900" i="1" dirty="0"/>
               <a:t> </a:t>
-            </a:r>
-            <a:r>
-              <a:rPr lang="fr-FR" sz="900" i="1" dirty="0" err="1"/>
-              <a:t>strain</a:t>
-            </a:r>
-            <a:r>
-              <a:rPr lang="fr-FR" sz="900" i="1" dirty="0"/>
-              <a:t> &amp; </a:t>
-            </a:r>
-            <a:r>
-              <a:rPr lang="fr-FR" sz="900" i="1" dirty="0" err="1"/>
-              <a:t>negative</a:t>
-            </a:r>
-            <a:r>
-              <a:rPr lang="fr-FR" sz="900" i="1" dirty="0"/>
-              <a:t> </a:t>
-            </a:r>
-            <a:r>
-              <a:rPr lang="fr-FR" sz="900" i="1" dirty="0" err="1"/>
-              <a:t>strain</a:t>
-            </a:r>
-            <a:r>
-              <a:rPr lang="fr-FR" sz="900" i="1" dirty="0"/>
-              <a:t>=compressive </a:t>
             </a:r>
             <a:r>
               <a:rPr lang="fr-FR" sz="900" i="1" dirty="0" err="1"/>

--- a/Datasheet/Datasheet_capteur_2025.pptx
+++ b/Datasheet/Datasheet_capteur_2025.pptx
@@ -7362,8 +7362,8 @@
           </a:p>
         </p:txBody>
       </p:sp>
-      <mc:AlternateContent xmlns:mc="http://schemas.openxmlformats.org/markup-compatibility/2006" xmlns:a14="http://schemas.microsoft.com/office/drawing/2010/main">
-        <mc:Choice Requires="a14">
+      <mc:AlternateContent xmlns:mc="http://schemas.openxmlformats.org/markup-compatibility/2006">
+        <mc:Choice xmlns:a14="http://schemas.microsoft.com/office/drawing/2010/main" Requires="a14">
           <p:graphicFrame>
             <p:nvGraphicFramePr>
               <p:cNvPr id="8" name="Tableau 7">
@@ -7379,14 +7379,14 @@
               <p:nvPr>
                 <p:extLst>
                   <p:ext uri="{D42A27DB-BD31-4B8C-83A1-F6EECF244321}">
-                    <p14:modId xmlns:p14="http://schemas.microsoft.com/office/powerpoint/2010/main" val="134472998"/>
+                    <p14:modId xmlns:p14="http://schemas.microsoft.com/office/powerpoint/2010/main" val="963410585"/>
                   </p:ext>
                 </p:extLst>
               </p:nvPr>
             </p:nvGraphicFramePr>
             <p:xfrm>
               <a:off x="221146" y="1224464"/>
-              <a:ext cx="6274905" cy="3001350"/>
+              <a:ext cx="6274905" cy="2972788"/>
             </p:xfrm>
             <a:graphic>
               <a:graphicData uri="http://schemas.openxmlformats.org/drawingml/2006/table">
@@ -7431,7 +7431,7 @@
                       </a:extLst>
                     </a:gridCol>
                   </a:tblGrid>
-                  <a:tr h="416405">
+                  <a:tr h="482600">
                     <a:tc>
                       <a:txBody>
                         <a:bodyPr/>
@@ -7770,7 +7770,7 @@
                       </a:ext>
                     </a:extLst>
                   </a:tr>
-                  <a:tr h="416405">
+                  <a:tr h="399581">
                     <a:tc>
                       <a:txBody>
                         <a:bodyPr/>
@@ -8062,7 +8062,7 @@
                       </a:ext>
                     </a:extLst>
                   </a:tr>
-                  <a:tr h="416405">
+                  <a:tr h="471963">
                     <a:tc>
                       <a:txBody>
                         <a:bodyPr/>
@@ -8071,7 +8071,7 @@
                           <a:pPr algn="ctr"/>
                           <a:r>
                             <a:rPr lang="fr-FR" dirty="0"/>
-                            <a:t>2HB</a:t>
+                            <a:t>3H</a:t>
                           </a:r>
                         </a:p>
                       </a:txBody>
@@ -8205,7 +8205,7 @@
                           <a:pPr algn="ctr"/>
                           <a:r>
                             <a:rPr lang="fr-FR" dirty="0"/>
-                            <a:t>0.38</a:t>
+                            <a:t>356.0</a:t>
                           </a:r>
                         </a:p>
                       </a:txBody>
@@ -8261,7 +8261,7 @@
                           <a:pPr algn="ctr"/>
                           <a:r>
                             <a:rPr lang="fr-FR" dirty="0"/>
-                            <a:t>0.57</a:t>
+                            <a:t>425.6</a:t>
                           </a:r>
                         </a:p>
                       </a:txBody>
@@ -8317,7 +8317,7 @@
                           <a:pPr algn="ctr"/>
                           <a:r>
                             <a:rPr lang="fr-FR" dirty="0"/>
-                            <a:t>0.81</a:t>
+                            <a:t>483.0</a:t>
                           </a:r>
                         </a:p>
                       </a:txBody>
@@ -8371,7 +8371,7 @@
                       </a:ext>
                     </a:extLst>
                   </a:tr>
-                  <a:tr h="416405">
+                  <a:tr h="399581">
                     <a:tc>
                       <a:txBody>
                         <a:bodyPr/>
@@ -8380,7 +8380,7 @@
                           <a:pPr algn="ctr"/>
                           <a:r>
                             <a:rPr lang="fr-FR" dirty="0"/>
-                            <a:t>B</a:t>
+                            <a:t>F</a:t>
                           </a:r>
                         </a:p>
                       </a:txBody>
@@ -8530,7 +8530,7 @@
                           <a:pPr algn="ctr"/>
                           <a:r>
                             <a:rPr lang="fr-FR" dirty="0"/>
-                            <a:t>0.23</a:t>
+                            <a:t>2.6</a:t>
                           </a:r>
                         </a:p>
                       </a:txBody>
@@ -8586,7 +8586,7 @@
                           <a:pPr algn="ctr"/>
                           <a:r>
                             <a:rPr lang="fr-FR" dirty="0"/>
-                            <a:t>0.33</a:t>
+                            <a:t>3.35</a:t>
                           </a:r>
                         </a:p>
                       </a:txBody>
@@ -8642,7 +8642,7 @@
                           <a:pPr algn="ctr"/>
                           <a:r>
                             <a:rPr lang="fr-FR" dirty="0"/>
-                            <a:t>0.52</a:t>
+                            <a:t>4.17</a:t>
                           </a:r>
                         </a:p>
                       </a:txBody>
@@ -8696,7 +8696,7 @@
                       </a:ext>
                     </a:extLst>
                   </a:tr>
-                  <a:tr h="416405">
+                  <a:tr h="399581">
                     <a:tc>
                       <a:txBody>
                         <a:bodyPr/>
@@ -8705,7 +8705,7 @@
                           <a:pPr algn="ctr"/>
                           <a:r>
                             <a:rPr lang="fr-FR" dirty="0"/>
-                            <a:t>2B</a:t>
+                            <a:t>2HB</a:t>
                           </a:r>
                         </a:p>
                       </a:txBody>
@@ -8855,7 +8855,7 @@
                           <a:pPr algn="ctr"/>
                           <a:r>
                             <a:rPr lang="fr-FR" dirty="0"/>
-                            <a:t>0.20</a:t>
+                            <a:t>0.38</a:t>
                           </a:r>
                         </a:p>
                       </a:txBody>
@@ -8911,7 +8911,7 @@
                           <a:pPr algn="ctr"/>
                           <a:r>
                             <a:rPr lang="fr-FR" dirty="0"/>
-                            <a:t>0.26</a:t>
+                            <a:t>0.57</a:t>
                           </a:r>
                         </a:p>
                       </a:txBody>
@@ -8967,7 +8967,7 @@
                           <a:pPr algn="ctr"/>
                           <a:r>
                             <a:rPr lang="fr-FR" dirty="0"/>
-                            <a:t>0.33</a:t>
+                            <a:t>0.81</a:t>
                           </a:r>
                         </a:p>
                       </a:txBody>
@@ -9021,7 +9021,7 @@
                       </a:ext>
                     </a:extLst>
                   </a:tr>
-                  <a:tr h="416405">
+                  <a:tr h="399581">
                     <a:tc>
                       <a:txBody>
                         <a:bodyPr/>
@@ -9030,7 +9030,7 @@
                           <a:pPr algn="ctr"/>
                           <a:r>
                             <a:rPr lang="fr-FR" dirty="0"/>
-                            <a:t>3B</a:t>
+                            <a:t>2B</a:t>
                           </a:r>
                         </a:p>
                       </a:txBody>
@@ -9180,7 +9180,7 @@
                           <a:pPr algn="ctr"/>
                           <a:r>
                             <a:rPr lang="fr-FR" dirty="0"/>
-                            <a:t>0.17</a:t>
+                            <a:t>0.20</a:t>
                           </a:r>
                         </a:p>
                       </a:txBody>
@@ -9236,7 +9236,7 @@
                           <a:pPr algn="ctr"/>
                           <a:r>
                             <a:rPr lang="fr-FR" dirty="0"/>
-                            <a:t>0.23</a:t>
+                            <a:t>0.26</a:t>
                           </a:r>
                         </a:p>
                       </a:txBody>
@@ -9292,7 +9292,7 @@
                           <a:pPr algn="ctr"/>
                           <a:r>
                             <a:rPr lang="fr-FR" dirty="0"/>
-                            <a:t>0.31</a:t>
+                            <a:t>0.33</a:t>
                           </a:r>
                         </a:p>
                       </a:txBody>
@@ -9346,7 +9346,7 @@
                       </a:ext>
                     </a:extLst>
                   </a:tr>
-                  <a:tr h="416405">
+                  <a:tr h="399581">
                     <a:tc>
                       <a:txBody>
                         <a:bodyPr/>
@@ -9676,7 +9676,7 @@
             </a:graphic>
           </p:graphicFrame>
         </mc:Choice>
-        <mc:Fallback xmlns="">
+        <mc:Fallback>
           <p:graphicFrame>
             <p:nvGraphicFramePr>
               <p:cNvPr id="8" name="Tableau 7">
@@ -9692,14 +9692,14 @@
               <p:nvPr>
                 <p:extLst>
                   <p:ext uri="{D42A27DB-BD31-4B8C-83A1-F6EECF244321}">
-                    <p14:modId xmlns:p14="http://schemas.microsoft.com/office/powerpoint/2010/main" val="134472998"/>
+                    <p14:modId xmlns:p14="http://schemas.microsoft.com/office/powerpoint/2010/main" val="963410585"/>
                   </p:ext>
                 </p:extLst>
               </p:nvPr>
             </p:nvGraphicFramePr>
             <p:xfrm>
               <a:off x="221146" y="1224464"/>
-              <a:ext cx="6274905" cy="3001350"/>
+              <a:ext cx="6274905" cy="2972788"/>
             </p:xfrm>
             <a:graphic>
               <a:graphicData uri="http://schemas.openxmlformats.org/drawingml/2006/table">
@@ -10083,7 +10083,7 @@
                       </a:ext>
                     </a:extLst>
                   </a:tr>
-                  <a:tr h="416405">
+                  <a:tr h="399581">
                     <a:tc>
                       <a:txBody>
                         <a:bodyPr/>
@@ -10375,7 +10375,7 @@
                       </a:ext>
                     </a:extLst>
                   </a:tr>
-                  <a:tr h="416405">
+                  <a:tr h="471963">
                     <a:tc>
                       <a:txBody>
                         <a:bodyPr/>
@@ -10384,7 +10384,7 @@
                           <a:pPr algn="ctr"/>
                           <a:r>
                             <a:rPr lang="fr-FR" dirty="0"/>
-                            <a:t>2HB</a:t>
+                            <a:t>3H</a:t>
                           </a:r>
                         </a:p>
                       </a:txBody>
@@ -10478,9 +10478,577 @@
                           <a:tailEnd type="none" w="med" len="med"/>
                         </a:lnB>
                         <a:blipFill>
-                          <a:blip r:embed="rId5"/>
+                          <a:blip r:embed="rId4"/>
                           <a:stretch>
-                            <a:fillRect l="-100485" t="-220290" r="-300971" b="-400000"/>
+                            <a:fillRect l="-100485" t="-191026" r="-300971" b="-339744"/>
+                          </a:stretch>
+                        </a:blipFill>
+                      </a:tcPr>
+                    </a:tc>
+                    <a:tc>
+                      <a:txBody>
+                        <a:bodyPr/>
+                        <a:lstStyle/>
+                        <a:p>
+                          <a:pPr algn="ctr"/>
+                          <a:r>
+                            <a:rPr lang="fr-FR" dirty="0"/>
+                            <a:t>356.0</a:t>
+                          </a:r>
+                        </a:p>
+                      </a:txBody>
+                      <a:tcPr>
+                        <a:lnL w="12700" cap="flat" cmpd="sng" algn="ctr">
+                          <a:solidFill>
+                            <a:schemeClr val="tx1"/>
+                          </a:solidFill>
+                          <a:prstDash val="solid"/>
+                          <a:round/>
+                          <a:headEnd type="none" w="med" len="med"/>
+                          <a:tailEnd type="none" w="med" len="med"/>
+                        </a:lnL>
+                        <a:lnR w="12700" cap="flat" cmpd="sng" algn="ctr">
+                          <a:solidFill>
+                            <a:schemeClr val="tx1"/>
+                          </a:solidFill>
+                          <a:prstDash val="solid"/>
+                          <a:round/>
+                          <a:headEnd type="none" w="med" len="med"/>
+                          <a:tailEnd type="none" w="med" len="med"/>
+                        </a:lnR>
+                        <a:lnT w="12700" cap="flat" cmpd="sng" algn="ctr">
+                          <a:solidFill>
+                            <a:schemeClr val="tx1"/>
+                          </a:solidFill>
+                          <a:prstDash val="solid"/>
+                          <a:round/>
+                          <a:headEnd type="none" w="med" len="med"/>
+                          <a:tailEnd type="none" w="med" len="med"/>
+                        </a:lnT>
+                        <a:lnB w="12700" cap="flat" cmpd="sng" algn="ctr">
+                          <a:solidFill>
+                            <a:schemeClr val="tx1"/>
+                          </a:solidFill>
+                          <a:prstDash val="solid"/>
+                          <a:round/>
+                          <a:headEnd type="none" w="med" len="med"/>
+                          <a:tailEnd type="none" w="med" len="med"/>
+                        </a:lnB>
+                        <a:solidFill>
+                          <a:schemeClr val="bg1">
+                            <a:lumMod val="85000"/>
+                          </a:schemeClr>
+                        </a:solidFill>
+                      </a:tcPr>
+                    </a:tc>
+                    <a:tc>
+                      <a:txBody>
+                        <a:bodyPr/>
+                        <a:lstStyle/>
+                        <a:p>
+                          <a:pPr algn="ctr"/>
+                          <a:r>
+                            <a:rPr lang="fr-FR" dirty="0"/>
+                            <a:t>425.6</a:t>
+                          </a:r>
+                        </a:p>
+                      </a:txBody>
+                      <a:tcPr>
+                        <a:lnL w="12700" cap="flat" cmpd="sng" algn="ctr">
+                          <a:solidFill>
+                            <a:schemeClr val="tx1"/>
+                          </a:solidFill>
+                          <a:prstDash val="solid"/>
+                          <a:round/>
+                          <a:headEnd type="none" w="med" len="med"/>
+                          <a:tailEnd type="none" w="med" len="med"/>
+                        </a:lnL>
+                        <a:lnR w="12700" cap="flat" cmpd="sng" algn="ctr">
+                          <a:solidFill>
+                            <a:schemeClr val="tx1"/>
+                          </a:solidFill>
+                          <a:prstDash val="solid"/>
+                          <a:round/>
+                          <a:headEnd type="none" w="med" len="med"/>
+                          <a:tailEnd type="none" w="med" len="med"/>
+                        </a:lnR>
+                        <a:lnT w="12700" cap="flat" cmpd="sng" algn="ctr">
+                          <a:solidFill>
+                            <a:schemeClr val="tx1"/>
+                          </a:solidFill>
+                          <a:prstDash val="solid"/>
+                          <a:round/>
+                          <a:headEnd type="none" w="med" len="med"/>
+                          <a:tailEnd type="none" w="med" len="med"/>
+                        </a:lnT>
+                        <a:lnB w="12700" cap="flat" cmpd="sng" algn="ctr">
+                          <a:solidFill>
+                            <a:schemeClr val="tx1"/>
+                          </a:solidFill>
+                          <a:prstDash val="solid"/>
+                          <a:round/>
+                          <a:headEnd type="none" w="med" len="med"/>
+                          <a:tailEnd type="none" w="med" len="med"/>
+                        </a:lnB>
+                        <a:solidFill>
+                          <a:schemeClr val="bg1">
+                            <a:lumMod val="85000"/>
+                          </a:schemeClr>
+                        </a:solidFill>
+                      </a:tcPr>
+                    </a:tc>
+                    <a:tc>
+                      <a:txBody>
+                        <a:bodyPr/>
+                        <a:lstStyle/>
+                        <a:p>
+                          <a:pPr algn="ctr"/>
+                          <a:r>
+                            <a:rPr lang="fr-FR" dirty="0"/>
+                            <a:t>483.0</a:t>
+                          </a:r>
+                        </a:p>
+                      </a:txBody>
+                      <a:tcPr>
+                        <a:lnL w="12700" cap="flat" cmpd="sng" algn="ctr">
+                          <a:solidFill>
+                            <a:schemeClr val="tx1"/>
+                          </a:solidFill>
+                          <a:prstDash val="solid"/>
+                          <a:round/>
+                          <a:headEnd type="none" w="med" len="med"/>
+                          <a:tailEnd type="none" w="med" len="med"/>
+                        </a:lnL>
+                        <a:lnR w="12700" cap="flat" cmpd="sng" algn="ctr">
+                          <a:solidFill>
+                            <a:schemeClr val="tx1"/>
+                          </a:solidFill>
+                          <a:prstDash val="solid"/>
+                          <a:round/>
+                          <a:headEnd type="none" w="med" len="med"/>
+                          <a:tailEnd type="none" w="med" len="med"/>
+                        </a:lnR>
+                        <a:lnT w="12700" cap="flat" cmpd="sng" algn="ctr">
+                          <a:solidFill>
+                            <a:schemeClr val="tx1"/>
+                          </a:solidFill>
+                          <a:prstDash val="solid"/>
+                          <a:round/>
+                          <a:headEnd type="none" w="med" len="med"/>
+                          <a:tailEnd type="none" w="med" len="med"/>
+                        </a:lnT>
+                        <a:lnB w="12700" cap="flat" cmpd="sng" algn="ctr">
+                          <a:solidFill>
+                            <a:schemeClr val="tx1"/>
+                          </a:solidFill>
+                          <a:prstDash val="solid"/>
+                          <a:round/>
+                          <a:headEnd type="none" w="med" len="med"/>
+                          <a:tailEnd type="none" w="med" len="med"/>
+                        </a:lnB>
+                        <a:solidFill>
+                          <a:schemeClr val="bg1">
+                            <a:lumMod val="85000"/>
+                          </a:schemeClr>
+                        </a:solidFill>
+                      </a:tcPr>
+                    </a:tc>
+                    <a:extLst>
+                      <a:ext uri="{0D108BD9-81ED-4DB2-BD59-A6C34878D82A}">
+                        <a16:rowId xmlns:a16="http://schemas.microsoft.com/office/drawing/2014/main" val="3525235127"/>
+                      </a:ext>
+                    </a:extLst>
+                  </a:tr>
+                  <a:tr h="399581">
+                    <a:tc>
+                      <a:txBody>
+                        <a:bodyPr/>
+                        <a:lstStyle/>
+                        <a:p>
+                          <a:pPr algn="ctr"/>
+                          <a:r>
+                            <a:rPr lang="fr-FR" dirty="0"/>
+                            <a:t>F</a:t>
+                          </a:r>
+                        </a:p>
+                      </a:txBody>
+                      <a:tcPr>
+                        <a:lnL w="12700" cap="flat" cmpd="sng" algn="ctr">
+                          <a:solidFill>
+                            <a:schemeClr val="tx1"/>
+                          </a:solidFill>
+                          <a:prstDash val="solid"/>
+                          <a:round/>
+                          <a:headEnd type="none" w="med" len="med"/>
+                          <a:tailEnd type="none" w="med" len="med"/>
+                        </a:lnL>
+                        <a:lnR w="12700" cap="flat" cmpd="sng" algn="ctr">
+                          <a:solidFill>
+                            <a:schemeClr val="tx1"/>
+                          </a:solidFill>
+                          <a:prstDash val="solid"/>
+                          <a:round/>
+                          <a:headEnd type="none" w="med" len="med"/>
+                          <a:tailEnd type="none" w="med" len="med"/>
+                        </a:lnR>
+                        <a:lnT w="12700" cap="flat" cmpd="sng" algn="ctr">
+                          <a:solidFill>
+                            <a:schemeClr val="tx1"/>
+                          </a:solidFill>
+                          <a:prstDash val="solid"/>
+                          <a:round/>
+                          <a:headEnd type="none" w="med" len="med"/>
+                          <a:tailEnd type="none" w="med" len="med"/>
+                        </a:lnT>
+                        <a:lnB w="12700" cap="flat" cmpd="sng" algn="ctr">
+                          <a:solidFill>
+                            <a:schemeClr val="tx1"/>
+                          </a:solidFill>
+                          <a:prstDash val="solid"/>
+                          <a:round/>
+                          <a:headEnd type="none" w="med" len="med"/>
+                          <a:tailEnd type="none" w="med" len="med"/>
+                        </a:lnB>
+                        <a:solidFill>
+                          <a:schemeClr val="bg1">
+                            <a:lumMod val="75000"/>
+                          </a:schemeClr>
+                        </a:solidFill>
+                      </a:tcPr>
+                    </a:tc>
+                    <a:tc>
+                      <a:txBody>
+                        <a:bodyPr/>
+                        <a:lstStyle/>
+                        <a:p>
+                          <a:endParaRPr lang="fr-FR"/>
+                        </a:p>
+                      </a:txBody>
+                      <a:tcPr>
+                        <a:lnL w="12700" cap="flat" cmpd="sng" algn="ctr">
+                          <a:solidFill>
+                            <a:schemeClr val="tx1"/>
+                          </a:solidFill>
+                          <a:prstDash val="solid"/>
+                          <a:round/>
+                          <a:headEnd type="none" w="med" len="med"/>
+                          <a:tailEnd type="none" w="med" len="med"/>
+                        </a:lnL>
+                        <a:lnR w="12700" cap="flat" cmpd="sng" algn="ctr">
+                          <a:solidFill>
+                            <a:schemeClr val="tx1"/>
+                          </a:solidFill>
+                          <a:prstDash val="solid"/>
+                          <a:round/>
+                          <a:headEnd type="none" w="med" len="med"/>
+                          <a:tailEnd type="none" w="med" len="med"/>
+                        </a:lnR>
+                        <a:lnT w="12700" cap="flat" cmpd="sng" algn="ctr">
+                          <a:solidFill>
+                            <a:schemeClr val="tx1"/>
+                          </a:solidFill>
+                          <a:prstDash val="solid"/>
+                          <a:round/>
+                          <a:headEnd type="none" w="med" len="med"/>
+                          <a:tailEnd type="none" w="med" len="med"/>
+                        </a:lnT>
+                        <a:lnB w="12700" cap="flat" cmpd="sng" algn="ctr">
+                          <a:solidFill>
+                            <a:schemeClr val="tx1"/>
+                          </a:solidFill>
+                          <a:prstDash val="solid"/>
+                          <a:round/>
+                          <a:headEnd type="none" w="med" len="med"/>
+                          <a:tailEnd type="none" w="med" len="med"/>
+                        </a:lnB>
+                        <a:blipFill>
+                          <a:blip r:embed="rId4"/>
+                          <a:stretch>
+                            <a:fillRect l="-100485" t="-343939" r="-300971" b="-301515"/>
+                          </a:stretch>
+                        </a:blipFill>
+                      </a:tcPr>
+                    </a:tc>
+                    <a:tc>
+                      <a:txBody>
+                        <a:bodyPr/>
+                        <a:lstStyle/>
+                        <a:p>
+                          <a:pPr algn="ctr"/>
+                          <a:r>
+                            <a:rPr lang="fr-FR" dirty="0"/>
+                            <a:t>2.6</a:t>
+                          </a:r>
+                        </a:p>
+                      </a:txBody>
+                      <a:tcPr>
+                        <a:lnL w="12700" cap="flat" cmpd="sng" algn="ctr">
+                          <a:solidFill>
+                            <a:schemeClr val="tx1"/>
+                          </a:solidFill>
+                          <a:prstDash val="solid"/>
+                          <a:round/>
+                          <a:headEnd type="none" w="med" len="med"/>
+                          <a:tailEnd type="none" w="med" len="med"/>
+                        </a:lnL>
+                        <a:lnR w="12700" cap="flat" cmpd="sng" algn="ctr">
+                          <a:solidFill>
+                            <a:schemeClr val="tx1"/>
+                          </a:solidFill>
+                          <a:prstDash val="solid"/>
+                          <a:round/>
+                          <a:headEnd type="none" w="med" len="med"/>
+                          <a:tailEnd type="none" w="med" len="med"/>
+                        </a:lnR>
+                        <a:lnT w="12700" cap="flat" cmpd="sng" algn="ctr">
+                          <a:solidFill>
+                            <a:schemeClr val="tx1"/>
+                          </a:solidFill>
+                          <a:prstDash val="solid"/>
+                          <a:round/>
+                          <a:headEnd type="none" w="med" len="med"/>
+                          <a:tailEnd type="none" w="med" len="med"/>
+                        </a:lnT>
+                        <a:lnB w="12700" cap="flat" cmpd="sng" algn="ctr">
+                          <a:solidFill>
+                            <a:schemeClr val="tx1"/>
+                          </a:solidFill>
+                          <a:prstDash val="solid"/>
+                          <a:round/>
+                          <a:headEnd type="none" w="med" len="med"/>
+                          <a:tailEnd type="none" w="med" len="med"/>
+                        </a:lnB>
+                        <a:solidFill>
+                          <a:schemeClr val="bg1">
+                            <a:lumMod val="85000"/>
+                          </a:schemeClr>
+                        </a:solidFill>
+                      </a:tcPr>
+                    </a:tc>
+                    <a:tc>
+                      <a:txBody>
+                        <a:bodyPr/>
+                        <a:lstStyle/>
+                        <a:p>
+                          <a:pPr algn="ctr"/>
+                          <a:r>
+                            <a:rPr lang="fr-FR" dirty="0"/>
+                            <a:t>3.35</a:t>
+                          </a:r>
+                        </a:p>
+                      </a:txBody>
+                      <a:tcPr>
+                        <a:lnL w="12700" cap="flat" cmpd="sng" algn="ctr">
+                          <a:solidFill>
+                            <a:schemeClr val="tx1"/>
+                          </a:solidFill>
+                          <a:prstDash val="solid"/>
+                          <a:round/>
+                          <a:headEnd type="none" w="med" len="med"/>
+                          <a:tailEnd type="none" w="med" len="med"/>
+                        </a:lnL>
+                        <a:lnR w="12700" cap="flat" cmpd="sng" algn="ctr">
+                          <a:solidFill>
+                            <a:schemeClr val="tx1"/>
+                          </a:solidFill>
+                          <a:prstDash val="solid"/>
+                          <a:round/>
+                          <a:headEnd type="none" w="med" len="med"/>
+                          <a:tailEnd type="none" w="med" len="med"/>
+                        </a:lnR>
+                        <a:lnT w="12700" cap="flat" cmpd="sng" algn="ctr">
+                          <a:solidFill>
+                            <a:schemeClr val="tx1"/>
+                          </a:solidFill>
+                          <a:prstDash val="solid"/>
+                          <a:round/>
+                          <a:headEnd type="none" w="med" len="med"/>
+                          <a:tailEnd type="none" w="med" len="med"/>
+                        </a:lnT>
+                        <a:lnB w="12700" cap="flat" cmpd="sng" algn="ctr">
+                          <a:solidFill>
+                            <a:schemeClr val="tx1"/>
+                          </a:solidFill>
+                          <a:prstDash val="solid"/>
+                          <a:round/>
+                          <a:headEnd type="none" w="med" len="med"/>
+                          <a:tailEnd type="none" w="med" len="med"/>
+                        </a:lnB>
+                        <a:solidFill>
+                          <a:schemeClr val="bg1">
+                            <a:lumMod val="85000"/>
+                          </a:schemeClr>
+                        </a:solidFill>
+                      </a:tcPr>
+                    </a:tc>
+                    <a:tc>
+                      <a:txBody>
+                        <a:bodyPr/>
+                        <a:lstStyle/>
+                        <a:p>
+                          <a:pPr algn="ctr"/>
+                          <a:r>
+                            <a:rPr lang="fr-FR" dirty="0"/>
+                            <a:t>4.17</a:t>
+                          </a:r>
+                        </a:p>
+                      </a:txBody>
+                      <a:tcPr>
+                        <a:lnL w="12700" cap="flat" cmpd="sng" algn="ctr">
+                          <a:solidFill>
+                            <a:schemeClr val="tx1"/>
+                          </a:solidFill>
+                          <a:prstDash val="solid"/>
+                          <a:round/>
+                          <a:headEnd type="none" w="med" len="med"/>
+                          <a:tailEnd type="none" w="med" len="med"/>
+                        </a:lnL>
+                        <a:lnR w="12700" cap="flat" cmpd="sng" algn="ctr">
+                          <a:solidFill>
+                            <a:schemeClr val="tx1"/>
+                          </a:solidFill>
+                          <a:prstDash val="solid"/>
+                          <a:round/>
+                          <a:headEnd type="none" w="med" len="med"/>
+                          <a:tailEnd type="none" w="med" len="med"/>
+                        </a:lnR>
+                        <a:lnT w="12700" cap="flat" cmpd="sng" algn="ctr">
+                          <a:solidFill>
+                            <a:schemeClr val="tx1"/>
+                          </a:solidFill>
+                          <a:prstDash val="solid"/>
+                          <a:round/>
+                          <a:headEnd type="none" w="med" len="med"/>
+                          <a:tailEnd type="none" w="med" len="med"/>
+                        </a:lnT>
+                        <a:lnB w="12700" cap="flat" cmpd="sng" algn="ctr">
+                          <a:solidFill>
+                            <a:schemeClr val="tx1"/>
+                          </a:solidFill>
+                          <a:prstDash val="solid"/>
+                          <a:round/>
+                          <a:headEnd type="none" w="med" len="med"/>
+                          <a:tailEnd type="none" w="med" len="med"/>
+                        </a:lnB>
+                        <a:solidFill>
+                          <a:schemeClr val="bg1">
+                            <a:lumMod val="85000"/>
+                          </a:schemeClr>
+                        </a:solidFill>
+                      </a:tcPr>
+                    </a:tc>
+                    <a:extLst>
+                      <a:ext uri="{0D108BD9-81ED-4DB2-BD59-A6C34878D82A}">
+                        <a16:rowId xmlns:a16="http://schemas.microsoft.com/office/drawing/2014/main" val="105072542"/>
+                      </a:ext>
+                    </a:extLst>
+                  </a:tr>
+                  <a:tr h="399581">
+                    <a:tc>
+                      <a:txBody>
+                        <a:bodyPr/>
+                        <a:lstStyle/>
+                        <a:p>
+                          <a:pPr algn="ctr"/>
+                          <a:r>
+                            <a:rPr lang="fr-FR" dirty="0"/>
+                            <a:t>2HB</a:t>
+                          </a:r>
+                        </a:p>
+                      </a:txBody>
+                      <a:tcPr>
+                        <a:lnL w="12700" cap="flat" cmpd="sng" algn="ctr">
+                          <a:solidFill>
+                            <a:schemeClr val="tx1"/>
+                          </a:solidFill>
+                          <a:prstDash val="solid"/>
+                          <a:round/>
+                          <a:headEnd type="none" w="med" len="med"/>
+                          <a:tailEnd type="none" w="med" len="med"/>
+                        </a:lnL>
+                        <a:lnR w="12700" cap="flat" cmpd="sng" algn="ctr">
+                          <a:solidFill>
+                            <a:schemeClr val="tx1"/>
+                          </a:solidFill>
+                          <a:prstDash val="solid"/>
+                          <a:round/>
+                          <a:headEnd type="none" w="med" len="med"/>
+                          <a:tailEnd type="none" w="med" len="med"/>
+                        </a:lnR>
+                        <a:lnT w="12700" cap="flat" cmpd="sng" algn="ctr">
+                          <a:solidFill>
+                            <a:schemeClr val="tx1"/>
+                          </a:solidFill>
+                          <a:prstDash val="solid"/>
+                          <a:round/>
+                          <a:headEnd type="none" w="med" len="med"/>
+                          <a:tailEnd type="none" w="med" len="med"/>
+                        </a:lnT>
+                        <a:lnB w="12700" cap="flat" cmpd="sng" algn="ctr">
+                          <a:solidFill>
+                            <a:schemeClr val="tx1"/>
+                          </a:solidFill>
+                          <a:prstDash val="solid"/>
+                          <a:round/>
+                          <a:headEnd type="none" w="med" len="med"/>
+                          <a:tailEnd type="none" w="med" len="med"/>
+                        </a:lnB>
+                        <a:solidFill>
+                          <a:schemeClr val="bg1">
+                            <a:lumMod val="75000"/>
+                          </a:schemeClr>
+                        </a:solidFill>
+                      </a:tcPr>
+                    </a:tc>
+                    <a:tc>
+                      <a:txBody>
+                        <a:bodyPr/>
+                        <a:lstStyle/>
+                        <a:p>
+                          <a:endParaRPr lang="fr-FR"/>
+                        </a:p>
+                      </a:txBody>
+                      <a:tcPr>
+                        <a:lnL w="12700" cap="flat" cmpd="sng" algn="ctr">
+                          <a:solidFill>
+                            <a:schemeClr val="tx1"/>
+                          </a:solidFill>
+                          <a:prstDash val="solid"/>
+                          <a:round/>
+                          <a:headEnd type="none" w="med" len="med"/>
+                          <a:tailEnd type="none" w="med" len="med"/>
+                        </a:lnL>
+                        <a:lnR w="12700" cap="flat" cmpd="sng" algn="ctr">
+                          <a:solidFill>
+                            <a:schemeClr val="tx1"/>
+                          </a:solidFill>
+                          <a:prstDash val="solid"/>
+                          <a:round/>
+                          <a:headEnd type="none" w="med" len="med"/>
+                          <a:tailEnd type="none" w="med" len="med"/>
+                        </a:lnR>
+                        <a:lnT w="12700" cap="flat" cmpd="sng" algn="ctr">
+                          <a:solidFill>
+                            <a:schemeClr val="tx1"/>
+                          </a:solidFill>
+                          <a:prstDash val="solid"/>
+                          <a:round/>
+                          <a:headEnd type="none" w="med" len="med"/>
+                          <a:tailEnd type="none" w="med" len="med"/>
+                        </a:lnT>
+                        <a:lnB w="12700" cap="flat" cmpd="sng" algn="ctr">
+                          <a:solidFill>
+                            <a:schemeClr val="tx1"/>
+                          </a:solidFill>
+                          <a:prstDash val="solid"/>
+                          <a:round/>
+                          <a:headEnd type="none" w="med" len="med"/>
+                          <a:tailEnd type="none" w="med" len="med"/>
+                        </a:lnB>
+                        <a:blipFill>
+                          <a:blip r:embed="rId4"/>
+                          <a:stretch>
+                            <a:fillRect l="-100485" t="-443939" r="-300971" b="-201515"/>
                           </a:stretch>
                         </a:blipFill>
                       </a:tcPr>
@@ -10655,11 +11223,11 @@
                     </a:tc>
                     <a:extLst>
                       <a:ext uri="{0D108BD9-81ED-4DB2-BD59-A6C34878D82A}">
-                        <a16:rowId xmlns:a16="http://schemas.microsoft.com/office/drawing/2014/main" val="3525235127"/>
+                        <a16:rowId xmlns:a16="http://schemas.microsoft.com/office/drawing/2014/main" val="338648113"/>
                       </a:ext>
                     </a:extLst>
                   </a:tr>
-                  <a:tr h="416405">
+                  <a:tr h="399581">
                     <a:tc>
                       <a:txBody>
                         <a:bodyPr/>
@@ -10668,7 +11236,7 @@
                           <a:pPr algn="ctr"/>
                           <a:r>
                             <a:rPr lang="fr-FR" dirty="0"/>
-                            <a:t>B</a:t>
+                            <a:t>2B</a:t>
                           </a:r>
                         </a:p>
                       </a:txBody>
@@ -10762,9 +11330,9 @@
                           <a:tailEnd type="none" w="med" len="med"/>
                         </a:lnB>
                         <a:blipFill>
-                          <a:blip r:embed="rId5"/>
+                          <a:blip r:embed="rId4"/>
                           <a:stretch>
-                            <a:fillRect l="-100485" t="-325000" r="-300971" b="-305882"/>
+                            <a:fillRect l="-100485" t="-552308" r="-300971" b="-104615"/>
                           </a:stretch>
                         </a:blipFill>
                       </a:tcPr>
@@ -10777,7 +11345,63 @@
                           <a:pPr algn="ctr"/>
                           <a:r>
                             <a:rPr lang="fr-FR" dirty="0"/>
-                            <a:t>0.23</a:t>
+                            <a:t>0.20</a:t>
+                          </a:r>
+                        </a:p>
+                      </a:txBody>
+                      <a:tcPr>
+                        <a:lnL w="12700" cap="flat" cmpd="sng" algn="ctr">
+                          <a:solidFill>
+                            <a:schemeClr val="tx1"/>
+                          </a:solidFill>
+                          <a:prstDash val="solid"/>
+                          <a:round/>
+                          <a:headEnd type="none" w="med" len="med"/>
+                          <a:tailEnd type="none" w="med" len="med"/>
+                        </a:lnL>
+                        <a:lnR w="12700" cap="flat" cmpd="sng" algn="ctr">
+                          <a:solidFill>
+                            <a:schemeClr val="tx1"/>
+                          </a:solidFill>
+                          <a:prstDash val="solid"/>
+                          <a:round/>
+                          <a:headEnd type="none" w="med" len="med"/>
+                          <a:tailEnd type="none" w="med" len="med"/>
+                        </a:lnR>
+                        <a:lnT w="12700" cap="flat" cmpd="sng" algn="ctr">
+                          <a:solidFill>
+                            <a:schemeClr val="tx1"/>
+                          </a:solidFill>
+                          <a:prstDash val="solid"/>
+                          <a:round/>
+                          <a:headEnd type="none" w="med" len="med"/>
+                          <a:tailEnd type="none" w="med" len="med"/>
+                        </a:lnT>
+                        <a:lnB w="12700" cap="flat" cmpd="sng" algn="ctr">
+                          <a:solidFill>
+                            <a:schemeClr val="tx1"/>
+                          </a:solidFill>
+                          <a:prstDash val="solid"/>
+                          <a:round/>
+                          <a:headEnd type="none" w="med" len="med"/>
+                          <a:tailEnd type="none" w="med" len="med"/>
+                        </a:lnB>
+                        <a:solidFill>
+                          <a:schemeClr val="bg1">
+                            <a:lumMod val="85000"/>
+                          </a:schemeClr>
+                        </a:solidFill>
+                      </a:tcPr>
+                    </a:tc>
+                    <a:tc>
+                      <a:txBody>
+                        <a:bodyPr/>
+                        <a:lstStyle/>
+                        <a:p>
+                          <a:pPr algn="ctr"/>
+                          <a:r>
+                            <a:rPr lang="fr-FR" dirty="0"/>
+                            <a:t>0.26</a:t>
                           </a:r>
                         </a:p>
                       </a:txBody>
@@ -10881,6 +11505,13 @@
                         </a:solidFill>
                       </a:tcPr>
                     </a:tc>
+                    <a:extLst>
+                      <a:ext uri="{0D108BD9-81ED-4DB2-BD59-A6C34878D82A}">
+                        <a16:rowId xmlns:a16="http://schemas.microsoft.com/office/drawing/2014/main" val="1285524678"/>
+                      </a:ext>
+                    </a:extLst>
+                  </a:tr>
+                  <a:tr h="399581">
                     <a:tc>
                       <a:txBody>
                         <a:bodyPr/>
@@ -10889,70 +11520,7 @@
                           <a:pPr algn="ctr"/>
                           <a:r>
                             <a:rPr lang="fr-FR" dirty="0"/>
-                            <a:t>0.52</a:t>
-                          </a:r>
-                        </a:p>
-                      </a:txBody>
-                      <a:tcPr>
-                        <a:lnL w="12700" cap="flat" cmpd="sng" algn="ctr">
-                          <a:solidFill>
-                            <a:schemeClr val="tx1"/>
-                          </a:solidFill>
-                          <a:prstDash val="solid"/>
-                          <a:round/>
-                          <a:headEnd type="none" w="med" len="med"/>
-                          <a:tailEnd type="none" w="med" len="med"/>
-                        </a:lnL>
-                        <a:lnR w="12700" cap="flat" cmpd="sng" algn="ctr">
-                          <a:solidFill>
-                            <a:schemeClr val="tx1"/>
-                          </a:solidFill>
-                          <a:prstDash val="solid"/>
-                          <a:round/>
-                          <a:headEnd type="none" w="med" len="med"/>
-                          <a:tailEnd type="none" w="med" len="med"/>
-                        </a:lnR>
-                        <a:lnT w="12700" cap="flat" cmpd="sng" algn="ctr">
-                          <a:solidFill>
-                            <a:schemeClr val="tx1"/>
-                          </a:solidFill>
-                          <a:prstDash val="solid"/>
-                          <a:round/>
-                          <a:headEnd type="none" w="med" len="med"/>
-                          <a:tailEnd type="none" w="med" len="med"/>
-                        </a:lnT>
-                        <a:lnB w="12700" cap="flat" cmpd="sng" algn="ctr">
-                          <a:solidFill>
-                            <a:schemeClr val="tx1"/>
-                          </a:solidFill>
-                          <a:prstDash val="solid"/>
-                          <a:round/>
-                          <a:headEnd type="none" w="med" len="med"/>
-                          <a:tailEnd type="none" w="med" len="med"/>
-                        </a:lnB>
-                        <a:solidFill>
-                          <a:schemeClr val="bg1">
-                            <a:lumMod val="85000"/>
-                          </a:schemeClr>
-                        </a:solidFill>
-                      </a:tcPr>
-                    </a:tc>
-                    <a:extLst>
-                      <a:ext uri="{0D108BD9-81ED-4DB2-BD59-A6C34878D82A}">
-                        <a16:rowId xmlns:a16="http://schemas.microsoft.com/office/drawing/2014/main" val="105072542"/>
-                      </a:ext>
-                    </a:extLst>
-                  </a:tr>
-                  <a:tr h="416405">
-                    <a:tc>
-                      <a:txBody>
-                        <a:bodyPr/>
-                        <a:lstStyle/>
-                        <a:p>
-                          <a:pPr algn="ctr"/>
-                          <a:r>
-                            <a:rPr lang="fr-FR" dirty="0"/>
-                            <a:t>2B</a:t>
+                            <a:t>5B</a:t>
                           </a:r>
                         </a:p>
                       </a:txBody>
@@ -11046,577 +11614,9 @@
                           <a:tailEnd type="none" w="med" len="med"/>
                         </a:lnB>
                         <a:blipFill>
-                          <a:blip r:embed="rId5"/>
+                          <a:blip r:embed="rId4"/>
                           <a:stretch>
-                            <a:fillRect l="-100485" t="-418841" r="-300971" b="-201449"/>
-                          </a:stretch>
-                        </a:blipFill>
-                      </a:tcPr>
-                    </a:tc>
-                    <a:tc>
-                      <a:txBody>
-                        <a:bodyPr/>
-                        <a:lstStyle/>
-                        <a:p>
-                          <a:pPr algn="ctr"/>
-                          <a:r>
-                            <a:rPr lang="fr-FR" dirty="0"/>
-                            <a:t>0.20</a:t>
-                          </a:r>
-                        </a:p>
-                      </a:txBody>
-                      <a:tcPr>
-                        <a:lnL w="12700" cap="flat" cmpd="sng" algn="ctr">
-                          <a:solidFill>
-                            <a:schemeClr val="tx1"/>
-                          </a:solidFill>
-                          <a:prstDash val="solid"/>
-                          <a:round/>
-                          <a:headEnd type="none" w="med" len="med"/>
-                          <a:tailEnd type="none" w="med" len="med"/>
-                        </a:lnL>
-                        <a:lnR w="12700" cap="flat" cmpd="sng" algn="ctr">
-                          <a:solidFill>
-                            <a:schemeClr val="tx1"/>
-                          </a:solidFill>
-                          <a:prstDash val="solid"/>
-                          <a:round/>
-                          <a:headEnd type="none" w="med" len="med"/>
-                          <a:tailEnd type="none" w="med" len="med"/>
-                        </a:lnR>
-                        <a:lnT w="12700" cap="flat" cmpd="sng" algn="ctr">
-                          <a:solidFill>
-                            <a:schemeClr val="tx1"/>
-                          </a:solidFill>
-                          <a:prstDash val="solid"/>
-                          <a:round/>
-                          <a:headEnd type="none" w="med" len="med"/>
-                          <a:tailEnd type="none" w="med" len="med"/>
-                        </a:lnT>
-                        <a:lnB w="12700" cap="flat" cmpd="sng" algn="ctr">
-                          <a:solidFill>
-                            <a:schemeClr val="tx1"/>
-                          </a:solidFill>
-                          <a:prstDash val="solid"/>
-                          <a:round/>
-                          <a:headEnd type="none" w="med" len="med"/>
-                          <a:tailEnd type="none" w="med" len="med"/>
-                        </a:lnB>
-                        <a:solidFill>
-                          <a:schemeClr val="bg1">
-                            <a:lumMod val="85000"/>
-                          </a:schemeClr>
-                        </a:solidFill>
-                      </a:tcPr>
-                    </a:tc>
-                    <a:tc>
-                      <a:txBody>
-                        <a:bodyPr/>
-                        <a:lstStyle/>
-                        <a:p>
-                          <a:pPr algn="ctr"/>
-                          <a:r>
-                            <a:rPr lang="fr-FR" dirty="0"/>
-                            <a:t>0.26</a:t>
-                          </a:r>
-                        </a:p>
-                      </a:txBody>
-                      <a:tcPr>
-                        <a:lnL w="12700" cap="flat" cmpd="sng" algn="ctr">
-                          <a:solidFill>
-                            <a:schemeClr val="tx1"/>
-                          </a:solidFill>
-                          <a:prstDash val="solid"/>
-                          <a:round/>
-                          <a:headEnd type="none" w="med" len="med"/>
-                          <a:tailEnd type="none" w="med" len="med"/>
-                        </a:lnL>
-                        <a:lnR w="12700" cap="flat" cmpd="sng" algn="ctr">
-                          <a:solidFill>
-                            <a:schemeClr val="tx1"/>
-                          </a:solidFill>
-                          <a:prstDash val="solid"/>
-                          <a:round/>
-                          <a:headEnd type="none" w="med" len="med"/>
-                          <a:tailEnd type="none" w="med" len="med"/>
-                        </a:lnR>
-                        <a:lnT w="12700" cap="flat" cmpd="sng" algn="ctr">
-                          <a:solidFill>
-                            <a:schemeClr val="tx1"/>
-                          </a:solidFill>
-                          <a:prstDash val="solid"/>
-                          <a:round/>
-                          <a:headEnd type="none" w="med" len="med"/>
-                          <a:tailEnd type="none" w="med" len="med"/>
-                        </a:lnT>
-                        <a:lnB w="12700" cap="flat" cmpd="sng" algn="ctr">
-                          <a:solidFill>
-                            <a:schemeClr val="tx1"/>
-                          </a:solidFill>
-                          <a:prstDash val="solid"/>
-                          <a:round/>
-                          <a:headEnd type="none" w="med" len="med"/>
-                          <a:tailEnd type="none" w="med" len="med"/>
-                        </a:lnB>
-                        <a:solidFill>
-                          <a:schemeClr val="bg1">
-                            <a:lumMod val="85000"/>
-                          </a:schemeClr>
-                        </a:solidFill>
-                      </a:tcPr>
-                    </a:tc>
-                    <a:tc>
-                      <a:txBody>
-                        <a:bodyPr/>
-                        <a:lstStyle/>
-                        <a:p>
-                          <a:pPr algn="ctr"/>
-                          <a:r>
-                            <a:rPr lang="fr-FR" dirty="0"/>
-                            <a:t>0.33</a:t>
-                          </a:r>
-                        </a:p>
-                      </a:txBody>
-                      <a:tcPr>
-                        <a:lnL w="12700" cap="flat" cmpd="sng" algn="ctr">
-                          <a:solidFill>
-                            <a:schemeClr val="tx1"/>
-                          </a:solidFill>
-                          <a:prstDash val="solid"/>
-                          <a:round/>
-                          <a:headEnd type="none" w="med" len="med"/>
-                          <a:tailEnd type="none" w="med" len="med"/>
-                        </a:lnL>
-                        <a:lnR w="12700" cap="flat" cmpd="sng" algn="ctr">
-                          <a:solidFill>
-                            <a:schemeClr val="tx1"/>
-                          </a:solidFill>
-                          <a:prstDash val="solid"/>
-                          <a:round/>
-                          <a:headEnd type="none" w="med" len="med"/>
-                          <a:tailEnd type="none" w="med" len="med"/>
-                        </a:lnR>
-                        <a:lnT w="12700" cap="flat" cmpd="sng" algn="ctr">
-                          <a:solidFill>
-                            <a:schemeClr val="tx1"/>
-                          </a:solidFill>
-                          <a:prstDash val="solid"/>
-                          <a:round/>
-                          <a:headEnd type="none" w="med" len="med"/>
-                          <a:tailEnd type="none" w="med" len="med"/>
-                        </a:lnT>
-                        <a:lnB w="12700" cap="flat" cmpd="sng" algn="ctr">
-                          <a:solidFill>
-                            <a:schemeClr val="tx1"/>
-                          </a:solidFill>
-                          <a:prstDash val="solid"/>
-                          <a:round/>
-                          <a:headEnd type="none" w="med" len="med"/>
-                          <a:tailEnd type="none" w="med" len="med"/>
-                        </a:lnB>
-                        <a:solidFill>
-                          <a:schemeClr val="bg1">
-                            <a:lumMod val="85000"/>
-                          </a:schemeClr>
-                        </a:solidFill>
-                      </a:tcPr>
-                    </a:tc>
-                    <a:extLst>
-                      <a:ext uri="{0D108BD9-81ED-4DB2-BD59-A6C34878D82A}">
-                        <a16:rowId xmlns:a16="http://schemas.microsoft.com/office/drawing/2014/main" val="338648113"/>
-                      </a:ext>
-                    </a:extLst>
-                  </a:tr>
-                  <a:tr h="416405">
-                    <a:tc>
-                      <a:txBody>
-                        <a:bodyPr/>
-                        <a:lstStyle/>
-                        <a:p>
-                          <a:pPr algn="ctr"/>
-                          <a:r>
-                            <a:rPr lang="fr-FR" dirty="0"/>
-                            <a:t>3B</a:t>
-                          </a:r>
-                        </a:p>
-                      </a:txBody>
-                      <a:tcPr>
-                        <a:lnL w="12700" cap="flat" cmpd="sng" algn="ctr">
-                          <a:solidFill>
-                            <a:schemeClr val="tx1"/>
-                          </a:solidFill>
-                          <a:prstDash val="solid"/>
-                          <a:round/>
-                          <a:headEnd type="none" w="med" len="med"/>
-                          <a:tailEnd type="none" w="med" len="med"/>
-                        </a:lnL>
-                        <a:lnR w="12700" cap="flat" cmpd="sng" algn="ctr">
-                          <a:solidFill>
-                            <a:schemeClr val="tx1"/>
-                          </a:solidFill>
-                          <a:prstDash val="solid"/>
-                          <a:round/>
-                          <a:headEnd type="none" w="med" len="med"/>
-                          <a:tailEnd type="none" w="med" len="med"/>
-                        </a:lnR>
-                        <a:lnT w="12700" cap="flat" cmpd="sng" algn="ctr">
-                          <a:solidFill>
-                            <a:schemeClr val="tx1"/>
-                          </a:solidFill>
-                          <a:prstDash val="solid"/>
-                          <a:round/>
-                          <a:headEnd type="none" w="med" len="med"/>
-                          <a:tailEnd type="none" w="med" len="med"/>
-                        </a:lnT>
-                        <a:lnB w="12700" cap="flat" cmpd="sng" algn="ctr">
-                          <a:solidFill>
-                            <a:schemeClr val="tx1"/>
-                          </a:solidFill>
-                          <a:prstDash val="solid"/>
-                          <a:round/>
-                          <a:headEnd type="none" w="med" len="med"/>
-                          <a:tailEnd type="none" w="med" len="med"/>
-                        </a:lnB>
-                        <a:solidFill>
-                          <a:schemeClr val="bg1">
-                            <a:lumMod val="75000"/>
-                          </a:schemeClr>
-                        </a:solidFill>
-                      </a:tcPr>
-                    </a:tc>
-                    <a:tc>
-                      <a:txBody>
-                        <a:bodyPr/>
-                        <a:lstStyle/>
-                        <a:p>
-                          <a:endParaRPr lang="fr-FR"/>
-                        </a:p>
-                      </a:txBody>
-                      <a:tcPr>
-                        <a:lnL w="12700" cap="flat" cmpd="sng" algn="ctr">
-                          <a:solidFill>
-                            <a:schemeClr val="tx1"/>
-                          </a:solidFill>
-                          <a:prstDash val="solid"/>
-                          <a:round/>
-                          <a:headEnd type="none" w="med" len="med"/>
-                          <a:tailEnd type="none" w="med" len="med"/>
-                        </a:lnL>
-                        <a:lnR w="12700" cap="flat" cmpd="sng" algn="ctr">
-                          <a:solidFill>
-                            <a:schemeClr val="tx1"/>
-                          </a:solidFill>
-                          <a:prstDash val="solid"/>
-                          <a:round/>
-                          <a:headEnd type="none" w="med" len="med"/>
-                          <a:tailEnd type="none" w="med" len="med"/>
-                        </a:lnR>
-                        <a:lnT w="12700" cap="flat" cmpd="sng" algn="ctr">
-                          <a:solidFill>
-                            <a:schemeClr val="tx1"/>
-                          </a:solidFill>
-                          <a:prstDash val="solid"/>
-                          <a:round/>
-                          <a:headEnd type="none" w="med" len="med"/>
-                          <a:tailEnd type="none" w="med" len="med"/>
-                        </a:lnT>
-                        <a:lnB w="12700" cap="flat" cmpd="sng" algn="ctr">
-                          <a:solidFill>
-                            <a:schemeClr val="tx1"/>
-                          </a:solidFill>
-                          <a:prstDash val="solid"/>
-                          <a:round/>
-                          <a:headEnd type="none" w="med" len="med"/>
-                          <a:tailEnd type="none" w="med" len="med"/>
-                        </a:lnB>
-                        <a:blipFill>
-                          <a:blip r:embed="rId5"/>
-                          <a:stretch>
-                            <a:fillRect l="-100485" t="-526471" r="-300971" b="-104412"/>
-                          </a:stretch>
-                        </a:blipFill>
-                      </a:tcPr>
-                    </a:tc>
-                    <a:tc>
-                      <a:txBody>
-                        <a:bodyPr/>
-                        <a:lstStyle/>
-                        <a:p>
-                          <a:pPr algn="ctr"/>
-                          <a:r>
-                            <a:rPr lang="fr-FR" dirty="0"/>
-                            <a:t>0.17</a:t>
-                          </a:r>
-                        </a:p>
-                      </a:txBody>
-                      <a:tcPr>
-                        <a:lnL w="12700" cap="flat" cmpd="sng" algn="ctr">
-                          <a:solidFill>
-                            <a:schemeClr val="tx1"/>
-                          </a:solidFill>
-                          <a:prstDash val="solid"/>
-                          <a:round/>
-                          <a:headEnd type="none" w="med" len="med"/>
-                          <a:tailEnd type="none" w="med" len="med"/>
-                        </a:lnL>
-                        <a:lnR w="12700" cap="flat" cmpd="sng" algn="ctr">
-                          <a:solidFill>
-                            <a:schemeClr val="tx1"/>
-                          </a:solidFill>
-                          <a:prstDash val="solid"/>
-                          <a:round/>
-                          <a:headEnd type="none" w="med" len="med"/>
-                          <a:tailEnd type="none" w="med" len="med"/>
-                        </a:lnR>
-                        <a:lnT w="12700" cap="flat" cmpd="sng" algn="ctr">
-                          <a:solidFill>
-                            <a:schemeClr val="tx1"/>
-                          </a:solidFill>
-                          <a:prstDash val="solid"/>
-                          <a:round/>
-                          <a:headEnd type="none" w="med" len="med"/>
-                          <a:tailEnd type="none" w="med" len="med"/>
-                        </a:lnT>
-                        <a:lnB w="12700" cap="flat" cmpd="sng" algn="ctr">
-                          <a:solidFill>
-                            <a:schemeClr val="tx1"/>
-                          </a:solidFill>
-                          <a:prstDash val="solid"/>
-                          <a:round/>
-                          <a:headEnd type="none" w="med" len="med"/>
-                          <a:tailEnd type="none" w="med" len="med"/>
-                        </a:lnB>
-                        <a:solidFill>
-                          <a:schemeClr val="bg1">
-                            <a:lumMod val="85000"/>
-                          </a:schemeClr>
-                        </a:solidFill>
-                      </a:tcPr>
-                    </a:tc>
-                    <a:tc>
-                      <a:txBody>
-                        <a:bodyPr/>
-                        <a:lstStyle/>
-                        <a:p>
-                          <a:pPr algn="ctr"/>
-                          <a:r>
-                            <a:rPr lang="fr-FR" dirty="0"/>
-                            <a:t>0.23</a:t>
-                          </a:r>
-                        </a:p>
-                      </a:txBody>
-                      <a:tcPr>
-                        <a:lnL w="12700" cap="flat" cmpd="sng" algn="ctr">
-                          <a:solidFill>
-                            <a:schemeClr val="tx1"/>
-                          </a:solidFill>
-                          <a:prstDash val="solid"/>
-                          <a:round/>
-                          <a:headEnd type="none" w="med" len="med"/>
-                          <a:tailEnd type="none" w="med" len="med"/>
-                        </a:lnL>
-                        <a:lnR w="12700" cap="flat" cmpd="sng" algn="ctr">
-                          <a:solidFill>
-                            <a:schemeClr val="tx1"/>
-                          </a:solidFill>
-                          <a:prstDash val="solid"/>
-                          <a:round/>
-                          <a:headEnd type="none" w="med" len="med"/>
-                          <a:tailEnd type="none" w="med" len="med"/>
-                        </a:lnR>
-                        <a:lnT w="12700" cap="flat" cmpd="sng" algn="ctr">
-                          <a:solidFill>
-                            <a:schemeClr val="tx1"/>
-                          </a:solidFill>
-                          <a:prstDash val="solid"/>
-                          <a:round/>
-                          <a:headEnd type="none" w="med" len="med"/>
-                          <a:tailEnd type="none" w="med" len="med"/>
-                        </a:lnT>
-                        <a:lnB w="12700" cap="flat" cmpd="sng" algn="ctr">
-                          <a:solidFill>
-                            <a:schemeClr val="tx1"/>
-                          </a:solidFill>
-                          <a:prstDash val="solid"/>
-                          <a:round/>
-                          <a:headEnd type="none" w="med" len="med"/>
-                          <a:tailEnd type="none" w="med" len="med"/>
-                        </a:lnB>
-                        <a:solidFill>
-                          <a:schemeClr val="bg1">
-                            <a:lumMod val="85000"/>
-                          </a:schemeClr>
-                        </a:solidFill>
-                      </a:tcPr>
-                    </a:tc>
-                    <a:tc>
-                      <a:txBody>
-                        <a:bodyPr/>
-                        <a:lstStyle/>
-                        <a:p>
-                          <a:pPr algn="ctr"/>
-                          <a:r>
-                            <a:rPr lang="fr-FR" dirty="0"/>
-                            <a:t>0.31</a:t>
-                          </a:r>
-                        </a:p>
-                      </a:txBody>
-                      <a:tcPr>
-                        <a:lnL w="12700" cap="flat" cmpd="sng" algn="ctr">
-                          <a:solidFill>
-                            <a:schemeClr val="tx1"/>
-                          </a:solidFill>
-                          <a:prstDash val="solid"/>
-                          <a:round/>
-                          <a:headEnd type="none" w="med" len="med"/>
-                          <a:tailEnd type="none" w="med" len="med"/>
-                        </a:lnL>
-                        <a:lnR w="12700" cap="flat" cmpd="sng" algn="ctr">
-                          <a:solidFill>
-                            <a:schemeClr val="tx1"/>
-                          </a:solidFill>
-                          <a:prstDash val="solid"/>
-                          <a:round/>
-                          <a:headEnd type="none" w="med" len="med"/>
-                          <a:tailEnd type="none" w="med" len="med"/>
-                        </a:lnR>
-                        <a:lnT w="12700" cap="flat" cmpd="sng" algn="ctr">
-                          <a:solidFill>
-                            <a:schemeClr val="tx1"/>
-                          </a:solidFill>
-                          <a:prstDash val="solid"/>
-                          <a:round/>
-                          <a:headEnd type="none" w="med" len="med"/>
-                          <a:tailEnd type="none" w="med" len="med"/>
-                        </a:lnT>
-                        <a:lnB w="12700" cap="flat" cmpd="sng" algn="ctr">
-                          <a:solidFill>
-                            <a:schemeClr val="tx1"/>
-                          </a:solidFill>
-                          <a:prstDash val="solid"/>
-                          <a:round/>
-                          <a:headEnd type="none" w="med" len="med"/>
-                          <a:tailEnd type="none" w="med" len="med"/>
-                        </a:lnB>
-                        <a:solidFill>
-                          <a:schemeClr val="bg1">
-                            <a:lumMod val="85000"/>
-                          </a:schemeClr>
-                        </a:solidFill>
-                      </a:tcPr>
-                    </a:tc>
-                    <a:extLst>
-                      <a:ext uri="{0D108BD9-81ED-4DB2-BD59-A6C34878D82A}">
-                        <a16:rowId xmlns:a16="http://schemas.microsoft.com/office/drawing/2014/main" val="1285524678"/>
-                      </a:ext>
-                    </a:extLst>
-                  </a:tr>
-                  <a:tr h="416405">
-                    <a:tc>
-                      <a:txBody>
-                        <a:bodyPr/>
-                        <a:lstStyle/>
-                        <a:p>
-                          <a:pPr algn="ctr"/>
-                          <a:r>
-                            <a:rPr lang="fr-FR" dirty="0"/>
-                            <a:t>5B</a:t>
-                          </a:r>
-                        </a:p>
-                      </a:txBody>
-                      <a:tcPr>
-                        <a:lnL w="12700" cap="flat" cmpd="sng" algn="ctr">
-                          <a:solidFill>
-                            <a:schemeClr val="tx1"/>
-                          </a:solidFill>
-                          <a:prstDash val="solid"/>
-                          <a:round/>
-                          <a:headEnd type="none" w="med" len="med"/>
-                          <a:tailEnd type="none" w="med" len="med"/>
-                        </a:lnL>
-                        <a:lnR w="12700" cap="flat" cmpd="sng" algn="ctr">
-                          <a:solidFill>
-                            <a:schemeClr val="tx1"/>
-                          </a:solidFill>
-                          <a:prstDash val="solid"/>
-                          <a:round/>
-                          <a:headEnd type="none" w="med" len="med"/>
-                          <a:tailEnd type="none" w="med" len="med"/>
-                        </a:lnR>
-                        <a:lnT w="12700" cap="flat" cmpd="sng" algn="ctr">
-                          <a:solidFill>
-                            <a:schemeClr val="tx1"/>
-                          </a:solidFill>
-                          <a:prstDash val="solid"/>
-                          <a:round/>
-                          <a:headEnd type="none" w="med" len="med"/>
-                          <a:tailEnd type="none" w="med" len="med"/>
-                        </a:lnT>
-                        <a:lnB w="12700" cap="flat" cmpd="sng" algn="ctr">
-                          <a:solidFill>
-                            <a:schemeClr val="tx1"/>
-                          </a:solidFill>
-                          <a:prstDash val="solid"/>
-                          <a:round/>
-                          <a:headEnd type="none" w="med" len="med"/>
-                          <a:tailEnd type="none" w="med" len="med"/>
-                        </a:lnB>
-                        <a:solidFill>
-                          <a:schemeClr val="bg1">
-                            <a:lumMod val="75000"/>
-                          </a:schemeClr>
-                        </a:solidFill>
-                      </a:tcPr>
-                    </a:tc>
-                    <a:tc>
-                      <a:txBody>
-                        <a:bodyPr/>
-                        <a:lstStyle/>
-                        <a:p>
-                          <a:endParaRPr lang="fr-FR"/>
-                        </a:p>
-                      </a:txBody>
-                      <a:tcPr>
-                        <a:lnL w="12700" cap="flat" cmpd="sng" algn="ctr">
-                          <a:solidFill>
-                            <a:schemeClr val="tx1"/>
-                          </a:solidFill>
-                          <a:prstDash val="solid"/>
-                          <a:round/>
-                          <a:headEnd type="none" w="med" len="med"/>
-                          <a:tailEnd type="none" w="med" len="med"/>
-                        </a:lnL>
-                        <a:lnR w="12700" cap="flat" cmpd="sng" algn="ctr">
-                          <a:solidFill>
-                            <a:schemeClr val="tx1"/>
-                          </a:solidFill>
-                          <a:prstDash val="solid"/>
-                          <a:round/>
-                          <a:headEnd type="none" w="med" len="med"/>
-                          <a:tailEnd type="none" w="med" len="med"/>
-                        </a:lnR>
-                        <a:lnT w="12700" cap="flat" cmpd="sng" algn="ctr">
-                          <a:solidFill>
-                            <a:schemeClr val="tx1"/>
-                          </a:solidFill>
-                          <a:prstDash val="solid"/>
-                          <a:round/>
-                          <a:headEnd type="none" w="med" len="med"/>
-                          <a:tailEnd type="none" w="med" len="med"/>
-                        </a:lnT>
-                        <a:lnB w="12700" cap="flat" cmpd="sng" algn="ctr">
-                          <a:solidFill>
-                            <a:schemeClr val="tx1"/>
-                          </a:solidFill>
-                          <a:prstDash val="solid"/>
-                          <a:round/>
-                          <a:headEnd type="none" w="med" len="med"/>
-                          <a:tailEnd type="none" w="med" len="med"/>
-                        </a:lnB>
-                        <a:blipFill>
-                          <a:blip r:embed="rId5"/>
-                          <a:stretch>
-                            <a:fillRect l="-100485" t="-617391" r="-300971" b="-2899"/>
+                            <a:fillRect l="-100485" t="-642424" r="-300971" b="-3030"/>
                           </a:stretch>
                         </a:blipFill>
                       </a:tcPr>
@@ -11816,7 +11816,7 @@
           <p:nvPr/>
         </p:nvPicPr>
         <p:blipFill>
-          <a:blip r:embed="rId6"/>
+          <a:blip r:embed="rId5"/>
           <a:stretch>
             <a:fillRect/>
           </a:stretch>
@@ -12322,13 +12322,6 @@
                 </a:r>
                 <a14:m>
                   <m:oMath xmlns:m="http://schemas.openxmlformats.org/officeDocument/2006/math">
-                    <m:r>
-                      <a:rPr lang="fr-FR" sz="1400" b="0" i="1" noProof="0" smtClean="0">
-                        <a:latin typeface="Cambria Math" panose="02040503050406030204" pitchFamily="18" charset="0"/>
-                        <a:cs typeface="Arial" panose="020B0604020202020204" pitchFamily="34" charset="0"/>
-                      </a:rPr>
-                      <m:t>𝑅</m:t>
-                    </m:r>
                     <m:sSub>
                       <m:sSubPr>
                         <m:ctrlPr>
@@ -12638,7 +12631,7 @@
                             <a:latin typeface="Cambria Math" panose="02040503050406030204" pitchFamily="18" charset="0"/>
                             <a:cs typeface="Arial" panose="020B0604020202020204" pitchFamily="34" charset="0"/>
                           </a:rPr>
-                          <m:t>6</m:t>
+                          <m:t>5</m:t>
                         </m:r>
                       </m:sub>
                     </m:sSub>

--- a/Datasheet/Datasheet_capteur_2025.pptx
+++ b/Datasheet/Datasheet_capteur_2025.pptx
@@ -200,7 +200,7 @@
           <a:p>
             <a:fld id="{C1D843DA-A392-4B16-AD22-4E5E3E7ED1AC}" type="datetimeFigureOut">
               <a:rPr lang="fr-FR" smtClean="0"/>
-              <a:t>20/05/2025</a:t>
+              <a:t>23/05/2025</a:t>
             </a:fld>
             <a:endParaRPr lang="fr-FR"/>
           </a:p>
@@ -682,7 +682,7 @@
           <a:p>
             <a:fld id="{E030C13D-1992-4B2B-B408-E2F8B4A6D092}" type="datetimeFigureOut">
               <a:rPr lang="fr-FR" smtClean="0"/>
-              <a:t>20/05/2025</a:t>
+              <a:t>23/05/2025</a:t>
             </a:fld>
             <a:endParaRPr lang="fr-FR"/>
           </a:p>
@@ -852,7 +852,7 @@
           <a:p>
             <a:fld id="{E030C13D-1992-4B2B-B408-E2F8B4A6D092}" type="datetimeFigureOut">
               <a:rPr lang="fr-FR" smtClean="0"/>
-              <a:t>20/05/2025</a:t>
+              <a:t>23/05/2025</a:t>
             </a:fld>
             <a:endParaRPr lang="fr-FR"/>
           </a:p>
@@ -1032,7 +1032,7 @@
           <a:p>
             <a:fld id="{E030C13D-1992-4B2B-B408-E2F8B4A6D092}" type="datetimeFigureOut">
               <a:rPr lang="fr-FR" smtClean="0"/>
-              <a:t>20/05/2025</a:t>
+              <a:t>23/05/2025</a:t>
             </a:fld>
             <a:endParaRPr lang="fr-FR"/>
           </a:p>
@@ -1202,7 +1202,7 @@
           <a:p>
             <a:fld id="{E030C13D-1992-4B2B-B408-E2F8B4A6D092}" type="datetimeFigureOut">
               <a:rPr lang="fr-FR" smtClean="0"/>
-              <a:t>20/05/2025</a:t>
+              <a:t>23/05/2025</a:t>
             </a:fld>
             <a:endParaRPr lang="fr-FR"/>
           </a:p>
@@ -1448,7 +1448,7 @@
           <a:p>
             <a:fld id="{E030C13D-1992-4B2B-B408-E2F8B4A6D092}" type="datetimeFigureOut">
               <a:rPr lang="fr-FR" smtClean="0"/>
-              <a:t>20/05/2025</a:t>
+              <a:t>23/05/2025</a:t>
             </a:fld>
             <a:endParaRPr lang="fr-FR"/>
           </a:p>
@@ -1680,7 +1680,7 @@
           <a:p>
             <a:fld id="{E030C13D-1992-4B2B-B408-E2F8B4A6D092}" type="datetimeFigureOut">
               <a:rPr lang="fr-FR" smtClean="0"/>
-              <a:t>20/05/2025</a:t>
+              <a:t>23/05/2025</a:t>
             </a:fld>
             <a:endParaRPr lang="fr-FR"/>
           </a:p>
@@ -2047,7 +2047,7 @@
           <a:p>
             <a:fld id="{E030C13D-1992-4B2B-B408-E2F8B4A6D092}" type="datetimeFigureOut">
               <a:rPr lang="fr-FR" smtClean="0"/>
-              <a:t>20/05/2025</a:t>
+              <a:t>23/05/2025</a:t>
             </a:fld>
             <a:endParaRPr lang="fr-FR"/>
           </a:p>
@@ -2165,7 +2165,7 @@
           <a:p>
             <a:fld id="{E030C13D-1992-4B2B-B408-E2F8B4A6D092}" type="datetimeFigureOut">
               <a:rPr lang="fr-FR" smtClean="0"/>
-              <a:t>20/05/2025</a:t>
+              <a:t>23/05/2025</a:t>
             </a:fld>
             <a:endParaRPr lang="fr-FR"/>
           </a:p>
@@ -2260,7 +2260,7 @@
           <a:p>
             <a:fld id="{E030C13D-1992-4B2B-B408-E2F8B4A6D092}" type="datetimeFigureOut">
               <a:rPr lang="fr-FR" smtClean="0"/>
-              <a:t>20/05/2025</a:t>
+              <a:t>23/05/2025</a:t>
             </a:fld>
             <a:endParaRPr lang="fr-FR"/>
           </a:p>
@@ -2537,7 +2537,7 @@
           <a:p>
             <a:fld id="{E030C13D-1992-4B2B-B408-E2F8B4A6D092}" type="datetimeFigureOut">
               <a:rPr lang="fr-FR" smtClean="0"/>
-              <a:t>20/05/2025</a:t>
+              <a:t>23/05/2025</a:t>
             </a:fld>
             <a:endParaRPr lang="fr-FR"/>
           </a:p>
@@ -2794,7 +2794,7 @@
           <a:p>
             <a:fld id="{E030C13D-1992-4B2B-B408-E2F8B4A6D092}" type="datetimeFigureOut">
               <a:rPr lang="fr-FR" smtClean="0"/>
-              <a:t>20/05/2025</a:t>
+              <a:t>23/05/2025</a:t>
             </a:fld>
             <a:endParaRPr lang="fr-FR"/>
           </a:p>
@@ -3007,7 +3007,7 @@
           <a:p>
             <a:fld id="{E030C13D-1992-4B2B-B408-E2F8B4A6D092}" type="datetimeFigureOut">
               <a:rPr lang="fr-FR" smtClean="0"/>
-              <a:t>20/05/2025</a:t>
+              <a:t>23/05/2025</a:t>
             </a:fld>
             <a:endParaRPr lang="fr-FR"/>
           </a:p>
@@ -7379,7 +7379,7 @@
               <p:nvPr>
                 <p:extLst>
                   <p:ext uri="{D42A27DB-BD31-4B8C-83A1-F6EECF244321}">
-                    <p14:modId xmlns:p14="http://schemas.microsoft.com/office/powerpoint/2010/main" val="963410585"/>
+                    <p14:modId xmlns:p14="http://schemas.microsoft.com/office/powerpoint/2010/main" val="2152663897"/>
                   </p:ext>
                 </p:extLst>
               </p:nvPr>
@@ -7896,7 +7896,7 @@
                           <a:pPr algn="ctr"/>
                           <a:r>
                             <a:rPr lang="fr-FR" dirty="0"/>
-                            <a:t>3.0</a:t>
+                            <a:t>5.0</a:t>
                           </a:r>
                         </a:p>
                       </a:txBody>
@@ -8008,7 +8008,7 @@
                           <a:pPr algn="ctr"/>
                           <a:r>
                             <a:rPr lang="fr-FR" dirty="0"/>
-                            <a:t>7.0</a:t>
+                            <a:t>5.0</a:t>
                           </a:r>
                         </a:p>
                       </a:txBody>
@@ -9692,7 +9692,7 @@
               <p:nvPr>
                 <p:extLst>
                   <p:ext uri="{D42A27DB-BD31-4B8C-83A1-F6EECF244321}">
-                    <p14:modId xmlns:p14="http://schemas.microsoft.com/office/powerpoint/2010/main" val="963410585"/>
+                    <p14:modId xmlns:p14="http://schemas.microsoft.com/office/powerpoint/2010/main" val="2152663897"/>
                   </p:ext>
                 </p:extLst>
               </p:nvPr>
@@ -10209,7 +10209,7 @@
                           <a:pPr algn="ctr"/>
                           <a:r>
                             <a:rPr lang="fr-FR" dirty="0"/>
-                            <a:t>3.0</a:t>
+                            <a:t>5.0</a:t>
                           </a:r>
                         </a:p>
                       </a:txBody>
@@ -10321,7 +10321,7 @@
                           <a:pPr algn="ctr"/>
                           <a:r>
                             <a:rPr lang="fr-FR" dirty="0"/>
-                            <a:t>7.0</a:t>
+                            <a:t>5.0</a:t>
                           </a:r>
                         </a:p>
                       </a:txBody>
